--- a/Mid_Semester_Pres.pptx
+++ b/Mid_Semester_Pres.pptx
@@ -139,7 +139,7 @@
           <p:cNvPr id="2" name="Title 1">
             <a:extLst>
               <a:ext uri="{FF2B5EF4-FFF2-40B4-BE49-F238E27FC236}">
-                <a16:creationId xmlns:a16="http://schemas.microsoft.com/office/drawing/2014/main" xmlns="" id="{24813C38-6780-394D-B0D7-5CB9333C04B7}"/>
+                <a16:creationId xmlns="" xmlns:a16="http://schemas.microsoft.com/office/drawing/2014/main" id="{24813C38-6780-394D-B0D7-5CB9333C04B7}"/>
               </a:ext>
             </a:extLst>
           </p:cNvPr>
@@ -176,7 +176,7 @@
           <p:cNvPr id="3" name="Subtitle 2">
             <a:extLst>
               <a:ext uri="{FF2B5EF4-FFF2-40B4-BE49-F238E27FC236}">
-                <a16:creationId xmlns:a16="http://schemas.microsoft.com/office/drawing/2014/main" xmlns="" id="{028DAFC7-6381-B94E-9C1D-B4086C7FDC27}"/>
+                <a16:creationId xmlns="" xmlns:a16="http://schemas.microsoft.com/office/drawing/2014/main" id="{028DAFC7-6381-B94E-9C1D-B4086C7FDC27}"/>
               </a:ext>
             </a:extLst>
           </p:cNvPr>
@@ -246,7 +246,7 @@
           <p:cNvPr id="4" name="Date Placeholder 3">
             <a:extLst>
               <a:ext uri="{FF2B5EF4-FFF2-40B4-BE49-F238E27FC236}">
-                <a16:creationId xmlns:a16="http://schemas.microsoft.com/office/drawing/2014/main" xmlns="" id="{0C794904-F6A9-4B40-A5B4-AE1F825AB3CA}"/>
+                <a16:creationId xmlns="" xmlns:a16="http://schemas.microsoft.com/office/drawing/2014/main" id="{0C794904-F6A9-4B40-A5B4-AE1F825AB3CA}"/>
               </a:ext>
             </a:extLst>
           </p:cNvPr>
@@ -264,7 +264,7 @@
           <a:p>
             <a:fld id="{45F5DF8E-F4B8-D441-8FFB-59F600C03B7F}" type="datetimeFigureOut">
               <a:rPr lang="en-US" smtClean="0"/>
-              <a:t>3/6/22</a:t>
+              <a:t>3/10/22</a:t>
             </a:fld>
             <a:endParaRPr lang="en-US"/>
           </a:p>
@@ -275,7 +275,7 @@
           <p:cNvPr id="5" name="Footer Placeholder 4">
             <a:extLst>
               <a:ext uri="{FF2B5EF4-FFF2-40B4-BE49-F238E27FC236}">
-                <a16:creationId xmlns:a16="http://schemas.microsoft.com/office/drawing/2014/main" xmlns="" id="{D7F3CEBD-6753-7F45-89AF-483FD194E40E}"/>
+                <a16:creationId xmlns="" xmlns:a16="http://schemas.microsoft.com/office/drawing/2014/main" id="{D7F3CEBD-6753-7F45-89AF-483FD194E40E}"/>
               </a:ext>
             </a:extLst>
           </p:cNvPr>
@@ -300,7 +300,7 @@
           <p:cNvPr id="6" name="Slide Number Placeholder 5">
             <a:extLst>
               <a:ext uri="{FF2B5EF4-FFF2-40B4-BE49-F238E27FC236}">
-                <a16:creationId xmlns:a16="http://schemas.microsoft.com/office/drawing/2014/main" xmlns="" id="{D314E6EC-E184-8F49-83B3-9A67246F7571}"/>
+                <a16:creationId xmlns="" xmlns:a16="http://schemas.microsoft.com/office/drawing/2014/main" id="{D314E6EC-E184-8F49-83B3-9A67246F7571}"/>
               </a:ext>
             </a:extLst>
           </p:cNvPr>
@@ -359,7 +359,7 @@
           <p:cNvPr id="2" name="Title 1">
             <a:extLst>
               <a:ext uri="{FF2B5EF4-FFF2-40B4-BE49-F238E27FC236}">
-                <a16:creationId xmlns:a16="http://schemas.microsoft.com/office/drawing/2014/main" xmlns="" id="{39036396-E03F-3940-871A-6EECAAAD69F1}"/>
+                <a16:creationId xmlns="" xmlns:a16="http://schemas.microsoft.com/office/drawing/2014/main" id="{39036396-E03F-3940-871A-6EECAAAD69F1}"/>
               </a:ext>
             </a:extLst>
           </p:cNvPr>
@@ -387,7 +387,7 @@
           <p:cNvPr id="3" name="Vertical Text Placeholder 2">
             <a:extLst>
               <a:ext uri="{FF2B5EF4-FFF2-40B4-BE49-F238E27FC236}">
-                <a16:creationId xmlns:a16="http://schemas.microsoft.com/office/drawing/2014/main" xmlns="" id="{6F748323-3EE6-844E-96CE-76F8C28254E1}"/>
+                <a16:creationId xmlns="" xmlns:a16="http://schemas.microsoft.com/office/drawing/2014/main" id="{6F748323-3EE6-844E-96CE-76F8C28254E1}"/>
               </a:ext>
             </a:extLst>
           </p:cNvPr>
@@ -444,7 +444,7 @@
           <p:cNvPr id="4" name="Date Placeholder 3">
             <a:extLst>
               <a:ext uri="{FF2B5EF4-FFF2-40B4-BE49-F238E27FC236}">
-                <a16:creationId xmlns:a16="http://schemas.microsoft.com/office/drawing/2014/main" xmlns="" id="{3B80DCBD-874F-F742-9556-D2090DE03C00}"/>
+                <a16:creationId xmlns="" xmlns:a16="http://schemas.microsoft.com/office/drawing/2014/main" id="{3B80DCBD-874F-F742-9556-D2090DE03C00}"/>
               </a:ext>
             </a:extLst>
           </p:cNvPr>
@@ -462,7 +462,7 @@
           <a:p>
             <a:fld id="{45F5DF8E-F4B8-D441-8FFB-59F600C03B7F}" type="datetimeFigureOut">
               <a:rPr lang="en-US" smtClean="0"/>
-              <a:t>3/6/22</a:t>
+              <a:t>3/10/22</a:t>
             </a:fld>
             <a:endParaRPr lang="en-US"/>
           </a:p>
@@ -473,7 +473,7 @@
           <p:cNvPr id="5" name="Footer Placeholder 4">
             <a:extLst>
               <a:ext uri="{FF2B5EF4-FFF2-40B4-BE49-F238E27FC236}">
-                <a16:creationId xmlns:a16="http://schemas.microsoft.com/office/drawing/2014/main" xmlns="" id="{0B9534DF-45B0-4941-BE80-F3023F8BA678}"/>
+                <a16:creationId xmlns="" xmlns:a16="http://schemas.microsoft.com/office/drawing/2014/main" id="{0B9534DF-45B0-4941-BE80-F3023F8BA678}"/>
               </a:ext>
             </a:extLst>
           </p:cNvPr>
@@ -498,7 +498,7 @@
           <p:cNvPr id="6" name="Slide Number Placeholder 5">
             <a:extLst>
               <a:ext uri="{FF2B5EF4-FFF2-40B4-BE49-F238E27FC236}">
-                <a16:creationId xmlns:a16="http://schemas.microsoft.com/office/drawing/2014/main" xmlns="" id="{FB6A1C1B-C76C-AF45-9B24-86FBBE5A242D}"/>
+                <a16:creationId xmlns="" xmlns:a16="http://schemas.microsoft.com/office/drawing/2014/main" id="{FB6A1C1B-C76C-AF45-9B24-86FBBE5A242D}"/>
               </a:ext>
             </a:extLst>
           </p:cNvPr>
@@ -557,7 +557,7 @@
           <p:cNvPr id="2" name="Vertical Title 1">
             <a:extLst>
               <a:ext uri="{FF2B5EF4-FFF2-40B4-BE49-F238E27FC236}">
-                <a16:creationId xmlns:a16="http://schemas.microsoft.com/office/drawing/2014/main" xmlns="" id="{8846BBD8-61E8-2B4C-BEEF-9C26733211BC}"/>
+                <a16:creationId xmlns="" xmlns:a16="http://schemas.microsoft.com/office/drawing/2014/main" id="{8846BBD8-61E8-2B4C-BEEF-9C26733211BC}"/>
               </a:ext>
             </a:extLst>
           </p:cNvPr>
@@ -590,7 +590,7 @@
           <p:cNvPr id="3" name="Vertical Text Placeholder 2">
             <a:extLst>
               <a:ext uri="{FF2B5EF4-FFF2-40B4-BE49-F238E27FC236}">
-                <a16:creationId xmlns:a16="http://schemas.microsoft.com/office/drawing/2014/main" xmlns="" id="{2C80CFEE-74DE-694F-846D-3D5E66967662}"/>
+                <a16:creationId xmlns="" xmlns:a16="http://schemas.microsoft.com/office/drawing/2014/main" id="{2C80CFEE-74DE-694F-846D-3D5E66967662}"/>
               </a:ext>
             </a:extLst>
           </p:cNvPr>
@@ -652,7 +652,7 @@
           <p:cNvPr id="4" name="Date Placeholder 3">
             <a:extLst>
               <a:ext uri="{FF2B5EF4-FFF2-40B4-BE49-F238E27FC236}">
-                <a16:creationId xmlns:a16="http://schemas.microsoft.com/office/drawing/2014/main" xmlns="" id="{DFCEC5A0-E549-A846-BA27-582B5B438227}"/>
+                <a16:creationId xmlns="" xmlns:a16="http://schemas.microsoft.com/office/drawing/2014/main" id="{DFCEC5A0-E549-A846-BA27-582B5B438227}"/>
               </a:ext>
             </a:extLst>
           </p:cNvPr>
@@ -670,7 +670,7 @@
           <a:p>
             <a:fld id="{45F5DF8E-F4B8-D441-8FFB-59F600C03B7F}" type="datetimeFigureOut">
               <a:rPr lang="en-US" smtClean="0"/>
-              <a:t>3/6/22</a:t>
+              <a:t>3/10/22</a:t>
             </a:fld>
             <a:endParaRPr lang="en-US"/>
           </a:p>
@@ -681,7 +681,7 @@
           <p:cNvPr id="5" name="Footer Placeholder 4">
             <a:extLst>
               <a:ext uri="{FF2B5EF4-FFF2-40B4-BE49-F238E27FC236}">
-                <a16:creationId xmlns:a16="http://schemas.microsoft.com/office/drawing/2014/main" xmlns="" id="{F2759457-716A-274D-8259-60A9685ECC74}"/>
+                <a16:creationId xmlns="" xmlns:a16="http://schemas.microsoft.com/office/drawing/2014/main" id="{F2759457-716A-274D-8259-60A9685ECC74}"/>
               </a:ext>
             </a:extLst>
           </p:cNvPr>
@@ -706,7 +706,7 @@
           <p:cNvPr id="6" name="Slide Number Placeholder 5">
             <a:extLst>
               <a:ext uri="{FF2B5EF4-FFF2-40B4-BE49-F238E27FC236}">
-                <a16:creationId xmlns:a16="http://schemas.microsoft.com/office/drawing/2014/main" xmlns="" id="{4DA1D426-3F87-B746-A1B7-D86C89BEEF2F}"/>
+                <a16:creationId xmlns="" xmlns:a16="http://schemas.microsoft.com/office/drawing/2014/main" id="{4DA1D426-3F87-B746-A1B7-D86C89BEEF2F}"/>
               </a:ext>
             </a:extLst>
           </p:cNvPr>
@@ -765,7 +765,7 @@
           <p:cNvPr id="2" name="Title 1">
             <a:extLst>
               <a:ext uri="{FF2B5EF4-FFF2-40B4-BE49-F238E27FC236}">
-                <a16:creationId xmlns:a16="http://schemas.microsoft.com/office/drawing/2014/main" xmlns="" id="{58A18CFA-D9FE-B24B-9769-996B3E98496E}"/>
+                <a16:creationId xmlns="" xmlns:a16="http://schemas.microsoft.com/office/drawing/2014/main" id="{58A18CFA-D9FE-B24B-9769-996B3E98496E}"/>
               </a:ext>
             </a:extLst>
           </p:cNvPr>
@@ -793,7 +793,7 @@
           <p:cNvPr id="3" name="Content Placeholder 2">
             <a:extLst>
               <a:ext uri="{FF2B5EF4-FFF2-40B4-BE49-F238E27FC236}">
-                <a16:creationId xmlns:a16="http://schemas.microsoft.com/office/drawing/2014/main" xmlns="" id="{081FB8E3-1516-BC47-BD18-FC17BC338D83}"/>
+                <a16:creationId xmlns="" xmlns:a16="http://schemas.microsoft.com/office/drawing/2014/main" id="{081FB8E3-1516-BC47-BD18-FC17BC338D83}"/>
               </a:ext>
             </a:extLst>
           </p:cNvPr>
@@ -850,7 +850,7 @@
           <p:cNvPr id="4" name="Date Placeholder 3">
             <a:extLst>
               <a:ext uri="{FF2B5EF4-FFF2-40B4-BE49-F238E27FC236}">
-                <a16:creationId xmlns:a16="http://schemas.microsoft.com/office/drawing/2014/main" xmlns="" id="{7A5745AE-806B-334C-A2F8-71DD63CA7495}"/>
+                <a16:creationId xmlns="" xmlns:a16="http://schemas.microsoft.com/office/drawing/2014/main" id="{7A5745AE-806B-334C-A2F8-71DD63CA7495}"/>
               </a:ext>
             </a:extLst>
           </p:cNvPr>
@@ -868,7 +868,7 @@
           <a:p>
             <a:fld id="{45F5DF8E-F4B8-D441-8FFB-59F600C03B7F}" type="datetimeFigureOut">
               <a:rPr lang="en-US" smtClean="0"/>
-              <a:t>3/6/22</a:t>
+              <a:t>3/10/22</a:t>
             </a:fld>
             <a:endParaRPr lang="en-US"/>
           </a:p>
@@ -879,7 +879,7 @@
           <p:cNvPr id="5" name="Footer Placeholder 4">
             <a:extLst>
               <a:ext uri="{FF2B5EF4-FFF2-40B4-BE49-F238E27FC236}">
-                <a16:creationId xmlns:a16="http://schemas.microsoft.com/office/drawing/2014/main" xmlns="" id="{BA483F14-3D01-6941-972A-7F7ABC43B009}"/>
+                <a16:creationId xmlns="" xmlns:a16="http://schemas.microsoft.com/office/drawing/2014/main" id="{BA483F14-3D01-6941-972A-7F7ABC43B009}"/>
               </a:ext>
             </a:extLst>
           </p:cNvPr>
@@ -904,7 +904,7 @@
           <p:cNvPr id="6" name="Slide Number Placeholder 5">
             <a:extLst>
               <a:ext uri="{FF2B5EF4-FFF2-40B4-BE49-F238E27FC236}">
-                <a16:creationId xmlns:a16="http://schemas.microsoft.com/office/drawing/2014/main" xmlns="" id="{75624641-F809-E043-9D83-49E001FD45C5}"/>
+                <a16:creationId xmlns="" xmlns:a16="http://schemas.microsoft.com/office/drawing/2014/main" id="{75624641-F809-E043-9D83-49E001FD45C5}"/>
               </a:ext>
             </a:extLst>
           </p:cNvPr>
@@ -963,7 +963,7 @@
           <p:cNvPr id="2" name="Title 1">
             <a:extLst>
               <a:ext uri="{FF2B5EF4-FFF2-40B4-BE49-F238E27FC236}">
-                <a16:creationId xmlns:a16="http://schemas.microsoft.com/office/drawing/2014/main" xmlns="" id="{C0E98CF8-EB42-1A4E-B34A-BC2C37DB5654}"/>
+                <a16:creationId xmlns="" xmlns:a16="http://schemas.microsoft.com/office/drawing/2014/main" id="{C0E98CF8-EB42-1A4E-B34A-BC2C37DB5654}"/>
               </a:ext>
             </a:extLst>
           </p:cNvPr>
@@ -1000,7 +1000,7 @@
           <p:cNvPr id="3" name="Text Placeholder 2">
             <a:extLst>
               <a:ext uri="{FF2B5EF4-FFF2-40B4-BE49-F238E27FC236}">
-                <a16:creationId xmlns:a16="http://schemas.microsoft.com/office/drawing/2014/main" xmlns="" id="{0755F6C4-4B3C-C64A-A0E8-422A7C1ACABB}"/>
+                <a16:creationId xmlns="" xmlns:a16="http://schemas.microsoft.com/office/drawing/2014/main" id="{0755F6C4-4B3C-C64A-A0E8-422A7C1ACABB}"/>
               </a:ext>
             </a:extLst>
           </p:cNvPr>
@@ -1125,7 +1125,7 @@
           <p:cNvPr id="4" name="Date Placeholder 3">
             <a:extLst>
               <a:ext uri="{FF2B5EF4-FFF2-40B4-BE49-F238E27FC236}">
-                <a16:creationId xmlns:a16="http://schemas.microsoft.com/office/drawing/2014/main" xmlns="" id="{A6B6158D-EA13-F74F-AC4D-80E2B453A5A8}"/>
+                <a16:creationId xmlns="" xmlns:a16="http://schemas.microsoft.com/office/drawing/2014/main" id="{A6B6158D-EA13-F74F-AC4D-80E2B453A5A8}"/>
               </a:ext>
             </a:extLst>
           </p:cNvPr>
@@ -1143,7 +1143,7 @@
           <a:p>
             <a:fld id="{45F5DF8E-F4B8-D441-8FFB-59F600C03B7F}" type="datetimeFigureOut">
               <a:rPr lang="en-US" smtClean="0"/>
-              <a:t>3/6/22</a:t>
+              <a:t>3/10/22</a:t>
             </a:fld>
             <a:endParaRPr lang="en-US"/>
           </a:p>
@@ -1154,7 +1154,7 @@
           <p:cNvPr id="5" name="Footer Placeholder 4">
             <a:extLst>
               <a:ext uri="{FF2B5EF4-FFF2-40B4-BE49-F238E27FC236}">
-                <a16:creationId xmlns:a16="http://schemas.microsoft.com/office/drawing/2014/main" xmlns="" id="{0DD3B44F-D53E-6540-8DB3-C188A7A5C9CF}"/>
+                <a16:creationId xmlns="" xmlns:a16="http://schemas.microsoft.com/office/drawing/2014/main" id="{0DD3B44F-D53E-6540-8DB3-C188A7A5C9CF}"/>
               </a:ext>
             </a:extLst>
           </p:cNvPr>
@@ -1179,7 +1179,7 @@
           <p:cNvPr id="6" name="Slide Number Placeholder 5">
             <a:extLst>
               <a:ext uri="{FF2B5EF4-FFF2-40B4-BE49-F238E27FC236}">
-                <a16:creationId xmlns:a16="http://schemas.microsoft.com/office/drawing/2014/main" xmlns="" id="{F171FF0F-EB0C-764C-B053-ADD23560B8AB}"/>
+                <a16:creationId xmlns="" xmlns:a16="http://schemas.microsoft.com/office/drawing/2014/main" id="{F171FF0F-EB0C-764C-B053-ADD23560B8AB}"/>
               </a:ext>
             </a:extLst>
           </p:cNvPr>
@@ -1238,7 +1238,7 @@
           <p:cNvPr id="2" name="Title 1">
             <a:extLst>
               <a:ext uri="{FF2B5EF4-FFF2-40B4-BE49-F238E27FC236}">
-                <a16:creationId xmlns:a16="http://schemas.microsoft.com/office/drawing/2014/main" xmlns="" id="{04EE9806-24A1-0A46-9AB1-E51314677AFF}"/>
+                <a16:creationId xmlns="" xmlns:a16="http://schemas.microsoft.com/office/drawing/2014/main" id="{04EE9806-24A1-0A46-9AB1-E51314677AFF}"/>
               </a:ext>
             </a:extLst>
           </p:cNvPr>
@@ -1266,7 +1266,7 @@
           <p:cNvPr id="3" name="Content Placeholder 2">
             <a:extLst>
               <a:ext uri="{FF2B5EF4-FFF2-40B4-BE49-F238E27FC236}">
-                <a16:creationId xmlns:a16="http://schemas.microsoft.com/office/drawing/2014/main" xmlns="" id="{D09A5A07-85D4-6143-A71A-D0C19F741A11}"/>
+                <a16:creationId xmlns="" xmlns:a16="http://schemas.microsoft.com/office/drawing/2014/main" id="{D09A5A07-85D4-6143-A71A-D0C19F741A11}"/>
               </a:ext>
             </a:extLst>
           </p:cNvPr>
@@ -1328,7 +1328,7 @@
           <p:cNvPr id="4" name="Content Placeholder 3">
             <a:extLst>
               <a:ext uri="{FF2B5EF4-FFF2-40B4-BE49-F238E27FC236}">
-                <a16:creationId xmlns:a16="http://schemas.microsoft.com/office/drawing/2014/main" xmlns="" id="{9A3B2696-E398-8841-9DC1-1E0061A59CF9}"/>
+                <a16:creationId xmlns="" xmlns:a16="http://schemas.microsoft.com/office/drawing/2014/main" id="{9A3B2696-E398-8841-9DC1-1E0061A59CF9}"/>
               </a:ext>
             </a:extLst>
           </p:cNvPr>
@@ -1390,7 +1390,7 @@
           <p:cNvPr id="5" name="Date Placeholder 4">
             <a:extLst>
               <a:ext uri="{FF2B5EF4-FFF2-40B4-BE49-F238E27FC236}">
-                <a16:creationId xmlns:a16="http://schemas.microsoft.com/office/drawing/2014/main" xmlns="" id="{E52BC04B-AE70-D04D-B870-4DDA7352D97B}"/>
+                <a16:creationId xmlns="" xmlns:a16="http://schemas.microsoft.com/office/drawing/2014/main" id="{E52BC04B-AE70-D04D-B870-4DDA7352D97B}"/>
               </a:ext>
             </a:extLst>
           </p:cNvPr>
@@ -1408,7 +1408,7 @@
           <a:p>
             <a:fld id="{45F5DF8E-F4B8-D441-8FFB-59F600C03B7F}" type="datetimeFigureOut">
               <a:rPr lang="en-US" smtClean="0"/>
-              <a:t>3/6/22</a:t>
+              <a:t>3/10/22</a:t>
             </a:fld>
             <a:endParaRPr lang="en-US"/>
           </a:p>
@@ -1419,7 +1419,7 @@
           <p:cNvPr id="6" name="Footer Placeholder 5">
             <a:extLst>
               <a:ext uri="{FF2B5EF4-FFF2-40B4-BE49-F238E27FC236}">
-                <a16:creationId xmlns:a16="http://schemas.microsoft.com/office/drawing/2014/main" xmlns="" id="{45C5A8D9-5C2F-3644-81A8-4090ABF469B1}"/>
+                <a16:creationId xmlns="" xmlns:a16="http://schemas.microsoft.com/office/drawing/2014/main" id="{45C5A8D9-5C2F-3644-81A8-4090ABF469B1}"/>
               </a:ext>
             </a:extLst>
           </p:cNvPr>
@@ -1444,7 +1444,7 @@
           <p:cNvPr id="7" name="Slide Number Placeholder 6">
             <a:extLst>
               <a:ext uri="{FF2B5EF4-FFF2-40B4-BE49-F238E27FC236}">
-                <a16:creationId xmlns:a16="http://schemas.microsoft.com/office/drawing/2014/main" xmlns="" id="{028C3890-FDF5-044B-91D0-5B5E035BB575}"/>
+                <a16:creationId xmlns="" xmlns:a16="http://schemas.microsoft.com/office/drawing/2014/main" id="{028C3890-FDF5-044B-91D0-5B5E035BB575}"/>
               </a:ext>
             </a:extLst>
           </p:cNvPr>
@@ -1503,7 +1503,7 @@
           <p:cNvPr id="2" name="Title 1">
             <a:extLst>
               <a:ext uri="{FF2B5EF4-FFF2-40B4-BE49-F238E27FC236}">
-                <a16:creationId xmlns:a16="http://schemas.microsoft.com/office/drawing/2014/main" xmlns="" id="{4A55EB84-E70A-F048-8C65-BC0791EFB15C}"/>
+                <a16:creationId xmlns="" xmlns:a16="http://schemas.microsoft.com/office/drawing/2014/main" id="{4A55EB84-E70A-F048-8C65-BC0791EFB15C}"/>
               </a:ext>
             </a:extLst>
           </p:cNvPr>
@@ -1536,7 +1536,7 @@
           <p:cNvPr id="3" name="Text Placeholder 2">
             <a:extLst>
               <a:ext uri="{FF2B5EF4-FFF2-40B4-BE49-F238E27FC236}">
-                <a16:creationId xmlns:a16="http://schemas.microsoft.com/office/drawing/2014/main" xmlns="" id="{CB77977E-5D6C-D44C-B75C-8D6FB486C383}"/>
+                <a16:creationId xmlns="" xmlns:a16="http://schemas.microsoft.com/office/drawing/2014/main" id="{CB77977E-5D6C-D44C-B75C-8D6FB486C383}"/>
               </a:ext>
             </a:extLst>
           </p:cNvPr>
@@ -1607,7 +1607,7 @@
           <p:cNvPr id="4" name="Content Placeholder 3">
             <a:extLst>
               <a:ext uri="{FF2B5EF4-FFF2-40B4-BE49-F238E27FC236}">
-                <a16:creationId xmlns:a16="http://schemas.microsoft.com/office/drawing/2014/main" xmlns="" id="{B224A687-E2B1-584C-9030-F1D87142C127}"/>
+                <a16:creationId xmlns="" xmlns:a16="http://schemas.microsoft.com/office/drawing/2014/main" id="{B224A687-E2B1-584C-9030-F1D87142C127}"/>
               </a:ext>
             </a:extLst>
           </p:cNvPr>
@@ -1669,7 +1669,7 @@
           <p:cNvPr id="5" name="Text Placeholder 4">
             <a:extLst>
               <a:ext uri="{FF2B5EF4-FFF2-40B4-BE49-F238E27FC236}">
-                <a16:creationId xmlns:a16="http://schemas.microsoft.com/office/drawing/2014/main" xmlns="" id="{AE116A7A-9148-254A-A879-06C9498BF6A5}"/>
+                <a16:creationId xmlns="" xmlns:a16="http://schemas.microsoft.com/office/drawing/2014/main" id="{AE116A7A-9148-254A-A879-06C9498BF6A5}"/>
               </a:ext>
             </a:extLst>
           </p:cNvPr>
@@ -1740,7 +1740,7 @@
           <p:cNvPr id="6" name="Content Placeholder 5">
             <a:extLst>
               <a:ext uri="{FF2B5EF4-FFF2-40B4-BE49-F238E27FC236}">
-                <a16:creationId xmlns:a16="http://schemas.microsoft.com/office/drawing/2014/main" xmlns="" id="{E5F23523-7946-3740-8E42-6D6FA2C1A5CC}"/>
+                <a16:creationId xmlns="" xmlns:a16="http://schemas.microsoft.com/office/drawing/2014/main" id="{E5F23523-7946-3740-8E42-6D6FA2C1A5CC}"/>
               </a:ext>
             </a:extLst>
           </p:cNvPr>
@@ -1802,7 +1802,7 @@
           <p:cNvPr id="7" name="Date Placeholder 6">
             <a:extLst>
               <a:ext uri="{FF2B5EF4-FFF2-40B4-BE49-F238E27FC236}">
-                <a16:creationId xmlns:a16="http://schemas.microsoft.com/office/drawing/2014/main" xmlns="" id="{D86AA804-7678-5F4B-828F-80C3433F9759}"/>
+                <a16:creationId xmlns="" xmlns:a16="http://schemas.microsoft.com/office/drawing/2014/main" id="{D86AA804-7678-5F4B-828F-80C3433F9759}"/>
               </a:ext>
             </a:extLst>
           </p:cNvPr>
@@ -1820,7 +1820,7 @@
           <a:p>
             <a:fld id="{45F5DF8E-F4B8-D441-8FFB-59F600C03B7F}" type="datetimeFigureOut">
               <a:rPr lang="en-US" smtClean="0"/>
-              <a:t>3/6/22</a:t>
+              <a:t>3/10/22</a:t>
             </a:fld>
             <a:endParaRPr lang="en-US"/>
           </a:p>
@@ -1831,7 +1831,7 @@
           <p:cNvPr id="8" name="Footer Placeholder 7">
             <a:extLst>
               <a:ext uri="{FF2B5EF4-FFF2-40B4-BE49-F238E27FC236}">
-                <a16:creationId xmlns:a16="http://schemas.microsoft.com/office/drawing/2014/main" xmlns="" id="{916065C0-E562-5946-BE3A-62C5FC622031}"/>
+                <a16:creationId xmlns="" xmlns:a16="http://schemas.microsoft.com/office/drawing/2014/main" id="{916065C0-E562-5946-BE3A-62C5FC622031}"/>
               </a:ext>
             </a:extLst>
           </p:cNvPr>
@@ -1856,7 +1856,7 @@
           <p:cNvPr id="9" name="Slide Number Placeholder 8">
             <a:extLst>
               <a:ext uri="{FF2B5EF4-FFF2-40B4-BE49-F238E27FC236}">
-                <a16:creationId xmlns:a16="http://schemas.microsoft.com/office/drawing/2014/main" xmlns="" id="{7D46EC52-AC19-3B40-AF6A-23FDA4949A1D}"/>
+                <a16:creationId xmlns="" xmlns:a16="http://schemas.microsoft.com/office/drawing/2014/main" id="{7D46EC52-AC19-3B40-AF6A-23FDA4949A1D}"/>
               </a:ext>
             </a:extLst>
           </p:cNvPr>
@@ -1915,7 +1915,7 @@
           <p:cNvPr id="2" name="Title 1">
             <a:extLst>
               <a:ext uri="{FF2B5EF4-FFF2-40B4-BE49-F238E27FC236}">
-                <a16:creationId xmlns:a16="http://schemas.microsoft.com/office/drawing/2014/main" xmlns="" id="{69F19683-B245-5242-A0F0-39F46C4AB29A}"/>
+                <a16:creationId xmlns="" xmlns:a16="http://schemas.microsoft.com/office/drawing/2014/main" id="{69F19683-B245-5242-A0F0-39F46C4AB29A}"/>
               </a:ext>
             </a:extLst>
           </p:cNvPr>
@@ -1943,7 +1943,7 @@
           <p:cNvPr id="3" name="Date Placeholder 2">
             <a:extLst>
               <a:ext uri="{FF2B5EF4-FFF2-40B4-BE49-F238E27FC236}">
-                <a16:creationId xmlns:a16="http://schemas.microsoft.com/office/drawing/2014/main" xmlns="" id="{E39F037B-F4BB-7A49-9A72-7D58BEDA0DE3}"/>
+                <a16:creationId xmlns="" xmlns:a16="http://schemas.microsoft.com/office/drawing/2014/main" id="{E39F037B-F4BB-7A49-9A72-7D58BEDA0DE3}"/>
               </a:ext>
             </a:extLst>
           </p:cNvPr>
@@ -1961,7 +1961,7 @@
           <a:p>
             <a:fld id="{45F5DF8E-F4B8-D441-8FFB-59F600C03B7F}" type="datetimeFigureOut">
               <a:rPr lang="en-US" smtClean="0"/>
-              <a:t>3/6/22</a:t>
+              <a:t>3/10/22</a:t>
             </a:fld>
             <a:endParaRPr lang="en-US"/>
           </a:p>
@@ -1972,7 +1972,7 @@
           <p:cNvPr id="4" name="Footer Placeholder 3">
             <a:extLst>
               <a:ext uri="{FF2B5EF4-FFF2-40B4-BE49-F238E27FC236}">
-                <a16:creationId xmlns:a16="http://schemas.microsoft.com/office/drawing/2014/main" xmlns="" id="{1843F474-92FD-214F-8A7A-20E8FD0DD51A}"/>
+                <a16:creationId xmlns="" xmlns:a16="http://schemas.microsoft.com/office/drawing/2014/main" id="{1843F474-92FD-214F-8A7A-20E8FD0DD51A}"/>
               </a:ext>
             </a:extLst>
           </p:cNvPr>
@@ -1997,7 +1997,7 @@
           <p:cNvPr id="5" name="Slide Number Placeholder 4">
             <a:extLst>
               <a:ext uri="{FF2B5EF4-FFF2-40B4-BE49-F238E27FC236}">
-                <a16:creationId xmlns:a16="http://schemas.microsoft.com/office/drawing/2014/main" xmlns="" id="{3087DCDA-892D-7A4E-B4E5-ED391B306AD1}"/>
+                <a16:creationId xmlns="" xmlns:a16="http://schemas.microsoft.com/office/drawing/2014/main" id="{3087DCDA-892D-7A4E-B4E5-ED391B306AD1}"/>
               </a:ext>
             </a:extLst>
           </p:cNvPr>
@@ -2056,7 +2056,7 @@
           <p:cNvPr id="2" name="Date Placeholder 1">
             <a:extLst>
               <a:ext uri="{FF2B5EF4-FFF2-40B4-BE49-F238E27FC236}">
-                <a16:creationId xmlns:a16="http://schemas.microsoft.com/office/drawing/2014/main" xmlns="" id="{E18A62BF-0A06-2146-A8F0-8207AAD5287F}"/>
+                <a16:creationId xmlns="" xmlns:a16="http://schemas.microsoft.com/office/drawing/2014/main" id="{E18A62BF-0A06-2146-A8F0-8207AAD5287F}"/>
               </a:ext>
             </a:extLst>
           </p:cNvPr>
@@ -2074,7 +2074,7 @@
           <a:p>
             <a:fld id="{45F5DF8E-F4B8-D441-8FFB-59F600C03B7F}" type="datetimeFigureOut">
               <a:rPr lang="en-US" smtClean="0"/>
-              <a:t>3/6/22</a:t>
+              <a:t>3/10/22</a:t>
             </a:fld>
             <a:endParaRPr lang="en-US"/>
           </a:p>
@@ -2085,7 +2085,7 @@
           <p:cNvPr id="3" name="Footer Placeholder 2">
             <a:extLst>
               <a:ext uri="{FF2B5EF4-FFF2-40B4-BE49-F238E27FC236}">
-                <a16:creationId xmlns:a16="http://schemas.microsoft.com/office/drawing/2014/main" xmlns="" id="{20326B3C-B7F1-5F47-AB9E-7C22940053D3}"/>
+                <a16:creationId xmlns="" xmlns:a16="http://schemas.microsoft.com/office/drawing/2014/main" id="{20326B3C-B7F1-5F47-AB9E-7C22940053D3}"/>
               </a:ext>
             </a:extLst>
           </p:cNvPr>
@@ -2110,7 +2110,7 @@
           <p:cNvPr id="4" name="Slide Number Placeholder 3">
             <a:extLst>
               <a:ext uri="{FF2B5EF4-FFF2-40B4-BE49-F238E27FC236}">
-                <a16:creationId xmlns:a16="http://schemas.microsoft.com/office/drawing/2014/main" xmlns="" id="{6FE49100-8816-6E45-A59F-AD03A0C15E56}"/>
+                <a16:creationId xmlns="" xmlns:a16="http://schemas.microsoft.com/office/drawing/2014/main" id="{6FE49100-8816-6E45-A59F-AD03A0C15E56}"/>
               </a:ext>
             </a:extLst>
           </p:cNvPr>
@@ -2169,7 +2169,7 @@
           <p:cNvPr id="2" name="Title 1">
             <a:extLst>
               <a:ext uri="{FF2B5EF4-FFF2-40B4-BE49-F238E27FC236}">
-                <a16:creationId xmlns:a16="http://schemas.microsoft.com/office/drawing/2014/main" xmlns="" id="{DA4BA1A8-7A5D-6840-A61C-09B6883BC9F8}"/>
+                <a16:creationId xmlns="" xmlns:a16="http://schemas.microsoft.com/office/drawing/2014/main" id="{DA4BA1A8-7A5D-6840-A61C-09B6883BC9F8}"/>
               </a:ext>
             </a:extLst>
           </p:cNvPr>
@@ -2206,7 +2206,7 @@
           <p:cNvPr id="3" name="Content Placeholder 2">
             <a:extLst>
               <a:ext uri="{FF2B5EF4-FFF2-40B4-BE49-F238E27FC236}">
-                <a16:creationId xmlns:a16="http://schemas.microsoft.com/office/drawing/2014/main" xmlns="" id="{CDDF3BE9-0F54-EC49-9F1D-77CCAE5A6302}"/>
+                <a16:creationId xmlns="" xmlns:a16="http://schemas.microsoft.com/office/drawing/2014/main" id="{CDDF3BE9-0F54-EC49-9F1D-77CCAE5A6302}"/>
               </a:ext>
             </a:extLst>
           </p:cNvPr>
@@ -2296,7 +2296,7 @@
           <p:cNvPr id="4" name="Text Placeholder 3">
             <a:extLst>
               <a:ext uri="{FF2B5EF4-FFF2-40B4-BE49-F238E27FC236}">
-                <a16:creationId xmlns:a16="http://schemas.microsoft.com/office/drawing/2014/main" xmlns="" id="{6AFEA4A9-8161-F149-817C-1605402389B3}"/>
+                <a16:creationId xmlns="" xmlns:a16="http://schemas.microsoft.com/office/drawing/2014/main" id="{6AFEA4A9-8161-F149-817C-1605402389B3}"/>
               </a:ext>
             </a:extLst>
           </p:cNvPr>
@@ -2367,7 +2367,7 @@
           <p:cNvPr id="5" name="Date Placeholder 4">
             <a:extLst>
               <a:ext uri="{FF2B5EF4-FFF2-40B4-BE49-F238E27FC236}">
-                <a16:creationId xmlns:a16="http://schemas.microsoft.com/office/drawing/2014/main" xmlns="" id="{4E71F57D-5164-814B-A8B6-DBBFE365A595}"/>
+                <a16:creationId xmlns="" xmlns:a16="http://schemas.microsoft.com/office/drawing/2014/main" id="{4E71F57D-5164-814B-A8B6-DBBFE365A595}"/>
               </a:ext>
             </a:extLst>
           </p:cNvPr>
@@ -2385,7 +2385,7 @@
           <a:p>
             <a:fld id="{45F5DF8E-F4B8-D441-8FFB-59F600C03B7F}" type="datetimeFigureOut">
               <a:rPr lang="en-US" smtClean="0"/>
-              <a:t>3/6/22</a:t>
+              <a:t>3/10/22</a:t>
             </a:fld>
             <a:endParaRPr lang="en-US"/>
           </a:p>
@@ -2396,7 +2396,7 @@
           <p:cNvPr id="6" name="Footer Placeholder 5">
             <a:extLst>
               <a:ext uri="{FF2B5EF4-FFF2-40B4-BE49-F238E27FC236}">
-                <a16:creationId xmlns:a16="http://schemas.microsoft.com/office/drawing/2014/main" xmlns="" id="{B6ACB92B-39AA-164E-8476-62AB994548D9}"/>
+                <a16:creationId xmlns="" xmlns:a16="http://schemas.microsoft.com/office/drawing/2014/main" id="{B6ACB92B-39AA-164E-8476-62AB994548D9}"/>
               </a:ext>
             </a:extLst>
           </p:cNvPr>
@@ -2421,7 +2421,7 @@
           <p:cNvPr id="7" name="Slide Number Placeholder 6">
             <a:extLst>
               <a:ext uri="{FF2B5EF4-FFF2-40B4-BE49-F238E27FC236}">
-                <a16:creationId xmlns:a16="http://schemas.microsoft.com/office/drawing/2014/main" xmlns="" id="{E22138CA-7F86-9541-AA58-513E3C7B93B7}"/>
+                <a16:creationId xmlns="" xmlns:a16="http://schemas.microsoft.com/office/drawing/2014/main" id="{E22138CA-7F86-9541-AA58-513E3C7B93B7}"/>
               </a:ext>
             </a:extLst>
           </p:cNvPr>
@@ -2480,7 +2480,7 @@
           <p:cNvPr id="2" name="Title 1">
             <a:extLst>
               <a:ext uri="{FF2B5EF4-FFF2-40B4-BE49-F238E27FC236}">
-                <a16:creationId xmlns:a16="http://schemas.microsoft.com/office/drawing/2014/main" xmlns="" id="{ADB0CFDB-AE56-FE47-AB72-7EF0FE091F67}"/>
+                <a16:creationId xmlns="" xmlns:a16="http://schemas.microsoft.com/office/drawing/2014/main" id="{ADB0CFDB-AE56-FE47-AB72-7EF0FE091F67}"/>
               </a:ext>
             </a:extLst>
           </p:cNvPr>
@@ -2517,7 +2517,7 @@
           <p:cNvPr id="3" name="Picture Placeholder 2">
             <a:extLst>
               <a:ext uri="{FF2B5EF4-FFF2-40B4-BE49-F238E27FC236}">
-                <a16:creationId xmlns:a16="http://schemas.microsoft.com/office/drawing/2014/main" xmlns="" id="{483F1CE3-76C5-7344-B4F9-32DB190BBAA3}"/>
+                <a16:creationId xmlns="" xmlns:a16="http://schemas.microsoft.com/office/drawing/2014/main" id="{483F1CE3-76C5-7344-B4F9-32DB190BBAA3}"/>
               </a:ext>
             </a:extLst>
           </p:cNvPr>
@@ -2584,7 +2584,7 @@
           <p:cNvPr id="4" name="Text Placeholder 3">
             <a:extLst>
               <a:ext uri="{FF2B5EF4-FFF2-40B4-BE49-F238E27FC236}">
-                <a16:creationId xmlns:a16="http://schemas.microsoft.com/office/drawing/2014/main" xmlns="" id="{BE5C8602-0AB8-D64D-8B14-5837E003A5CE}"/>
+                <a16:creationId xmlns="" xmlns:a16="http://schemas.microsoft.com/office/drawing/2014/main" id="{BE5C8602-0AB8-D64D-8B14-5837E003A5CE}"/>
               </a:ext>
             </a:extLst>
           </p:cNvPr>
@@ -2655,7 +2655,7 @@
           <p:cNvPr id="5" name="Date Placeholder 4">
             <a:extLst>
               <a:ext uri="{FF2B5EF4-FFF2-40B4-BE49-F238E27FC236}">
-                <a16:creationId xmlns:a16="http://schemas.microsoft.com/office/drawing/2014/main" xmlns="" id="{3FF89696-D288-E544-8E48-A9DB0669CD35}"/>
+                <a16:creationId xmlns="" xmlns:a16="http://schemas.microsoft.com/office/drawing/2014/main" id="{3FF89696-D288-E544-8E48-A9DB0669CD35}"/>
               </a:ext>
             </a:extLst>
           </p:cNvPr>
@@ -2673,7 +2673,7 @@
           <a:p>
             <a:fld id="{45F5DF8E-F4B8-D441-8FFB-59F600C03B7F}" type="datetimeFigureOut">
               <a:rPr lang="en-US" smtClean="0"/>
-              <a:t>3/6/22</a:t>
+              <a:t>3/10/22</a:t>
             </a:fld>
             <a:endParaRPr lang="en-US"/>
           </a:p>
@@ -2684,7 +2684,7 @@
           <p:cNvPr id="6" name="Footer Placeholder 5">
             <a:extLst>
               <a:ext uri="{FF2B5EF4-FFF2-40B4-BE49-F238E27FC236}">
-                <a16:creationId xmlns:a16="http://schemas.microsoft.com/office/drawing/2014/main" xmlns="" id="{BB82B9AD-3A8D-8548-A9F6-3D5839CA39F3}"/>
+                <a16:creationId xmlns="" xmlns:a16="http://schemas.microsoft.com/office/drawing/2014/main" id="{BB82B9AD-3A8D-8548-A9F6-3D5839CA39F3}"/>
               </a:ext>
             </a:extLst>
           </p:cNvPr>
@@ -2709,7 +2709,7 @@
           <p:cNvPr id="7" name="Slide Number Placeholder 6">
             <a:extLst>
               <a:ext uri="{FF2B5EF4-FFF2-40B4-BE49-F238E27FC236}">
-                <a16:creationId xmlns:a16="http://schemas.microsoft.com/office/drawing/2014/main" xmlns="" id="{6BE2544D-F3A7-7E44-8D23-8BA5D3B116EC}"/>
+                <a16:creationId xmlns="" xmlns:a16="http://schemas.microsoft.com/office/drawing/2014/main" id="{6BE2544D-F3A7-7E44-8D23-8BA5D3B116EC}"/>
               </a:ext>
             </a:extLst>
           </p:cNvPr>
@@ -2773,7 +2773,7 @@
           <p:cNvPr id="2" name="Title Placeholder 1">
             <a:extLst>
               <a:ext uri="{FF2B5EF4-FFF2-40B4-BE49-F238E27FC236}">
-                <a16:creationId xmlns:a16="http://schemas.microsoft.com/office/drawing/2014/main" xmlns="" id="{39F6D3DA-C70C-D04A-9E79-CD0D66FB9A65}"/>
+                <a16:creationId xmlns="" xmlns:a16="http://schemas.microsoft.com/office/drawing/2014/main" id="{39F6D3DA-C70C-D04A-9E79-CD0D66FB9A65}"/>
               </a:ext>
             </a:extLst>
           </p:cNvPr>
@@ -2811,7 +2811,7 @@
           <p:cNvPr id="3" name="Text Placeholder 2">
             <a:extLst>
               <a:ext uri="{FF2B5EF4-FFF2-40B4-BE49-F238E27FC236}">
-                <a16:creationId xmlns:a16="http://schemas.microsoft.com/office/drawing/2014/main" xmlns="" id="{5E1A3DA7-FEA5-7C4F-B82F-D9485C3C391C}"/>
+                <a16:creationId xmlns="" xmlns:a16="http://schemas.microsoft.com/office/drawing/2014/main" id="{5E1A3DA7-FEA5-7C4F-B82F-D9485C3C391C}"/>
               </a:ext>
             </a:extLst>
           </p:cNvPr>
@@ -2878,7 +2878,7 @@
           <p:cNvPr id="4" name="Date Placeholder 3">
             <a:extLst>
               <a:ext uri="{FF2B5EF4-FFF2-40B4-BE49-F238E27FC236}">
-                <a16:creationId xmlns:a16="http://schemas.microsoft.com/office/drawing/2014/main" xmlns="" id="{D5FFA7A0-A5B9-4B40-89B5-A8F202E4A52D}"/>
+                <a16:creationId xmlns="" xmlns:a16="http://schemas.microsoft.com/office/drawing/2014/main" id="{D5FFA7A0-A5B9-4B40-89B5-A8F202E4A52D}"/>
               </a:ext>
             </a:extLst>
           </p:cNvPr>
@@ -2914,7 +2914,7 @@
           <a:p>
             <a:fld id="{45F5DF8E-F4B8-D441-8FFB-59F600C03B7F}" type="datetimeFigureOut">
               <a:rPr lang="en-US" smtClean="0"/>
-              <a:t>3/6/22</a:t>
+              <a:t>3/10/22</a:t>
             </a:fld>
             <a:endParaRPr lang="en-US"/>
           </a:p>
@@ -2925,7 +2925,7 @@
           <p:cNvPr id="5" name="Footer Placeholder 4">
             <a:extLst>
               <a:ext uri="{FF2B5EF4-FFF2-40B4-BE49-F238E27FC236}">
-                <a16:creationId xmlns:a16="http://schemas.microsoft.com/office/drawing/2014/main" xmlns="" id="{8F8C4C0F-DD02-D144-8E45-25656FAFC813}"/>
+                <a16:creationId xmlns="" xmlns:a16="http://schemas.microsoft.com/office/drawing/2014/main" id="{8F8C4C0F-DD02-D144-8E45-25656FAFC813}"/>
               </a:ext>
             </a:extLst>
           </p:cNvPr>
@@ -2968,7 +2968,7 @@
           <p:cNvPr id="6" name="Slide Number Placeholder 5">
             <a:extLst>
               <a:ext uri="{FF2B5EF4-FFF2-40B4-BE49-F238E27FC236}">
-                <a16:creationId xmlns:a16="http://schemas.microsoft.com/office/drawing/2014/main" xmlns="" id="{CA0EC7DB-28A5-C24E-AED8-AF1773264F75}"/>
+                <a16:creationId xmlns="" xmlns:a16="http://schemas.microsoft.com/office/drawing/2014/main" id="{CA0EC7DB-28A5-C24E-AED8-AF1773264F75}"/>
               </a:ext>
             </a:extLst>
           </p:cNvPr>
@@ -3336,7 +3336,7 @@
           <p:cNvPr id="2" name="Title 1">
             <a:extLst>
               <a:ext uri="{FF2B5EF4-FFF2-40B4-BE49-F238E27FC236}">
-                <a16:creationId xmlns:a16="http://schemas.microsoft.com/office/drawing/2014/main" xmlns="" id="{63E6769D-0AAE-2044-8EA3-8380823F5ECE}"/>
+                <a16:creationId xmlns="" xmlns:a16="http://schemas.microsoft.com/office/drawing/2014/main" id="{63E6769D-0AAE-2044-8EA3-8380823F5ECE}"/>
               </a:ext>
             </a:extLst>
           </p:cNvPr>
@@ -3353,9 +3353,10 @@
           <a:lstStyle/>
           <a:p>
             <a:r>
-              <a:rPr lang="en-US" dirty="0"/>
-              <a:t>[Project Title]</a:t>
-            </a:r>
+              <a:rPr lang="en-US" dirty="0" smtClean="0"/>
+              <a:t>Asthma Severity</a:t>
+            </a:r>
+            <a:endParaRPr lang="en-US" dirty="0"/>
           </a:p>
         </p:txBody>
       </p:sp>
@@ -3364,7 +3365,7 @@
           <p:cNvPr id="3" name="Subtitle 2">
             <a:extLst>
               <a:ext uri="{FF2B5EF4-FFF2-40B4-BE49-F238E27FC236}">
-                <a16:creationId xmlns:a16="http://schemas.microsoft.com/office/drawing/2014/main" xmlns="" id="{EF5A5664-23DD-0541-BF33-69F8800D2195}"/>
+                <a16:creationId xmlns="" xmlns:a16="http://schemas.microsoft.com/office/drawing/2014/main" id="{EF5A5664-23DD-0541-BF33-69F8800D2195}"/>
               </a:ext>
             </a:extLst>
           </p:cNvPr>
@@ -3381,15 +3382,17 @@
           <a:lstStyle/>
           <a:p>
             <a:r>
-              <a:rPr lang="en-US" dirty="0"/>
-              <a:t>[Participants names]</a:t>
-            </a:r>
-          </a:p>
-          <a:p>
-            <a:r>
-              <a:rPr lang="en-US" dirty="0"/>
-              <a:t>[Presentation date]</a:t>
-            </a:r>
+              <a:rPr lang="en-US" dirty="0" smtClean="0"/>
+              <a:t>Kadie Iverson &amp; Matthew Donaldson</a:t>
+            </a:r>
+            <a:endParaRPr lang="en-US" dirty="0"/>
+          </a:p>
+          <a:p>
+            <a:r>
+              <a:rPr lang="en-US" dirty="0" smtClean="0"/>
+              <a:t>3/21/2022</a:t>
+            </a:r>
+            <a:endParaRPr lang="en-US" dirty="0"/>
           </a:p>
         </p:txBody>
       </p:sp>
@@ -3428,7 +3431,7 @@
           <p:cNvPr id="2" name="Title 1">
             <a:extLst>
               <a:ext uri="{FF2B5EF4-FFF2-40B4-BE49-F238E27FC236}">
-                <a16:creationId xmlns:a16="http://schemas.microsoft.com/office/drawing/2014/main" xmlns="" id="{4C3FC6BC-342A-4047-A04D-4F7B83D3AE91}"/>
+                <a16:creationId xmlns="" xmlns:a16="http://schemas.microsoft.com/office/drawing/2014/main" id="{4C3FC6BC-342A-4047-A04D-4F7B83D3AE91}"/>
               </a:ext>
             </a:extLst>
           </p:cNvPr>
@@ -3456,7 +3459,7 @@
           <p:cNvPr id="3" name="Content Placeholder 2">
             <a:extLst>
               <a:ext uri="{FF2B5EF4-FFF2-40B4-BE49-F238E27FC236}">
-                <a16:creationId xmlns:a16="http://schemas.microsoft.com/office/drawing/2014/main" xmlns="" id="{F7AB5729-20A0-CE41-90C7-E54C52E25CA4}"/>
+                <a16:creationId xmlns="" xmlns:a16="http://schemas.microsoft.com/office/drawing/2014/main" id="{F7AB5729-20A0-CE41-90C7-E54C52E25CA4}"/>
               </a:ext>
             </a:extLst>
           </p:cNvPr>
@@ -3474,35 +3477,55 @@
           <a:p>
             <a:r>
               <a:rPr lang="en-US" dirty="0"/>
-              <a:t>Analytic Objective(s):</a:t>
-            </a:r>
-          </a:p>
-          <a:p>
+              <a:t>Analytic Objective(s</a:t>
+            </a:r>
+            <a:r>
+              <a:rPr lang="en-US" dirty="0" smtClean="0"/>
+              <a:t>): To predict the severity of an asthma attack</a:t>
+            </a:r>
             <a:endParaRPr lang="en-US" dirty="0"/>
           </a:p>
           <a:p>
+            <a:endParaRPr lang="en-US" dirty="0"/>
+          </a:p>
+          <a:p>
             <a:r>
               <a:rPr lang="en-US" dirty="0"/>
-              <a:t>Decisions to be impacted:</a:t>
-            </a:r>
-          </a:p>
-          <a:p>
+              <a:t>Decisions to be impacted</a:t>
+            </a:r>
+            <a:r>
+              <a:rPr lang="en-US" dirty="0" smtClean="0"/>
+              <a:t>: </a:t>
+            </a:r>
             <a:endParaRPr lang="en-US" dirty="0"/>
           </a:p>
           <a:p>
+            <a:endParaRPr lang="en-US" dirty="0"/>
+          </a:p>
+          <a:p>
             <a:r>
               <a:rPr lang="en-US" dirty="0"/>
-              <a:t>Business Value:</a:t>
-            </a:r>
-          </a:p>
-          <a:p>
+              <a:t>Business Value</a:t>
+            </a:r>
+            <a:r>
+              <a:rPr lang="en-US" dirty="0" smtClean="0"/>
+              <a:t>: Improve severity of asthma attacks by determining the most significant predictors and suggesting to make a change</a:t>
+            </a:r>
             <a:endParaRPr lang="en-US" dirty="0"/>
           </a:p>
           <a:p>
+            <a:endParaRPr lang="en-US" dirty="0"/>
+          </a:p>
+          <a:p>
             <a:r>
               <a:rPr lang="en-US" dirty="0"/>
-              <a:t>Data Assets</a:t>
-            </a:r>
+              <a:t>Data </a:t>
+            </a:r>
+            <a:r>
+              <a:rPr lang="en-US" dirty="0" smtClean="0"/>
+              <a:t>Assets: 10 features</a:t>
+            </a:r>
+            <a:endParaRPr lang="en-US" dirty="0"/>
           </a:p>
           <a:p>
             <a:endParaRPr lang="en-US" dirty="0"/>
@@ -3556,7 +3579,7 @@
           <p:cNvPr id="2" name="Title 1">
             <a:extLst>
               <a:ext uri="{FF2B5EF4-FFF2-40B4-BE49-F238E27FC236}">
-                <a16:creationId xmlns:a16="http://schemas.microsoft.com/office/drawing/2014/main" xmlns="" id="{4C3FC6BC-342A-4047-A04D-4F7B83D3AE91}"/>
+                <a16:creationId xmlns="" xmlns:a16="http://schemas.microsoft.com/office/drawing/2014/main" id="{4C3FC6BC-342A-4047-A04D-4F7B83D3AE91}"/>
               </a:ext>
             </a:extLst>
           </p:cNvPr>
@@ -3584,7 +3607,7 @@
           <p:cNvPr id="3" name="Content Placeholder 2">
             <a:extLst>
               <a:ext uri="{FF2B5EF4-FFF2-40B4-BE49-F238E27FC236}">
-                <a16:creationId xmlns:a16="http://schemas.microsoft.com/office/drawing/2014/main" xmlns="" id="{F7AB5729-20A0-CE41-90C7-E54C52E25CA4}"/>
+                <a16:creationId xmlns="" xmlns:a16="http://schemas.microsoft.com/office/drawing/2014/main" id="{F7AB5729-20A0-CE41-90C7-E54C52E25CA4}"/>
               </a:ext>
             </a:extLst>
           </p:cNvPr>
@@ -3602,10 +3625,12 @@
           <a:p>
             <a:r>
               <a:rPr lang="en-US" dirty="0"/>
-              <a:t>[Summarize using graphs, summary statistics the data set. Please describe data sets with respect to the problem at hand]</a:t>
-            </a:r>
-          </a:p>
-          <a:p>
+              <a:t>[Summarize using graphs, summary statistics the data set</a:t>
+            </a:r>
+            <a:r>
+              <a:rPr lang="en-US" dirty="0" smtClean="0"/>
+              <a:t>.</a:t>
+            </a:r>
             <a:endParaRPr lang="en-US" dirty="0"/>
           </a:p>
           <a:p>
@@ -3619,6 +3644,36 @@
           </a:p>
         </p:txBody>
       </p:sp>
+      <p:pic>
+        <p:nvPicPr>
+          <p:cNvPr id="4" name="Picture 3"/>
+          <p:cNvPicPr>
+            <a:picLocks noChangeAspect="1"/>
+          </p:cNvPicPr>
+          <p:nvPr/>
+        </p:nvPicPr>
+        <p:blipFill>
+          <a:blip r:embed="rId2">
+            <a:extLst>
+              <a:ext uri="{28A0092B-C50C-407E-A947-70E740481C1C}">
+                <a14:useLocalDpi xmlns:a14="http://schemas.microsoft.com/office/drawing/2010/main" val="0"/>
+              </a:ext>
+            </a:extLst>
+          </a:blip>
+          <a:stretch>
+            <a:fillRect/>
+          </a:stretch>
+        </p:blipFill>
+        <p:spPr>
+          <a:xfrm>
+            <a:off x="5350880" y="2774950"/>
+            <a:ext cx="6616700" cy="4083050"/>
+          </a:xfrm>
+          <a:prstGeom prst="rect">
+            <a:avLst/>
+          </a:prstGeom>
+        </p:spPr>
+      </p:pic>
     </p:spTree>
     <p:extLst>
       <p:ext uri="{BB962C8B-B14F-4D97-AF65-F5344CB8AC3E}">
@@ -3654,7 +3709,7 @@
           <p:cNvPr id="2" name="Title 1">
             <a:extLst>
               <a:ext uri="{FF2B5EF4-FFF2-40B4-BE49-F238E27FC236}">
-                <a16:creationId xmlns:a16="http://schemas.microsoft.com/office/drawing/2014/main" xmlns="" id="{22E3B65E-74FD-B447-945F-BFB66A76D2E9}"/>
+                <a16:creationId xmlns="" xmlns:a16="http://schemas.microsoft.com/office/drawing/2014/main" id="{22E3B65E-74FD-B447-945F-BFB66A76D2E9}"/>
               </a:ext>
             </a:extLst>
           </p:cNvPr>
@@ -3682,7 +3737,7 @@
           <p:cNvPr id="3" name="Content Placeholder 2">
             <a:extLst>
               <a:ext uri="{FF2B5EF4-FFF2-40B4-BE49-F238E27FC236}">
-                <a16:creationId xmlns:a16="http://schemas.microsoft.com/office/drawing/2014/main" xmlns="" id="{FA63DA9B-E511-3340-97CE-5FDE95206E81}"/>
+                <a16:creationId xmlns="" xmlns:a16="http://schemas.microsoft.com/office/drawing/2014/main" id="{FA63DA9B-E511-3340-97CE-5FDE95206E81}"/>
               </a:ext>
             </a:extLst>
           </p:cNvPr>
@@ -3705,6 +3760,36 @@
           </a:p>
         </p:txBody>
       </p:sp>
+      <p:pic>
+        <p:nvPicPr>
+          <p:cNvPr id="4" name="Picture 3"/>
+          <p:cNvPicPr>
+            <a:picLocks noChangeAspect="1"/>
+          </p:cNvPicPr>
+          <p:nvPr/>
+        </p:nvPicPr>
+        <p:blipFill>
+          <a:blip r:embed="rId2">
+            <a:extLst>
+              <a:ext uri="{28A0092B-C50C-407E-A947-70E740481C1C}">
+                <a14:useLocalDpi xmlns:a14="http://schemas.microsoft.com/office/drawing/2010/main" val="0"/>
+              </a:ext>
+            </a:extLst>
+          </a:blip>
+          <a:stretch>
+            <a:fillRect/>
+          </a:stretch>
+        </p:blipFill>
+        <p:spPr>
+          <a:xfrm>
+            <a:off x="5405377" y="2702758"/>
+            <a:ext cx="6455664" cy="3929535"/>
+          </a:xfrm>
+          <a:prstGeom prst="rect">
+            <a:avLst/>
+          </a:prstGeom>
+        </p:spPr>
+      </p:pic>
     </p:spTree>
     <p:extLst>
       <p:ext uri="{BB962C8B-B14F-4D97-AF65-F5344CB8AC3E}">
@@ -3740,7 +3825,7 @@
           <p:cNvPr id="2" name="Title 1">
             <a:extLst>
               <a:ext uri="{FF2B5EF4-FFF2-40B4-BE49-F238E27FC236}">
-                <a16:creationId xmlns:a16="http://schemas.microsoft.com/office/drawing/2014/main" xmlns="" id="{74A0FF98-17C7-6C4B-8D07-D0480804733F}"/>
+                <a16:creationId xmlns="" xmlns:a16="http://schemas.microsoft.com/office/drawing/2014/main" id="{74A0FF98-17C7-6C4B-8D07-D0480804733F}"/>
               </a:ext>
             </a:extLst>
           </p:cNvPr>
@@ -3768,7 +3853,7 @@
           <p:cNvPr id="3" name="Content Placeholder 2">
             <a:extLst>
               <a:ext uri="{FF2B5EF4-FFF2-40B4-BE49-F238E27FC236}">
-                <a16:creationId xmlns:a16="http://schemas.microsoft.com/office/drawing/2014/main" xmlns="" id="{6CD35A43-7EB7-7642-89DD-4E6666715446}"/>
+                <a16:creationId xmlns="" xmlns:a16="http://schemas.microsoft.com/office/drawing/2014/main" id="{6CD35A43-7EB7-7642-89DD-4E6666715446}"/>
               </a:ext>
             </a:extLst>
           </p:cNvPr>
@@ -3826,7 +3911,7 @@
           <p:cNvPr id="2" name="Title 1">
             <a:extLst>
               <a:ext uri="{FF2B5EF4-FFF2-40B4-BE49-F238E27FC236}">
-                <a16:creationId xmlns:a16="http://schemas.microsoft.com/office/drawing/2014/main" xmlns="" id="{5F77124F-9940-644A-8C89-FBD0344EBC30}"/>
+                <a16:creationId xmlns="" xmlns:a16="http://schemas.microsoft.com/office/drawing/2014/main" id="{5F77124F-9940-644A-8C89-FBD0344EBC30}"/>
               </a:ext>
             </a:extLst>
           </p:cNvPr>
@@ -3854,7 +3939,7 @@
           <p:cNvPr id="3" name="Content Placeholder 2">
             <a:extLst>
               <a:ext uri="{FF2B5EF4-FFF2-40B4-BE49-F238E27FC236}">
-                <a16:creationId xmlns:a16="http://schemas.microsoft.com/office/drawing/2014/main" xmlns="" id="{25A09237-A4A1-F543-BBC9-FDE843B417AD}"/>
+                <a16:creationId xmlns="" xmlns:a16="http://schemas.microsoft.com/office/drawing/2014/main" id="{25A09237-A4A1-F543-BBC9-FDE843B417AD}"/>
               </a:ext>
             </a:extLst>
           </p:cNvPr>
@@ -3867,13 +3952,83 @@
         </p:nvSpPr>
         <p:spPr/>
         <p:txBody>
-          <a:bodyPr/>
-          <a:lstStyle/>
-          <a:p>
+          <a:bodyPr>
+            <a:normAutofit/>
+          </a:bodyPr>
+          <a:lstStyle/>
+          <a:p>
+            <a:pPr>
+              <a:lnSpc>
+                <a:spcPct val="160000"/>
+              </a:lnSpc>
+            </a:pPr>
+            <a:r>
+              <a:rPr lang="en-US" dirty="0" smtClean="0"/>
+              <a:t>Determine best linear mixed-effects model to predict asthma attacks</a:t>
+            </a:r>
+          </a:p>
+          <a:p>
+            <a:pPr lvl="1">
+              <a:lnSpc>
+                <a:spcPct val="160000"/>
+              </a:lnSpc>
+            </a:pPr>
+            <a:r>
+              <a:rPr lang="en-US" dirty="0" smtClean="0"/>
+              <a:t>Based on R</a:t>
+            </a:r>
+            <a:r>
+              <a:rPr lang="en-US" baseline="30000" dirty="0" smtClean="0"/>
+              <a:t>2</a:t>
+            </a:r>
             <a:r>
               <a:rPr lang="en-US" dirty="0"/>
-              <a:t>[please list your next steps with some rough idea about your timelines]</a:t>
-            </a:r>
+              <a:t> and </a:t>
+            </a:r>
+            <a:r>
+              <a:rPr lang="en-US" dirty="0" err="1"/>
+              <a:t>Akaike</a:t>
+            </a:r>
+            <a:r>
+              <a:rPr lang="en-US" dirty="0"/>
+              <a:t> Information </a:t>
+            </a:r>
+            <a:r>
+              <a:rPr lang="en-US" dirty="0" smtClean="0"/>
+              <a:t>Criterion (AIC)</a:t>
+            </a:r>
+            <a:endParaRPr lang="en-US" dirty="0" smtClean="0"/>
+          </a:p>
+          <a:p>
+            <a:pPr>
+              <a:lnSpc>
+                <a:spcPct val="300000"/>
+              </a:lnSpc>
+            </a:pPr>
+            <a:r>
+              <a:rPr lang="en-US" dirty="0" smtClean="0"/>
+              <a:t>Build </a:t>
+            </a:r>
+            <a:r>
+              <a:rPr lang="en-US" dirty="0" err="1" smtClean="0"/>
+              <a:t>Rshiny</a:t>
+            </a:r>
+            <a:r>
+              <a:rPr lang="en-US" dirty="0" smtClean="0"/>
+              <a:t> feature</a:t>
+            </a:r>
+          </a:p>
+          <a:p>
+            <a:pPr>
+              <a:lnSpc>
+                <a:spcPct val="300000"/>
+              </a:lnSpc>
+            </a:pPr>
+            <a:r>
+              <a:rPr lang="en-US" dirty="0" smtClean="0"/>
+              <a:t>Research previous studies done using weather features</a:t>
+            </a:r>
+            <a:endParaRPr lang="en-US" dirty="0"/>
           </a:p>
         </p:txBody>
       </p:sp>

--- a/Mid_Semester_Pres.pptx
+++ b/Mid_Semester_Pres.pptx
@@ -7,10 +7,19 @@
   <p:sldIdLst>
     <p:sldId id="256" r:id="rId2"/>
     <p:sldId id="257" r:id="rId3"/>
-    <p:sldId id="258" r:id="rId4"/>
-    <p:sldId id="259" r:id="rId5"/>
-    <p:sldId id="260" r:id="rId6"/>
-    <p:sldId id="261" r:id="rId7"/>
+    <p:sldId id="263" r:id="rId4"/>
+    <p:sldId id="258" r:id="rId5"/>
+    <p:sldId id="262" r:id="rId6"/>
+    <p:sldId id="265" r:id="rId7"/>
+    <p:sldId id="259" r:id="rId8"/>
+    <p:sldId id="266" r:id="rId9"/>
+    <p:sldId id="267" r:id="rId10"/>
+    <p:sldId id="269" r:id="rId11"/>
+    <p:sldId id="270" r:id="rId12"/>
+    <p:sldId id="268" r:id="rId13"/>
+    <p:sldId id="260" r:id="rId14"/>
+    <p:sldId id="264" r:id="rId15"/>
+    <p:sldId id="261" r:id="rId16"/>
   </p:sldIdLst>
   <p:sldSz cx="12192000" cy="6858000"/>
   <p:notesSz cx="6858000" cy="9144000"/>
@@ -139,7 +148,7 @@
           <p:cNvPr id="2" name="Title 1">
             <a:extLst>
               <a:ext uri="{FF2B5EF4-FFF2-40B4-BE49-F238E27FC236}">
-                <a16:creationId xmlns="" xmlns:a16="http://schemas.microsoft.com/office/drawing/2014/main" id="{24813C38-6780-394D-B0D7-5CB9333C04B7}"/>
+                <a16:creationId xmlns:a16="http://schemas.microsoft.com/office/drawing/2014/main" id="{24813C38-6780-394D-B0D7-5CB9333C04B7}"/>
               </a:ext>
             </a:extLst>
           </p:cNvPr>
@@ -176,7 +185,7 @@
           <p:cNvPr id="3" name="Subtitle 2">
             <a:extLst>
               <a:ext uri="{FF2B5EF4-FFF2-40B4-BE49-F238E27FC236}">
-                <a16:creationId xmlns="" xmlns:a16="http://schemas.microsoft.com/office/drawing/2014/main" id="{028DAFC7-6381-B94E-9C1D-B4086C7FDC27}"/>
+                <a16:creationId xmlns:a16="http://schemas.microsoft.com/office/drawing/2014/main" id="{028DAFC7-6381-B94E-9C1D-B4086C7FDC27}"/>
               </a:ext>
             </a:extLst>
           </p:cNvPr>
@@ -246,7 +255,7 @@
           <p:cNvPr id="4" name="Date Placeholder 3">
             <a:extLst>
               <a:ext uri="{FF2B5EF4-FFF2-40B4-BE49-F238E27FC236}">
-                <a16:creationId xmlns="" xmlns:a16="http://schemas.microsoft.com/office/drawing/2014/main" id="{0C794904-F6A9-4B40-A5B4-AE1F825AB3CA}"/>
+                <a16:creationId xmlns:a16="http://schemas.microsoft.com/office/drawing/2014/main" id="{0C794904-F6A9-4B40-A5B4-AE1F825AB3CA}"/>
               </a:ext>
             </a:extLst>
           </p:cNvPr>
@@ -264,7 +273,7 @@
           <a:p>
             <a:fld id="{45F5DF8E-F4B8-D441-8FFB-59F600C03B7F}" type="datetimeFigureOut">
               <a:rPr lang="en-US" smtClean="0"/>
-              <a:t>3/10/22</a:t>
+              <a:t>3/19/2022</a:t>
             </a:fld>
             <a:endParaRPr lang="en-US"/>
           </a:p>
@@ -275,7 +284,7 @@
           <p:cNvPr id="5" name="Footer Placeholder 4">
             <a:extLst>
               <a:ext uri="{FF2B5EF4-FFF2-40B4-BE49-F238E27FC236}">
-                <a16:creationId xmlns="" xmlns:a16="http://schemas.microsoft.com/office/drawing/2014/main" id="{D7F3CEBD-6753-7F45-89AF-483FD194E40E}"/>
+                <a16:creationId xmlns:a16="http://schemas.microsoft.com/office/drawing/2014/main" id="{D7F3CEBD-6753-7F45-89AF-483FD194E40E}"/>
               </a:ext>
             </a:extLst>
           </p:cNvPr>
@@ -300,7 +309,7 @@
           <p:cNvPr id="6" name="Slide Number Placeholder 5">
             <a:extLst>
               <a:ext uri="{FF2B5EF4-FFF2-40B4-BE49-F238E27FC236}">
-                <a16:creationId xmlns="" xmlns:a16="http://schemas.microsoft.com/office/drawing/2014/main" id="{D314E6EC-E184-8F49-83B3-9A67246F7571}"/>
+                <a16:creationId xmlns:a16="http://schemas.microsoft.com/office/drawing/2014/main" id="{D314E6EC-E184-8F49-83B3-9A67246F7571}"/>
               </a:ext>
             </a:extLst>
           </p:cNvPr>
@@ -359,7 +368,7 @@
           <p:cNvPr id="2" name="Title 1">
             <a:extLst>
               <a:ext uri="{FF2B5EF4-FFF2-40B4-BE49-F238E27FC236}">
-                <a16:creationId xmlns="" xmlns:a16="http://schemas.microsoft.com/office/drawing/2014/main" id="{39036396-E03F-3940-871A-6EECAAAD69F1}"/>
+                <a16:creationId xmlns:a16="http://schemas.microsoft.com/office/drawing/2014/main" id="{39036396-E03F-3940-871A-6EECAAAD69F1}"/>
               </a:ext>
             </a:extLst>
           </p:cNvPr>
@@ -387,7 +396,7 @@
           <p:cNvPr id="3" name="Vertical Text Placeholder 2">
             <a:extLst>
               <a:ext uri="{FF2B5EF4-FFF2-40B4-BE49-F238E27FC236}">
-                <a16:creationId xmlns="" xmlns:a16="http://schemas.microsoft.com/office/drawing/2014/main" id="{6F748323-3EE6-844E-96CE-76F8C28254E1}"/>
+                <a16:creationId xmlns:a16="http://schemas.microsoft.com/office/drawing/2014/main" id="{6F748323-3EE6-844E-96CE-76F8C28254E1}"/>
               </a:ext>
             </a:extLst>
           </p:cNvPr>
@@ -444,7 +453,7 @@
           <p:cNvPr id="4" name="Date Placeholder 3">
             <a:extLst>
               <a:ext uri="{FF2B5EF4-FFF2-40B4-BE49-F238E27FC236}">
-                <a16:creationId xmlns="" xmlns:a16="http://schemas.microsoft.com/office/drawing/2014/main" id="{3B80DCBD-874F-F742-9556-D2090DE03C00}"/>
+                <a16:creationId xmlns:a16="http://schemas.microsoft.com/office/drawing/2014/main" id="{3B80DCBD-874F-F742-9556-D2090DE03C00}"/>
               </a:ext>
             </a:extLst>
           </p:cNvPr>
@@ -462,7 +471,7 @@
           <a:p>
             <a:fld id="{45F5DF8E-F4B8-D441-8FFB-59F600C03B7F}" type="datetimeFigureOut">
               <a:rPr lang="en-US" smtClean="0"/>
-              <a:t>3/10/22</a:t>
+              <a:t>3/19/2022</a:t>
             </a:fld>
             <a:endParaRPr lang="en-US"/>
           </a:p>
@@ -473,7 +482,7 @@
           <p:cNvPr id="5" name="Footer Placeholder 4">
             <a:extLst>
               <a:ext uri="{FF2B5EF4-FFF2-40B4-BE49-F238E27FC236}">
-                <a16:creationId xmlns="" xmlns:a16="http://schemas.microsoft.com/office/drawing/2014/main" id="{0B9534DF-45B0-4941-BE80-F3023F8BA678}"/>
+                <a16:creationId xmlns:a16="http://schemas.microsoft.com/office/drawing/2014/main" id="{0B9534DF-45B0-4941-BE80-F3023F8BA678}"/>
               </a:ext>
             </a:extLst>
           </p:cNvPr>
@@ -498,7 +507,7 @@
           <p:cNvPr id="6" name="Slide Number Placeholder 5">
             <a:extLst>
               <a:ext uri="{FF2B5EF4-FFF2-40B4-BE49-F238E27FC236}">
-                <a16:creationId xmlns="" xmlns:a16="http://schemas.microsoft.com/office/drawing/2014/main" id="{FB6A1C1B-C76C-AF45-9B24-86FBBE5A242D}"/>
+                <a16:creationId xmlns:a16="http://schemas.microsoft.com/office/drawing/2014/main" id="{FB6A1C1B-C76C-AF45-9B24-86FBBE5A242D}"/>
               </a:ext>
             </a:extLst>
           </p:cNvPr>
@@ -557,7 +566,7 @@
           <p:cNvPr id="2" name="Vertical Title 1">
             <a:extLst>
               <a:ext uri="{FF2B5EF4-FFF2-40B4-BE49-F238E27FC236}">
-                <a16:creationId xmlns="" xmlns:a16="http://schemas.microsoft.com/office/drawing/2014/main" id="{8846BBD8-61E8-2B4C-BEEF-9C26733211BC}"/>
+                <a16:creationId xmlns:a16="http://schemas.microsoft.com/office/drawing/2014/main" id="{8846BBD8-61E8-2B4C-BEEF-9C26733211BC}"/>
               </a:ext>
             </a:extLst>
           </p:cNvPr>
@@ -590,7 +599,7 @@
           <p:cNvPr id="3" name="Vertical Text Placeholder 2">
             <a:extLst>
               <a:ext uri="{FF2B5EF4-FFF2-40B4-BE49-F238E27FC236}">
-                <a16:creationId xmlns="" xmlns:a16="http://schemas.microsoft.com/office/drawing/2014/main" id="{2C80CFEE-74DE-694F-846D-3D5E66967662}"/>
+                <a16:creationId xmlns:a16="http://schemas.microsoft.com/office/drawing/2014/main" id="{2C80CFEE-74DE-694F-846D-3D5E66967662}"/>
               </a:ext>
             </a:extLst>
           </p:cNvPr>
@@ -652,7 +661,7 @@
           <p:cNvPr id="4" name="Date Placeholder 3">
             <a:extLst>
               <a:ext uri="{FF2B5EF4-FFF2-40B4-BE49-F238E27FC236}">
-                <a16:creationId xmlns="" xmlns:a16="http://schemas.microsoft.com/office/drawing/2014/main" id="{DFCEC5A0-E549-A846-BA27-582B5B438227}"/>
+                <a16:creationId xmlns:a16="http://schemas.microsoft.com/office/drawing/2014/main" id="{DFCEC5A0-E549-A846-BA27-582B5B438227}"/>
               </a:ext>
             </a:extLst>
           </p:cNvPr>
@@ -670,7 +679,7 @@
           <a:p>
             <a:fld id="{45F5DF8E-F4B8-D441-8FFB-59F600C03B7F}" type="datetimeFigureOut">
               <a:rPr lang="en-US" smtClean="0"/>
-              <a:t>3/10/22</a:t>
+              <a:t>3/19/2022</a:t>
             </a:fld>
             <a:endParaRPr lang="en-US"/>
           </a:p>
@@ -681,7 +690,7 @@
           <p:cNvPr id="5" name="Footer Placeholder 4">
             <a:extLst>
               <a:ext uri="{FF2B5EF4-FFF2-40B4-BE49-F238E27FC236}">
-                <a16:creationId xmlns="" xmlns:a16="http://schemas.microsoft.com/office/drawing/2014/main" id="{F2759457-716A-274D-8259-60A9685ECC74}"/>
+                <a16:creationId xmlns:a16="http://schemas.microsoft.com/office/drawing/2014/main" id="{F2759457-716A-274D-8259-60A9685ECC74}"/>
               </a:ext>
             </a:extLst>
           </p:cNvPr>
@@ -706,7 +715,7 @@
           <p:cNvPr id="6" name="Slide Number Placeholder 5">
             <a:extLst>
               <a:ext uri="{FF2B5EF4-FFF2-40B4-BE49-F238E27FC236}">
-                <a16:creationId xmlns="" xmlns:a16="http://schemas.microsoft.com/office/drawing/2014/main" id="{4DA1D426-3F87-B746-A1B7-D86C89BEEF2F}"/>
+                <a16:creationId xmlns:a16="http://schemas.microsoft.com/office/drawing/2014/main" id="{4DA1D426-3F87-B746-A1B7-D86C89BEEF2F}"/>
               </a:ext>
             </a:extLst>
           </p:cNvPr>
@@ -765,7 +774,7 @@
           <p:cNvPr id="2" name="Title 1">
             <a:extLst>
               <a:ext uri="{FF2B5EF4-FFF2-40B4-BE49-F238E27FC236}">
-                <a16:creationId xmlns="" xmlns:a16="http://schemas.microsoft.com/office/drawing/2014/main" id="{58A18CFA-D9FE-B24B-9769-996B3E98496E}"/>
+                <a16:creationId xmlns:a16="http://schemas.microsoft.com/office/drawing/2014/main" id="{58A18CFA-D9FE-B24B-9769-996B3E98496E}"/>
               </a:ext>
             </a:extLst>
           </p:cNvPr>
@@ -793,7 +802,7 @@
           <p:cNvPr id="3" name="Content Placeholder 2">
             <a:extLst>
               <a:ext uri="{FF2B5EF4-FFF2-40B4-BE49-F238E27FC236}">
-                <a16:creationId xmlns="" xmlns:a16="http://schemas.microsoft.com/office/drawing/2014/main" id="{081FB8E3-1516-BC47-BD18-FC17BC338D83}"/>
+                <a16:creationId xmlns:a16="http://schemas.microsoft.com/office/drawing/2014/main" id="{081FB8E3-1516-BC47-BD18-FC17BC338D83}"/>
               </a:ext>
             </a:extLst>
           </p:cNvPr>
@@ -850,7 +859,7 @@
           <p:cNvPr id="4" name="Date Placeholder 3">
             <a:extLst>
               <a:ext uri="{FF2B5EF4-FFF2-40B4-BE49-F238E27FC236}">
-                <a16:creationId xmlns="" xmlns:a16="http://schemas.microsoft.com/office/drawing/2014/main" id="{7A5745AE-806B-334C-A2F8-71DD63CA7495}"/>
+                <a16:creationId xmlns:a16="http://schemas.microsoft.com/office/drawing/2014/main" id="{7A5745AE-806B-334C-A2F8-71DD63CA7495}"/>
               </a:ext>
             </a:extLst>
           </p:cNvPr>
@@ -868,7 +877,7 @@
           <a:p>
             <a:fld id="{45F5DF8E-F4B8-D441-8FFB-59F600C03B7F}" type="datetimeFigureOut">
               <a:rPr lang="en-US" smtClean="0"/>
-              <a:t>3/10/22</a:t>
+              <a:t>3/19/2022</a:t>
             </a:fld>
             <a:endParaRPr lang="en-US"/>
           </a:p>
@@ -879,7 +888,7 @@
           <p:cNvPr id="5" name="Footer Placeholder 4">
             <a:extLst>
               <a:ext uri="{FF2B5EF4-FFF2-40B4-BE49-F238E27FC236}">
-                <a16:creationId xmlns="" xmlns:a16="http://schemas.microsoft.com/office/drawing/2014/main" id="{BA483F14-3D01-6941-972A-7F7ABC43B009}"/>
+                <a16:creationId xmlns:a16="http://schemas.microsoft.com/office/drawing/2014/main" id="{BA483F14-3D01-6941-972A-7F7ABC43B009}"/>
               </a:ext>
             </a:extLst>
           </p:cNvPr>
@@ -904,7 +913,7 @@
           <p:cNvPr id="6" name="Slide Number Placeholder 5">
             <a:extLst>
               <a:ext uri="{FF2B5EF4-FFF2-40B4-BE49-F238E27FC236}">
-                <a16:creationId xmlns="" xmlns:a16="http://schemas.microsoft.com/office/drawing/2014/main" id="{75624641-F809-E043-9D83-49E001FD45C5}"/>
+                <a16:creationId xmlns:a16="http://schemas.microsoft.com/office/drawing/2014/main" id="{75624641-F809-E043-9D83-49E001FD45C5}"/>
               </a:ext>
             </a:extLst>
           </p:cNvPr>
@@ -963,7 +972,7 @@
           <p:cNvPr id="2" name="Title 1">
             <a:extLst>
               <a:ext uri="{FF2B5EF4-FFF2-40B4-BE49-F238E27FC236}">
-                <a16:creationId xmlns="" xmlns:a16="http://schemas.microsoft.com/office/drawing/2014/main" id="{C0E98CF8-EB42-1A4E-B34A-BC2C37DB5654}"/>
+                <a16:creationId xmlns:a16="http://schemas.microsoft.com/office/drawing/2014/main" id="{C0E98CF8-EB42-1A4E-B34A-BC2C37DB5654}"/>
               </a:ext>
             </a:extLst>
           </p:cNvPr>
@@ -1000,7 +1009,7 @@
           <p:cNvPr id="3" name="Text Placeholder 2">
             <a:extLst>
               <a:ext uri="{FF2B5EF4-FFF2-40B4-BE49-F238E27FC236}">
-                <a16:creationId xmlns="" xmlns:a16="http://schemas.microsoft.com/office/drawing/2014/main" id="{0755F6C4-4B3C-C64A-A0E8-422A7C1ACABB}"/>
+                <a16:creationId xmlns:a16="http://schemas.microsoft.com/office/drawing/2014/main" id="{0755F6C4-4B3C-C64A-A0E8-422A7C1ACABB}"/>
               </a:ext>
             </a:extLst>
           </p:cNvPr>
@@ -1125,7 +1134,7 @@
           <p:cNvPr id="4" name="Date Placeholder 3">
             <a:extLst>
               <a:ext uri="{FF2B5EF4-FFF2-40B4-BE49-F238E27FC236}">
-                <a16:creationId xmlns="" xmlns:a16="http://schemas.microsoft.com/office/drawing/2014/main" id="{A6B6158D-EA13-F74F-AC4D-80E2B453A5A8}"/>
+                <a16:creationId xmlns:a16="http://schemas.microsoft.com/office/drawing/2014/main" id="{A6B6158D-EA13-F74F-AC4D-80E2B453A5A8}"/>
               </a:ext>
             </a:extLst>
           </p:cNvPr>
@@ -1143,7 +1152,7 @@
           <a:p>
             <a:fld id="{45F5DF8E-F4B8-D441-8FFB-59F600C03B7F}" type="datetimeFigureOut">
               <a:rPr lang="en-US" smtClean="0"/>
-              <a:t>3/10/22</a:t>
+              <a:t>3/19/2022</a:t>
             </a:fld>
             <a:endParaRPr lang="en-US"/>
           </a:p>
@@ -1154,7 +1163,7 @@
           <p:cNvPr id="5" name="Footer Placeholder 4">
             <a:extLst>
               <a:ext uri="{FF2B5EF4-FFF2-40B4-BE49-F238E27FC236}">
-                <a16:creationId xmlns="" xmlns:a16="http://schemas.microsoft.com/office/drawing/2014/main" id="{0DD3B44F-D53E-6540-8DB3-C188A7A5C9CF}"/>
+                <a16:creationId xmlns:a16="http://schemas.microsoft.com/office/drawing/2014/main" id="{0DD3B44F-D53E-6540-8DB3-C188A7A5C9CF}"/>
               </a:ext>
             </a:extLst>
           </p:cNvPr>
@@ -1179,7 +1188,7 @@
           <p:cNvPr id="6" name="Slide Number Placeholder 5">
             <a:extLst>
               <a:ext uri="{FF2B5EF4-FFF2-40B4-BE49-F238E27FC236}">
-                <a16:creationId xmlns="" xmlns:a16="http://schemas.microsoft.com/office/drawing/2014/main" id="{F171FF0F-EB0C-764C-B053-ADD23560B8AB}"/>
+                <a16:creationId xmlns:a16="http://schemas.microsoft.com/office/drawing/2014/main" id="{F171FF0F-EB0C-764C-B053-ADD23560B8AB}"/>
               </a:ext>
             </a:extLst>
           </p:cNvPr>
@@ -1238,7 +1247,7 @@
           <p:cNvPr id="2" name="Title 1">
             <a:extLst>
               <a:ext uri="{FF2B5EF4-FFF2-40B4-BE49-F238E27FC236}">
-                <a16:creationId xmlns="" xmlns:a16="http://schemas.microsoft.com/office/drawing/2014/main" id="{04EE9806-24A1-0A46-9AB1-E51314677AFF}"/>
+                <a16:creationId xmlns:a16="http://schemas.microsoft.com/office/drawing/2014/main" id="{04EE9806-24A1-0A46-9AB1-E51314677AFF}"/>
               </a:ext>
             </a:extLst>
           </p:cNvPr>
@@ -1266,7 +1275,7 @@
           <p:cNvPr id="3" name="Content Placeholder 2">
             <a:extLst>
               <a:ext uri="{FF2B5EF4-FFF2-40B4-BE49-F238E27FC236}">
-                <a16:creationId xmlns="" xmlns:a16="http://schemas.microsoft.com/office/drawing/2014/main" id="{D09A5A07-85D4-6143-A71A-D0C19F741A11}"/>
+                <a16:creationId xmlns:a16="http://schemas.microsoft.com/office/drawing/2014/main" id="{D09A5A07-85D4-6143-A71A-D0C19F741A11}"/>
               </a:ext>
             </a:extLst>
           </p:cNvPr>
@@ -1328,7 +1337,7 @@
           <p:cNvPr id="4" name="Content Placeholder 3">
             <a:extLst>
               <a:ext uri="{FF2B5EF4-FFF2-40B4-BE49-F238E27FC236}">
-                <a16:creationId xmlns="" xmlns:a16="http://schemas.microsoft.com/office/drawing/2014/main" id="{9A3B2696-E398-8841-9DC1-1E0061A59CF9}"/>
+                <a16:creationId xmlns:a16="http://schemas.microsoft.com/office/drawing/2014/main" id="{9A3B2696-E398-8841-9DC1-1E0061A59CF9}"/>
               </a:ext>
             </a:extLst>
           </p:cNvPr>
@@ -1390,7 +1399,7 @@
           <p:cNvPr id="5" name="Date Placeholder 4">
             <a:extLst>
               <a:ext uri="{FF2B5EF4-FFF2-40B4-BE49-F238E27FC236}">
-                <a16:creationId xmlns="" xmlns:a16="http://schemas.microsoft.com/office/drawing/2014/main" id="{E52BC04B-AE70-D04D-B870-4DDA7352D97B}"/>
+                <a16:creationId xmlns:a16="http://schemas.microsoft.com/office/drawing/2014/main" id="{E52BC04B-AE70-D04D-B870-4DDA7352D97B}"/>
               </a:ext>
             </a:extLst>
           </p:cNvPr>
@@ -1408,7 +1417,7 @@
           <a:p>
             <a:fld id="{45F5DF8E-F4B8-D441-8FFB-59F600C03B7F}" type="datetimeFigureOut">
               <a:rPr lang="en-US" smtClean="0"/>
-              <a:t>3/10/22</a:t>
+              <a:t>3/19/2022</a:t>
             </a:fld>
             <a:endParaRPr lang="en-US"/>
           </a:p>
@@ -1419,7 +1428,7 @@
           <p:cNvPr id="6" name="Footer Placeholder 5">
             <a:extLst>
               <a:ext uri="{FF2B5EF4-FFF2-40B4-BE49-F238E27FC236}">
-                <a16:creationId xmlns="" xmlns:a16="http://schemas.microsoft.com/office/drawing/2014/main" id="{45C5A8D9-5C2F-3644-81A8-4090ABF469B1}"/>
+                <a16:creationId xmlns:a16="http://schemas.microsoft.com/office/drawing/2014/main" id="{45C5A8D9-5C2F-3644-81A8-4090ABF469B1}"/>
               </a:ext>
             </a:extLst>
           </p:cNvPr>
@@ -1444,7 +1453,7 @@
           <p:cNvPr id="7" name="Slide Number Placeholder 6">
             <a:extLst>
               <a:ext uri="{FF2B5EF4-FFF2-40B4-BE49-F238E27FC236}">
-                <a16:creationId xmlns="" xmlns:a16="http://schemas.microsoft.com/office/drawing/2014/main" id="{028C3890-FDF5-044B-91D0-5B5E035BB575}"/>
+                <a16:creationId xmlns:a16="http://schemas.microsoft.com/office/drawing/2014/main" id="{028C3890-FDF5-044B-91D0-5B5E035BB575}"/>
               </a:ext>
             </a:extLst>
           </p:cNvPr>
@@ -1503,7 +1512,7 @@
           <p:cNvPr id="2" name="Title 1">
             <a:extLst>
               <a:ext uri="{FF2B5EF4-FFF2-40B4-BE49-F238E27FC236}">
-                <a16:creationId xmlns="" xmlns:a16="http://schemas.microsoft.com/office/drawing/2014/main" id="{4A55EB84-E70A-F048-8C65-BC0791EFB15C}"/>
+                <a16:creationId xmlns:a16="http://schemas.microsoft.com/office/drawing/2014/main" id="{4A55EB84-E70A-F048-8C65-BC0791EFB15C}"/>
               </a:ext>
             </a:extLst>
           </p:cNvPr>
@@ -1536,7 +1545,7 @@
           <p:cNvPr id="3" name="Text Placeholder 2">
             <a:extLst>
               <a:ext uri="{FF2B5EF4-FFF2-40B4-BE49-F238E27FC236}">
-                <a16:creationId xmlns="" xmlns:a16="http://schemas.microsoft.com/office/drawing/2014/main" id="{CB77977E-5D6C-D44C-B75C-8D6FB486C383}"/>
+                <a16:creationId xmlns:a16="http://schemas.microsoft.com/office/drawing/2014/main" id="{CB77977E-5D6C-D44C-B75C-8D6FB486C383}"/>
               </a:ext>
             </a:extLst>
           </p:cNvPr>
@@ -1607,7 +1616,7 @@
           <p:cNvPr id="4" name="Content Placeholder 3">
             <a:extLst>
               <a:ext uri="{FF2B5EF4-FFF2-40B4-BE49-F238E27FC236}">
-                <a16:creationId xmlns="" xmlns:a16="http://schemas.microsoft.com/office/drawing/2014/main" id="{B224A687-E2B1-584C-9030-F1D87142C127}"/>
+                <a16:creationId xmlns:a16="http://schemas.microsoft.com/office/drawing/2014/main" id="{B224A687-E2B1-584C-9030-F1D87142C127}"/>
               </a:ext>
             </a:extLst>
           </p:cNvPr>
@@ -1669,7 +1678,7 @@
           <p:cNvPr id="5" name="Text Placeholder 4">
             <a:extLst>
               <a:ext uri="{FF2B5EF4-FFF2-40B4-BE49-F238E27FC236}">
-                <a16:creationId xmlns="" xmlns:a16="http://schemas.microsoft.com/office/drawing/2014/main" id="{AE116A7A-9148-254A-A879-06C9498BF6A5}"/>
+                <a16:creationId xmlns:a16="http://schemas.microsoft.com/office/drawing/2014/main" id="{AE116A7A-9148-254A-A879-06C9498BF6A5}"/>
               </a:ext>
             </a:extLst>
           </p:cNvPr>
@@ -1740,7 +1749,7 @@
           <p:cNvPr id="6" name="Content Placeholder 5">
             <a:extLst>
               <a:ext uri="{FF2B5EF4-FFF2-40B4-BE49-F238E27FC236}">
-                <a16:creationId xmlns="" xmlns:a16="http://schemas.microsoft.com/office/drawing/2014/main" id="{E5F23523-7946-3740-8E42-6D6FA2C1A5CC}"/>
+                <a16:creationId xmlns:a16="http://schemas.microsoft.com/office/drawing/2014/main" id="{E5F23523-7946-3740-8E42-6D6FA2C1A5CC}"/>
               </a:ext>
             </a:extLst>
           </p:cNvPr>
@@ -1802,7 +1811,7 @@
           <p:cNvPr id="7" name="Date Placeholder 6">
             <a:extLst>
               <a:ext uri="{FF2B5EF4-FFF2-40B4-BE49-F238E27FC236}">
-                <a16:creationId xmlns="" xmlns:a16="http://schemas.microsoft.com/office/drawing/2014/main" id="{D86AA804-7678-5F4B-828F-80C3433F9759}"/>
+                <a16:creationId xmlns:a16="http://schemas.microsoft.com/office/drawing/2014/main" id="{D86AA804-7678-5F4B-828F-80C3433F9759}"/>
               </a:ext>
             </a:extLst>
           </p:cNvPr>
@@ -1820,7 +1829,7 @@
           <a:p>
             <a:fld id="{45F5DF8E-F4B8-D441-8FFB-59F600C03B7F}" type="datetimeFigureOut">
               <a:rPr lang="en-US" smtClean="0"/>
-              <a:t>3/10/22</a:t>
+              <a:t>3/19/2022</a:t>
             </a:fld>
             <a:endParaRPr lang="en-US"/>
           </a:p>
@@ -1831,7 +1840,7 @@
           <p:cNvPr id="8" name="Footer Placeholder 7">
             <a:extLst>
               <a:ext uri="{FF2B5EF4-FFF2-40B4-BE49-F238E27FC236}">
-                <a16:creationId xmlns="" xmlns:a16="http://schemas.microsoft.com/office/drawing/2014/main" id="{916065C0-E562-5946-BE3A-62C5FC622031}"/>
+                <a16:creationId xmlns:a16="http://schemas.microsoft.com/office/drawing/2014/main" id="{916065C0-E562-5946-BE3A-62C5FC622031}"/>
               </a:ext>
             </a:extLst>
           </p:cNvPr>
@@ -1856,7 +1865,7 @@
           <p:cNvPr id="9" name="Slide Number Placeholder 8">
             <a:extLst>
               <a:ext uri="{FF2B5EF4-FFF2-40B4-BE49-F238E27FC236}">
-                <a16:creationId xmlns="" xmlns:a16="http://schemas.microsoft.com/office/drawing/2014/main" id="{7D46EC52-AC19-3B40-AF6A-23FDA4949A1D}"/>
+                <a16:creationId xmlns:a16="http://schemas.microsoft.com/office/drawing/2014/main" id="{7D46EC52-AC19-3B40-AF6A-23FDA4949A1D}"/>
               </a:ext>
             </a:extLst>
           </p:cNvPr>
@@ -1915,7 +1924,7 @@
           <p:cNvPr id="2" name="Title 1">
             <a:extLst>
               <a:ext uri="{FF2B5EF4-FFF2-40B4-BE49-F238E27FC236}">
-                <a16:creationId xmlns="" xmlns:a16="http://schemas.microsoft.com/office/drawing/2014/main" id="{69F19683-B245-5242-A0F0-39F46C4AB29A}"/>
+                <a16:creationId xmlns:a16="http://schemas.microsoft.com/office/drawing/2014/main" id="{69F19683-B245-5242-A0F0-39F46C4AB29A}"/>
               </a:ext>
             </a:extLst>
           </p:cNvPr>
@@ -1943,7 +1952,7 @@
           <p:cNvPr id="3" name="Date Placeholder 2">
             <a:extLst>
               <a:ext uri="{FF2B5EF4-FFF2-40B4-BE49-F238E27FC236}">
-                <a16:creationId xmlns="" xmlns:a16="http://schemas.microsoft.com/office/drawing/2014/main" id="{E39F037B-F4BB-7A49-9A72-7D58BEDA0DE3}"/>
+                <a16:creationId xmlns:a16="http://schemas.microsoft.com/office/drawing/2014/main" id="{E39F037B-F4BB-7A49-9A72-7D58BEDA0DE3}"/>
               </a:ext>
             </a:extLst>
           </p:cNvPr>
@@ -1961,7 +1970,7 @@
           <a:p>
             <a:fld id="{45F5DF8E-F4B8-D441-8FFB-59F600C03B7F}" type="datetimeFigureOut">
               <a:rPr lang="en-US" smtClean="0"/>
-              <a:t>3/10/22</a:t>
+              <a:t>3/19/2022</a:t>
             </a:fld>
             <a:endParaRPr lang="en-US"/>
           </a:p>
@@ -1972,7 +1981,7 @@
           <p:cNvPr id="4" name="Footer Placeholder 3">
             <a:extLst>
               <a:ext uri="{FF2B5EF4-FFF2-40B4-BE49-F238E27FC236}">
-                <a16:creationId xmlns="" xmlns:a16="http://schemas.microsoft.com/office/drawing/2014/main" id="{1843F474-92FD-214F-8A7A-20E8FD0DD51A}"/>
+                <a16:creationId xmlns:a16="http://schemas.microsoft.com/office/drawing/2014/main" id="{1843F474-92FD-214F-8A7A-20E8FD0DD51A}"/>
               </a:ext>
             </a:extLst>
           </p:cNvPr>
@@ -1997,7 +2006,7 @@
           <p:cNvPr id="5" name="Slide Number Placeholder 4">
             <a:extLst>
               <a:ext uri="{FF2B5EF4-FFF2-40B4-BE49-F238E27FC236}">
-                <a16:creationId xmlns="" xmlns:a16="http://schemas.microsoft.com/office/drawing/2014/main" id="{3087DCDA-892D-7A4E-B4E5-ED391B306AD1}"/>
+                <a16:creationId xmlns:a16="http://schemas.microsoft.com/office/drawing/2014/main" id="{3087DCDA-892D-7A4E-B4E5-ED391B306AD1}"/>
               </a:ext>
             </a:extLst>
           </p:cNvPr>
@@ -2056,7 +2065,7 @@
           <p:cNvPr id="2" name="Date Placeholder 1">
             <a:extLst>
               <a:ext uri="{FF2B5EF4-FFF2-40B4-BE49-F238E27FC236}">
-                <a16:creationId xmlns="" xmlns:a16="http://schemas.microsoft.com/office/drawing/2014/main" id="{E18A62BF-0A06-2146-A8F0-8207AAD5287F}"/>
+                <a16:creationId xmlns:a16="http://schemas.microsoft.com/office/drawing/2014/main" id="{E18A62BF-0A06-2146-A8F0-8207AAD5287F}"/>
               </a:ext>
             </a:extLst>
           </p:cNvPr>
@@ -2074,7 +2083,7 @@
           <a:p>
             <a:fld id="{45F5DF8E-F4B8-D441-8FFB-59F600C03B7F}" type="datetimeFigureOut">
               <a:rPr lang="en-US" smtClean="0"/>
-              <a:t>3/10/22</a:t>
+              <a:t>3/19/2022</a:t>
             </a:fld>
             <a:endParaRPr lang="en-US"/>
           </a:p>
@@ -2085,7 +2094,7 @@
           <p:cNvPr id="3" name="Footer Placeholder 2">
             <a:extLst>
               <a:ext uri="{FF2B5EF4-FFF2-40B4-BE49-F238E27FC236}">
-                <a16:creationId xmlns="" xmlns:a16="http://schemas.microsoft.com/office/drawing/2014/main" id="{20326B3C-B7F1-5F47-AB9E-7C22940053D3}"/>
+                <a16:creationId xmlns:a16="http://schemas.microsoft.com/office/drawing/2014/main" id="{20326B3C-B7F1-5F47-AB9E-7C22940053D3}"/>
               </a:ext>
             </a:extLst>
           </p:cNvPr>
@@ -2110,7 +2119,7 @@
           <p:cNvPr id="4" name="Slide Number Placeholder 3">
             <a:extLst>
               <a:ext uri="{FF2B5EF4-FFF2-40B4-BE49-F238E27FC236}">
-                <a16:creationId xmlns="" xmlns:a16="http://schemas.microsoft.com/office/drawing/2014/main" id="{6FE49100-8816-6E45-A59F-AD03A0C15E56}"/>
+                <a16:creationId xmlns:a16="http://schemas.microsoft.com/office/drawing/2014/main" id="{6FE49100-8816-6E45-A59F-AD03A0C15E56}"/>
               </a:ext>
             </a:extLst>
           </p:cNvPr>
@@ -2169,7 +2178,7 @@
           <p:cNvPr id="2" name="Title 1">
             <a:extLst>
               <a:ext uri="{FF2B5EF4-FFF2-40B4-BE49-F238E27FC236}">
-                <a16:creationId xmlns="" xmlns:a16="http://schemas.microsoft.com/office/drawing/2014/main" id="{DA4BA1A8-7A5D-6840-A61C-09B6883BC9F8}"/>
+                <a16:creationId xmlns:a16="http://schemas.microsoft.com/office/drawing/2014/main" id="{DA4BA1A8-7A5D-6840-A61C-09B6883BC9F8}"/>
               </a:ext>
             </a:extLst>
           </p:cNvPr>
@@ -2206,7 +2215,7 @@
           <p:cNvPr id="3" name="Content Placeholder 2">
             <a:extLst>
               <a:ext uri="{FF2B5EF4-FFF2-40B4-BE49-F238E27FC236}">
-                <a16:creationId xmlns="" xmlns:a16="http://schemas.microsoft.com/office/drawing/2014/main" id="{CDDF3BE9-0F54-EC49-9F1D-77CCAE5A6302}"/>
+                <a16:creationId xmlns:a16="http://schemas.microsoft.com/office/drawing/2014/main" id="{CDDF3BE9-0F54-EC49-9F1D-77CCAE5A6302}"/>
               </a:ext>
             </a:extLst>
           </p:cNvPr>
@@ -2296,7 +2305,7 @@
           <p:cNvPr id="4" name="Text Placeholder 3">
             <a:extLst>
               <a:ext uri="{FF2B5EF4-FFF2-40B4-BE49-F238E27FC236}">
-                <a16:creationId xmlns="" xmlns:a16="http://schemas.microsoft.com/office/drawing/2014/main" id="{6AFEA4A9-8161-F149-817C-1605402389B3}"/>
+                <a16:creationId xmlns:a16="http://schemas.microsoft.com/office/drawing/2014/main" id="{6AFEA4A9-8161-F149-817C-1605402389B3}"/>
               </a:ext>
             </a:extLst>
           </p:cNvPr>
@@ -2367,7 +2376,7 @@
           <p:cNvPr id="5" name="Date Placeholder 4">
             <a:extLst>
               <a:ext uri="{FF2B5EF4-FFF2-40B4-BE49-F238E27FC236}">
-                <a16:creationId xmlns="" xmlns:a16="http://schemas.microsoft.com/office/drawing/2014/main" id="{4E71F57D-5164-814B-A8B6-DBBFE365A595}"/>
+                <a16:creationId xmlns:a16="http://schemas.microsoft.com/office/drawing/2014/main" id="{4E71F57D-5164-814B-A8B6-DBBFE365A595}"/>
               </a:ext>
             </a:extLst>
           </p:cNvPr>
@@ -2385,7 +2394,7 @@
           <a:p>
             <a:fld id="{45F5DF8E-F4B8-D441-8FFB-59F600C03B7F}" type="datetimeFigureOut">
               <a:rPr lang="en-US" smtClean="0"/>
-              <a:t>3/10/22</a:t>
+              <a:t>3/19/2022</a:t>
             </a:fld>
             <a:endParaRPr lang="en-US"/>
           </a:p>
@@ -2396,7 +2405,7 @@
           <p:cNvPr id="6" name="Footer Placeholder 5">
             <a:extLst>
               <a:ext uri="{FF2B5EF4-FFF2-40B4-BE49-F238E27FC236}">
-                <a16:creationId xmlns="" xmlns:a16="http://schemas.microsoft.com/office/drawing/2014/main" id="{B6ACB92B-39AA-164E-8476-62AB994548D9}"/>
+                <a16:creationId xmlns:a16="http://schemas.microsoft.com/office/drawing/2014/main" id="{B6ACB92B-39AA-164E-8476-62AB994548D9}"/>
               </a:ext>
             </a:extLst>
           </p:cNvPr>
@@ -2421,7 +2430,7 @@
           <p:cNvPr id="7" name="Slide Number Placeholder 6">
             <a:extLst>
               <a:ext uri="{FF2B5EF4-FFF2-40B4-BE49-F238E27FC236}">
-                <a16:creationId xmlns="" xmlns:a16="http://schemas.microsoft.com/office/drawing/2014/main" id="{E22138CA-7F86-9541-AA58-513E3C7B93B7}"/>
+                <a16:creationId xmlns:a16="http://schemas.microsoft.com/office/drawing/2014/main" id="{E22138CA-7F86-9541-AA58-513E3C7B93B7}"/>
               </a:ext>
             </a:extLst>
           </p:cNvPr>
@@ -2480,7 +2489,7 @@
           <p:cNvPr id="2" name="Title 1">
             <a:extLst>
               <a:ext uri="{FF2B5EF4-FFF2-40B4-BE49-F238E27FC236}">
-                <a16:creationId xmlns="" xmlns:a16="http://schemas.microsoft.com/office/drawing/2014/main" id="{ADB0CFDB-AE56-FE47-AB72-7EF0FE091F67}"/>
+                <a16:creationId xmlns:a16="http://schemas.microsoft.com/office/drawing/2014/main" id="{ADB0CFDB-AE56-FE47-AB72-7EF0FE091F67}"/>
               </a:ext>
             </a:extLst>
           </p:cNvPr>
@@ -2517,7 +2526,7 @@
           <p:cNvPr id="3" name="Picture Placeholder 2">
             <a:extLst>
               <a:ext uri="{FF2B5EF4-FFF2-40B4-BE49-F238E27FC236}">
-                <a16:creationId xmlns="" xmlns:a16="http://schemas.microsoft.com/office/drawing/2014/main" id="{483F1CE3-76C5-7344-B4F9-32DB190BBAA3}"/>
+                <a16:creationId xmlns:a16="http://schemas.microsoft.com/office/drawing/2014/main" id="{483F1CE3-76C5-7344-B4F9-32DB190BBAA3}"/>
               </a:ext>
             </a:extLst>
           </p:cNvPr>
@@ -2584,7 +2593,7 @@
           <p:cNvPr id="4" name="Text Placeholder 3">
             <a:extLst>
               <a:ext uri="{FF2B5EF4-FFF2-40B4-BE49-F238E27FC236}">
-                <a16:creationId xmlns="" xmlns:a16="http://schemas.microsoft.com/office/drawing/2014/main" id="{BE5C8602-0AB8-D64D-8B14-5837E003A5CE}"/>
+                <a16:creationId xmlns:a16="http://schemas.microsoft.com/office/drawing/2014/main" id="{BE5C8602-0AB8-D64D-8B14-5837E003A5CE}"/>
               </a:ext>
             </a:extLst>
           </p:cNvPr>
@@ -2655,7 +2664,7 @@
           <p:cNvPr id="5" name="Date Placeholder 4">
             <a:extLst>
               <a:ext uri="{FF2B5EF4-FFF2-40B4-BE49-F238E27FC236}">
-                <a16:creationId xmlns="" xmlns:a16="http://schemas.microsoft.com/office/drawing/2014/main" id="{3FF89696-D288-E544-8E48-A9DB0669CD35}"/>
+                <a16:creationId xmlns:a16="http://schemas.microsoft.com/office/drawing/2014/main" id="{3FF89696-D288-E544-8E48-A9DB0669CD35}"/>
               </a:ext>
             </a:extLst>
           </p:cNvPr>
@@ -2673,7 +2682,7 @@
           <a:p>
             <a:fld id="{45F5DF8E-F4B8-D441-8FFB-59F600C03B7F}" type="datetimeFigureOut">
               <a:rPr lang="en-US" smtClean="0"/>
-              <a:t>3/10/22</a:t>
+              <a:t>3/19/2022</a:t>
             </a:fld>
             <a:endParaRPr lang="en-US"/>
           </a:p>
@@ -2684,7 +2693,7 @@
           <p:cNvPr id="6" name="Footer Placeholder 5">
             <a:extLst>
               <a:ext uri="{FF2B5EF4-FFF2-40B4-BE49-F238E27FC236}">
-                <a16:creationId xmlns="" xmlns:a16="http://schemas.microsoft.com/office/drawing/2014/main" id="{BB82B9AD-3A8D-8548-A9F6-3D5839CA39F3}"/>
+                <a16:creationId xmlns:a16="http://schemas.microsoft.com/office/drawing/2014/main" id="{BB82B9AD-3A8D-8548-A9F6-3D5839CA39F3}"/>
               </a:ext>
             </a:extLst>
           </p:cNvPr>
@@ -2709,7 +2718,7 @@
           <p:cNvPr id="7" name="Slide Number Placeholder 6">
             <a:extLst>
               <a:ext uri="{FF2B5EF4-FFF2-40B4-BE49-F238E27FC236}">
-                <a16:creationId xmlns="" xmlns:a16="http://schemas.microsoft.com/office/drawing/2014/main" id="{6BE2544D-F3A7-7E44-8D23-8BA5D3B116EC}"/>
+                <a16:creationId xmlns:a16="http://schemas.microsoft.com/office/drawing/2014/main" id="{6BE2544D-F3A7-7E44-8D23-8BA5D3B116EC}"/>
               </a:ext>
             </a:extLst>
           </p:cNvPr>
@@ -2773,7 +2782,7 @@
           <p:cNvPr id="2" name="Title Placeholder 1">
             <a:extLst>
               <a:ext uri="{FF2B5EF4-FFF2-40B4-BE49-F238E27FC236}">
-                <a16:creationId xmlns="" xmlns:a16="http://schemas.microsoft.com/office/drawing/2014/main" id="{39F6D3DA-C70C-D04A-9E79-CD0D66FB9A65}"/>
+                <a16:creationId xmlns:a16="http://schemas.microsoft.com/office/drawing/2014/main" id="{39F6D3DA-C70C-D04A-9E79-CD0D66FB9A65}"/>
               </a:ext>
             </a:extLst>
           </p:cNvPr>
@@ -2811,7 +2820,7 @@
           <p:cNvPr id="3" name="Text Placeholder 2">
             <a:extLst>
               <a:ext uri="{FF2B5EF4-FFF2-40B4-BE49-F238E27FC236}">
-                <a16:creationId xmlns="" xmlns:a16="http://schemas.microsoft.com/office/drawing/2014/main" id="{5E1A3DA7-FEA5-7C4F-B82F-D9485C3C391C}"/>
+                <a16:creationId xmlns:a16="http://schemas.microsoft.com/office/drawing/2014/main" id="{5E1A3DA7-FEA5-7C4F-B82F-D9485C3C391C}"/>
               </a:ext>
             </a:extLst>
           </p:cNvPr>
@@ -2878,7 +2887,7 @@
           <p:cNvPr id="4" name="Date Placeholder 3">
             <a:extLst>
               <a:ext uri="{FF2B5EF4-FFF2-40B4-BE49-F238E27FC236}">
-                <a16:creationId xmlns="" xmlns:a16="http://schemas.microsoft.com/office/drawing/2014/main" id="{D5FFA7A0-A5B9-4B40-89B5-A8F202E4A52D}"/>
+                <a16:creationId xmlns:a16="http://schemas.microsoft.com/office/drawing/2014/main" id="{D5FFA7A0-A5B9-4B40-89B5-A8F202E4A52D}"/>
               </a:ext>
             </a:extLst>
           </p:cNvPr>
@@ -2914,7 +2923,7 @@
           <a:p>
             <a:fld id="{45F5DF8E-F4B8-D441-8FFB-59F600C03B7F}" type="datetimeFigureOut">
               <a:rPr lang="en-US" smtClean="0"/>
-              <a:t>3/10/22</a:t>
+              <a:t>3/19/2022</a:t>
             </a:fld>
             <a:endParaRPr lang="en-US"/>
           </a:p>
@@ -2925,7 +2934,7 @@
           <p:cNvPr id="5" name="Footer Placeholder 4">
             <a:extLst>
               <a:ext uri="{FF2B5EF4-FFF2-40B4-BE49-F238E27FC236}">
-                <a16:creationId xmlns="" xmlns:a16="http://schemas.microsoft.com/office/drawing/2014/main" id="{8F8C4C0F-DD02-D144-8E45-25656FAFC813}"/>
+                <a16:creationId xmlns:a16="http://schemas.microsoft.com/office/drawing/2014/main" id="{8F8C4C0F-DD02-D144-8E45-25656FAFC813}"/>
               </a:ext>
             </a:extLst>
           </p:cNvPr>
@@ -2968,7 +2977,7 @@
           <p:cNvPr id="6" name="Slide Number Placeholder 5">
             <a:extLst>
               <a:ext uri="{FF2B5EF4-FFF2-40B4-BE49-F238E27FC236}">
-                <a16:creationId xmlns="" xmlns:a16="http://schemas.microsoft.com/office/drawing/2014/main" id="{CA0EC7DB-28A5-C24E-AED8-AF1773264F75}"/>
+                <a16:creationId xmlns:a16="http://schemas.microsoft.com/office/drawing/2014/main" id="{CA0EC7DB-28A5-C24E-AED8-AF1773264F75}"/>
               </a:ext>
             </a:extLst>
           </p:cNvPr>
@@ -3336,7 +3345,7 @@
           <p:cNvPr id="2" name="Title 1">
             <a:extLst>
               <a:ext uri="{FF2B5EF4-FFF2-40B4-BE49-F238E27FC236}">
-                <a16:creationId xmlns="" xmlns:a16="http://schemas.microsoft.com/office/drawing/2014/main" id="{63E6769D-0AAE-2044-8EA3-8380823F5ECE}"/>
+                <a16:creationId xmlns:a16="http://schemas.microsoft.com/office/drawing/2014/main" id="{63E6769D-0AAE-2044-8EA3-8380823F5ECE}"/>
               </a:ext>
             </a:extLst>
           </p:cNvPr>
@@ -3353,10 +3362,9 @@
           <a:lstStyle/>
           <a:p>
             <a:r>
-              <a:rPr lang="en-US" dirty="0" smtClean="0"/>
+              <a:rPr lang="en-US" dirty="0"/>
               <a:t>Asthma Severity</a:t>
             </a:r>
-            <a:endParaRPr lang="en-US" dirty="0"/>
           </a:p>
         </p:txBody>
       </p:sp>
@@ -3365,7 +3373,7 @@
           <p:cNvPr id="3" name="Subtitle 2">
             <a:extLst>
               <a:ext uri="{FF2B5EF4-FFF2-40B4-BE49-F238E27FC236}">
-                <a16:creationId xmlns="" xmlns:a16="http://schemas.microsoft.com/office/drawing/2014/main" id="{EF5A5664-23DD-0541-BF33-69F8800D2195}"/>
+                <a16:creationId xmlns:a16="http://schemas.microsoft.com/office/drawing/2014/main" id="{EF5A5664-23DD-0541-BF33-69F8800D2195}"/>
               </a:ext>
             </a:extLst>
           </p:cNvPr>
@@ -3382,17 +3390,15 @@
           <a:lstStyle/>
           <a:p>
             <a:r>
-              <a:rPr lang="en-US" dirty="0" smtClean="0"/>
+              <a:rPr lang="en-US" dirty="0"/>
               <a:t>Kadie Iverson &amp; Matthew Donaldson</a:t>
             </a:r>
-            <a:endParaRPr lang="en-US" dirty="0"/>
-          </a:p>
-          <a:p>
-            <a:r>
-              <a:rPr lang="en-US" dirty="0" smtClean="0"/>
+          </a:p>
+          <a:p>
+            <a:r>
+              <a:rPr lang="en-US" dirty="0"/>
               <a:t>3/21/2022</a:t>
             </a:r>
-            <a:endParaRPr lang="en-US" dirty="0"/>
           </a:p>
         </p:txBody>
       </p:sp>
@@ -3400,6 +3406,669 @@
     <p:extLst>
       <p:ext uri="{BB962C8B-B14F-4D97-AF65-F5344CB8AC3E}">
         <p14:creationId xmlns:p14="http://schemas.microsoft.com/office/powerpoint/2010/main" val="3425798435"/>
+      </p:ext>
+    </p:extLst>
+  </p:cSld>
+  <p:clrMapOvr>
+    <a:masterClrMapping/>
+  </p:clrMapOvr>
+</p:sld>
+</file>
+
+<file path=ppt/slides/slide10.xml><?xml version="1.0" encoding="utf-8"?>
+<p:sld xmlns:a="http://schemas.openxmlformats.org/drawingml/2006/main" xmlns:r="http://schemas.openxmlformats.org/officeDocument/2006/relationships" xmlns:p="http://schemas.openxmlformats.org/presentationml/2006/main">
+  <p:cSld>
+    <p:spTree>
+      <p:nvGrpSpPr>
+        <p:cNvPr id="1" name=""/>
+        <p:cNvGrpSpPr/>
+        <p:nvPr/>
+      </p:nvGrpSpPr>
+      <p:grpSpPr>
+        <a:xfrm>
+          <a:off x="0" y="0"/>
+          <a:ext cx="0" cy="0"/>
+          <a:chOff x="0" y="0"/>
+          <a:chExt cx="0" cy="0"/>
+        </a:xfrm>
+      </p:grpSpPr>
+      <p:sp>
+        <p:nvSpPr>
+          <p:cNvPr id="2" name="Title 1">
+            <a:extLst>
+              <a:ext uri="{FF2B5EF4-FFF2-40B4-BE49-F238E27FC236}">
+                <a16:creationId xmlns:a16="http://schemas.microsoft.com/office/drawing/2014/main" id="{107D85B4-979C-443D-8ED3-FA60060EFEAB}"/>
+              </a:ext>
+            </a:extLst>
+          </p:cNvPr>
+          <p:cNvSpPr>
+            <a:spLocks noGrp="1"/>
+          </p:cNvSpPr>
+          <p:nvPr>
+            <p:ph type="title"/>
+          </p:nvPr>
+        </p:nvSpPr>
+        <p:spPr/>
+        <p:txBody>
+          <a:bodyPr/>
+          <a:lstStyle/>
+          <a:p>
+            <a:r>
+              <a:rPr lang="en-US" dirty="0"/>
+              <a:t>Model Update – MLM</a:t>
+            </a:r>
+          </a:p>
+        </p:txBody>
+      </p:sp>
+      <p:pic>
+        <p:nvPicPr>
+          <p:cNvPr id="5" name="Content Placeholder 4" descr="Diagram&#10;&#10;Description automatically generated with medium confidence">
+            <a:extLst>
+              <a:ext uri="{FF2B5EF4-FFF2-40B4-BE49-F238E27FC236}">
+                <a16:creationId xmlns:a16="http://schemas.microsoft.com/office/drawing/2014/main" id="{79A1F322-01B0-4CC2-B472-89F8F76DEE93}"/>
+              </a:ext>
+            </a:extLst>
+          </p:cNvPr>
+          <p:cNvPicPr>
+            <a:picLocks noGrp="1" noChangeAspect="1"/>
+          </p:cNvPicPr>
+          <p:nvPr>
+            <p:ph idx="1"/>
+          </p:nvPr>
+        </p:nvPicPr>
+        <p:blipFill>
+          <a:blip r:embed="rId2"/>
+          <a:stretch>
+            <a:fillRect/>
+          </a:stretch>
+        </p:blipFill>
+        <p:spPr>
+          <a:xfrm>
+            <a:off x="598190" y="2803053"/>
+            <a:ext cx="10995620" cy="2613009"/>
+          </a:xfrm>
+        </p:spPr>
+      </p:pic>
+    </p:spTree>
+    <p:extLst>
+      <p:ext uri="{BB962C8B-B14F-4D97-AF65-F5344CB8AC3E}">
+        <p14:creationId xmlns:p14="http://schemas.microsoft.com/office/powerpoint/2010/main" val="2577203638"/>
+      </p:ext>
+    </p:extLst>
+  </p:cSld>
+  <p:clrMapOvr>
+    <a:masterClrMapping/>
+  </p:clrMapOvr>
+</p:sld>
+</file>
+
+<file path=ppt/slides/slide11.xml><?xml version="1.0" encoding="utf-8"?>
+<p:sld xmlns:a="http://schemas.openxmlformats.org/drawingml/2006/main" xmlns:r="http://schemas.openxmlformats.org/officeDocument/2006/relationships" xmlns:p="http://schemas.openxmlformats.org/presentationml/2006/main">
+  <p:cSld>
+    <p:spTree>
+      <p:nvGrpSpPr>
+        <p:cNvPr id="1" name=""/>
+        <p:cNvGrpSpPr/>
+        <p:nvPr/>
+      </p:nvGrpSpPr>
+      <p:grpSpPr>
+        <a:xfrm>
+          <a:off x="0" y="0"/>
+          <a:ext cx="0" cy="0"/>
+          <a:chOff x="0" y="0"/>
+          <a:chExt cx="0" cy="0"/>
+        </a:xfrm>
+      </p:grpSpPr>
+      <p:sp>
+        <p:nvSpPr>
+          <p:cNvPr id="2" name="Title 1">
+            <a:extLst>
+              <a:ext uri="{FF2B5EF4-FFF2-40B4-BE49-F238E27FC236}">
+                <a16:creationId xmlns:a16="http://schemas.microsoft.com/office/drawing/2014/main" id="{6AB1D754-572F-49F6-9871-E20F6DF95248}"/>
+              </a:ext>
+            </a:extLst>
+          </p:cNvPr>
+          <p:cNvSpPr>
+            <a:spLocks noGrp="1"/>
+          </p:cNvSpPr>
+          <p:nvPr>
+            <p:ph type="title"/>
+          </p:nvPr>
+        </p:nvSpPr>
+        <p:spPr/>
+        <p:txBody>
+          <a:bodyPr/>
+          <a:lstStyle/>
+          <a:p>
+            <a:r>
+              <a:rPr lang="en-US" dirty="0"/>
+              <a:t>Model Update – Splitting the Data</a:t>
+            </a:r>
+          </a:p>
+        </p:txBody>
+      </p:sp>
+      <p:sp>
+        <p:nvSpPr>
+          <p:cNvPr id="3" name="Content Placeholder 2">
+            <a:extLst>
+              <a:ext uri="{FF2B5EF4-FFF2-40B4-BE49-F238E27FC236}">
+                <a16:creationId xmlns:a16="http://schemas.microsoft.com/office/drawing/2014/main" id="{9F068461-C235-42A4-8A94-B1C432F7E55A}"/>
+              </a:ext>
+            </a:extLst>
+          </p:cNvPr>
+          <p:cNvSpPr>
+            <a:spLocks noGrp="1"/>
+          </p:cNvSpPr>
+          <p:nvPr>
+            <p:ph idx="1"/>
+          </p:nvPr>
+        </p:nvSpPr>
+        <p:spPr/>
+        <p:txBody>
+          <a:bodyPr/>
+          <a:lstStyle/>
+          <a:p>
+            <a:r>
+              <a:rPr lang="en-US" dirty="0"/>
+              <a:t>Kept 3 subjects out </a:t>
+            </a:r>
+          </a:p>
+          <a:p>
+            <a:pPr marL="0" indent="0">
+              <a:buNone/>
+            </a:pPr>
+            <a:endParaRPr lang="en-US" dirty="0"/>
+          </a:p>
+        </p:txBody>
+      </p:sp>
+    </p:spTree>
+    <p:extLst>
+      <p:ext uri="{BB962C8B-B14F-4D97-AF65-F5344CB8AC3E}">
+        <p14:creationId xmlns:p14="http://schemas.microsoft.com/office/powerpoint/2010/main" val="3410258385"/>
+      </p:ext>
+    </p:extLst>
+  </p:cSld>
+  <p:clrMapOvr>
+    <a:masterClrMapping/>
+  </p:clrMapOvr>
+</p:sld>
+</file>
+
+<file path=ppt/slides/slide12.xml><?xml version="1.0" encoding="utf-8"?>
+<p:sld xmlns:a="http://schemas.openxmlformats.org/drawingml/2006/main" xmlns:r="http://schemas.openxmlformats.org/officeDocument/2006/relationships" xmlns:p="http://schemas.openxmlformats.org/presentationml/2006/main">
+  <p:cSld>
+    <p:spTree>
+      <p:nvGrpSpPr>
+        <p:cNvPr id="1" name=""/>
+        <p:cNvGrpSpPr/>
+        <p:nvPr/>
+      </p:nvGrpSpPr>
+      <p:grpSpPr>
+        <a:xfrm>
+          <a:off x="0" y="0"/>
+          <a:ext cx="0" cy="0"/>
+          <a:chOff x="0" y="0"/>
+          <a:chExt cx="0" cy="0"/>
+        </a:xfrm>
+      </p:grpSpPr>
+      <p:sp>
+        <p:nvSpPr>
+          <p:cNvPr id="7" name="Title 1">
+            <a:extLst>
+              <a:ext uri="{FF2B5EF4-FFF2-40B4-BE49-F238E27FC236}">
+                <a16:creationId xmlns:a16="http://schemas.microsoft.com/office/drawing/2014/main" id="{CDE84C0E-DAEF-4A24-A855-E44CB6979107}"/>
+              </a:ext>
+            </a:extLst>
+          </p:cNvPr>
+          <p:cNvSpPr>
+            <a:spLocks noGrp="1"/>
+          </p:cNvSpPr>
+          <p:nvPr>
+            <p:ph type="title"/>
+          </p:nvPr>
+        </p:nvSpPr>
+        <p:spPr>
+          <a:xfrm>
+            <a:off x="838200" y="365125"/>
+            <a:ext cx="10515600" cy="1325563"/>
+          </a:xfrm>
+        </p:spPr>
+        <p:txBody>
+          <a:bodyPr/>
+          <a:lstStyle/>
+          <a:p>
+            <a:r>
+              <a:rPr lang="en-US" dirty="0"/>
+              <a:t>Model Update</a:t>
+            </a:r>
+          </a:p>
+        </p:txBody>
+      </p:sp>
+      <p:sp>
+        <p:nvSpPr>
+          <p:cNvPr id="8" name="Content Placeholder 2">
+            <a:extLst>
+              <a:ext uri="{FF2B5EF4-FFF2-40B4-BE49-F238E27FC236}">
+                <a16:creationId xmlns:a16="http://schemas.microsoft.com/office/drawing/2014/main" id="{01B999D5-EE4D-4AEB-9A9F-A415CCD7D823}"/>
+              </a:ext>
+            </a:extLst>
+          </p:cNvPr>
+          <p:cNvSpPr>
+            <a:spLocks noGrp="1"/>
+          </p:cNvSpPr>
+          <p:nvPr>
+            <p:ph idx="1"/>
+          </p:nvPr>
+        </p:nvSpPr>
+        <p:spPr>
+          <a:xfrm>
+            <a:off x="838200" y="1825625"/>
+            <a:ext cx="10515600" cy="4351338"/>
+          </a:xfrm>
+        </p:spPr>
+        <p:txBody>
+          <a:bodyPr/>
+          <a:lstStyle/>
+          <a:p>
+            <a:r>
+              <a:rPr lang="en-US" dirty="0"/>
+              <a:t>[please update on what models the team is using or planning to use to support the decision. Make sure to be ready to articulate on the reasoning behind your choice]</a:t>
+            </a:r>
+          </a:p>
+          <a:p>
+            <a:r>
+              <a:rPr lang="en-US" dirty="0"/>
+              <a:t>Simple, so easy to interpret</a:t>
+            </a:r>
+          </a:p>
+          <a:p>
+            <a:r>
+              <a:rPr lang="en-US" dirty="0"/>
+              <a:t> Incorporates random effects from each subject</a:t>
+            </a:r>
+          </a:p>
+          <a:p>
+            <a:endParaRPr lang="en-US" dirty="0"/>
+          </a:p>
+          <a:p>
+            <a:r>
+              <a:rPr lang="en-US" dirty="0"/>
+              <a:t>Model: y = beta*X + b*x + epsilon</a:t>
+            </a:r>
+          </a:p>
+          <a:p>
+            <a:r>
+              <a:rPr lang="en-US" dirty="0"/>
+              <a:t>Discuss beta and b and epsilon and give mean and variance for the normal distribution.</a:t>
+            </a:r>
+          </a:p>
+        </p:txBody>
+      </p:sp>
+    </p:spTree>
+    <p:extLst>
+      <p:ext uri="{BB962C8B-B14F-4D97-AF65-F5344CB8AC3E}">
+        <p14:creationId xmlns:p14="http://schemas.microsoft.com/office/powerpoint/2010/main" val="1335337497"/>
+      </p:ext>
+    </p:extLst>
+  </p:cSld>
+  <p:clrMapOvr>
+    <a:masterClrMapping/>
+  </p:clrMapOvr>
+</p:sld>
+</file>
+
+<file path=ppt/slides/slide13.xml><?xml version="1.0" encoding="utf-8"?>
+<p:sld xmlns:a="http://schemas.openxmlformats.org/drawingml/2006/main" xmlns:r="http://schemas.openxmlformats.org/officeDocument/2006/relationships" xmlns:p="http://schemas.openxmlformats.org/presentationml/2006/main">
+  <p:cSld>
+    <p:spTree>
+      <p:nvGrpSpPr>
+        <p:cNvPr id="1" name=""/>
+        <p:cNvGrpSpPr/>
+        <p:nvPr/>
+      </p:nvGrpSpPr>
+      <p:grpSpPr>
+        <a:xfrm>
+          <a:off x="0" y="0"/>
+          <a:ext cx="0" cy="0"/>
+          <a:chOff x="0" y="0"/>
+          <a:chExt cx="0" cy="0"/>
+        </a:xfrm>
+      </p:grpSpPr>
+      <p:sp>
+        <p:nvSpPr>
+          <p:cNvPr id="2" name="Title 1">
+            <a:extLst>
+              <a:ext uri="{FF2B5EF4-FFF2-40B4-BE49-F238E27FC236}">
+                <a16:creationId xmlns:a16="http://schemas.microsoft.com/office/drawing/2014/main" id="{74A0FF98-17C7-6C4B-8D07-D0480804733F}"/>
+              </a:ext>
+            </a:extLst>
+          </p:cNvPr>
+          <p:cNvSpPr>
+            <a:spLocks noGrp="1"/>
+          </p:cNvSpPr>
+          <p:nvPr>
+            <p:ph type="title"/>
+          </p:nvPr>
+        </p:nvSpPr>
+        <p:spPr/>
+        <p:txBody>
+          <a:bodyPr/>
+          <a:lstStyle/>
+          <a:p>
+            <a:r>
+              <a:rPr lang="en-US" dirty="0"/>
+              <a:t>Model Update</a:t>
+            </a:r>
+          </a:p>
+        </p:txBody>
+      </p:sp>
+      <p:sp>
+        <p:nvSpPr>
+          <p:cNvPr id="3" name="Content Placeholder 2">
+            <a:extLst>
+              <a:ext uri="{FF2B5EF4-FFF2-40B4-BE49-F238E27FC236}">
+                <a16:creationId xmlns:a16="http://schemas.microsoft.com/office/drawing/2014/main" id="{6CD35A43-7EB7-7642-89DD-4E6666715446}"/>
+              </a:ext>
+            </a:extLst>
+          </p:cNvPr>
+          <p:cNvSpPr>
+            <a:spLocks noGrp="1"/>
+          </p:cNvSpPr>
+          <p:nvPr>
+            <p:ph idx="1"/>
+          </p:nvPr>
+        </p:nvSpPr>
+        <p:spPr/>
+        <p:txBody>
+          <a:bodyPr/>
+          <a:lstStyle/>
+          <a:p>
+            <a:r>
+              <a:rPr lang="en-US" dirty="0"/>
+              <a:t>[please update on what models the team is using or planning to use to support the decision. Make sure to be ready to articulate on the reasoning behind your choice]</a:t>
+            </a:r>
+          </a:p>
+        </p:txBody>
+      </p:sp>
+      <p:pic>
+        <p:nvPicPr>
+          <p:cNvPr id="5" name="Picture 4" descr="Text&#10;&#10;Description automatically generated">
+            <a:extLst>
+              <a:ext uri="{FF2B5EF4-FFF2-40B4-BE49-F238E27FC236}">
+                <a16:creationId xmlns:a16="http://schemas.microsoft.com/office/drawing/2014/main" id="{BE519A98-C651-4AAD-B727-8FC4EE303921}"/>
+              </a:ext>
+            </a:extLst>
+          </p:cNvPr>
+          <p:cNvPicPr>
+            <a:picLocks noChangeAspect="1"/>
+          </p:cNvPicPr>
+          <p:nvPr/>
+        </p:nvPicPr>
+        <p:blipFill>
+          <a:blip r:embed="rId2"/>
+          <a:stretch>
+            <a:fillRect/>
+          </a:stretch>
+        </p:blipFill>
+        <p:spPr>
+          <a:xfrm>
+            <a:off x="1848852" y="4248016"/>
+            <a:ext cx="7950609" cy="2609984"/>
+          </a:xfrm>
+          <a:prstGeom prst="rect">
+            <a:avLst/>
+          </a:prstGeom>
+        </p:spPr>
+      </p:pic>
+    </p:spTree>
+    <p:extLst>
+      <p:ext uri="{BB962C8B-B14F-4D97-AF65-F5344CB8AC3E}">
+        <p14:creationId xmlns:p14="http://schemas.microsoft.com/office/powerpoint/2010/main" val="1400181660"/>
+      </p:ext>
+    </p:extLst>
+  </p:cSld>
+  <p:clrMapOvr>
+    <a:masterClrMapping/>
+  </p:clrMapOvr>
+</p:sld>
+</file>
+
+<file path=ppt/slides/slide14.xml><?xml version="1.0" encoding="utf-8"?>
+<p:sld xmlns:a="http://schemas.openxmlformats.org/drawingml/2006/main" xmlns:r="http://schemas.openxmlformats.org/officeDocument/2006/relationships" xmlns:p="http://schemas.openxmlformats.org/presentationml/2006/main">
+  <p:cSld>
+    <p:spTree>
+      <p:nvGrpSpPr>
+        <p:cNvPr id="1" name=""/>
+        <p:cNvGrpSpPr/>
+        <p:nvPr/>
+      </p:nvGrpSpPr>
+      <p:grpSpPr>
+        <a:xfrm>
+          <a:off x="0" y="0"/>
+          <a:ext cx="0" cy="0"/>
+          <a:chOff x="0" y="0"/>
+          <a:chExt cx="0" cy="0"/>
+        </a:xfrm>
+      </p:grpSpPr>
+      <p:sp>
+        <p:nvSpPr>
+          <p:cNvPr id="2" name="Title 1">
+            <a:extLst>
+              <a:ext uri="{FF2B5EF4-FFF2-40B4-BE49-F238E27FC236}">
+                <a16:creationId xmlns:a16="http://schemas.microsoft.com/office/drawing/2014/main" id="{0F2D0124-74FA-47BE-B48B-A902950E0755}"/>
+              </a:ext>
+            </a:extLst>
+          </p:cNvPr>
+          <p:cNvSpPr>
+            <a:spLocks noGrp="1"/>
+          </p:cNvSpPr>
+          <p:nvPr>
+            <p:ph type="title"/>
+          </p:nvPr>
+        </p:nvSpPr>
+        <p:spPr/>
+        <p:txBody>
+          <a:bodyPr/>
+          <a:lstStyle/>
+          <a:p>
+            <a:endParaRPr lang="en-US"/>
+          </a:p>
+        </p:txBody>
+      </p:sp>
+      <p:pic>
+        <p:nvPicPr>
+          <p:cNvPr id="5" name="Content Placeholder 4" descr="A picture containing timeline&#10;&#10;Description automatically generated">
+            <a:extLst>
+              <a:ext uri="{FF2B5EF4-FFF2-40B4-BE49-F238E27FC236}">
+                <a16:creationId xmlns:a16="http://schemas.microsoft.com/office/drawing/2014/main" id="{059EF947-07C3-4C96-8D93-1E0BABDB9887}"/>
+              </a:ext>
+            </a:extLst>
+          </p:cNvPr>
+          <p:cNvPicPr>
+            <a:picLocks noGrp="1" noChangeAspect="1"/>
+          </p:cNvPicPr>
+          <p:nvPr>
+            <p:ph idx="1"/>
+          </p:nvPr>
+        </p:nvPicPr>
+        <p:blipFill>
+          <a:blip r:embed="rId2"/>
+          <a:stretch>
+            <a:fillRect/>
+          </a:stretch>
+        </p:blipFill>
+        <p:spPr>
+          <a:xfrm>
+            <a:off x="3110911" y="497706"/>
+            <a:ext cx="5583910" cy="5862588"/>
+          </a:xfrm>
+        </p:spPr>
+      </p:pic>
+    </p:spTree>
+    <p:extLst>
+      <p:ext uri="{BB962C8B-B14F-4D97-AF65-F5344CB8AC3E}">
+        <p14:creationId xmlns:p14="http://schemas.microsoft.com/office/powerpoint/2010/main" val="1849063214"/>
+      </p:ext>
+    </p:extLst>
+  </p:cSld>
+  <p:clrMapOvr>
+    <a:masterClrMapping/>
+  </p:clrMapOvr>
+</p:sld>
+</file>
+
+<file path=ppt/slides/slide15.xml><?xml version="1.0" encoding="utf-8"?>
+<p:sld xmlns:a="http://schemas.openxmlformats.org/drawingml/2006/main" xmlns:r="http://schemas.openxmlformats.org/officeDocument/2006/relationships" xmlns:p="http://schemas.openxmlformats.org/presentationml/2006/main">
+  <p:cSld>
+    <p:spTree>
+      <p:nvGrpSpPr>
+        <p:cNvPr id="1" name=""/>
+        <p:cNvGrpSpPr/>
+        <p:nvPr/>
+      </p:nvGrpSpPr>
+      <p:grpSpPr>
+        <a:xfrm>
+          <a:off x="0" y="0"/>
+          <a:ext cx="0" cy="0"/>
+          <a:chOff x="0" y="0"/>
+          <a:chExt cx="0" cy="0"/>
+        </a:xfrm>
+      </p:grpSpPr>
+      <p:sp>
+        <p:nvSpPr>
+          <p:cNvPr id="2" name="Title 1">
+            <a:extLst>
+              <a:ext uri="{FF2B5EF4-FFF2-40B4-BE49-F238E27FC236}">
+                <a16:creationId xmlns:a16="http://schemas.microsoft.com/office/drawing/2014/main" id="{5F77124F-9940-644A-8C89-FBD0344EBC30}"/>
+              </a:ext>
+            </a:extLst>
+          </p:cNvPr>
+          <p:cNvSpPr>
+            <a:spLocks noGrp="1"/>
+          </p:cNvSpPr>
+          <p:nvPr>
+            <p:ph type="title"/>
+          </p:nvPr>
+        </p:nvSpPr>
+        <p:spPr/>
+        <p:txBody>
+          <a:bodyPr/>
+          <a:lstStyle/>
+          <a:p>
+            <a:r>
+              <a:rPr lang="en-US" dirty="0"/>
+              <a:t>Next steps</a:t>
+            </a:r>
+          </a:p>
+        </p:txBody>
+      </p:sp>
+      <p:sp>
+        <p:nvSpPr>
+          <p:cNvPr id="3" name="Content Placeholder 2">
+            <a:extLst>
+              <a:ext uri="{FF2B5EF4-FFF2-40B4-BE49-F238E27FC236}">
+                <a16:creationId xmlns:a16="http://schemas.microsoft.com/office/drawing/2014/main" id="{25A09237-A4A1-F543-BBC9-FDE843B417AD}"/>
+              </a:ext>
+            </a:extLst>
+          </p:cNvPr>
+          <p:cNvSpPr>
+            <a:spLocks noGrp="1"/>
+          </p:cNvSpPr>
+          <p:nvPr>
+            <p:ph idx="1"/>
+          </p:nvPr>
+        </p:nvSpPr>
+        <p:spPr/>
+        <p:txBody>
+          <a:bodyPr>
+            <a:normAutofit fontScale="70000" lnSpcReduction="20000"/>
+          </a:bodyPr>
+          <a:lstStyle/>
+          <a:p>
+            <a:pPr>
+              <a:lnSpc>
+                <a:spcPct val="160000"/>
+              </a:lnSpc>
+            </a:pPr>
+            <a:r>
+              <a:rPr lang="en-US" dirty="0"/>
+              <a:t>Determine best linear mixed-effects model to predict asthma attacks</a:t>
+            </a:r>
+          </a:p>
+          <a:p>
+            <a:pPr lvl="1">
+              <a:lnSpc>
+                <a:spcPct val="160000"/>
+              </a:lnSpc>
+            </a:pPr>
+            <a:r>
+              <a:rPr lang="en-US" dirty="0"/>
+              <a:t>Based on R</a:t>
+            </a:r>
+            <a:r>
+              <a:rPr lang="en-US" baseline="30000" dirty="0"/>
+              <a:t>2</a:t>
+            </a:r>
+            <a:r>
+              <a:rPr lang="en-US" dirty="0"/>
+              <a:t> and </a:t>
+            </a:r>
+            <a:r>
+              <a:rPr lang="en-US" dirty="0" err="1"/>
+              <a:t>Akaike</a:t>
+            </a:r>
+            <a:r>
+              <a:rPr lang="en-US" dirty="0"/>
+              <a:t> Information Criterion (AIC)</a:t>
+            </a:r>
+          </a:p>
+          <a:p>
+            <a:pPr>
+              <a:lnSpc>
+                <a:spcPct val="300000"/>
+              </a:lnSpc>
+            </a:pPr>
+            <a:r>
+              <a:rPr lang="en-US" dirty="0"/>
+              <a:t>Compare best linear mixed-effects model to a model with l1norm in it (NEED TO REWRITE)</a:t>
+            </a:r>
+          </a:p>
+          <a:p>
+            <a:pPr>
+              <a:lnSpc>
+                <a:spcPct val="300000"/>
+              </a:lnSpc>
+            </a:pPr>
+            <a:r>
+              <a:rPr lang="en-US" dirty="0"/>
+              <a:t>Build </a:t>
+            </a:r>
+            <a:r>
+              <a:rPr lang="en-US" dirty="0" err="1"/>
+              <a:t>Rshiny</a:t>
+            </a:r>
+            <a:r>
+              <a:rPr lang="en-US" dirty="0"/>
+              <a:t> feature</a:t>
+            </a:r>
+          </a:p>
+          <a:p>
+            <a:pPr>
+              <a:lnSpc>
+                <a:spcPct val="300000"/>
+              </a:lnSpc>
+            </a:pPr>
+            <a:r>
+              <a:rPr lang="en-US" dirty="0"/>
+              <a:t>Research previous studies done using weather features</a:t>
+            </a:r>
+          </a:p>
+        </p:txBody>
+      </p:sp>
+    </p:spTree>
+    <p:extLst>
+      <p:ext uri="{BB962C8B-B14F-4D97-AF65-F5344CB8AC3E}">
+        <p14:creationId xmlns:p14="http://schemas.microsoft.com/office/powerpoint/2010/main" val="44590377"/>
       </p:ext>
     </p:extLst>
   </p:cSld>
@@ -3431,7 +4100,7 @@
           <p:cNvPr id="2" name="Title 1">
             <a:extLst>
               <a:ext uri="{FF2B5EF4-FFF2-40B4-BE49-F238E27FC236}">
-                <a16:creationId xmlns="" xmlns:a16="http://schemas.microsoft.com/office/drawing/2014/main" id="{4C3FC6BC-342A-4047-A04D-4F7B83D3AE91}"/>
+                <a16:creationId xmlns:a16="http://schemas.microsoft.com/office/drawing/2014/main" id="{4C3FC6BC-342A-4047-A04D-4F7B83D3AE91}"/>
               </a:ext>
             </a:extLst>
           </p:cNvPr>
@@ -3459,7 +4128,7 @@
           <p:cNvPr id="3" name="Content Placeholder 2">
             <a:extLst>
               <a:ext uri="{FF2B5EF4-FFF2-40B4-BE49-F238E27FC236}">
-                <a16:creationId xmlns="" xmlns:a16="http://schemas.microsoft.com/office/drawing/2014/main" id="{F7AB5729-20A0-CE41-90C7-E54C52E25CA4}"/>
+                <a16:creationId xmlns:a16="http://schemas.microsoft.com/office/drawing/2014/main" id="{F7AB5729-20A0-CE41-90C7-E54C52E25CA4}"/>
               </a:ext>
             </a:extLst>
           </p:cNvPr>
@@ -3472,60 +4141,51 @@
         </p:nvSpPr>
         <p:spPr/>
         <p:txBody>
-          <a:bodyPr/>
+          <a:bodyPr>
+            <a:normAutofit fontScale="92500" lnSpcReduction="20000"/>
+          </a:bodyPr>
           <a:lstStyle/>
           <a:p>
             <a:r>
               <a:rPr lang="en-US" dirty="0"/>
-              <a:t>Analytic Objective(s</a:t>
-            </a:r>
-            <a:r>
-              <a:rPr lang="en-US" dirty="0" smtClean="0"/>
-              <a:t>): To predict the severity of an asthma attack</a:t>
-            </a:r>
+              <a:t>Analytic Objective(s): To predict the severity of an asthma attack</a:t>
+            </a:r>
+          </a:p>
+          <a:p>
             <a:endParaRPr lang="en-US" dirty="0"/>
           </a:p>
           <a:p>
+            <a:r>
+              <a:rPr lang="en-US" dirty="0"/>
+              <a:t>Decisions Impacted: - Help people with asthma become more aware of             			      having an asthma attack and if it could be severe</a:t>
+            </a:r>
+          </a:p>
+          <a:p>
+            <a:pPr marL="0" indent="0">
+              <a:buNone/>
+            </a:pPr>
+            <a:r>
+              <a:rPr lang="en-US" dirty="0"/>
+              <a:t>                                         - Could change the way inhalers are manufactured</a:t>
+            </a:r>
+          </a:p>
+          <a:p>
             <a:endParaRPr lang="en-US" dirty="0"/>
           </a:p>
           <a:p>
             <a:r>
               <a:rPr lang="en-US" dirty="0"/>
-              <a:t>Decisions to be impacted</a:t>
-            </a:r>
-            <a:r>
-              <a:rPr lang="en-US" dirty="0" smtClean="0"/>
-              <a:t>: </a:t>
-            </a:r>
+              <a:t>Business Value: Improve severity of asthma attacks by determining the most significant predictors and suggesting to make a change</a:t>
+            </a:r>
+          </a:p>
+          <a:p>
             <a:endParaRPr lang="en-US" dirty="0"/>
           </a:p>
           <a:p>
-            <a:endParaRPr lang="en-US" dirty="0"/>
-          </a:p>
-          <a:p>
             <a:r>
               <a:rPr lang="en-US" dirty="0"/>
-              <a:t>Business Value</a:t>
-            </a:r>
-            <a:r>
-              <a:rPr lang="en-US" dirty="0" smtClean="0"/>
-              <a:t>: Improve severity of asthma attacks by determining the most significant predictors and suggesting to make a change</a:t>
-            </a:r>
-            <a:endParaRPr lang="en-US" dirty="0"/>
-          </a:p>
-          <a:p>
-            <a:endParaRPr lang="en-US" dirty="0"/>
-          </a:p>
-          <a:p>
-            <a:r>
-              <a:rPr lang="en-US" dirty="0"/>
-              <a:t>Data </a:t>
-            </a:r>
-            <a:r>
-              <a:rPr lang="en-US" dirty="0" smtClean="0"/>
-              <a:t>Assets: 10 features</a:t>
-            </a:r>
-            <a:endParaRPr lang="en-US" dirty="0"/>
+              <a:t>Data Assets: 10 features (I think it might actually be 11 if we include location) </a:t>
+            </a:r>
           </a:p>
           <a:p>
             <a:endParaRPr lang="en-US" dirty="0"/>
@@ -3579,7 +4239,7 @@
           <p:cNvPr id="2" name="Title 1">
             <a:extLst>
               <a:ext uri="{FF2B5EF4-FFF2-40B4-BE49-F238E27FC236}">
-                <a16:creationId xmlns="" xmlns:a16="http://schemas.microsoft.com/office/drawing/2014/main" id="{4C3FC6BC-342A-4047-A04D-4F7B83D3AE91}"/>
+                <a16:creationId xmlns:a16="http://schemas.microsoft.com/office/drawing/2014/main" id="{FDAB2B5E-E2BF-49CF-B0D4-3FF09CA2DD9A}"/>
               </a:ext>
             </a:extLst>
           </p:cNvPr>
@@ -3602,12 +4262,138 @@
           </a:p>
         </p:txBody>
       </p:sp>
+      <p:pic>
+        <p:nvPicPr>
+          <p:cNvPr id="5" name="Content Placeholder 4">
+            <a:extLst>
+              <a:ext uri="{FF2B5EF4-FFF2-40B4-BE49-F238E27FC236}">
+                <a16:creationId xmlns:a16="http://schemas.microsoft.com/office/drawing/2014/main" id="{62065E65-9485-451A-9668-8031404E6A46}"/>
+              </a:ext>
+            </a:extLst>
+          </p:cNvPr>
+          <p:cNvPicPr>
+            <a:picLocks noGrp="1" noChangeAspect="1"/>
+          </p:cNvPicPr>
+          <p:nvPr>
+            <p:ph idx="1"/>
+          </p:nvPr>
+        </p:nvPicPr>
+        <p:blipFill>
+          <a:blip r:embed="rId2"/>
+          <a:stretch>
+            <a:fillRect/>
+          </a:stretch>
+        </p:blipFill>
+        <p:spPr>
+          <a:xfrm>
+            <a:off x="0" y="3493815"/>
+            <a:ext cx="12192000" cy="2604570"/>
+          </a:xfrm>
+        </p:spPr>
+      </p:pic>
+      <p:sp>
+        <p:nvSpPr>
+          <p:cNvPr id="6" name="TextBox 5">
+            <a:extLst>
+              <a:ext uri="{FF2B5EF4-FFF2-40B4-BE49-F238E27FC236}">
+                <a16:creationId xmlns:a16="http://schemas.microsoft.com/office/drawing/2014/main" id="{CE7F5782-5EC5-4F14-BFE4-D7A0043355C8}"/>
+              </a:ext>
+            </a:extLst>
+          </p:cNvPr>
+          <p:cNvSpPr txBox="1"/>
+          <p:nvPr/>
+        </p:nvSpPr>
+        <p:spPr>
+          <a:xfrm>
+            <a:off x="838200" y="2229853"/>
+            <a:ext cx="8337884" cy="584775"/>
+          </a:xfrm>
+          <a:prstGeom prst="rect">
+            <a:avLst/>
+          </a:prstGeom>
+          <a:noFill/>
+        </p:spPr>
+        <p:txBody>
+          <a:bodyPr wrap="square" rtlCol="0">
+            <a:spAutoFit/>
+          </a:bodyPr>
+          <a:lstStyle/>
+          <a:p>
+            <a:pPr marL="457200" indent="-457200">
+              <a:buFont typeface="Arial" panose="020B0604020202020204" pitchFamily="34" charset="0"/>
+              <a:buChar char="•"/>
+            </a:pPr>
+            <a:r>
+              <a:rPr lang="en-US" sz="3200" dirty="0"/>
+              <a:t>Dimension: 1010 by 13</a:t>
+            </a:r>
+          </a:p>
+        </p:txBody>
+      </p:sp>
+    </p:spTree>
+    <p:extLst>
+      <p:ext uri="{BB962C8B-B14F-4D97-AF65-F5344CB8AC3E}">
+        <p14:creationId xmlns:p14="http://schemas.microsoft.com/office/powerpoint/2010/main" val="3976122388"/>
+      </p:ext>
+    </p:extLst>
+  </p:cSld>
+  <p:clrMapOvr>
+    <a:masterClrMapping/>
+  </p:clrMapOvr>
+</p:sld>
+</file>
+
+<file path=ppt/slides/slide4.xml><?xml version="1.0" encoding="utf-8"?>
+<p:sld xmlns:a="http://schemas.openxmlformats.org/drawingml/2006/main" xmlns:r="http://schemas.openxmlformats.org/officeDocument/2006/relationships" xmlns:p="http://schemas.openxmlformats.org/presentationml/2006/main">
+  <p:cSld>
+    <p:spTree>
+      <p:nvGrpSpPr>
+        <p:cNvPr id="1" name=""/>
+        <p:cNvGrpSpPr/>
+        <p:nvPr/>
+      </p:nvGrpSpPr>
+      <p:grpSpPr>
+        <a:xfrm>
+          <a:off x="0" y="0"/>
+          <a:ext cx="0" cy="0"/>
+          <a:chOff x="0" y="0"/>
+          <a:chExt cx="0" cy="0"/>
+        </a:xfrm>
+      </p:grpSpPr>
+      <p:sp>
+        <p:nvSpPr>
+          <p:cNvPr id="2" name="Title 1">
+            <a:extLst>
+              <a:ext uri="{FF2B5EF4-FFF2-40B4-BE49-F238E27FC236}">
+                <a16:creationId xmlns:a16="http://schemas.microsoft.com/office/drawing/2014/main" id="{4C3FC6BC-342A-4047-A04D-4F7B83D3AE91}"/>
+              </a:ext>
+            </a:extLst>
+          </p:cNvPr>
+          <p:cNvSpPr>
+            <a:spLocks noGrp="1"/>
+          </p:cNvSpPr>
+          <p:nvPr>
+            <p:ph type="title"/>
+          </p:nvPr>
+        </p:nvSpPr>
+        <p:spPr/>
+        <p:txBody>
+          <a:bodyPr/>
+          <a:lstStyle/>
+          <a:p>
+            <a:r>
+              <a:rPr lang="en-US" dirty="0"/>
+              <a:t>Data Asset Description</a:t>
+            </a:r>
+          </a:p>
+        </p:txBody>
+      </p:sp>
       <p:sp>
         <p:nvSpPr>
           <p:cNvPr id="3" name="Content Placeholder 2">
             <a:extLst>
               <a:ext uri="{FF2B5EF4-FFF2-40B4-BE49-F238E27FC236}">
-                <a16:creationId xmlns="" xmlns:a16="http://schemas.microsoft.com/office/drawing/2014/main" id="{F7AB5729-20A0-CE41-90C7-E54C52E25CA4}"/>
+                <a16:creationId xmlns:a16="http://schemas.microsoft.com/office/drawing/2014/main" id="{F7AB5729-20A0-CE41-90C7-E54C52E25CA4}"/>
               </a:ext>
             </a:extLst>
           </p:cNvPr>
@@ -3625,13 +4411,8 @@
           <a:p>
             <a:r>
               <a:rPr lang="en-US" dirty="0"/>
-              <a:t>[Summarize using graphs, summary statistics the data set</a:t>
-            </a:r>
-            <a:r>
-              <a:rPr lang="en-US" dirty="0" smtClean="0"/>
-              <a:t>.</a:t>
-            </a:r>
-            <a:endParaRPr lang="en-US" dirty="0"/>
+              <a:t>[Summarize using graphs, summary statistics the data set.</a:t>
+            </a:r>
           </a:p>
           <a:p>
             <a:endParaRPr lang="en-US" dirty="0"/>
@@ -3687,122 +4468,6 @@
 </p:sld>
 </file>
 
-<file path=ppt/slides/slide4.xml><?xml version="1.0" encoding="utf-8"?>
-<p:sld xmlns:a="http://schemas.openxmlformats.org/drawingml/2006/main" xmlns:r="http://schemas.openxmlformats.org/officeDocument/2006/relationships" xmlns:p="http://schemas.openxmlformats.org/presentationml/2006/main">
-  <p:cSld>
-    <p:spTree>
-      <p:nvGrpSpPr>
-        <p:cNvPr id="1" name=""/>
-        <p:cNvGrpSpPr/>
-        <p:nvPr/>
-      </p:nvGrpSpPr>
-      <p:grpSpPr>
-        <a:xfrm>
-          <a:off x="0" y="0"/>
-          <a:ext cx="0" cy="0"/>
-          <a:chOff x="0" y="0"/>
-          <a:chExt cx="0" cy="0"/>
-        </a:xfrm>
-      </p:grpSpPr>
-      <p:sp>
-        <p:nvSpPr>
-          <p:cNvPr id="2" name="Title 1">
-            <a:extLst>
-              <a:ext uri="{FF2B5EF4-FFF2-40B4-BE49-F238E27FC236}">
-                <a16:creationId xmlns="" xmlns:a16="http://schemas.microsoft.com/office/drawing/2014/main" id="{22E3B65E-74FD-B447-945F-BFB66A76D2E9}"/>
-              </a:ext>
-            </a:extLst>
-          </p:cNvPr>
-          <p:cNvSpPr>
-            <a:spLocks noGrp="1"/>
-          </p:cNvSpPr>
-          <p:nvPr>
-            <p:ph type="title"/>
-          </p:nvPr>
-        </p:nvSpPr>
-        <p:spPr/>
-        <p:txBody>
-          <a:bodyPr/>
-          <a:lstStyle/>
-          <a:p>
-            <a:r>
-              <a:rPr lang="en-US" dirty="0"/>
-              <a:t>Preprocessing – Outlier detection</a:t>
-            </a:r>
-          </a:p>
-        </p:txBody>
-      </p:sp>
-      <p:sp>
-        <p:nvSpPr>
-          <p:cNvPr id="3" name="Content Placeholder 2">
-            <a:extLst>
-              <a:ext uri="{FF2B5EF4-FFF2-40B4-BE49-F238E27FC236}">
-                <a16:creationId xmlns="" xmlns:a16="http://schemas.microsoft.com/office/drawing/2014/main" id="{FA63DA9B-E511-3340-97CE-5FDE95206E81}"/>
-              </a:ext>
-            </a:extLst>
-          </p:cNvPr>
-          <p:cNvSpPr>
-            <a:spLocks noGrp="1"/>
-          </p:cNvSpPr>
-          <p:nvPr>
-            <p:ph idx="1"/>
-          </p:nvPr>
-        </p:nvSpPr>
-        <p:spPr/>
-        <p:txBody>
-          <a:bodyPr/>
-          <a:lstStyle/>
-          <a:p>
-            <a:r>
-              <a:rPr lang="en-US" dirty="0"/>
-              <a:t>[please elaborate on any observation that were consider outliers. Please describe method used to arrive to that conclusion]</a:t>
-            </a:r>
-          </a:p>
-        </p:txBody>
-      </p:sp>
-      <p:pic>
-        <p:nvPicPr>
-          <p:cNvPr id="4" name="Picture 3"/>
-          <p:cNvPicPr>
-            <a:picLocks noChangeAspect="1"/>
-          </p:cNvPicPr>
-          <p:nvPr/>
-        </p:nvPicPr>
-        <p:blipFill>
-          <a:blip r:embed="rId2">
-            <a:extLst>
-              <a:ext uri="{28A0092B-C50C-407E-A947-70E740481C1C}">
-                <a14:useLocalDpi xmlns:a14="http://schemas.microsoft.com/office/drawing/2010/main" val="0"/>
-              </a:ext>
-            </a:extLst>
-          </a:blip>
-          <a:stretch>
-            <a:fillRect/>
-          </a:stretch>
-        </p:blipFill>
-        <p:spPr>
-          <a:xfrm>
-            <a:off x="5405377" y="2702758"/>
-            <a:ext cx="6455664" cy="3929535"/>
-          </a:xfrm>
-          <a:prstGeom prst="rect">
-            <a:avLst/>
-          </a:prstGeom>
-        </p:spPr>
-      </p:pic>
-    </p:spTree>
-    <p:extLst>
-      <p:ext uri="{BB962C8B-B14F-4D97-AF65-F5344CB8AC3E}">
-        <p14:creationId xmlns:p14="http://schemas.microsoft.com/office/powerpoint/2010/main" val="493660870"/>
-      </p:ext>
-    </p:extLst>
-  </p:cSld>
-  <p:clrMapOvr>
-    <a:masterClrMapping/>
-  </p:clrMapOvr>
-</p:sld>
-</file>
-
 <file path=ppt/slides/slide5.xml><?xml version="1.0" encoding="utf-8"?>
 <p:sld xmlns:a="http://schemas.openxmlformats.org/drawingml/2006/main" xmlns:r="http://schemas.openxmlformats.org/officeDocument/2006/relationships" xmlns:p="http://schemas.openxmlformats.org/presentationml/2006/main">
   <p:cSld>
@@ -3825,7 +4490,7 @@
           <p:cNvPr id="2" name="Title 1">
             <a:extLst>
               <a:ext uri="{FF2B5EF4-FFF2-40B4-BE49-F238E27FC236}">
-                <a16:creationId xmlns="" xmlns:a16="http://schemas.microsoft.com/office/drawing/2014/main" id="{74A0FF98-17C7-6C4B-8D07-D0480804733F}"/>
+                <a16:creationId xmlns:a16="http://schemas.microsoft.com/office/drawing/2014/main" id="{4E36FDEF-1A2E-43F8-B2F9-AE8D6BC66230}"/>
               </a:ext>
             </a:extLst>
           </p:cNvPr>
@@ -3843,7 +4508,7 @@
           <a:p>
             <a:r>
               <a:rPr lang="en-US" dirty="0"/>
-              <a:t>Model Update</a:t>
+              <a:t>Data Asset Description</a:t>
             </a:r>
           </a:p>
         </p:txBody>
@@ -3853,7 +4518,7 @@
           <p:cNvPr id="3" name="Content Placeholder 2">
             <a:extLst>
               <a:ext uri="{FF2B5EF4-FFF2-40B4-BE49-F238E27FC236}">
-                <a16:creationId xmlns="" xmlns:a16="http://schemas.microsoft.com/office/drawing/2014/main" id="{6CD35A43-7EB7-7642-89DD-4E6666715446}"/>
+                <a16:creationId xmlns:a16="http://schemas.microsoft.com/office/drawing/2014/main" id="{AE62C143-ADD8-4139-8CF7-AE89CF480F94}"/>
               </a:ext>
             </a:extLst>
           </p:cNvPr>
@@ -3871,7 +4536,7 @@
           <a:p>
             <a:r>
               <a:rPr lang="en-US" dirty="0"/>
-              <a:t>[please update on what models the team is using or planning to use to support the decision. Make sure to be ready to articulate on the reasoning behind your choice]</a:t>
+              <a:t>ADD A correlation table !!!</a:t>
             </a:r>
           </a:p>
         </p:txBody>
@@ -3879,7 +4544,7 @@
     </p:spTree>
     <p:extLst>
       <p:ext uri="{BB962C8B-B14F-4D97-AF65-F5344CB8AC3E}">
-        <p14:creationId xmlns:p14="http://schemas.microsoft.com/office/powerpoint/2010/main" val="1400181660"/>
+        <p14:creationId xmlns:p14="http://schemas.microsoft.com/office/powerpoint/2010/main" val="2208073357"/>
       </p:ext>
     </p:extLst>
   </p:cSld>
@@ -3911,7 +4576,7 @@
           <p:cNvPr id="2" name="Title 1">
             <a:extLst>
               <a:ext uri="{FF2B5EF4-FFF2-40B4-BE49-F238E27FC236}">
-                <a16:creationId xmlns="" xmlns:a16="http://schemas.microsoft.com/office/drawing/2014/main" id="{5F77124F-9940-644A-8C89-FBD0344EBC30}"/>
+                <a16:creationId xmlns:a16="http://schemas.microsoft.com/office/drawing/2014/main" id="{37E30354-D520-4520-BBC2-F3DE8F6C8636}"/>
               </a:ext>
             </a:extLst>
           </p:cNvPr>
@@ -3929,7 +4594,7 @@
           <a:p>
             <a:r>
               <a:rPr lang="en-US" dirty="0"/>
-              <a:t>Next steps</a:t>
+              <a:t>Data Preprocessing</a:t>
             </a:r>
           </a:p>
         </p:txBody>
@@ -3939,7 +4604,7 @@
           <p:cNvPr id="3" name="Content Placeholder 2">
             <a:extLst>
               <a:ext uri="{FF2B5EF4-FFF2-40B4-BE49-F238E27FC236}">
-                <a16:creationId xmlns="" xmlns:a16="http://schemas.microsoft.com/office/drawing/2014/main" id="{25A09237-A4A1-F543-BBC9-FDE843B417AD}"/>
+                <a16:creationId xmlns:a16="http://schemas.microsoft.com/office/drawing/2014/main" id="{57D77B8A-6561-447A-B31D-F0156869F57A}"/>
               </a:ext>
             </a:extLst>
           </p:cNvPr>
@@ -3952,90 +4617,646 @@
         </p:nvSpPr>
         <p:spPr/>
         <p:txBody>
-          <a:bodyPr>
-            <a:normAutofit/>
-          </a:bodyPr>
-          <a:lstStyle/>
-          <a:p>
-            <a:pPr>
-              <a:lnSpc>
-                <a:spcPct val="160000"/>
-              </a:lnSpc>
-            </a:pPr>
-            <a:r>
-              <a:rPr lang="en-US" dirty="0" smtClean="0"/>
-              <a:t>Determine best linear mixed-effects model to predict asthma attacks</a:t>
-            </a:r>
-          </a:p>
-          <a:p>
-            <a:pPr lvl="1">
-              <a:lnSpc>
-                <a:spcPct val="160000"/>
-              </a:lnSpc>
-            </a:pPr>
-            <a:r>
-              <a:rPr lang="en-US" dirty="0" smtClean="0"/>
-              <a:t>Based on R</a:t>
-            </a:r>
-            <a:r>
-              <a:rPr lang="en-US" baseline="30000" dirty="0" smtClean="0"/>
-              <a:t>2</a:t>
-            </a:r>
+          <a:bodyPr/>
+          <a:lstStyle/>
+          <a:p>
             <a:r>
               <a:rPr lang="en-US" dirty="0"/>
-              <a:t> and </a:t>
+              <a:t>Handling categorical data: </a:t>
             </a:r>
             <a:r>
               <a:rPr lang="en-US" dirty="0" err="1"/>
-              <a:t>Akaike</a:t>
+              <a:t>lapply</a:t>
             </a:r>
             <a:r>
               <a:rPr lang="en-US" dirty="0"/>
-              <a:t> Information </a:t>
-            </a:r>
-            <a:r>
-              <a:rPr lang="en-US" dirty="0" smtClean="0"/>
-              <a:t>Criterion (AIC)</a:t>
-            </a:r>
-            <a:endParaRPr lang="en-US" dirty="0" smtClean="0"/>
-          </a:p>
-          <a:p>
-            <a:pPr>
-              <a:lnSpc>
-                <a:spcPct val="300000"/>
-              </a:lnSpc>
-            </a:pPr>
-            <a:r>
-              <a:rPr lang="en-US" dirty="0" smtClean="0"/>
-              <a:t>Build </a:t>
-            </a:r>
-            <a:r>
-              <a:rPr lang="en-US" dirty="0" err="1" smtClean="0"/>
-              <a:t>Rshiny</a:t>
-            </a:r>
-            <a:r>
-              <a:rPr lang="en-US" dirty="0" smtClean="0"/>
-              <a:t> feature</a:t>
-            </a:r>
-          </a:p>
-          <a:p>
-            <a:pPr>
-              <a:lnSpc>
-                <a:spcPct val="300000"/>
-              </a:lnSpc>
-            </a:pPr>
-            <a:r>
-              <a:rPr lang="en-US" dirty="0" smtClean="0"/>
-              <a:t>Research previous studies done using weather features</a:t>
-            </a:r>
+              <a:t>() function – package???</a:t>
+            </a:r>
+          </a:p>
+          <a:p>
+            <a:r>
+              <a:rPr lang="en-US" dirty="0"/>
+              <a:t>Converts the categories into numbers</a:t>
+            </a:r>
+          </a:p>
+          <a:p>
+            <a:r>
+              <a:rPr lang="en-US" dirty="0"/>
+              <a:t>First category is considered 0 and each group afterward is a binary number</a:t>
+            </a:r>
+          </a:p>
+          <a:p>
+            <a:r>
+              <a:rPr lang="en-US" dirty="0"/>
+              <a:t>Example: Outdoor Job </a:t>
+            </a:r>
+          </a:p>
+          <a:p>
             <a:endParaRPr lang="en-US" dirty="0"/>
           </a:p>
         </p:txBody>
       </p:sp>
+      <p:graphicFrame>
+        <p:nvGraphicFramePr>
+          <p:cNvPr id="4" name="Table 4">
+            <a:extLst>
+              <a:ext uri="{FF2B5EF4-FFF2-40B4-BE49-F238E27FC236}">
+                <a16:creationId xmlns:a16="http://schemas.microsoft.com/office/drawing/2014/main" id="{153666BD-1352-4735-A57F-788E38798904}"/>
+              </a:ext>
+            </a:extLst>
+          </p:cNvPr>
+          <p:cNvGraphicFramePr>
+            <a:graphicFrameLocks noGrp="1"/>
+          </p:cNvGraphicFramePr>
+          <p:nvPr>
+            <p:extLst>
+              <p:ext uri="{D42A27DB-BD31-4B8C-83A1-F6EECF244321}">
+                <p14:modId xmlns:p14="http://schemas.microsoft.com/office/powerpoint/2010/main" val="2198054225"/>
+              </p:ext>
+            </p:extLst>
+          </p:nvPr>
+        </p:nvGraphicFramePr>
+        <p:xfrm>
+          <a:off x="1759284" y="4322763"/>
+          <a:ext cx="8128000" cy="1483360"/>
+        </p:xfrm>
+        <a:graphic>
+          <a:graphicData uri="http://schemas.openxmlformats.org/drawingml/2006/table">
+            <a:tbl>
+              <a:tblPr firstRow="1" bandRow="1">
+                <a:tableStyleId>{073A0DAA-6AF3-43AB-8588-CEC1D06C72B9}</a:tableStyleId>
+              </a:tblPr>
+              <a:tblGrid>
+                <a:gridCol w="2032000">
+                  <a:extLst>
+                    <a:ext uri="{9D8B030D-6E8A-4147-A177-3AD203B41FA5}">
+                      <a16:colId xmlns:a16="http://schemas.microsoft.com/office/drawing/2014/main" val="2973050712"/>
+                    </a:ext>
+                  </a:extLst>
+                </a:gridCol>
+                <a:gridCol w="2032000">
+                  <a:extLst>
+                    <a:ext uri="{9D8B030D-6E8A-4147-A177-3AD203B41FA5}">
+                      <a16:colId xmlns:a16="http://schemas.microsoft.com/office/drawing/2014/main" val="2937897425"/>
+                    </a:ext>
+                  </a:extLst>
+                </a:gridCol>
+                <a:gridCol w="2032000">
+                  <a:extLst>
+                    <a:ext uri="{9D8B030D-6E8A-4147-A177-3AD203B41FA5}">
+                      <a16:colId xmlns:a16="http://schemas.microsoft.com/office/drawing/2014/main" val="3294600292"/>
+                    </a:ext>
+                  </a:extLst>
+                </a:gridCol>
+                <a:gridCol w="2032000">
+                  <a:extLst>
+                    <a:ext uri="{9D8B030D-6E8A-4147-A177-3AD203B41FA5}">
+                      <a16:colId xmlns:a16="http://schemas.microsoft.com/office/drawing/2014/main" val="2698831798"/>
+                    </a:ext>
+                  </a:extLst>
+                </a:gridCol>
+              </a:tblGrid>
+              <a:tr h="370840">
+                <a:tc>
+                  <a:txBody>
+                    <a:bodyPr/>
+                    <a:lstStyle/>
+                    <a:p>
+                      <a:pPr algn="ctr"/>
+                      <a:r>
+                        <a:rPr lang="en-US" dirty="0"/>
+                        <a:t>Number/ Category</a:t>
+                      </a:r>
+                    </a:p>
+                  </a:txBody>
+                  <a:tcPr/>
+                </a:tc>
+                <a:tc>
+                  <a:txBody>
+                    <a:bodyPr/>
+                    <a:lstStyle/>
+                    <a:p>
+                      <a:pPr algn="ctr"/>
+                      <a:r>
+                        <a:rPr lang="en-US" dirty="0"/>
+                        <a:t>Frequently</a:t>
+                      </a:r>
+                    </a:p>
+                  </a:txBody>
+                  <a:tcPr/>
+                </a:tc>
+                <a:tc>
+                  <a:txBody>
+                    <a:bodyPr/>
+                    <a:lstStyle/>
+                    <a:p>
+                      <a:pPr algn="ctr"/>
+                      <a:r>
+                        <a:rPr lang="en-US" dirty="0"/>
+                        <a:t>Occasionally</a:t>
+                      </a:r>
+                    </a:p>
+                  </a:txBody>
+                  <a:tcPr/>
+                </a:tc>
+                <a:tc>
+                  <a:txBody>
+                    <a:bodyPr/>
+                    <a:lstStyle/>
+                    <a:p>
+                      <a:pPr algn="ctr"/>
+                      <a:r>
+                        <a:rPr lang="en-US" dirty="0"/>
+                        <a:t>Rarely</a:t>
+                      </a:r>
+                    </a:p>
+                  </a:txBody>
+                  <a:tcPr/>
+                </a:tc>
+                <a:extLst>
+                  <a:ext uri="{0D108BD9-81ED-4DB2-BD59-A6C34878D82A}">
+                    <a16:rowId xmlns:a16="http://schemas.microsoft.com/office/drawing/2014/main" val="641596946"/>
+                  </a:ext>
+                </a:extLst>
+              </a:tr>
+              <a:tr h="370840">
+                <a:tc>
+                  <a:txBody>
+                    <a:bodyPr/>
+                    <a:lstStyle/>
+                    <a:p>
+                      <a:pPr algn="ctr"/>
+                      <a:r>
+                        <a:rPr lang="en-US" dirty="0"/>
+                        <a:t>0</a:t>
+                      </a:r>
+                    </a:p>
+                  </a:txBody>
+                  <a:tcPr/>
+                </a:tc>
+                <a:tc>
+                  <a:txBody>
+                    <a:bodyPr/>
+                    <a:lstStyle/>
+                    <a:p>
+                      <a:pPr algn="ctr"/>
+                      <a:r>
+                        <a:rPr lang="en-US" dirty="0"/>
+                        <a:t>0</a:t>
+                      </a:r>
+                    </a:p>
+                  </a:txBody>
+                  <a:tcPr/>
+                </a:tc>
+                <a:tc>
+                  <a:txBody>
+                    <a:bodyPr/>
+                    <a:lstStyle/>
+                    <a:p>
+                      <a:pPr algn="ctr"/>
+                      <a:r>
+                        <a:rPr lang="en-US" dirty="0"/>
+                        <a:t>0</a:t>
+                      </a:r>
+                    </a:p>
+                  </a:txBody>
+                  <a:tcPr/>
+                </a:tc>
+                <a:tc>
+                  <a:txBody>
+                    <a:bodyPr/>
+                    <a:lstStyle/>
+                    <a:p>
+                      <a:pPr algn="ctr"/>
+                      <a:r>
+                        <a:rPr lang="en-US" dirty="0"/>
+                        <a:t>0</a:t>
+                      </a:r>
+                    </a:p>
+                  </a:txBody>
+                  <a:tcPr/>
+                </a:tc>
+                <a:extLst>
+                  <a:ext uri="{0D108BD9-81ED-4DB2-BD59-A6C34878D82A}">
+                    <a16:rowId xmlns:a16="http://schemas.microsoft.com/office/drawing/2014/main" val="388982692"/>
+                  </a:ext>
+                </a:extLst>
+              </a:tr>
+              <a:tr h="370840">
+                <a:tc>
+                  <a:txBody>
+                    <a:bodyPr/>
+                    <a:lstStyle/>
+                    <a:p>
+                      <a:pPr algn="ctr"/>
+                      <a:r>
+                        <a:rPr lang="en-US" dirty="0"/>
+                        <a:t>1</a:t>
+                      </a:r>
+                    </a:p>
+                  </a:txBody>
+                  <a:tcPr/>
+                </a:tc>
+                <a:tc>
+                  <a:txBody>
+                    <a:bodyPr/>
+                    <a:lstStyle/>
+                    <a:p>
+                      <a:pPr algn="ctr"/>
+                      <a:r>
+                        <a:rPr lang="en-US" dirty="0"/>
+                        <a:t>0</a:t>
+                      </a:r>
+                    </a:p>
+                  </a:txBody>
+                  <a:tcPr/>
+                </a:tc>
+                <a:tc>
+                  <a:txBody>
+                    <a:bodyPr/>
+                    <a:lstStyle/>
+                    <a:p>
+                      <a:pPr algn="ctr"/>
+                      <a:r>
+                        <a:rPr lang="en-US" dirty="0"/>
+                        <a:t>1</a:t>
+                      </a:r>
+                    </a:p>
+                  </a:txBody>
+                  <a:tcPr/>
+                </a:tc>
+                <a:tc>
+                  <a:txBody>
+                    <a:bodyPr/>
+                    <a:lstStyle/>
+                    <a:p>
+                      <a:pPr algn="ctr"/>
+                      <a:r>
+                        <a:rPr lang="en-US" dirty="0"/>
+                        <a:t>0</a:t>
+                      </a:r>
+                    </a:p>
+                  </a:txBody>
+                  <a:tcPr/>
+                </a:tc>
+                <a:extLst>
+                  <a:ext uri="{0D108BD9-81ED-4DB2-BD59-A6C34878D82A}">
+                    <a16:rowId xmlns:a16="http://schemas.microsoft.com/office/drawing/2014/main" val="998384457"/>
+                  </a:ext>
+                </a:extLst>
+              </a:tr>
+              <a:tr h="370840">
+                <a:tc>
+                  <a:txBody>
+                    <a:bodyPr/>
+                    <a:lstStyle/>
+                    <a:p>
+                      <a:pPr algn="ctr"/>
+                      <a:r>
+                        <a:rPr lang="en-US" dirty="0"/>
+                        <a:t>2</a:t>
+                      </a:r>
+                    </a:p>
+                  </a:txBody>
+                  <a:tcPr/>
+                </a:tc>
+                <a:tc>
+                  <a:txBody>
+                    <a:bodyPr/>
+                    <a:lstStyle/>
+                    <a:p>
+                      <a:pPr algn="ctr"/>
+                      <a:r>
+                        <a:rPr lang="en-US" dirty="0"/>
+                        <a:t>0</a:t>
+                      </a:r>
+                    </a:p>
+                  </a:txBody>
+                  <a:tcPr/>
+                </a:tc>
+                <a:tc>
+                  <a:txBody>
+                    <a:bodyPr/>
+                    <a:lstStyle/>
+                    <a:p>
+                      <a:pPr algn="ctr"/>
+                      <a:r>
+                        <a:rPr lang="en-US" dirty="0"/>
+                        <a:t>0</a:t>
+                      </a:r>
+                    </a:p>
+                  </a:txBody>
+                  <a:tcPr/>
+                </a:tc>
+                <a:tc>
+                  <a:txBody>
+                    <a:bodyPr/>
+                    <a:lstStyle/>
+                    <a:p>
+                      <a:pPr algn="ctr"/>
+                      <a:r>
+                        <a:rPr lang="en-US" dirty="0"/>
+                        <a:t>1</a:t>
+                      </a:r>
+                    </a:p>
+                  </a:txBody>
+                  <a:tcPr/>
+                </a:tc>
+                <a:extLst>
+                  <a:ext uri="{0D108BD9-81ED-4DB2-BD59-A6C34878D82A}">
+                    <a16:rowId xmlns:a16="http://schemas.microsoft.com/office/drawing/2014/main" val="3353710939"/>
+                  </a:ext>
+                </a:extLst>
+              </a:tr>
+            </a:tbl>
+          </a:graphicData>
+        </a:graphic>
+      </p:graphicFrame>
     </p:spTree>
     <p:extLst>
       <p:ext uri="{BB962C8B-B14F-4D97-AF65-F5344CB8AC3E}">
-        <p14:creationId xmlns:p14="http://schemas.microsoft.com/office/powerpoint/2010/main" val="44590377"/>
+        <p14:creationId xmlns:p14="http://schemas.microsoft.com/office/powerpoint/2010/main" val="3416827035"/>
+      </p:ext>
+    </p:extLst>
+  </p:cSld>
+  <p:clrMapOvr>
+    <a:masterClrMapping/>
+  </p:clrMapOvr>
+</p:sld>
+</file>
+
+<file path=ppt/slides/slide7.xml><?xml version="1.0" encoding="utf-8"?>
+<p:sld xmlns:a="http://schemas.openxmlformats.org/drawingml/2006/main" xmlns:r="http://schemas.openxmlformats.org/officeDocument/2006/relationships" xmlns:p="http://schemas.openxmlformats.org/presentationml/2006/main">
+  <p:cSld>
+    <p:spTree>
+      <p:nvGrpSpPr>
+        <p:cNvPr id="1" name=""/>
+        <p:cNvGrpSpPr/>
+        <p:nvPr/>
+      </p:nvGrpSpPr>
+      <p:grpSpPr>
+        <a:xfrm>
+          <a:off x="0" y="0"/>
+          <a:ext cx="0" cy="0"/>
+          <a:chOff x="0" y="0"/>
+          <a:chExt cx="0" cy="0"/>
+        </a:xfrm>
+      </p:grpSpPr>
+      <p:sp>
+        <p:nvSpPr>
+          <p:cNvPr id="2" name="Title 1">
+            <a:extLst>
+              <a:ext uri="{FF2B5EF4-FFF2-40B4-BE49-F238E27FC236}">
+                <a16:creationId xmlns:a16="http://schemas.microsoft.com/office/drawing/2014/main" id="{22E3B65E-74FD-B447-945F-BFB66A76D2E9}"/>
+              </a:ext>
+            </a:extLst>
+          </p:cNvPr>
+          <p:cNvSpPr>
+            <a:spLocks noGrp="1"/>
+          </p:cNvSpPr>
+          <p:nvPr>
+            <p:ph type="title"/>
+          </p:nvPr>
+        </p:nvSpPr>
+        <p:spPr/>
+        <p:txBody>
+          <a:bodyPr/>
+          <a:lstStyle/>
+          <a:p>
+            <a:r>
+              <a:rPr lang="en-US" dirty="0"/>
+              <a:t>Preprocessing – Outlier detection</a:t>
+            </a:r>
+          </a:p>
+        </p:txBody>
+      </p:sp>
+      <p:sp>
+        <p:nvSpPr>
+          <p:cNvPr id="3" name="Content Placeholder 2">
+            <a:extLst>
+              <a:ext uri="{FF2B5EF4-FFF2-40B4-BE49-F238E27FC236}">
+                <a16:creationId xmlns:a16="http://schemas.microsoft.com/office/drawing/2014/main" id="{FA63DA9B-E511-3340-97CE-5FDE95206E81}"/>
+              </a:ext>
+            </a:extLst>
+          </p:cNvPr>
+          <p:cNvSpPr>
+            <a:spLocks noGrp="1"/>
+          </p:cNvSpPr>
+          <p:nvPr>
+            <p:ph idx="1"/>
+          </p:nvPr>
+        </p:nvSpPr>
+        <p:spPr/>
+        <p:txBody>
+          <a:bodyPr/>
+          <a:lstStyle/>
+          <a:p>
+            <a:r>
+              <a:rPr lang="en-US" dirty="0"/>
+              <a:t>[please elaborate on any observation that were consider outliers. Please describe method used to arrive to that conclusion]</a:t>
+            </a:r>
+          </a:p>
+          <a:p>
+            <a:r>
+              <a:rPr lang="en-US" dirty="0"/>
+              <a:t>All categorical variables box plotted against continuous variables</a:t>
+            </a:r>
+          </a:p>
+          <a:p>
+            <a:r>
+              <a:rPr lang="en-US" dirty="0"/>
+              <a:t>Any value outside of 1.5*IQR</a:t>
+            </a:r>
+          </a:p>
+          <a:p>
+            <a:r>
+              <a:rPr lang="en-US" dirty="0"/>
+              <a:t>Values that showed up more than once</a:t>
+            </a:r>
+          </a:p>
+          <a:p>
+            <a:pPr marL="0" indent="0">
+              <a:buNone/>
+            </a:pPr>
+            <a:r>
+              <a:rPr lang="en-US" dirty="0"/>
+              <a:t>Deemed an outlier</a:t>
+            </a:r>
+          </a:p>
+        </p:txBody>
+      </p:sp>
+    </p:spTree>
+    <p:extLst>
+      <p:ext uri="{BB962C8B-B14F-4D97-AF65-F5344CB8AC3E}">
+        <p14:creationId xmlns:p14="http://schemas.microsoft.com/office/powerpoint/2010/main" val="493660870"/>
+      </p:ext>
+    </p:extLst>
+  </p:cSld>
+  <p:clrMapOvr>
+    <a:masterClrMapping/>
+  </p:clrMapOvr>
+</p:sld>
+</file>
+
+<file path=ppt/slides/slide8.xml><?xml version="1.0" encoding="utf-8"?>
+<p:sld xmlns:a="http://schemas.openxmlformats.org/drawingml/2006/main" xmlns:r="http://schemas.openxmlformats.org/officeDocument/2006/relationships" xmlns:p="http://schemas.openxmlformats.org/presentationml/2006/main">
+  <p:cSld>
+    <p:bg>
+      <p:bgPr>
+        <a:solidFill>
+          <a:schemeClr val="bg1"/>
+        </a:solidFill>
+        <a:effectLst/>
+      </p:bgPr>
+    </p:bg>
+    <p:spTree>
+      <p:nvGrpSpPr>
+        <p:cNvPr id="1" name=""/>
+        <p:cNvGrpSpPr/>
+        <p:nvPr/>
+      </p:nvGrpSpPr>
+      <p:grpSpPr>
+        <a:xfrm>
+          <a:off x="0" y="0"/>
+          <a:ext cx="0" cy="0"/>
+          <a:chOff x="0" y="0"/>
+          <a:chExt cx="0" cy="0"/>
+        </a:xfrm>
+      </p:grpSpPr>
+      <p:pic>
+        <p:nvPicPr>
+          <p:cNvPr id="4" name="Content Placeholder 3" descr="Chart, box and whisker chart&#10;&#10;Description automatically generated">
+            <a:extLst>
+              <a:ext uri="{FF2B5EF4-FFF2-40B4-BE49-F238E27FC236}">
+                <a16:creationId xmlns:a16="http://schemas.microsoft.com/office/drawing/2014/main" id="{E3D53FED-0F17-49C0-A1CB-3F069D483FAC}"/>
+              </a:ext>
+            </a:extLst>
+          </p:cNvPr>
+          <p:cNvPicPr>
+            <a:picLocks noGrp="1" noChangeAspect="1"/>
+          </p:cNvPicPr>
+          <p:nvPr>
+            <p:ph idx="1"/>
+          </p:nvPr>
+        </p:nvPicPr>
+        <p:blipFill>
+          <a:blip r:embed="rId2">
+            <a:extLst>
+              <a:ext uri="{28A0092B-C50C-407E-A947-70E740481C1C}">
+                <a14:useLocalDpi xmlns:a14="http://schemas.microsoft.com/office/drawing/2010/main" val="0"/>
+              </a:ext>
+            </a:extLst>
+          </a:blip>
+          <a:stretch>
+            <a:fillRect/>
+          </a:stretch>
+        </p:blipFill>
+        <p:spPr>
+          <a:xfrm>
+            <a:off x="1510758" y="643466"/>
+            <a:ext cx="9170484" cy="5571067"/>
+          </a:xfrm>
+          <a:prstGeom prst="rect">
+            <a:avLst/>
+          </a:prstGeom>
+        </p:spPr>
+      </p:pic>
+    </p:spTree>
+    <p:extLst>
+      <p:ext uri="{BB962C8B-B14F-4D97-AF65-F5344CB8AC3E}">
+        <p14:creationId xmlns:p14="http://schemas.microsoft.com/office/powerpoint/2010/main" val="1795801402"/>
+      </p:ext>
+    </p:extLst>
+  </p:cSld>
+  <p:clrMapOvr>
+    <a:masterClrMapping/>
+  </p:clrMapOvr>
+</p:sld>
+</file>
+
+<file path=ppt/slides/slide9.xml><?xml version="1.0" encoding="utf-8"?>
+<p:sld xmlns:a="http://schemas.openxmlformats.org/drawingml/2006/main" xmlns:r="http://schemas.openxmlformats.org/officeDocument/2006/relationships" xmlns:p="http://schemas.openxmlformats.org/presentationml/2006/main">
+  <p:cSld>
+    <p:spTree>
+      <p:nvGrpSpPr>
+        <p:cNvPr id="1" name=""/>
+        <p:cNvGrpSpPr/>
+        <p:nvPr/>
+      </p:nvGrpSpPr>
+      <p:grpSpPr>
+        <a:xfrm>
+          <a:off x="0" y="0"/>
+          <a:ext cx="0" cy="0"/>
+          <a:chOff x="0" y="0"/>
+          <a:chExt cx="0" cy="0"/>
+        </a:xfrm>
+      </p:grpSpPr>
+      <p:sp>
+        <p:nvSpPr>
+          <p:cNvPr id="2" name="Title 1">
+            <a:extLst>
+              <a:ext uri="{FF2B5EF4-FFF2-40B4-BE49-F238E27FC236}">
+                <a16:creationId xmlns:a16="http://schemas.microsoft.com/office/drawing/2014/main" id="{81ACD202-4D2E-44B9-9A24-5176F8CBE354}"/>
+              </a:ext>
+            </a:extLst>
+          </p:cNvPr>
+          <p:cNvSpPr>
+            <a:spLocks noGrp="1"/>
+          </p:cNvSpPr>
+          <p:nvPr>
+            <p:ph type="title"/>
+          </p:nvPr>
+        </p:nvSpPr>
+        <p:spPr/>
+        <p:txBody>
+          <a:bodyPr/>
+          <a:lstStyle/>
+          <a:p>
+            <a:r>
+              <a:rPr lang="en-US" dirty="0"/>
+              <a:t>Preprocessing – Normalizing the data</a:t>
+            </a:r>
+          </a:p>
+        </p:txBody>
+      </p:sp>
+      <p:sp>
+        <p:nvSpPr>
+          <p:cNvPr id="3" name="Content Placeholder 2">
+            <a:extLst>
+              <a:ext uri="{FF2B5EF4-FFF2-40B4-BE49-F238E27FC236}">
+                <a16:creationId xmlns:a16="http://schemas.microsoft.com/office/drawing/2014/main" id="{AF67E41A-86F0-4171-AF59-B8112F710DA5}"/>
+              </a:ext>
+            </a:extLst>
+          </p:cNvPr>
+          <p:cNvSpPr>
+            <a:spLocks noGrp="1"/>
+          </p:cNvSpPr>
+          <p:nvPr>
+            <p:ph idx="1"/>
+          </p:nvPr>
+        </p:nvSpPr>
+        <p:spPr/>
+        <p:txBody>
+          <a:bodyPr/>
+          <a:lstStyle/>
+          <a:p>
+            <a:r>
+              <a:rPr lang="en-US" dirty="0"/>
+              <a:t>Standard Normal ~N(0,1)</a:t>
+            </a:r>
+          </a:p>
+          <a:p>
+            <a:r>
+              <a:rPr lang="en-US" dirty="0"/>
+              <a:t>Only for continuous variables</a:t>
+            </a:r>
+          </a:p>
+        </p:txBody>
+      </p:sp>
+    </p:spTree>
+    <p:extLst>
+      <p:ext uri="{BB962C8B-B14F-4D97-AF65-F5344CB8AC3E}">
+        <p14:creationId xmlns:p14="http://schemas.microsoft.com/office/powerpoint/2010/main" val="1410657380"/>
       </p:ext>
     </p:extLst>
   </p:cSld>

--- a/Mid_Semester_Pres.pptx
+++ b/Mid_Semester_Pres.pptx
@@ -8,8 +8,8 @@
     <p:sldId id="256" r:id="rId2"/>
     <p:sldId id="257" r:id="rId3"/>
     <p:sldId id="263" r:id="rId4"/>
-    <p:sldId id="258" r:id="rId5"/>
-    <p:sldId id="262" r:id="rId6"/>
+    <p:sldId id="262" r:id="rId5"/>
+    <p:sldId id="258" r:id="rId6"/>
     <p:sldId id="265" r:id="rId7"/>
     <p:sldId id="259" r:id="rId8"/>
     <p:sldId id="266" r:id="rId9"/>
@@ -273,7 +273,7 @@
           <a:p>
             <a:fld id="{45F5DF8E-F4B8-D441-8FFB-59F600C03B7F}" type="datetimeFigureOut">
               <a:rPr lang="en-US" smtClean="0"/>
-              <a:t>3/19/2022</a:t>
+              <a:t>3/20/2022</a:t>
             </a:fld>
             <a:endParaRPr lang="en-US"/>
           </a:p>
@@ -471,7 +471,7 @@
           <a:p>
             <a:fld id="{45F5DF8E-F4B8-D441-8FFB-59F600C03B7F}" type="datetimeFigureOut">
               <a:rPr lang="en-US" smtClean="0"/>
-              <a:t>3/19/2022</a:t>
+              <a:t>3/20/2022</a:t>
             </a:fld>
             <a:endParaRPr lang="en-US"/>
           </a:p>
@@ -679,7 +679,7 @@
           <a:p>
             <a:fld id="{45F5DF8E-F4B8-D441-8FFB-59F600C03B7F}" type="datetimeFigureOut">
               <a:rPr lang="en-US" smtClean="0"/>
-              <a:t>3/19/2022</a:t>
+              <a:t>3/20/2022</a:t>
             </a:fld>
             <a:endParaRPr lang="en-US"/>
           </a:p>
@@ -877,7 +877,7 @@
           <a:p>
             <a:fld id="{45F5DF8E-F4B8-D441-8FFB-59F600C03B7F}" type="datetimeFigureOut">
               <a:rPr lang="en-US" smtClean="0"/>
-              <a:t>3/19/2022</a:t>
+              <a:t>3/20/2022</a:t>
             </a:fld>
             <a:endParaRPr lang="en-US"/>
           </a:p>
@@ -1152,7 +1152,7 @@
           <a:p>
             <a:fld id="{45F5DF8E-F4B8-D441-8FFB-59F600C03B7F}" type="datetimeFigureOut">
               <a:rPr lang="en-US" smtClean="0"/>
-              <a:t>3/19/2022</a:t>
+              <a:t>3/20/2022</a:t>
             </a:fld>
             <a:endParaRPr lang="en-US"/>
           </a:p>
@@ -1417,7 +1417,7 @@
           <a:p>
             <a:fld id="{45F5DF8E-F4B8-D441-8FFB-59F600C03B7F}" type="datetimeFigureOut">
               <a:rPr lang="en-US" smtClean="0"/>
-              <a:t>3/19/2022</a:t>
+              <a:t>3/20/2022</a:t>
             </a:fld>
             <a:endParaRPr lang="en-US"/>
           </a:p>
@@ -1829,7 +1829,7 @@
           <a:p>
             <a:fld id="{45F5DF8E-F4B8-D441-8FFB-59F600C03B7F}" type="datetimeFigureOut">
               <a:rPr lang="en-US" smtClean="0"/>
-              <a:t>3/19/2022</a:t>
+              <a:t>3/20/2022</a:t>
             </a:fld>
             <a:endParaRPr lang="en-US"/>
           </a:p>
@@ -1970,7 +1970,7 @@
           <a:p>
             <a:fld id="{45F5DF8E-F4B8-D441-8FFB-59F600C03B7F}" type="datetimeFigureOut">
               <a:rPr lang="en-US" smtClean="0"/>
-              <a:t>3/19/2022</a:t>
+              <a:t>3/20/2022</a:t>
             </a:fld>
             <a:endParaRPr lang="en-US"/>
           </a:p>
@@ -2083,7 +2083,7 @@
           <a:p>
             <a:fld id="{45F5DF8E-F4B8-D441-8FFB-59F600C03B7F}" type="datetimeFigureOut">
               <a:rPr lang="en-US" smtClean="0"/>
-              <a:t>3/19/2022</a:t>
+              <a:t>3/20/2022</a:t>
             </a:fld>
             <a:endParaRPr lang="en-US"/>
           </a:p>
@@ -2394,7 +2394,7 @@
           <a:p>
             <a:fld id="{45F5DF8E-F4B8-D441-8FFB-59F600C03B7F}" type="datetimeFigureOut">
               <a:rPr lang="en-US" smtClean="0"/>
-              <a:t>3/19/2022</a:t>
+              <a:t>3/20/2022</a:t>
             </a:fld>
             <a:endParaRPr lang="en-US"/>
           </a:p>
@@ -2682,7 +2682,7 @@
           <a:p>
             <a:fld id="{45F5DF8E-F4B8-D441-8FFB-59F600C03B7F}" type="datetimeFigureOut">
               <a:rPr lang="en-US" smtClean="0"/>
-              <a:t>3/19/2022</a:t>
+              <a:t>3/20/2022</a:t>
             </a:fld>
             <a:endParaRPr lang="en-US"/>
           </a:p>
@@ -2923,7 +2923,7 @@
           <a:p>
             <a:fld id="{45F5DF8E-F4B8-D441-8FFB-59F600C03B7F}" type="datetimeFigureOut">
               <a:rPr lang="en-US" smtClean="0"/>
-              <a:t>3/19/2022</a:t>
+              <a:t>3/20/2022</a:t>
             </a:fld>
             <a:endParaRPr lang="en-US"/>
           </a:p>
@@ -3570,7 +3570,31 @@
           <a:p>
             <a:r>
               <a:rPr lang="en-US" dirty="0"/>
-              <a:t>Kept 3 subjects out </a:t>
+              <a:t>Kept 3 subjects out</a:t>
+            </a:r>
+          </a:p>
+          <a:p>
+            <a:r>
+              <a:rPr lang="en-US" dirty="0"/>
+              <a:t>K-fold cross validation</a:t>
+            </a:r>
+          </a:p>
+          <a:p>
+            <a:r>
+              <a:rPr lang="en-US" dirty="0"/>
+              <a:t>…</a:t>
+            </a:r>
+            <a:r>
+              <a:rPr lang="en-US" dirty="0">
+                <a:solidFill>
+                  <a:srgbClr val="FF0000"/>
+                </a:solidFill>
+              </a:rPr>
+              <a:t>………</a:t>
+            </a:r>
+            <a:r>
+              <a:rPr lang="en-US" dirty="0"/>
+              <a:t>…. </a:t>
             </a:r>
           </a:p>
           <a:p>
@@ -3678,7 +3702,7 @@
           <a:p>
             <a:r>
               <a:rPr lang="en-US" dirty="0"/>
-              <a:t>Simple, so easy to interpret</a:t>
+              <a:t>Easy to interpret</a:t>
             </a:r>
           </a:p>
           <a:p>
@@ -3693,12 +3717,36 @@
           <a:p>
             <a:r>
               <a:rPr lang="en-US" dirty="0"/>
-              <a:t>Model: y = beta*X + b*x + epsilon</a:t>
-            </a:r>
-          </a:p>
-          <a:p>
-            <a:r>
-              <a:rPr lang="en-US" dirty="0"/>
+              <a:t>Model: y = beta*X + b*x + epsilon  </a:t>
+            </a:r>
+            <a:r>
+              <a:rPr lang="en-US" dirty="0">
+                <a:sym typeface="Wingdings" panose="05000000000000000000" pitchFamily="2" charset="2"/>
+              </a:rPr>
+              <a:t> </a:t>
+            </a:r>
+            <a:r>
+              <a:rPr lang="en-US" dirty="0">
+                <a:solidFill>
+                  <a:srgbClr val="FF0000"/>
+                </a:solidFill>
+                <a:sym typeface="Wingdings" panose="05000000000000000000" pitchFamily="2" charset="2"/>
+              </a:rPr>
+              <a:t>need to write this as equation</a:t>
+            </a:r>
+            <a:endParaRPr lang="en-US" dirty="0">
+              <a:solidFill>
+                <a:srgbClr val="FF0000"/>
+              </a:solidFill>
+            </a:endParaRPr>
+          </a:p>
+          <a:p>
+            <a:r>
+              <a:rPr lang="en-US" dirty="0">
+                <a:solidFill>
+                  <a:srgbClr val="FF0000"/>
+                </a:solidFill>
+              </a:rPr>
               <a:t>Discuss beta and b and epsilon and give mean and variance for the normal distribution.</a:t>
             </a:r>
           </a:p>
@@ -3850,31 +3898,6 @@
           <a:chExt cx="0" cy="0"/>
         </a:xfrm>
       </p:grpSpPr>
-      <p:sp>
-        <p:nvSpPr>
-          <p:cNvPr id="2" name="Title 1">
-            <a:extLst>
-              <a:ext uri="{FF2B5EF4-FFF2-40B4-BE49-F238E27FC236}">
-                <a16:creationId xmlns:a16="http://schemas.microsoft.com/office/drawing/2014/main" id="{0F2D0124-74FA-47BE-B48B-A902950E0755}"/>
-              </a:ext>
-            </a:extLst>
-          </p:cNvPr>
-          <p:cNvSpPr>
-            <a:spLocks noGrp="1"/>
-          </p:cNvSpPr>
-          <p:nvPr>
-            <p:ph type="title"/>
-          </p:nvPr>
-        </p:nvSpPr>
-        <p:spPr/>
-        <p:txBody>
-          <a:bodyPr/>
-          <a:lstStyle/>
-          <a:p>
-            <a:endParaRPr lang="en-US"/>
-          </a:p>
-        </p:txBody>
-      </p:sp>
       <p:pic>
         <p:nvPicPr>
           <p:cNvPr id="5" name="Content Placeholder 4" descr="A picture containing timeline&#10;&#10;Description automatically generated">
@@ -4030,7 +4053,19 @@
             </a:pPr>
             <a:r>
               <a:rPr lang="en-US" dirty="0"/>
-              <a:t>Compare best linear mixed-effects model to a model with l1norm in it (NEED TO REWRITE)</a:t>
+              <a:t>Compare best linear mixed-effects model to a model with l1norm in it (</a:t>
+            </a:r>
+            <a:r>
+              <a:rPr lang="en-US" dirty="0">
+                <a:solidFill>
+                  <a:srgbClr val="FF0000"/>
+                </a:solidFill>
+              </a:rPr>
+              <a:t>NEED TO REWRITE</a:t>
+            </a:r>
+            <a:r>
+              <a:rPr lang="en-US" dirty="0"/>
+              <a:t>)</a:t>
             </a:r>
           </a:p>
           <a:p>
@@ -4365,7 +4400,7 @@
           <p:cNvPr id="2" name="Title 1">
             <a:extLst>
               <a:ext uri="{FF2B5EF4-FFF2-40B4-BE49-F238E27FC236}">
-                <a16:creationId xmlns:a16="http://schemas.microsoft.com/office/drawing/2014/main" id="{4C3FC6BC-342A-4047-A04D-4F7B83D3AE91}"/>
+                <a16:creationId xmlns:a16="http://schemas.microsoft.com/office/drawing/2014/main" id="{4E36FDEF-1A2E-43F8-B2F9-AE8D6BC66230}"/>
               </a:ext>
             </a:extLst>
           </p:cNvPr>
@@ -4388,77 +4423,39 @@
           </a:p>
         </p:txBody>
       </p:sp>
-      <p:sp>
-        <p:nvSpPr>
-          <p:cNvPr id="3" name="Content Placeholder 2">
-            <a:extLst>
-              <a:ext uri="{FF2B5EF4-FFF2-40B4-BE49-F238E27FC236}">
-                <a16:creationId xmlns:a16="http://schemas.microsoft.com/office/drawing/2014/main" id="{F7AB5729-20A0-CE41-90C7-E54C52E25CA4}"/>
-              </a:ext>
-            </a:extLst>
-          </p:cNvPr>
-          <p:cNvSpPr>
-            <a:spLocks noGrp="1"/>
-          </p:cNvSpPr>
-          <p:nvPr>
-            <p:ph idx="1"/>
-          </p:nvPr>
-        </p:nvSpPr>
-        <p:spPr/>
-        <p:txBody>
-          <a:bodyPr/>
-          <a:lstStyle/>
-          <a:p>
-            <a:r>
-              <a:rPr lang="en-US" dirty="0"/>
-              <a:t>[Summarize using graphs, summary statistics the data set.</a:t>
-            </a:r>
-          </a:p>
-          <a:p>
-            <a:endParaRPr lang="en-US" dirty="0"/>
-          </a:p>
-          <a:p>
-            <a:endParaRPr lang="en-US" dirty="0"/>
-          </a:p>
-          <a:p>
-            <a:endParaRPr lang="en-US" dirty="0"/>
-          </a:p>
-        </p:txBody>
-      </p:sp>
       <p:pic>
         <p:nvPicPr>
-          <p:cNvPr id="4" name="Picture 3"/>
+          <p:cNvPr id="5" name="Content Placeholder 4" descr="Chart, scatter chart&#10;&#10;Description automatically generated">
+            <a:extLst>
+              <a:ext uri="{FF2B5EF4-FFF2-40B4-BE49-F238E27FC236}">
+                <a16:creationId xmlns:a16="http://schemas.microsoft.com/office/drawing/2014/main" id="{5AA06DFA-BF61-4BB6-A324-A6FD41857D1E}"/>
+              </a:ext>
+            </a:extLst>
+          </p:cNvPr>
           <p:cNvPicPr>
-            <a:picLocks noChangeAspect="1"/>
+            <a:picLocks noGrp="1" noChangeAspect="1"/>
           </p:cNvPicPr>
-          <p:nvPr/>
+          <p:nvPr>
+            <p:ph idx="1"/>
+          </p:nvPr>
         </p:nvPicPr>
         <p:blipFill>
-          <a:blip r:embed="rId2">
-            <a:extLst>
-              <a:ext uri="{28A0092B-C50C-407E-A947-70E740481C1C}">
-                <a14:useLocalDpi xmlns:a14="http://schemas.microsoft.com/office/drawing/2010/main" val="0"/>
-              </a:ext>
-            </a:extLst>
-          </a:blip>
+          <a:blip r:embed="rId2"/>
           <a:stretch>
             <a:fillRect/>
           </a:stretch>
         </p:blipFill>
         <p:spPr>
           <a:xfrm>
-            <a:off x="5350880" y="2774950"/>
-            <a:ext cx="6616700" cy="4083050"/>
+            <a:off x="2127533" y="1267521"/>
+            <a:ext cx="7936933" cy="4909443"/>
           </a:xfrm>
-          <a:prstGeom prst="rect">
-            <a:avLst/>
-          </a:prstGeom>
         </p:spPr>
       </p:pic>
     </p:spTree>
     <p:extLst>
       <p:ext uri="{BB962C8B-B14F-4D97-AF65-F5344CB8AC3E}">
-        <p14:creationId xmlns:p14="http://schemas.microsoft.com/office/powerpoint/2010/main" val="4293221862"/>
+        <p14:creationId xmlns:p14="http://schemas.microsoft.com/office/powerpoint/2010/main" val="2208073357"/>
       </p:ext>
     </p:extLst>
   </p:cSld>
@@ -4490,7 +4487,7 @@
           <p:cNvPr id="2" name="Title 1">
             <a:extLst>
               <a:ext uri="{FF2B5EF4-FFF2-40B4-BE49-F238E27FC236}">
-                <a16:creationId xmlns:a16="http://schemas.microsoft.com/office/drawing/2014/main" id="{4E36FDEF-1A2E-43F8-B2F9-AE8D6BC66230}"/>
+                <a16:creationId xmlns:a16="http://schemas.microsoft.com/office/drawing/2014/main" id="{4C3FC6BC-342A-4047-A04D-4F7B83D3AE91}"/>
               </a:ext>
             </a:extLst>
           </p:cNvPr>
@@ -4518,7 +4515,7 @@
           <p:cNvPr id="3" name="Content Placeholder 2">
             <a:extLst>
               <a:ext uri="{FF2B5EF4-FFF2-40B4-BE49-F238E27FC236}">
-                <a16:creationId xmlns:a16="http://schemas.microsoft.com/office/drawing/2014/main" id="{AE62C143-ADD8-4139-8CF7-AE89CF480F94}"/>
+                <a16:creationId xmlns:a16="http://schemas.microsoft.com/office/drawing/2014/main" id="{F7AB5729-20A0-CE41-90C7-E54C52E25CA4}"/>
               </a:ext>
             </a:extLst>
           </p:cNvPr>
@@ -4536,15 +4533,84 @@
           <a:p>
             <a:r>
               <a:rPr lang="en-US" dirty="0"/>
-              <a:t>ADD A correlation table !!!</a:t>
-            </a:r>
-          </a:p>
-        </p:txBody>
-      </p:sp>
+              <a:t>[Summarize using graphs, summary statistics the data set.</a:t>
+            </a:r>
+          </a:p>
+          <a:p>
+            <a:endParaRPr lang="en-US" dirty="0"/>
+          </a:p>
+          <a:p>
+            <a:endParaRPr lang="en-US" dirty="0"/>
+          </a:p>
+          <a:p>
+            <a:endParaRPr lang="en-US" dirty="0"/>
+          </a:p>
+        </p:txBody>
+      </p:sp>
+      <p:pic>
+        <p:nvPicPr>
+          <p:cNvPr id="4" name="Picture 3"/>
+          <p:cNvPicPr>
+            <a:picLocks noChangeAspect="1"/>
+          </p:cNvPicPr>
+          <p:nvPr/>
+        </p:nvPicPr>
+        <p:blipFill>
+          <a:blip r:embed="rId2">
+            <a:extLst>
+              <a:ext uri="{28A0092B-C50C-407E-A947-70E740481C1C}">
+                <a14:useLocalDpi xmlns:a14="http://schemas.microsoft.com/office/drawing/2010/main" val="0"/>
+              </a:ext>
+            </a:extLst>
+          </a:blip>
+          <a:stretch>
+            <a:fillRect/>
+          </a:stretch>
+        </p:blipFill>
+        <p:spPr>
+          <a:xfrm>
+            <a:off x="5364284" y="2746968"/>
+            <a:ext cx="6616700" cy="4083050"/>
+          </a:xfrm>
+          <a:prstGeom prst="rect">
+            <a:avLst/>
+          </a:prstGeom>
+        </p:spPr>
+      </p:pic>
+      <p:pic>
+        <p:nvPicPr>
+          <p:cNvPr id="6" name="Picture 5" descr="Chart, bar chart&#10;&#10;Description automatically generated">
+            <a:extLst>
+              <a:ext uri="{FF2B5EF4-FFF2-40B4-BE49-F238E27FC236}">
+                <a16:creationId xmlns:a16="http://schemas.microsoft.com/office/drawing/2014/main" id="{497421EB-63F7-49FA-994C-89C84C8C32B1}"/>
+              </a:ext>
+            </a:extLst>
+          </p:cNvPr>
+          <p:cNvPicPr>
+            <a:picLocks noChangeAspect="1"/>
+          </p:cNvPicPr>
+          <p:nvPr/>
+        </p:nvPicPr>
+        <p:blipFill>
+          <a:blip r:embed="rId3"/>
+          <a:stretch>
+            <a:fillRect/>
+          </a:stretch>
+        </p:blipFill>
+        <p:spPr>
+          <a:xfrm>
+            <a:off x="0" y="2499561"/>
+            <a:ext cx="5575300" cy="4181475"/>
+          </a:xfrm>
+          <a:prstGeom prst="rect">
+            <a:avLst/>
+          </a:prstGeom>
+        </p:spPr>
+      </p:pic>
     </p:spTree>
     <p:extLst>
       <p:ext uri="{BB962C8B-B14F-4D97-AF65-F5344CB8AC3E}">
-        <p14:creationId xmlns:p14="http://schemas.microsoft.com/office/powerpoint/2010/main" val="2208073357"/>
+        <p14:creationId xmlns:p14="http://schemas.microsoft.com/office/powerpoint/2010/main" val="4293221862"/>
       </p:ext>
     </p:extLst>
   </p:cSld>
@@ -4594,7 +4660,7 @@
           <a:p>
             <a:r>
               <a:rPr lang="en-US" dirty="0"/>
-              <a:t>Data Preprocessing</a:t>
+              <a:t>Data Preprocessing - Factoring</a:t>
             </a:r>
           </a:p>
         </p:txBody>
@@ -4630,7 +4696,7 @@
             </a:r>
             <a:r>
               <a:rPr lang="en-US" dirty="0"/>
-              <a:t>() function – package???</a:t>
+              <a:t>() function </a:t>
             </a:r>
           </a:p>
           <a:p>
@@ -4671,7 +4737,7 @@
           <p:nvPr>
             <p:extLst>
               <p:ext uri="{D42A27DB-BD31-4B8C-83A1-F6EECF244321}">
-                <p14:modId xmlns:p14="http://schemas.microsoft.com/office/powerpoint/2010/main" val="2198054225"/>
+                <p14:modId xmlns:p14="http://schemas.microsoft.com/office/powerpoint/2010/main" val="3745152489"/>
               </p:ext>
             </p:extLst>
           </p:nvPr>
@@ -4684,7 +4750,7 @@
           <a:graphicData uri="http://schemas.openxmlformats.org/drawingml/2006/table">
             <a:tbl>
               <a:tblPr firstRow="1" bandRow="1">
-                <a:tableStyleId>{073A0DAA-6AF3-43AB-8588-CEC1D06C72B9}</a:tableStyleId>
+                <a:tableStyleId>{5C22544A-7EE6-4342-B048-85BDC9FD1C3A}</a:tableStyleId>
               </a:tblPr>
               <a:tblGrid>
                 <a:gridCol w="2032000">
@@ -4725,7 +4791,7 @@
                       <a:pPr algn="ctr"/>
                       <a:r>
                         <a:rPr lang="en-US" dirty="0"/>
-                        <a:t>Number/ Category</a:t>
+                        <a:t> Category</a:t>
                       </a:r>
                     </a:p>
                   </a:txBody>
@@ -4788,7 +4854,7 @@
                       <a:pPr algn="ctr"/>
                       <a:r>
                         <a:rPr lang="en-US" dirty="0"/>
-                        <a:t>0</a:t>
+                        <a:t>Frequently</a:t>
                       </a:r>
                     </a:p>
                   </a:txBody>
@@ -4851,7 +4917,7 @@
                       <a:pPr algn="ctr"/>
                       <a:r>
                         <a:rPr lang="en-US" dirty="0"/>
-                        <a:t>1</a:t>
+                        <a:t>Occasionally</a:t>
                       </a:r>
                     </a:p>
                   </a:txBody>
@@ -4914,7 +4980,7 @@
                       <a:pPr algn="ctr"/>
                       <a:r>
                         <a:rPr lang="en-US" dirty="0"/>
-                        <a:t>2</a:t>
+                        <a:t>Rarely</a:t>
                       </a:r>
                     </a:p>
                   </a:txBody>
@@ -5071,16 +5137,7 @@
           <a:p>
             <a:r>
               <a:rPr lang="en-US" dirty="0"/>
-              <a:t>Values that showed up more than once</a:t>
-            </a:r>
-          </a:p>
-          <a:p>
-            <a:pPr marL="0" indent="0">
-              <a:buNone/>
-            </a:pPr>
-            <a:r>
-              <a:rPr lang="en-US" dirty="0"/>
-              <a:t>Deemed an outlier</a:t>
+              <a:t>Values that showed up more than once deemed an outlier</a:t>
             </a:r>
           </a:p>
         </p:txBody>
@@ -5250,6 +5307,9 @@
               <a:rPr lang="en-US" dirty="0"/>
               <a:t>Only for continuous variables</a:t>
             </a:r>
+          </a:p>
+          <a:p>
+            <a:endParaRPr lang="en-US" dirty="0"/>
           </a:p>
         </p:txBody>
       </p:sp>

--- a/Mid_Semester_Pres.pptx
+++ b/Mid_Semester_Pres.pptx
@@ -14,11 +14,11 @@
     <p:sldId id="259" r:id="rId8"/>
     <p:sldId id="266" r:id="rId9"/>
     <p:sldId id="267" r:id="rId10"/>
-    <p:sldId id="269" r:id="rId11"/>
-    <p:sldId id="270" r:id="rId12"/>
-    <p:sldId id="268" r:id="rId13"/>
-    <p:sldId id="260" r:id="rId14"/>
-    <p:sldId id="264" r:id="rId15"/>
+    <p:sldId id="270" r:id="rId11"/>
+    <p:sldId id="268" r:id="rId12"/>
+    <p:sldId id="260" r:id="rId13"/>
+    <p:sldId id="264" r:id="rId14"/>
+    <p:sldId id="269" r:id="rId15"/>
     <p:sldId id="261" r:id="rId16"/>
   </p:sldIdLst>
   <p:sldSz cx="12192000" cy="6858000"/>
@@ -148,7 +148,7 @@
           <p:cNvPr id="2" name="Title 1">
             <a:extLst>
               <a:ext uri="{FF2B5EF4-FFF2-40B4-BE49-F238E27FC236}">
-                <a16:creationId xmlns:a16="http://schemas.microsoft.com/office/drawing/2014/main" id="{24813C38-6780-394D-B0D7-5CB9333C04B7}"/>
+                <a16:creationId xmlns:a16="http://schemas.microsoft.com/office/drawing/2014/main" xmlns="" id="{24813C38-6780-394D-B0D7-5CB9333C04B7}"/>
               </a:ext>
             </a:extLst>
           </p:cNvPr>
@@ -185,7 +185,7 @@
           <p:cNvPr id="3" name="Subtitle 2">
             <a:extLst>
               <a:ext uri="{FF2B5EF4-FFF2-40B4-BE49-F238E27FC236}">
-                <a16:creationId xmlns:a16="http://schemas.microsoft.com/office/drawing/2014/main" id="{028DAFC7-6381-B94E-9C1D-B4086C7FDC27}"/>
+                <a16:creationId xmlns:a16="http://schemas.microsoft.com/office/drawing/2014/main" xmlns="" id="{028DAFC7-6381-B94E-9C1D-B4086C7FDC27}"/>
               </a:ext>
             </a:extLst>
           </p:cNvPr>
@@ -255,7 +255,7 @@
           <p:cNvPr id="4" name="Date Placeholder 3">
             <a:extLst>
               <a:ext uri="{FF2B5EF4-FFF2-40B4-BE49-F238E27FC236}">
-                <a16:creationId xmlns:a16="http://schemas.microsoft.com/office/drawing/2014/main" id="{0C794904-F6A9-4B40-A5B4-AE1F825AB3CA}"/>
+                <a16:creationId xmlns:a16="http://schemas.microsoft.com/office/drawing/2014/main" xmlns="" id="{0C794904-F6A9-4B40-A5B4-AE1F825AB3CA}"/>
               </a:ext>
             </a:extLst>
           </p:cNvPr>
@@ -273,7 +273,7 @@
           <a:p>
             <a:fld id="{45F5DF8E-F4B8-D441-8FFB-59F600C03B7F}" type="datetimeFigureOut">
               <a:rPr lang="en-US" smtClean="0"/>
-              <a:t>3/20/2022</a:t>
+              <a:t>3/20/22</a:t>
             </a:fld>
             <a:endParaRPr lang="en-US"/>
           </a:p>
@@ -284,7 +284,7 @@
           <p:cNvPr id="5" name="Footer Placeholder 4">
             <a:extLst>
               <a:ext uri="{FF2B5EF4-FFF2-40B4-BE49-F238E27FC236}">
-                <a16:creationId xmlns:a16="http://schemas.microsoft.com/office/drawing/2014/main" id="{D7F3CEBD-6753-7F45-89AF-483FD194E40E}"/>
+                <a16:creationId xmlns:a16="http://schemas.microsoft.com/office/drawing/2014/main" xmlns="" id="{D7F3CEBD-6753-7F45-89AF-483FD194E40E}"/>
               </a:ext>
             </a:extLst>
           </p:cNvPr>
@@ -309,7 +309,7 @@
           <p:cNvPr id="6" name="Slide Number Placeholder 5">
             <a:extLst>
               <a:ext uri="{FF2B5EF4-FFF2-40B4-BE49-F238E27FC236}">
-                <a16:creationId xmlns:a16="http://schemas.microsoft.com/office/drawing/2014/main" id="{D314E6EC-E184-8F49-83B3-9A67246F7571}"/>
+                <a16:creationId xmlns:a16="http://schemas.microsoft.com/office/drawing/2014/main" xmlns="" id="{D314E6EC-E184-8F49-83B3-9A67246F7571}"/>
               </a:ext>
             </a:extLst>
           </p:cNvPr>
@@ -368,7 +368,7 @@
           <p:cNvPr id="2" name="Title 1">
             <a:extLst>
               <a:ext uri="{FF2B5EF4-FFF2-40B4-BE49-F238E27FC236}">
-                <a16:creationId xmlns:a16="http://schemas.microsoft.com/office/drawing/2014/main" id="{39036396-E03F-3940-871A-6EECAAAD69F1}"/>
+                <a16:creationId xmlns:a16="http://schemas.microsoft.com/office/drawing/2014/main" xmlns="" id="{39036396-E03F-3940-871A-6EECAAAD69F1}"/>
               </a:ext>
             </a:extLst>
           </p:cNvPr>
@@ -396,7 +396,7 @@
           <p:cNvPr id="3" name="Vertical Text Placeholder 2">
             <a:extLst>
               <a:ext uri="{FF2B5EF4-FFF2-40B4-BE49-F238E27FC236}">
-                <a16:creationId xmlns:a16="http://schemas.microsoft.com/office/drawing/2014/main" id="{6F748323-3EE6-844E-96CE-76F8C28254E1}"/>
+                <a16:creationId xmlns:a16="http://schemas.microsoft.com/office/drawing/2014/main" xmlns="" id="{6F748323-3EE6-844E-96CE-76F8C28254E1}"/>
               </a:ext>
             </a:extLst>
           </p:cNvPr>
@@ -453,7 +453,7 @@
           <p:cNvPr id="4" name="Date Placeholder 3">
             <a:extLst>
               <a:ext uri="{FF2B5EF4-FFF2-40B4-BE49-F238E27FC236}">
-                <a16:creationId xmlns:a16="http://schemas.microsoft.com/office/drawing/2014/main" id="{3B80DCBD-874F-F742-9556-D2090DE03C00}"/>
+                <a16:creationId xmlns:a16="http://schemas.microsoft.com/office/drawing/2014/main" xmlns="" id="{3B80DCBD-874F-F742-9556-D2090DE03C00}"/>
               </a:ext>
             </a:extLst>
           </p:cNvPr>
@@ -471,7 +471,7 @@
           <a:p>
             <a:fld id="{45F5DF8E-F4B8-D441-8FFB-59F600C03B7F}" type="datetimeFigureOut">
               <a:rPr lang="en-US" smtClean="0"/>
-              <a:t>3/20/2022</a:t>
+              <a:t>3/20/22</a:t>
             </a:fld>
             <a:endParaRPr lang="en-US"/>
           </a:p>
@@ -482,7 +482,7 @@
           <p:cNvPr id="5" name="Footer Placeholder 4">
             <a:extLst>
               <a:ext uri="{FF2B5EF4-FFF2-40B4-BE49-F238E27FC236}">
-                <a16:creationId xmlns:a16="http://schemas.microsoft.com/office/drawing/2014/main" id="{0B9534DF-45B0-4941-BE80-F3023F8BA678}"/>
+                <a16:creationId xmlns:a16="http://schemas.microsoft.com/office/drawing/2014/main" xmlns="" id="{0B9534DF-45B0-4941-BE80-F3023F8BA678}"/>
               </a:ext>
             </a:extLst>
           </p:cNvPr>
@@ -507,7 +507,7 @@
           <p:cNvPr id="6" name="Slide Number Placeholder 5">
             <a:extLst>
               <a:ext uri="{FF2B5EF4-FFF2-40B4-BE49-F238E27FC236}">
-                <a16:creationId xmlns:a16="http://schemas.microsoft.com/office/drawing/2014/main" id="{FB6A1C1B-C76C-AF45-9B24-86FBBE5A242D}"/>
+                <a16:creationId xmlns:a16="http://schemas.microsoft.com/office/drawing/2014/main" xmlns="" id="{FB6A1C1B-C76C-AF45-9B24-86FBBE5A242D}"/>
               </a:ext>
             </a:extLst>
           </p:cNvPr>
@@ -566,7 +566,7 @@
           <p:cNvPr id="2" name="Vertical Title 1">
             <a:extLst>
               <a:ext uri="{FF2B5EF4-FFF2-40B4-BE49-F238E27FC236}">
-                <a16:creationId xmlns:a16="http://schemas.microsoft.com/office/drawing/2014/main" id="{8846BBD8-61E8-2B4C-BEEF-9C26733211BC}"/>
+                <a16:creationId xmlns:a16="http://schemas.microsoft.com/office/drawing/2014/main" xmlns="" id="{8846BBD8-61E8-2B4C-BEEF-9C26733211BC}"/>
               </a:ext>
             </a:extLst>
           </p:cNvPr>
@@ -599,7 +599,7 @@
           <p:cNvPr id="3" name="Vertical Text Placeholder 2">
             <a:extLst>
               <a:ext uri="{FF2B5EF4-FFF2-40B4-BE49-F238E27FC236}">
-                <a16:creationId xmlns:a16="http://schemas.microsoft.com/office/drawing/2014/main" id="{2C80CFEE-74DE-694F-846D-3D5E66967662}"/>
+                <a16:creationId xmlns:a16="http://schemas.microsoft.com/office/drawing/2014/main" xmlns="" id="{2C80CFEE-74DE-694F-846D-3D5E66967662}"/>
               </a:ext>
             </a:extLst>
           </p:cNvPr>
@@ -661,7 +661,7 @@
           <p:cNvPr id="4" name="Date Placeholder 3">
             <a:extLst>
               <a:ext uri="{FF2B5EF4-FFF2-40B4-BE49-F238E27FC236}">
-                <a16:creationId xmlns:a16="http://schemas.microsoft.com/office/drawing/2014/main" id="{DFCEC5A0-E549-A846-BA27-582B5B438227}"/>
+                <a16:creationId xmlns:a16="http://schemas.microsoft.com/office/drawing/2014/main" xmlns="" id="{DFCEC5A0-E549-A846-BA27-582B5B438227}"/>
               </a:ext>
             </a:extLst>
           </p:cNvPr>
@@ -679,7 +679,7 @@
           <a:p>
             <a:fld id="{45F5DF8E-F4B8-D441-8FFB-59F600C03B7F}" type="datetimeFigureOut">
               <a:rPr lang="en-US" smtClean="0"/>
-              <a:t>3/20/2022</a:t>
+              <a:t>3/20/22</a:t>
             </a:fld>
             <a:endParaRPr lang="en-US"/>
           </a:p>
@@ -690,7 +690,7 @@
           <p:cNvPr id="5" name="Footer Placeholder 4">
             <a:extLst>
               <a:ext uri="{FF2B5EF4-FFF2-40B4-BE49-F238E27FC236}">
-                <a16:creationId xmlns:a16="http://schemas.microsoft.com/office/drawing/2014/main" id="{F2759457-716A-274D-8259-60A9685ECC74}"/>
+                <a16:creationId xmlns:a16="http://schemas.microsoft.com/office/drawing/2014/main" xmlns="" id="{F2759457-716A-274D-8259-60A9685ECC74}"/>
               </a:ext>
             </a:extLst>
           </p:cNvPr>
@@ -715,7 +715,7 @@
           <p:cNvPr id="6" name="Slide Number Placeholder 5">
             <a:extLst>
               <a:ext uri="{FF2B5EF4-FFF2-40B4-BE49-F238E27FC236}">
-                <a16:creationId xmlns:a16="http://schemas.microsoft.com/office/drawing/2014/main" id="{4DA1D426-3F87-B746-A1B7-D86C89BEEF2F}"/>
+                <a16:creationId xmlns:a16="http://schemas.microsoft.com/office/drawing/2014/main" xmlns="" id="{4DA1D426-3F87-B746-A1B7-D86C89BEEF2F}"/>
               </a:ext>
             </a:extLst>
           </p:cNvPr>
@@ -774,7 +774,7 @@
           <p:cNvPr id="2" name="Title 1">
             <a:extLst>
               <a:ext uri="{FF2B5EF4-FFF2-40B4-BE49-F238E27FC236}">
-                <a16:creationId xmlns:a16="http://schemas.microsoft.com/office/drawing/2014/main" id="{58A18CFA-D9FE-B24B-9769-996B3E98496E}"/>
+                <a16:creationId xmlns:a16="http://schemas.microsoft.com/office/drawing/2014/main" xmlns="" id="{58A18CFA-D9FE-B24B-9769-996B3E98496E}"/>
               </a:ext>
             </a:extLst>
           </p:cNvPr>
@@ -802,7 +802,7 @@
           <p:cNvPr id="3" name="Content Placeholder 2">
             <a:extLst>
               <a:ext uri="{FF2B5EF4-FFF2-40B4-BE49-F238E27FC236}">
-                <a16:creationId xmlns:a16="http://schemas.microsoft.com/office/drawing/2014/main" id="{081FB8E3-1516-BC47-BD18-FC17BC338D83}"/>
+                <a16:creationId xmlns:a16="http://schemas.microsoft.com/office/drawing/2014/main" xmlns="" id="{081FB8E3-1516-BC47-BD18-FC17BC338D83}"/>
               </a:ext>
             </a:extLst>
           </p:cNvPr>
@@ -859,7 +859,7 @@
           <p:cNvPr id="4" name="Date Placeholder 3">
             <a:extLst>
               <a:ext uri="{FF2B5EF4-FFF2-40B4-BE49-F238E27FC236}">
-                <a16:creationId xmlns:a16="http://schemas.microsoft.com/office/drawing/2014/main" id="{7A5745AE-806B-334C-A2F8-71DD63CA7495}"/>
+                <a16:creationId xmlns:a16="http://schemas.microsoft.com/office/drawing/2014/main" xmlns="" id="{7A5745AE-806B-334C-A2F8-71DD63CA7495}"/>
               </a:ext>
             </a:extLst>
           </p:cNvPr>
@@ -877,7 +877,7 @@
           <a:p>
             <a:fld id="{45F5DF8E-F4B8-D441-8FFB-59F600C03B7F}" type="datetimeFigureOut">
               <a:rPr lang="en-US" smtClean="0"/>
-              <a:t>3/20/2022</a:t>
+              <a:t>3/20/22</a:t>
             </a:fld>
             <a:endParaRPr lang="en-US"/>
           </a:p>
@@ -888,7 +888,7 @@
           <p:cNvPr id="5" name="Footer Placeholder 4">
             <a:extLst>
               <a:ext uri="{FF2B5EF4-FFF2-40B4-BE49-F238E27FC236}">
-                <a16:creationId xmlns:a16="http://schemas.microsoft.com/office/drawing/2014/main" id="{BA483F14-3D01-6941-972A-7F7ABC43B009}"/>
+                <a16:creationId xmlns:a16="http://schemas.microsoft.com/office/drawing/2014/main" xmlns="" id="{BA483F14-3D01-6941-972A-7F7ABC43B009}"/>
               </a:ext>
             </a:extLst>
           </p:cNvPr>
@@ -913,7 +913,7 @@
           <p:cNvPr id="6" name="Slide Number Placeholder 5">
             <a:extLst>
               <a:ext uri="{FF2B5EF4-FFF2-40B4-BE49-F238E27FC236}">
-                <a16:creationId xmlns:a16="http://schemas.microsoft.com/office/drawing/2014/main" id="{75624641-F809-E043-9D83-49E001FD45C5}"/>
+                <a16:creationId xmlns:a16="http://schemas.microsoft.com/office/drawing/2014/main" xmlns="" id="{75624641-F809-E043-9D83-49E001FD45C5}"/>
               </a:ext>
             </a:extLst>
           </p:cNvPr>
@@ -972,7 +972,7 @@
           <p:cNvPr id="2" name="Title 1">
             <a:extLst>
               <a:ext uri="{FF2B5EF4-FFF2-40B4-BE49-F238E27FC236}">
-                <a16:creationId xmlns:a16="http://schemas.microsoft.com/office/drawing/2014/main" id="{C0E98CF8-EB42-1A4E-B34A-BC2C37DB5654}"/>
+                <a16:creationId xmlns:a16="http://schemas.microsoft.com/office/drawing/2014/main" xmlns="" id="{C0E98CF8-EB42-1A4E-B34A-BC2C37DB5654}"/>
               </a:ext>
             </a:extLst>
           </p:cNvPr>
@@ -1009,7 +1009,7 @@
           <p:cNvPr id="3" name="Text Placeholder 2">
             <a:extLst>
               <a:ext uri="{FF2B5EF4-FFF2-40B4-BE49-F238E27FC236}">
-                <a16:creationId xmlns:a16="http://schemas.microsoft.com/office/drawing/2014/main" id="{0755F6C4-4B3C-C64A-A0E8-422A7C1ACABB}"/>
+                <a16:creationId xmlns:a16="http://schemas.microsoft.com/office/drawing/2014/main" xmlns="" id="{0755F6C4-4B3C-C64A-A0E8-422A7C1ACABB}"/>
               </a:ext>
             </a:extLst>
           </p:cNvPr>
@@ -1134,7 +1134,7 @@
           <p:cNvPr id="4" name="Date Placeholder 3">
             <a:extLst>
               <a:ext uri="{FF2B5EF4-FFF2-40B4-BE49-F238E27FC236}">
-                <a16:creationId xmlns:a16="http://schemas.microsoft.com/office/drawing/2014/main" id="{A6B6158D-EA13-F74F-AC4D-80E2B453A5A8}"/>
+                <a16:creationId xmlns:a16="http://schemas.microsoft.com/office/drawing/2014/main" xmlns="" id="{A6B6158D-EA13-F74F-AC4D-80E2B453A5A8}"/>
               </a:ext>
             </a:extLst>
           </p:cNvPr>
@@ -1152,7 +1152,7 @@
           <a:p>
             <a:fld id="{45F5DF8E-F4B8-D441-8FFB-59F600C03B7F}" type="datetimeFigureOut">
               <a:rPr lang="en-US" smtClean="0"/>
-              <a:t>3/20/2022</a:t>
+              <a:t>3/20/22</a:t>
             </a:fld>
             <a:endParaRPr lang="en-US"/>
           </a:p>
@@ -1163,7 +1163,7 @@
           <p:cNvPr id="5" name="Footer Placeholder 4">
             <a:extLst>
               <a:ext uri="{FF2B5EF4-FFF2-40B4-BE49-F238E27FC236}">
-                <a16:creationId xmlns:a16="http://schemas.microsoft.com/office/drawing/2014/main" id="{0DD3B44F-D53E-6540-8DB3-C188A7A5C9CF}"/>
+                <a16:creationId xmlns:a16="http://schemas.microsoft.com/office/drawing/2014/main" xmlns="" id="{0DD3B44F-D53E-6540-8DB3-C188A7A5C9CF}"/>
               </a:ext>
             </a:extLst>
           </p:cNvPr>
@@ -1188,7 +1188,7 @@
           <p:cNvPr id="6" name="Slide Number Placeholder 5">
             <a:extLst>
               <a:ext uri="{FF2B5EF4-FFF2-40B4-BE49-F238E27FC236}">
-                <a16:creationId xmlns:a16="http://schemas.microsoft.com/office/drawing/2014/main" id="{F171FF0F-EB0C-764C-B053-ADD23560B8AB}"/>
+                <a16:creationId xmlns:a16="http://schemas.microsoft.com/office/drawing/2014/main" xmlns="" id="{F171FF0F-EB0C-764C-B053-ADD23560B8AB}"/>
               </a:ext>
             </a:extLst>
           </p:cNvPr>
@@ -1247,7 +1247,7 @@
           <p:cNvPr id="2" name="Title 1">
             <a:extLst>
               <a:ext uri="{FF2B5EF4-FFF2-40B4-BE49-F238E27FC236}">
-                <a16:creationId xmlns:a16="http://schemas.microsoft.com/office/drawing/2014/main" id="{04EE9806-24A1-0A46-9AB1-E51314677AFF}"/>
+                <a16:creationId xmlns:a16="http://schemas.microsoft.com/office/drawing/2014/main" xmlns="" id="{04EE9806-24A1-0A46-9AB1-E51314677AFF}"/>
               </a:ext>
             </a:extLst>
           </p:cNvPr>
@@ -1275,7 +1275,7 @@
           <p:cNvPr id="3" name="Content Placeholder 2">
             <a:extLst>
               <a:ext uri="{FF2B5EF4-FFF2-40B4-BE49-F238E27FC236}">
-                <a16:creationId xmlns:a16="http://schemas.microsoft.com/office/drawing/2014/main" id="{D09A5A07-85D4-6143-A71A-D0C19F741A11}"/>
+                <a16:creationId xmlns:a16="http://schemas.microsoft.com/office/drawing/2014/main" xmlns="" id="{D09A5A07-85D4-6143-A71A-D0C19F741A11}"/>
               </a:ext>
             </a:extLst>
           </p:cNvPr>
@@ -1337,7 +1337,7 @@
           <p:cNvPr id="4" name="Content Placeholder 3">
             <a:extLst>
               <a:ext uri="{FF2B5EF4-FFF2-40B4-BE49-F238E27FC236}">
-                <a16:creationId xmlns:a16="http://schemas.microsoft.com/office/drawing/2014/main" id="{9A3B2696-E398-8841-9DC1-1E0061A59CF9}"/>
+                <a16:creationId xmlns:a16="http://schemas.microsoft.com/office/drawing/2014/main" xmlns="" id="{9A3B2696-E398-8841-9DC1-1E0061A59CF9}"/>
               </a:ext>
             </a:extLst>
           </p:cNvPr>
@@ -1399,7 +1399,7 @@
           <p:cNvPr id="5" name="Date Placeholder 4">
             <a:extLst>
               <a:ext uri="{FF2B5EF4-FFF2-40B4-BE49-F238E27FC236}">
-                <a16:creationId xmlns:a16="http://schemas.microsoft.com/office/drawing/2014/main" id="{E52BC04B-AE70-D04D-B870-4DDA7352D97B}"/>
+                <a16:creationId xmlns:a16="http://schemas.microsoft.com/office/drawing/2014/main" xmlns="" id="{E52BC04B-AE70-D04D-B870-4DDA7352D97B}"/>
               </a:ext>
             </a:extLst>
           </p:cNvPr>
@@ -1417,7 +1417,7 @@
           <a:p>
             <a:fld id="{45F5DF8E-F4B8-D441-8FFB-59F600C03B7F}" type="datetimeFigureOut">
               <a:rPr lang="en-US" smtClean="0"/>
-              <a:t>3/20/2022</a:t>
+              <a:t>3/20/22</a:t>
             </a:fld>
             <a:endParaRPr lang="en-US"/>
           </a:p>
@@ -1428,7 +1428,7 @@
           <p:cNvPr id="6" name="Footer Placeholder 5">
             <a:extLst>
               <a:ext uri="{FF2B5EF4-FFF2-40B4-BE49-F238E27FC236}">
-                <a16:creationId xmlns:a16="http://schemas.microsoft.com/office/drawing/2014/main" id="{45C5A8D9-5C2F-3644-81A8-4090ABF469B1}"/>
+                <a16:creationId xmlns:a16="http://schemas.microsoft.com/office/drawing/2014/main" xmlns="" id="{45C5A8D9-5C2F-3644-81A8-4090ABF469B1}"/>
               </a:ext>
             </a:extLst>
           </p:cNvPr>
@@ -1453,7 +1453,7 @@
           <p:cNvPr id="7" name="Slide Number Placeholder 6">
             <a:extLst>
               <a:ext uri="{FF2B5EF4-FFF2-40B4-BE49-F238E27FC236}">
-                <a16:creationId xmlns:a16="http://schemas.microsoft.com/office/drawing/2014/main" id="{028C3890-FDF5-044B-91D0-5B5E035BB575}"/>
+                <a16:creationId xmlns:a16="http://schemas.microsoft.com/office/drawing/2014/main" xmlns="" id="{028C3890-FDF5-044B-91D0-5B5E035BB575}"/>
               </a:ext>
             </a:extLst>
           </p:cNvPr>
@@ -1512,7 +1512,7 @@
           <p:cNvPr id="2" name="Title 1">
             <a:extLst>
               <a:ext uri="{FF2B5EF4-FFF2-40B4-BE49-F238E27FC236}">
-                <a16:creationId xmlns:a16="http://schemas.microsoft.com/office/drawing/2014/main" id="{4A55EB84-E70A-F048-8C65-BC0791EFB15C}"/>
+                <a16:creationId xmlns:a16="http://schemas.microsoft.com/office/drawing/2014/main" xmlns="" id="{4A55EB84-E70A-F048-8C65-BC0791EFB15C}"/>
               </a:ext>
             </a:extLst>
           </p:cNvPr>
@@ -1545,7 +1545,7 @@
           <p:cNvPr id="3" name="Text Placeholder 2">
             <a:extLst>
               <a:ext uri="{FF2B5EF4-FFF2-40B4-BE49-F238E27FC236}">
-                <a16:creationId xmlns:a16="http://schemas.microsoft.com/office/drawing/2014/main" id="{CB77977E-5D6C-D44C-B75C-8D6FB486C383}"/>
+                <a16:creationId xmlns:a16="http://schemas.microsoft.com/office/drawing/2014/main" xmlns="" id="{CB77977E-5D6C-D44C-B75C-8D6FB486C383}"/>
               </a:ext>
             </a:extLst>
           </p:cNvPr>
@@ -1616,7 +1616,7 @@
           <p:cNvPr id="4" name="Content Placeholder 3">
             <a:extLst>
               <a:ext uri="{FF2B5EF4-FFF2-40B4-BE49-F238E27FC236}">
-                <a16:creationId xmlns:a16="http://schemas.microsoft.com/office/drawing/2014/main" id="{B224A687-E2B1-584C-9030-F1D87142C127}"/>
+                <a16:creationId xmlns:a16="http://schemas.microsoft.com/office/drawing/2014/main" xmlns="" id="{B224A687-E2B1-584C-9030-F1D87142C127}"/>
               </a:ext>
             </a:extLst>
           </p:cNvPr>
@@ -1678,7 +1678,7 @@
           <p:cNvPr id="5" name="Text Placeholder 4">
             <a:extLst>
               <a:ext uri="{FF2B5EF4-FFF2-40B4-BE49-F238E27FC236}">
-                <a16:creationId xmlns:a16="http://schemas.microsoft.com/office/drawing/2014/main" id="{AE116A7A-9148-254A-A879-06C9498BF6A5}"/>
+                <a16:creationId xmlns:a16="http://schemas.microsoft.com/office/drawing/2014/main" xmlns="" id="{AE116A7A-9148-254A-A879-06C9498BF6A5}"/>
               </a:ext>
             </a:extLst>
           </p:cNvPr>
@@ -1749,7 +1749,7 @@
           <p:cNvPr id="6" name="Content Placeholder 5">
             <a:extLst>
               <a:ext uri="{FF2B5EF4-FFF2-40B4-BE49-F238E27FC236}">
-                <a16:creationId xmlns:a16="http://schemas.microsoft.com/office/drawing/2014/main" id="{E5F23523-7946-3740-8E42-6D6FA2C1A5CC}"/>
+                <a16:creationId xmlns:a16="http://schemas.microsoft.com/office/drawing/2014/main" xmlns="" id="{E5F23523-7946-3740-8E42-6D6FA2C1A5CC}"/>
               </a:ext>
             </a:extLst>
           </p:cNvPr>
@@ -1811,7 +1811,7 @@
           <p:cNvPr id="7" name="Date Placeholder 6">
             <a:extLst>
               <a:ext uri="{FF2B5EF4-FFF2-40B4-BE49-F238E27FC236}">
-                <a16:creationId xmlns:a16="http://schemas.microsoft.com/office/drawing/2014/main" id="{D86AA804-7678-5F4B-828F-80C3433F9759}"/>
+                <a16:creationId xmlns:a16="http://schemas.microsoft.com/office/drawing/2014/main" xmlns="" id="{D86AA804-7678-5F4B-828F-80C3433F9759}"/>
               </a:ext>
             </a:extLst>
           </p:cNvPr>
@@ -1829,7 +1829,7 @@
           <a:p>
             <a:fld id="{45F5DF8E-F4B8-D441-8FFB-59F600C03B7F}" type="datetimeFigureOut">
               <a:rPr lang="en-US" smtClean="0"/>
-              <a:t>3/20/2022</a:t>
+              <a:t>3/20/22</a:t>
             </a:fld>
             <a:endParaRPr lang="en-US"/>
           </a:p>
@@ -1840,7 +1840,7 @@
           <p:cNvPr id="8" name="Footer Placeholder 7">
             <a:extLst>
               <a:ext uri="{FF2B5EF4-FFF2-40B4-BE49-F238E27FC236}">
-                <a16:creationId xmlns:a16="http://schemas.microsoft.com/office/drawing/2014/main" id="{916065C0-E562-5946-BE3A-62C5FC622031}"/>
+                <a16:creationId xmlns:a16="http://schemas.microsoft.com/office/drawing/2014/main" xmlns="" id="{916065C0-E562-5946-BE3A-62C5FC622031}"/>
               </a:ext>
             </a:extLst>
           </p:cNvPr>
@@ -1865,7 +1865,7 @@
           <p:cNvPr id="9" name="Slide Number Placeholder 8">
             <a:extLst>
               <a:ext uri="{FF2B5EF4-FFF2-40B4-BE49-F238E27FC236}">
-                <a16:creationId xmlns:a16="http://schemas.microsoft.com/office/drawing/2014/main" id="{7D46EC52-AC19-3B40-AF6A-23FDA4949A1D}"/>
+                <a16:creationId xmlns:a16="http://schemas.microsoft.com/office/drawing/2014/main" xmlns="" id="{7D46EC52-AC19-3B40-AF6A-23FDA4949A1D}"/>
               </a:ext>
             </a:extLst>
           </p:cNvPr>
@@ -1924,7 +1924,7 @@
           <p:cNvPr id="2" name="Title 1">
             <a:extLst>
               <a:ext uri="{FF2B5EF4-FFF2-40B4-BE49-F238E27FC236}">
-                <a16:creationId xmlns:a16="http://schemas.microsoft.com/office/drawing/2014/main" id="{69F19683-B245-5242-A0F0-39F46C4AB29A}"/>
+                <a16:creationId xmlns:a16="http://schemas.microsoft.com/office/drawing/2014/main" xmlns="" id="{69F19683-B245-5242-A0F0-39F46C4AB29A}"/>
               </a:ext>
             </a:extLst>
           </p:cNvPr>
@@ -1952,7 +1952,7 @@
           <p:cNvPr id="3" name="Date Placeholder 2">
             <a:extLst>
               <a:ext uri="{FF2B5EF4-FFF2-40B4-BE49-F238E27FC236}">
-                <a16:creationId xmlns:a16="http://schemas.microsoft.com/office/drawing/2014/main" id="{E39F037B-F4BB-7A49-9A72-7D58BEDA0DE3}"/>
+                <a16:creationId xmlns:a16="http://schemas.microsoft.com/office/drawing/2014/main" xmlns="" id="{E39F037B-F4BB-7A49-9A72-7D58BEDA0DE3}"/>
               </a:ext>
             </a:extLst>
           </p:cNvPr>
@@ -1970,7 +1970,7 @@
           <a:p>
             <a:fld id="{45F5DF8E-F4B8-D441-8FFB-59F600C03B7F}" type="datetimeFigureOut">
               <a:rPr lang="en-US" smtClean="0"/>
-              <a:t>3/20/2022</a:t>
+              <a:t>3/20/22</a:t>
             </a:fld>
             <a:endParaRPr lang="en-US"/>
           </a:p>
@@ -1981,7 +1981,7 @@
           <p:cNvPr id="4" name="Footer Placeholder 3">
             <a:extLst>
               <a:ext uri="{FF2B5EF4-FFF2-40B4-BE49-F238E27FC236}">
-                <a16:creationId xmlns:a16="http://schemas.microsoft.com/office/drawing/2014/main" id="{1843F474-92FD-214F-8A7A-20E8FD0DD51A}"/>
+                <a16:creationId xmlns:a16="http://schemas.microsoft.com/office/drawing/2014/main" xmlns="" id="{1843F474-92FD-214F-8A7A-20E8FD0DD51A}"/>
               </a:ext>
             </a:extLst>
           </p:cNvPr>
@@ -2006,7 +2006,7 @@
           <p:cNvPr id="5" name="Slide Number Placeholder 4">
             <a:extLst>
               <a:ext uri="{FF2B5EF4-FFF2-40B4-BE49-F238E27FC236}">
-                <a16:creationId xmlns:a16="http://schemas.microsoft.com/office/drawing/2014/main" id="{3087DCDA-892D-7A4E-B4E5-ED391B306AD1}"/>
+                <a16:creationId xmlns:a16="http://schemas.microsoft.com/office/drawing/2014/main" xmlns="" id="{3087DCDA-892D-7A4E-B4E5-ED391B306AD1}"/>
               </a:ext>
             </a:extLst>
           </p:cNvPr>
@@ -2065,7 +2065,7 @@
           <p:cNvPr id="2" name="Date Placeholder 1">
             <a:extLst>
               <a:ext uri="{FF2B5EF4-FFF2-40B4-BE49-F238E27FC236}">
-                <a16:creationId xmlns:a16="http://schemas.microsoft.com/office/drawing/2014/main" id="{E18A62BF-0A06-2146-A8F0-8207AAD5287F}"/>
+                <a16:creationId xmlns:a16="http://schemas.microsoft.com/office/drawing/2014/main" xmlns="" id="{E18A62BF-0A06-2146-A8F0-8207AAD5287F}"/>
               </a:ext>
             </a:extLst>
           </p:cNvPr>
@@ -2083,7 +2083,7 @@
           <a:p>
             <a:fld id="{45F5DF8E-F4B8-D441-8FFB-59F600C03B7F}" type="datetimeFigureOut">
               <a:rPr lang="en-US" smtClean="0"/>
-              <a:t>3/20/2022</a:t>
+              <a:t>3/20/22</a:t>
             </a:fld>
             <a:endParaRPr lang="en-US"/>
           </a:p>
@@ -2094,7 +2094,7 @@
           <p:cNvPr id="3" name="Footer Placeholder 2">
             <a:extLst>
               <a:ext uri="{FF2B5EF4-FFF2-40B4-BE49-F238E27FC236}">
-                <a16:creationId xmlns:a16="http://schemas.microsoft.com/office/drawing/2014/main" id="{20326B3C-B7F1-5F47-AB9E-7C22940053D3}"/>
+                <a16:creationId xmlns:a16="http://schemas.microsoft.com/office/drawing/2014/main" xmlns="" id="{20326B3C-B7F1-5F47-AB9E-7C22940053D3}"/>
               </a:ext>
             </a:extLst>
           </p:cNvPr>
@@ -2119,7 +2119,7 @@
           <p:cNvPr id="4" name="Slide Number Placeholder 3">
             <a:extLst>
               <a:ext uri="{FF2B5EF4-FFF2-40B4-BE49-F238E27FC236}">
-                <a16:creationId xmlns:a16="http://schemas.microsoft.com/office/drawing/2014/main" id="{6FE49100-8816-6E45-A59F-AD03A0C15E56}"/>
+                <a16:creationId xmlns:a16="http://schemas.microsoft.com/office/drawing/2014/main" xmlns="" id="{6FE49100-8816-6E45-A59F-AD03A0C15E56}"/>
               </a:ext>
             </a:extLst>
           </p:cNvPr>
@@ -2178,7 +2178,7 @@
           <p:cNvPr id="2" name="Title 1">
             <a:extLst>
               <a:ext uri="{FF2B5EF4-FFF2-40B4-BE49-F238E27FC236}">
-                <a16:creationId xmlns:a16="http://schemas.microsoft.com/office/drawing/2014/main" id="{DA4BA1A8-7A5D-6840-A61C-09B6883BC9F8}"/>
+                <a16:creationId xmlns:a16="http://schemas.microsoft.com/office/drawing/2014/main" xmlns="" id="{DA4BA1A8-7A5D-6840-A61C-09B6883BC9F8}"/>
               </a:ext>
             </a:extLst>
           </p:cNvPr>
@@ -2215,7 +2215,7 @@
           <p:cNvPr id="3" name="Content Placeholder 2">
             <a:extLst>
               <a:ext uri="{FF2B5EF4-FFF2-40B4-BE49-F238E27FC236}">
-                <a16:creationId xmlns:a16="http://schemas.microsoft.com/office/drawing/2014/main" id="{CDDF3BE9-0F54-EC49-9F1D-77CCAE5A6302}"/>
+                <a16:creationId xmlns:a16="http://schemas.microsoft.com/office/drawing/2014/main" xmlns="" id="{CDDF3BE9-0F54-EC49-9F1D-77CCAE5A6302}"/>
               </a:ext>
             </a:extLst>
           </p:cNvPr>
@@ -2305,7 +2305,7 @@
           <p:cNvPr id="4" name="Text Placeholder 3">
             <a:extLst>
               <a:ext uri="{FF2B5EF4-FFF2-40B4-BE49-F238E27FC236}">
-                <a16:creationId xmlns:a16="http://schemas.microsoft.com/office/drawing/2014/main" id="{6AFEA4A9-8161-F149-817C-1605402389B3}"/>
+                <a16:creationId xmlns:a16="http://schemas.microsoft.com/office/drawing/2014/main" xmlns="" id="{6AFEA4A9-8161-F149-817C-1605402389B3}"/>
               </a:ext>
             </a:extLst>
           </p:cNvPr>
@@ -2376,7 +2376,7 @@
           <p:cNvPr id="5" name="Date Placeholder 4">
             <a:extLst>
               <a:ext uri="{FF2B5EF4-FFF2-40B4-BE49-F238E27FC236}">
-                <a16:creationId xmlns:a16="http://schemas.microsoft.com/office/drawing/2014/main" id="{4E71F57D-5164-814B-A8B6-DBBFE365A595}"/>
+                <a16:creationId xmlns:a16="http://schemas.microsoft.com/office/drawing/2014/main" xmlns="" id="{4E71F57D-5164-814B-A8B6-DBBFE365A595}"/>
               </a:ext>
             </a:extLst>
           </p:cNvPr>
@@ -2394,7 +2394,7 @@
           <a:p>
             <a:fld id="{45F5DF8E-F4B8-D441-8FFB-59F600C03B7F}" type="datetimeFigureOut">
               <a:rPr lang="en-US" smtClean="0"/>
-              <a:t>3/20/2022</a:t>
+              <a:t>3/20/22</a:t>
             </a:fld>
             <a:endParaRPr lang="en-US"/>
           </a:p>
@@ -2405,7 +2405,7 @@
           <p:cNvPr id="6" name="Footer Placeholder 5">
             <a:extLst>
               <a:ext uri="{FF2B5EF4-FFF2-40B4-BE49-F238E27FC236}">
-                <a16:creationId xmlns:a16="http://schemas.microsoft.com/office/drawing/2014/main" id="{B6ACB92B-39AA-164E-8476-62AB994548D9}"/>
+                <a16:creationId xmlns:a16="http://schemas.microsoft.com/office/drawing/2014/main" xmlns="" id="{B6ACB92B-39AA-164E-8476-62AB994548D9}"/>
               </a:ext>
             </a:extLst>
           </p:cNvPr>
@@ -2430,7 +2430,7 @@
           <p:cNvPr id="7" name="Slide Number Placeholder 6">
             <a:extLst>
               <a:ext uri="{FF2B5EF4-FFF2-40B4-BE49-F238E27FC236}">
-                <a16:creationId xmlns:a16="http://schemas.microsoft.com/office/drawing/2014/main" id="{E22138CA-7F86-9541-AA58-513E3C7B93B7}"/>
+                <a16:creationId xmlns:a16="http://schemas.microsoft.com/office/drawing/2014/main" xmlns="" id="{E22138CA-7F86-9541-AA58-513E3C7B93B7}"/>
               </a:ext>
             </a:extLst>
           </p:cNvPr>
@@ -2489,7 +2489,7 @@
           <p:cNvPr id="2" name="Title 1">
             <a:extLst>
               <a:ext uri="{FF2B5EF4-FFF2-40B4-BE49-F238E27FC236}">
-                <a16:creationId xmlns:a16="http://schemas.microsoft.com/office/drawing/2014/main" id="{ADB0CFDB-AE56-FE47-AB72-7EF0FE091F67}"/>
+                <a16:creationId xmlns:a16="http://schemas.microsoft.com/office/drawing/2014/main" xmlns="" id="{ADB0CFDB-AE56-FE47-AB72-7EF0FE091F67}"/>
               </a:ext>
             </a:extLst>
           </p:cNvPr>
@@ -2526,7 +2526,7 @@
           <p:cNvPr id="3" name="Picture Placeholder 2">
             <a:extLst>
               <a:ext uri="{FF2B5EF4-FFF2-40B4-BE49-F238E27FC236}">
-                <a16:creationId xmlns:a16="http://schemas.microsoft.com/office/drawing/2014/main" id="{483F1CE3-76C5-7344-B4F9-32DB190BBAA3}"/>
+                <a16:creationId xmlns:a16="http://schemas.microsoft.com/office/drawing/2014/main" xmlns="" id="{483F1CE3-76C5-7344-B4F9-32DB190BBAA3}"/>
               </a:ext>
             </a:extLst>
           </p:cNvPr>
@@ -2593,7 +2593,7 @@
           <p:cNvPr id="4" name="Text Placeholder 3">
             <a:extLst>
               <a:ext uri="{FF2B5EF4-FFF2-40B4-BE49-F238E27FC236}">
-                <a16:creationId xmlns:a16="http://schemas.microsoft.com/office/drawing/2014/main" id="{BE5C8602-0AB8-D64D-8B14-5837E003A5CE}"/>
+                <a16:creationId xmlns:a16="http://schemas.microsoft.com/office/drawing/2014/main" xmlns="" id="{BE5C8602-0AB8-D64D-8B14-5837E003A5CE}"/>
               </a:ext>
             </a:extLst>
           </p:cNvPr>
@@ -2664,7 +2664,7 @@
           <p:cNvPr id="5" name="Date Placeholder 4">
             <a:extLst>
               <a:ext uri="{FF2B5EF4-FFF2-40B4-BE49-F238E27FC236}">
-                <a16:creationId xmlns:a16="http://schemas.microsoft.com/office/drawing/2014/main" id="{3FF89696-D288-E544-8E48-A9DB0669CD35}"/>
+                <a16:creationId xmlns:a16="http://schemas.microsoft.com/office/drawing/2014/main" xmlns="" id="{3FF89696-D288-E544-8E48-A9DB0669CD35}"/>
               </a:ext>
             </a:extLst>
           </p:cNvPr>
@@ -2682,7 +2682,7 @@
           <a:p>
             <a:fld id="{45F5DF8E-F4B8-D441-8FFB-59F600C03B7F}" type="datetimeFigureOut">
               <a:rPr lang="en-US" smtClean="0"/>
-              <a:t>3/20/2022</a:t>
+              <a:t>3/20/22</a:t>
             </a:fld>
             <a:endParaRPr lang="en-US"/>
           </a:p>
@@ -2693,7 +2693,7 @@
           <p:cNvPr id="6" name="Footer Placeholder 5">
             <a:extLst>
               <a:ext uri="{FF2B5EF4-FFF2-40B4-BE49-F238E27FC236}">
-                <a16:creationId xmlns:a16="http://schemas.microsoft.com/office/drawing/2014/main" id="{BB82B9AD-3A8D-8548-A9F6-3D5839CA39F3}"/>
+                <a16:creationId xmlns:a16="http://schemas.microsoft.com/office/drawing/2014/main" xmlns="" id="{BB82B9AD-3A8D-8548-A9F6-3D5839CA39F3}"/>
               </a:ext>
             </a:extLst>
           </p:cNvPr>
@@ -2718,7 +2718,7 @@
           <p:cNvPr id="7" name="Slide Number Placeholder 6">
             <a:extLst>
               <a:ext uri="{FF2B5EF4-FFF2-40B4-BE49-F238E27FC236}">
-                <a16:creationId xmlns:a16="http://schemas.microsoft.com/office/drawing/2014/main" id="{6BE2544D-F3A7-7E44-8D23-8BA5D3B116EC}"/>
+                <a16:creationId xmlns:a16="http://schemas.microsoft.com/office/drawing/2014/main" xmlns="" id="{6BE2544D-F3A7-7E44-8D23-8BA5D3B116EC}"/>
               </a:ext>
             </a:extLst>
           </p:cNvPr>
@@ -2782,7 +2782,7 @@
           <p:cNvPr id="2" name="Title Placeholder 1">
             <a:extLst>
               <a:ext uri="{FF2B5EF4-FFF2-40B4-BE49-F238E27FC236}">
-                <a16:creationId xmlns:a16="http://schemas.microsoft.com/office/drawing/2014/main" id="{39F6D3DA-C70C-D04A-9E79-CD0D66FB9A65}"/>
+                <a16:creationId xmlns:a16="http://schemas.microsoft.com/office/drawing/2014/main" xmlns="" id="{39F6D3DA-C70C-D04A-9E79-CD0D66FB9A65}"/>
               </a:ext>
             </a:extLst>
           </p:cNvPr>
@@ -2820,7 +2820,7 @@
           <p:cNvPr id="3" name="Text Placeholder 2">
             <a:extLst>
               <a:ext uri="{FF2B5EF4-FFF2-40B4-BE49-F238E27FC236}">
-                <a16:creationId xmlns:a16="http://schemas.microsoft.com/office/drawing/2014/main" id="{5E1A3DA7-FEA5-7C4F-B82F-D9485C3C391C}"/>
+                <a16:creationId xmlns:a16="http://schemas.microsoft.com/office/drawing/2014/main" xmlns="" id="{5E1A3DA7-FEA5-7C4F-B82F-D9485C3C391C}"/>
               </a:ext>
             </a:extLst>
           </p:cNvPr>
@@ -2887,7 +2887,7 @@
           <p:cNvPr id="4" name="Date Placeholder 3">
             <a:extLst>
               <a:ext uri="{FF2B5EF4-FFF2-40B4-BE49-F238E27FC236}">
-                <a16:creationId xmlns:a16="http://schemas.microsoft.com/office/drawing/2014/main" id="{D5FFA7A0-A5B9-4B40-89B5-A8F202E4A52D}"/>
+                <a16:creationId xmlns:a16="http://schemas.microsoft.com/office/drawing/2014/main" xmlns="" id="{D5FFA7A0-A5B9-4B40-89B5-A8F202E4A52D}"/>
               </a:ext>
             </a:extLst>
           </p:cNvPr>
@@ -2923,7 +2923,7 @@
           <a:p>
             <a:fld id="{45F5DF8E-F4B8-D441-8FFB-59F600C03B7F}" type="datetimeFigureOut">
               <a:rPr lang="en-US" smtClean="0"/>
-              <a:t>3/20/2022</a:t>
+              <a:t>3/20/22</a:t>
             </a:fld>
             <a:endParaRPr lang="en-US"/>
           </a:p>
@@ -2934,7 +2934,7 @@
           <p:cNvPr id="5" name="Footer Placeholder 4">
             <a:extLst>
               <a:ext uri="{FF2B5EF4-FFF2-40B4-BE49-F238E27FC236}">
-                <a16:creationId xmlns:a16="http://schemas.microsoft.com/office/drawing/2014/main" id="{8F8C4C0F-DD02-D144-8E45-25656FAFC813}"/>
+                <a16:creationId xmlns:a16="http://schemas.microsoft.com/office/drawing/2014/main" xmlns="" id="{8F8C4C0F-DD02-D144-8E45-25656FAFC813}"/>
               </a:ext>
             </a:extLst>
           </p:cNvPr>
@@ -2977,7 +2977,7 @@
           <p:cNvPr id="6" name="Slide Number Placeholder 5">
             <a:extLst>
               <a:ext uri="{FF2B5EF4-FFF2-40B4-BE49-F238E27FC236}">
-                <a16:creationId xmlns:a16="http://schemas.microsoft.com/office/drawing/2014/main" id="{CA0EC7DB-28A5-C24E-AED8-AF1773264F75}"/>
+                <a16:creationId xmlns:a16="http://schemas.microsoft.com/office/drawing/2014/main" xmlns="" id="{CA0EC7DB-28A5-C24E-AED8-AF1773264F75}"/>
               </a:ext>
             </a:extLst>
           </p:cNvPr>
@@ -3345,7 +3345,7 @@
           <p:cNvPr id="2" name="Title 1">
             <a:extLst>
               <a:ext uri="{FF2B5EF4-FFF2-40B4-BE49-F238E27FC236}">
-                <a16:creationId xmlns:a16="http://schemas.microsoft.com/office/drawing/2014/main" id="{63E6769D-0AAE-2044-8EA3-8380823F5ECE}"/>
+                <a16:creationId xmlns:a16="http://schemas.microsoft.com/office/drawing/2014/main" xmlns="" id="{63E6769D-0AAE-2044-8EA3-8380823F5ECE}"/>
               </a:ext>
             </a:extLst>
           </p:cNvPr>
@@ -3373,7 +3373,7 @@
           <p:cNvPr id="3" name="Subtitle 2">
             <a:extLst>
               <a:ext uri="{FF2B5EF4-FFF2-40B4-BE49-F238E27FC236}">
-                <a16:creationId xmlns:a16="http://schemas.microsoft.com/office/drawing/2014/main" id="{EF5A5664-23DD-0541-BF33-69F8800D2195}"/>
+                <a16:creationId xmlns:a16="http://schemas.microsoft.com/office/drawing/2014/main" xmlns="" id="{EF5A5664-23DD-0541-BF33-69F8800D2195}"/>
               </a:ext>
             </a:extLst>
           </p:cNvPr>
@@ -3437,7 +3437,429 @@
           <p:cNvPr id="2" name="Title 1">
             <a:extLst>
               <a:ext uri="{FF2B5EF4-FFF2-40B4-BE49-F238E27FC236}">
-                <a16:creationId xmlns:a16="http://schemas.microsoft.com/office/drawing/2014/main" id="{107D85B4-979C-443D-8ED3-FA60060EFEAB}"/>
+                <a16:creationId xmlns:a16="http://schemas.microsoft.com/office/drawing/2014/main" xmlns="" id="{6AB1D754-572F-49F6-9871-E20F6DF95248}"/>
+              </a:ext>
+            </a:extLst>
+          </p:cNvPr>
+          <p:cNvSpPr>
+            <a:spLocks noGrp="1"/>
+          </p:cNvSpPr>
+          <p:nvPr>
+            <p:ph type="title"/>
+          </p:nvPr>
+        </p:nvSpPr>
+        <p:spPr/>
+        <p:txBody>
+          <a:bodyPr/>
+          <a:lstStyle/>
+          <a:p>
+            <a:r>
+              <a:rPr lang="en-US" dirty="0"/>
+              <a:t>Model Update – Splitting the Data</a:t>
+            </a:r>
+          </a:p>
+        </p:txBody>
+      </p:sp>
+      <p:sp>
+        <p:nvSpPr>
+          <p:cNvPr id="3" name="Content Placeholder 2">
+            <a:extLst>
+              <a:ext uri="{FF2B5EF4-FFF2-40B4-BE49-F238E27FC236}">
+                <a16:creationId xmlns:a16="http://schemas.microsoft.com/office/drawing/2014/main" xmlns="" id="{9F068461-C235-42A4-8A94-B1C432F7E55A}"/>
+              </a:ext>
+            </a:extLst>
+          </p:cNvPr>
+          <p:cNvSpPr>
+            <a:spLocks noGrp="1"/>
+          </p:cNvSpPr>
+          <p:nvPr>
+            <p:ph idx="1"/>
+          </p:nvPr>
+        </p:nvSpPr>
+        <p:spPr/>
+        <p:txBody>
+          <a:bodyPr/>
+          <a:lstStyle/>
+          <a:p>
+            <a:r>
+              <a:rPr lang="en-US" dirty="0"/>
+              <a:t>Kept 3 subjects </a:t>
+            </a:r>
+            <a:r>
+              <a:rPr lang="en-US" dirty="0" smtClean="0"/>
+              <a:t>out</a:t>
+            </a:r>
+          </a:p>
+          <a:p>
+            <a:pPr lvl="1"/>
+            <a:r>
+              <a:rPr lang="en-US" dirty="0" smtClean="0"/>
+              <a:t>For use outside of the study, more confidence that the model can accurately predict the severity of an attack for individuals that were not monitored for this study</a:t>
+            </a:r>
+            <a:endParaRPr lang="en-US" dirty="0"/>
+          </a:p>
+          <a:p>
+            <a:r>
+              <a:rPr lang="en-US" dirty="0"/>
+              <a:t>K-fold cross </a:t>
+            </a:r>
+            <a:r>
+              <a:rPr lang="en-US" dirty="0" smtClean="0"/>
+              <a:t>validation </a:t>
+            </a:r>
+            <a:r>
+              <a:rPr lang="en-US" dirty="0" smtClean="0">
+                <a:solidFill>
+                  <a:srgbClr val="FF0000"/>
+                </a:solidFill>
+              </a:rPr>
+              <a:t>LOOK MORE INTO</a:t>
+            </a:r>
+            <a:endParaRPr lang="en-US" dirty="0">
+              <a:solidFill>
+                <a:srgbClr val="FF0000"/>
+              </a:solidFill>
+            </a:endParaRPr>
+          </a:p>
+        </p:txBody>
+      </p:sp>
+    </p:spTree>
+    <p:extLst>
+      <p:ext uri="{BB962C8B-B14F-4D97-AF65-F5344CB8AC3E}">
+        <p14:creationId xmlns:p14="http://schemas.microsoft.com/office/powerpoint/2010/main" val="3410258385"/>
+      </p:ext>
+    </p:extLst>
+  </p:cSld>
+  <p:clrMapOvr>
+    <a:masterClrMapping/>
+  </p:clrMapOvr>
+</p:sld>
+</file>
+
+<file path=ppt/slides/slide11.xml><?xml version="1.0" encoding="utf-8"?>
+<p:sld xmlns:a="http://schemas.openxmlformats.org/drawingml/2006/main" xmlns:r="http://schemas.openxmlformats.org/officeDocument/2006/relationships" xmlns:p="http://schemas.openxmlformats.org/presentationml/2006/main">
+  <p:cSld>
+    <p:spTree>
+      <p:nvGrpSpPr>
+        <p:cNvPr id="1" name=""/>
+        <p:cNvGrpSpPr/>
+        <p:nvPr/>
+      </p:nvGrpSpPr>
+      <p:grpSpPr>
+        <a:xfrm>
+          <a:off x="0" y="0"/>
+          <a:ext cx="0" cy="0"/>
+          <a:chOff x="0" y="0"/>
+          <a:chExt cx="0" cy="0"/>
+        </a:xfrm>
+      </p:grpSpPr>
+      <p:sp>
+        <p:nvSpPr>
+          <p:cNvPr id="7" name="Title 1">
+            <a:extLst>
+              <a:ext uri="{FF2B5EF4-FFF2-40B4-BE49-F238E27FC236}">
+                <a16:creationId xmlns:a16="http://schemas.microsoft.com/office/drawing/2014/main" xmlns="" id="{CDE84C0E-DAEF-4A24-A855-E44CB6979107}"/>
+              </a:ext>
+            </a:extLst>
+          </p:cNvPr>
+          <p:cNvSpPr>
+            <a:spLocks noGrp="1"/>
+          </p:cNvSpPr>
+          <p:nvPr>
+            <p:ph type="title"/>
+          </p:nvPr>
+        </p:nvSpPr>
+        <p:spPr>
+          <a:xfrm>
+            <a:off x="838200" y="365125"/>
+            <a:ext cx="10515600" cy="1325563"/>
+          </a:xfrm>
+        </p:spPr>
+        <p:txBody>
+          <a:bodyPr/>
+          <a:lstStyle/>
+          <a:p>
+            <a:r>
+              <a:rPr lang="en-US" dirty="0"/>
+              <a:t>Model </a:t>
+            </a:r>
+            <a:r>
+              <a:rPr lang="en-US" dirty="0" smtClean="0"/>
+              <a:t>Update – Mixed Effects Model</a:t>
+            </a:r>
+            <a:endParaRPr lang="en-US" dirty="0"/>
+          </a:p>
+        </p:txBody>
+      </p:sp>
+      <p:sp>
+        <p:nvSpPr>
+          <p:cNvPr id="8" name="Content Placeholder 2">
+            <a:extLst>
+              <a:ext uri="{FF2B5EF4-FFF2-40B4-BE49-F238E27FC236}">
+                <a16:creationId xmlns:a16="http://schemas.microsoft.com/office/drawing/2014/main" xmlns="" id="{01B999D5-EE4D-4AEB-9A9F-A415CCD7D823}"/>
+              </a:ext>
+            </a:extLst>
+          </p:cNvPr>
+          <p:cNvSpPr>
+            <a:spLocks noGrp="1"/>
+          </p:cNvSpPr>
+          <p:nvPr>
+            <p:ph idx="1"/>
+          </p:nvPr>
+        </p:nvSpPr>
+        <p:spPr>
+          <a:xfrm>
+            <a:off x="838200" y="1825625"/>
+            <a:ext cx="10515600" cy="4351338"/>
+          </a:xfrm>
+        </p:spPr>
+        <p:txBody>
+          <a:bodyPr/>
+          <a:lstStyle/>
+          <a:p>
+            <a:r>
+              <a:rPr lang="en-US" dirty="0" smtClean="0"/>
+              <a:t>Easy </a:t>
+            </a:r>
+            <a:r>
+              <a:rPr lang="en-US" dirty="0"/>
+              <a:t>to interpret</a:t>
+            </a:r>
+          </a:p>
+          <a:p>
+            <a:r>
+              <a:rPr lang="en-US" dirty="0" smtClean="0"/>
+              <a:t>Mixture Models: Incorporates </a:t>
+            </a:r>
+            <a:r>
+              <a:rPr lang="en-US" dirty="0"/>
+              <a:t>random effects from each subject</a:t>
+            </a:r>
+          </a:p>
+          <a:p>
+            <a:endParaRPr lang="en-US" dirty="0"/>
+          </a:p>
+          <a:p>
+            <a:r>
+              <a:rPr lang="en-US" dirty="0"/>
+              <a:t>Model: y = beta*X + b*x + epsilon  </a:t>
+            </a:r>
+            <a:r>
+              <a:rPr lang="en-US" dirty="0">
+                <a:sym typeface="Wingdings" panose="05000000000000000000" pitchFamily="2" charset="2"/>
+              </a:rPr>
+              <a:t> </a:t>
+            </a:r>
+            <a:r>
+              <a:rPr lang="en-US" dirty="0">
+                <a:solidFill>
+                  <a:srgbClr val="FF0000"/>
+                </a:solidFill>
+                <a:sym typeface="Wingdings" panose="05000000000000000000" pitchFamily="2" charset="2"/>
+              </a:rPr>
+              <a:t>need to write this as equation</a:t>
+            </a:r>
+            <a:endParaRPr lang="en-US" dirty="0">
+              <a:solidFill>
+                <a:srgbClr val="FF0000"/>
+              </a:solidFill>
+            </a:endParaRPr>
+          </a:p>
+          <a:p>
+            <a:r>
+              <a:rPr lang="en-US" dirty="0">
+                <a:solidFill>
+                  <a:srgbClr val="FF0000"/>
+                </a:solidFill>
+              </a:rPr>
+              <a:t>Discuss beta and b and epsilon and give mean and variance for the normal distribution.</a:t>
+            </a:r>
+          </a:p>
+        </p:txBody>
+      </p:sp>
+    </p:spTree>
+    <p:extLst>
+      <p:ext uri="{BB962C8B-B14F-4D97-AF65-F5344CB8AC3E}">
+        <p14:creationId xmlns:p14="http://schemas.microsoft.com/office/powerpoint/2010/main" val="1335337497"/>
+      </p:ext>
+    </p:extLst>
+  </p:cSld>
+  <p:clrMapOvr>
+    <a:masterClrMapping/>
+  </p:clrMapOvr>
+</p:sld>
+</file>
+
+<file path=ppt/slides/slide12.xml><?xml version="1.0" encoding="utf-8"?>
+<p:sld xmlns:a="http://schemas.openxmlformats.org/drawingml/2006/main" xmlns:r="http://schemas.openxmlformats.org/officeDocument/2006/relationships" xmlns:p="http://schemas.openxmlformats.org/presentationml/2006/main">
+  <p:cSld>
+    <p:spTree>
+      <p:nvGrpSpPr>
+        <p:cNvPr id="1" name=""/>
+        <p:cNvGrpSpPr/>
+        <p:nvPr/>
+      </p:nvGrpSpPr>
+      <p:grpSpPr>
+        <a:xfrm>
+          <a:off x="0" y="0"/>
+          <a:ext cx="0" cy="0"/>
+          <a:chOff x="0" y="0"/>
+          <a:chExt cx="0" cy="0"/>
+        </a:xfrm>
+      </p:grpSpPr>
+      <p:sp>
+        <p:nvSpPr>
+          <p:cNvPr id="2" name="Title 1">
+            <a:extLst>
+              <a:ext uri="{FF2B5EF4-FFF2-40B4-BE49-F238E27FC236}">
+                <a16:creationId xmlns:a16="http://schemas.microsoft.com/office/drawing/2014/main" xmlns="" id="{74A0FF98-17C7-6C4B-8D07-D0480804733F}"/>
+              </a:ext>
+            </a:extLst>
+          </p:cNvPr>
+          <p:cNvSpPr>
+            <a:spLocks noGrp="1"/>
+          </p:cNvSpPr>
+          <p:nvPr>
+            <p:ph type="title"/>
+          </p:nvPr>
+        </p:nvSpPr>
+        <p:spPr/>
+        <p:txBody>
+          <a:bodyPr/>
+          <a:lstStyle/>
+          <a:p>
+            <a:r>
+              <a:rPr lang="en-US" dirty="0"/>
+              <a:t>Model Update</a:t>
+            </a:r>
+          </a:p>
+        </p:txBody>
+      </p:sp>
+      <p:pic>
+        <p:nvPicPr>
+          <p:cNvPr id="5" name="Picture 4" descr="Text&#10;&#10;Description automatically generated">
+            <a:extLst>
+              <a:ext uri="{FF2B5EF4-FFF2-40B4-BE49-F238E27FC236}">
+                <a16:creationId xmlns:a16="http://schemas.microsoft.com/office/drawing/2014/main" xmlns="" id="{BE519A98-C651-4AAD-B727-8FC4EE303921}"/>
+              </a:ext>
+            </a:extLst>
+          </p:cNvPr>
+          <p:cNvPicPr>
+            <a:picLocks noChangeAspect="1"/>
+          </p:cNvPicPr>
+          <p:nvPr/>
+        </p:nvPicPr>
+        <p:blipFill>
+          <a:blip r:embed="rId2"/>
+          <a:stretch>
+            <a:fillRect/>
+          </a:stretch>
+        </p:blipFill>
+        <p:spPr>
+          <a:xfrm>
+            <a:off x="595736" y="2002526"/>
+            <a:ext cx="11000527" cy="3611195"/>
+          </a:xfrm>
+          <a:prstGeom prst="rect">
+            <a:avLst/>
+          </a:prstGeom>
+        </p:spPr>
+      </p:pic>
+    </p:spTree>
+    <p:extLst>
+      <p:ext uri="{BB962C8B-B14F-4D97-AF65-F5344CB8AC3E}">
+        <p14:creationId xmlns:p14="http://schemas.microsoft.com/office/powerpoint/2010/main" val="1400181660"/>
+      </p:ext>
+    </p:extLst>
+  </p:cSld>
+  <p:clrMapOvr>
+    <a:masterClrMapping/>
+  </p:clrMapOvr>
+</p:sld>
+</file>
+
+<file path=ppt/slides/slide13.xml><?xml version="1.0" encoding="utf-8"?>
+<p:sld xmlns:a="http://schemas.openxmlformats.org/drawingml/2006/main" xmlns:r="http://schemas.openxmlformats.org/officeDocument/2006/relationships" xmlns:p="http://schemas.openxmlformats.org/presentationml/2006/main">
+  <p:cSld>
+    <p:spTree>
+      <p:nvGrpSpPr>
+        <p:cNvPr id="1" name=""/>
+        <p:cNvGrpSpPr/>
+        <p:nvPr/>
+      </p:nvGrpSpPr>
+      <p:grpSpPr>
+        <a:xfrm>
+          <a:off x="0" y="0"/>
+          <a:ext cx="0" cy="0"/>
+          <a:chOff x="0" y="0"/>
+          <a:chExt cx="0" cy="0"/>
+        </a:xfrm>
+      </p:grpSpPr>
+      <p:pic>
+        <p:nvPicPr>
+          <p:cNvPr id="5" name="Content Placeholder 4" descr="A picture containing timeline&#10;&#10;Description automatically generated">
+            <a:extLst>
+              <a:ext uri="{FF2B5EF4-FFF2-40B4-BE49-F238E27FC236}">
+                <a16:creationId xmlns:a16="http://schemas.microsoft.com/office/drawing/2014/main" xmlns="" id="{059EF947-07C3-4C96-8D93-1E0BABDB9887}"/>
+              </a:ext>
+            </a:extLst>
+          </p:cNvPr>
+          <p:cNvPicPr>
+            <a:picLocks noGrp="1" noChangeAspect="1"/>
+          </p:cNvPicPr>
+          <p:nvPr>
+            <p:ph idx="1"/>
+          </p:nvPr>
+        </p:nvPicPr>
+        <p:blipFill>
+          <a:blip r:embed="rId2"/>
+          <a:stretch>
+            <a:fillRect/>
+          </a:stretch>
+        </p:blipFill>
+        <p:spPr>
+          <a:xfrm>
+            <a:off x="3110911" y="497706"/>
+            <a:ext cx="5583910" cy="5862588"/>
+          </a:xfrm>
+        </p:spPr>
+      </p:pic>
+    </p:spTree>
+    <p:extLst>
+      <p:ext uri="{BB962C8B-B14F-4D97-AF65-F5344CB8AC3E}">
+        <p14:creationId xmlns:p14="http://schemas.microsoft.com/office/powerpoint/2010/main" val="1849063214"/>
+      </p:ext>
+    </p:extLst>
+  </p:cSld>
+  <p:clrMapOvr>
+    <a:masterClrMapping/>
+  </p:clrMapOvr>
+</p:sld>
+</file>
+
+<file path=ppt/slides/slide14.xml><?xml version="1.0" encoding="utf-8"?>
+<p:sld xmlns:a="http://schemas.openxmlformats.org/drawingml/2006/main" xmlns:r="http://schemas.openxmlformats.org/officeDocument/2006/relationships" xmlns:p="http://schemas.openxmlformats.org/presentationml/2006/main">
+  <p:cSld>
+    <p:spTree>
+      <p:nvGrpSpPr>
+        <p:cNvPr id="1" name=""/>
+        <p:cNvGrpSpPr/>
+        <p:nvPr/>
+      </p:nvGrpSpPr>
+      <p:grpSpPr>
+        <a:xfrm>
+          <a:off x="0" y="0"/>
+          <a:ext cx="0" cy="0"/>
+          <a:chOff x="0" y="0"/>
+          <a:chExt cx="0" cy="0"/>
+        </a:xfrm>
+      </p:grpSpPr>
+      <p:sp>
+        <p:nvSpPr>
+          <p:cNvPr id="2" name="Title 1">
+            <a:extLst>
+              <a:ext uri="{FF2B5EF4-FFF2-40B4-BE49-F238E27FC236}">
+                <a16:creationId xmlns:a16="http://schemas.microsoft.com/office/drawing/2014/main" xmlns="" id="{107D85B4-979C-443D-8ED3-FA60060EFEAB}"/>
               </a:ext>
             </a:extLst>
           </p:cNvPr>
@@ -3465,7 +3887,7 @@
           <p:cNvPr id="5" name="Content Placeholder 4" descr="Diagram&#10;&#10;Description automatically generated with medium confidence">
             <a:extLst>
               <a:ext uri="{FF2B5EF4-FFF2-40B4-BE49-F238E27FC236}">
-                <a16:creationId xmlns:a16="http://schemas.microsoft.com/office/drawing/2014/main" id="{79A1F322-01B0-4CC2-B472-89F8F76DEE93}"/>
+                <a16:creationId xmlns:a16="http://schemas.microsoft.com/office/drawing/2014/main" xmlns="" id="{79A1F322-01B0-4CC2-B472-89F8F76DEE93}"/>
               </a:ext>
             </a:extLst>
           </p:cNvPr>
@@ -3502,444 +3924,6 @@
 </p:sld>
 </file>
 
-<file path=ppt/slides/slide11.xml><?xml version="1.0" encoding="utf-8"?>
-<p:sld xmlns:a="http://schemas.openxmlformats.org/drawingml/2006/main" xmlns:r="http://schemas.openxmlformats.org/officeDocument/2006/relationships" xmlns:p="http://schemas.openxmlformats.org/presentationml/2006/main">
-  <p:cSld>
-    <p:spTree>
-      <p:nvGrpSpPr>
-        <p:cNvPr id="1" name=""/>
-        <p:cNvGrpSpPr/>
-        <p:nvPr/>
-      </p:nvGrpSpPr>
-      <p:grpSpPr>
-        <a:xfrm>
-          <a:off x="0" y="0"/>
-          <a:ext cx="0" cy="0"/>
-          <a:chOff x="0" y="0"/>
-          <a:chExt cx="0" cy="0"/>
-        </a:xfrm>
-      </p:grpSpPr>
-      <p:sp>
-        <p:nvSpPr>
-          <p:cNvPr id="2" name="Title 1">
-            <a:extLst>
-              <a:ext uri="{FF2B5EF4-FFF2-40B4-BE49-F238E27FC236}">
-                <a16:creationId xmlns:a16="http://schemas.microsoft.com/office/drawing/2014/main" id="{6AB1D754-572F-49F6-9871-E20F6DF95248}"/>
-              </a:ext>
-            </a:extLst>
-          </p:cNvPr>
-          <p:cNvSpPr>
-            <a:spLocks noGrp="1"/>
-          </p:cNvSpPr>
-          <p:nvPr>
-            <p:ph type="title"/>
-          </p:nvPr>
-        </p:nvSpPr>
-        <p:spPr/>
-        <p:txBody>
-          <a:bodyPr/>
-          <a:lstStyle/>
-          <a:p>
-            <a:r>
-              <a:rPr lang="en-US" dirty="0"/>
-              <a:t>Model Update – Splitting the Data</a:t>
-            </a:r>
-          </a:p>
-        </p:txBody>
-      </p:sp>
-      <p:sp>
-        <p:nvSpPr>
-          <p:cNvPr id="3" name="Content Placeholder 2">
-            <a:extLst>
-              <a:ext uri="{FF2B5EF4-FFF2-40B4-BE49-F238E27FC236}">
-                <a16:creationId xmlns:a16="http://schemas.microsoft.com/office/drawing/2014/main" id="{9F068461-C235-42A4-8A94-B1C432F7E55A}"/>
-              </a:ext>
-            </a:extLst>
-          </p:cNvPr>
-          <p:cNvSpPr>
-            <a:spLocks noGrp="1"/>
-          </p:cNvSpPr>
-          <p:nvPr>
-            <p:ph idx="1"/>
-          </p:nvPr>
-        </p:nvSpPr>
-        <p:spPr/>
-        <p:txBody>
-          <a:bodyPr/>
-          <a:lstStyle/>
-          <a:p>
-            <a:r>
-              <a:rPr lang="en-US" dirty="0"/>
-              <a:t>Kept 3 subjects out</a:t>
-            </a:r>
-          </a:p>
-          <a:p>
-            <a:r>
-              <a:rPr lang="en-US" dirty="0"/>
-              <a:t>K-fold cross validation</a:t>
-            </a:r>
-          </a:p>
-          <a:p>
-            <a:r>
-              <a:rPr lang="en-US" dirty="0"/>
-              <a:t>…</a:t>
-            </a:r>
-            <a:r>
-              <a:rPr lang="en-US" dirty="0">
-                <a:solidFill>
-                  <a:srgbClr val="FF0000"/>
-                </a:solidFill>
-              </a:rPr>
-              <a:t>………</a:t>
-            </a:r>
-            <a:r>
-              <a:rPr lang="en-US" dirty="0"/>
-              <a:t>…. </a:t>
-            </a:r>
-          </a:p>
-          <a:p>
-            <a:pPr marL="0" indent="0">
-              <a:buNone/>
-            </a:pPr>
-            <a:endParaRPr lang="en-US" dirty="0"/>
-          </a:p>
-        </p:txBody>
-      </p:sp>
-    </p:spTree>
-    <p:extLst>
-      <p:ext uri="{BB962C8B-B14F-4D97-AF65-F5344CB8AC3E}">
-        <p14:creationId xmlns:p14="http://schemas.microsoft.com/office/powerpoint/2010/main" val="3410258385"/>
-      </p:ext>
-    </p:extLst>
-  </p:cSld>
-  <p:clrMapOvr>
-    <a:masterClrMapping/>
-  </p:clrMapOvr>
-</p:sld>
-</file>
-
-<file path=ppt/slides/slide12.xml><?xml version="1.0" encoding="utf-8"?>
-<p:sld xmlns:a="http://schemas.openxmlformats.org/drawingml/2006/main" xmlns:r="http://schemas.openxmlformats.org/officeDocument/2006/relationships" xmlns:p="http://schemas.openxmlformats.org/presentationml/2006/main">
-  <p:cSld>
-    <p:spTree>
-      <p:nvGrpSpPr>
-        <p:cNvPr id="1" name=""/>
-        <p:cNvGrpSpPr/>
-        <p:nvPr/>
-      </p:nvGrpSpPr>
-      <p:grpSpPr>
-        <a:xfrm>
-          <a:off x="0" y="0"/>
-          <a:ext cx="0" cy="0"/>
-          <a:chOff x="0" y="0"/>
-          <a:chExt cx="0" cy="0"/>
-        </a:xfrm>
-      </p:grpSpPr>
-      <p:sp>
-        <p:nvSpPr>
-          <p:cNvPr id="7" name="Title 1">
-            <a:extLst>
-              <a:ext uri="{FF2B5EF4-FFF2-40B4-BE49-F238E27FC236}">
-                <a16:creationId xmlns:a16="http://schemas.microsoft.com/office/drawing/2014/main" id="{CDE84C0E-DAEF-4A24-A855-E44CB6979107}"/>
-              </a:ext>
-            </a:extLst>
-          </p:cNvPr>
-          <p:cNvSpPr>
-            <a:spLocks noGrp="1"/>
-          </p:cNvSpPr>
-          <p:nvPr>
-            <p:ph type="title"/>
-          </p:nvPr>
-        </p:nvSpPr>
-        <p:spPr>
-          <a:xfrm>
-            <a:off x="838200" y="365125"/>
-            <a:ext cx="10515600" cy="1325563"/>
-          </a:xfrm>
-        </p:spPr>
-        <p:txBody>
-          <a:bodyPr/>
-          <a:lstStyle/>
-          <a:p>
-            <a:r>
-              <a:rPr lang="en-US" dirty="0"/>
-              <a:t>Model Update</a:t>
-            </a:r>
-          </a:p>
-        </p:txBody>
-      </p:sp>
-      <p:sp>
-        <p:nvSpPr>
-          <p:cNvPr id="8" name="Content Placeholder 2">
-            <a:extLst>
-              <a:ext uri="{FF2B5EF4-FFF2-40B4-BE49-F238E27FC236}">
-                <a16:creationId xmlns:a16="http://schemas.microsoft.com/office/drawing/2014/main" id="{01B999D5-EE4D-4AEB-9A9F-A415CCD7D823}"/>
-              </a:ext>
-            </a:extLst>
-          </p:cNvPr>
-          <p:cNvSpPr>
-            <a:spLocks noGrp="1"/>
-          </p:cNvSpPr>
-          <p:nvPr>
-            <p:ph idx="1"/>
-          </p:nvPr>
-        </p:nvSpPr>
-        <p:spPr>
-          <a:xfrm>
-            <a:off x="838200" y="1825625"/>
-            <a:ext cx="10515600" cy="4351338"/>
-          </a:xfrm>
-        </p:spPr>
-        <p:txBody>
-          <a:bodyPr/>
-          <a:lstStyle/>
-          <a:p>
-            <a:r>
-              <a:rPr lang="en-US" dirty="0"/>
-              <a:t>[please update on what models the team is using or planning to use to support the decision. Make sure to be ready to articulate on the reasoning behind your choice]</a:t>
-            </a:r>
-          </a:p>
-          <a:p>
-            <a:r>
-              <a:rPr lang="en-US" dirty="0"/>
-              <a:t>Easy to interpret</a:t>
-            </a:r>
-          </a:p>
-          <a:p>
-            <a:r>
-              <a:rPr lang="en-US" dirty="0"/>
-              <a:t> Incorporates random effects from each subject</a:t>
-            </a:r>
-          </a:p>
-          <a:p>
-            <a:endParaRPr lang="en-US" dirty="0"/>
-          </a:p>
-          <a:p>
-            <a:r>
-              <a:rPr lang="en-US" dirty="0"/>
-              <a:t>Model: y = beta*X + b*x + epsilon  </a:t>
-            </a:r>
-            <a:r>
-              <a:rPr lang="en-US" dirty="0">
-                <a:sym typeface="Wingdings" panose="05000000000000000000" pitchFamily="2" charset="2"/>
-              </a:rPr>
-              <a:t> </a:t>
-            </a:r>
-            <a:r>
-              <a:rPr lang="en-US" dirty="0">
-                <a:solidFill>
-                  <a:srgbClr val="FF0000"/>
-                </a:solidFill>
-                <a:sym typeface="Wingdings" panose="05000000000000000000" pitchFamily="2" charset="2"/>
-              </a:rPr>
-              <a:t>need to write this as equation</a:t>
-            </a:r>
-            <a:endParaRPr lang="en-US" dirty="0">
-              <a:solidFill>
-                <a:srgbClr val="FF0000"/>
-              </a:solidFill>
-            </a:endParaRPr>
-          </a:p>
-          <a:p>
-            <a:r>
-              <a:rPr lang="en-US" dirty="0">
-                <a:solidFill>
-                  <a:srgbClr val="FF0000"/>
-                </a:solidFill>
-              </a:rPr>
-              <a:t>Discuss beta and b and epsilon and give mean and variance for the normal distribution.</a:t>
-            </a:r>
-          </a:p>
-        </p:txBody>
-      </p:sp>
-    </p:spTree>
-    <p:extLst>
-      <p:ext uri="{BB962C8B-B14F-4D97-AF65-F5344CB8AC3E}">
-        <p14:creationId xmlns:p14="http://schemas.microsoft.com/office/powerpoint/2010/main" val="1335337497"/>
-      </p:ext>
-    </p:extLst>
-  </p:cSld>
-  <p:clrMapOvr>
-    <a:masterClrMapping/>
-  </p:clrMapOvr>
-</p:sld>
-</file>
-
-<file path=ppt/slides/slide13.xml><?xml version="1.0" encoding="utf-8"?>
-<p:sld xmlns:a="http://schemas.openxmlformats.org/drawingml/2006/main" xmlns:r="http://schemas.openxmlformats.org/officeDocument/2006/relationships" xmlns:p="http://schemas.openxmlformats.org/presentationml/2006/main">
-  <p:cSld>
-    <p:spTree>
-      <p:nvGrpSpPr>
-        <p:cNvPr id="1" name=""/>
-        <p:cNvGrpSpPr/>
-        <p:nvPr/>
-      </p:nvGrpSpPr>
-      <p:grpSpPr>
-        <a:xfrm>
-          <a:off x="0" y="0"/>
-          <a:ext cx="0" cy="0"/>
-          <a:chOff x="0" y="0"/>
-          <a:chExt cx="0" cy="0"/>
-        </a:xfrm>
-      </p:grpSpPr>
-      <p:sp>
-        <p:nvSpPr>
-          <p:cNvPr id="2" name="Title 1">
-            <a:extLst>
-              <a:ext uri="{FF2B5EF4-FFF2-40B4-BE49-F238E27FC236}">
-                <a16:creationId xmlns:a16="http://schemas.microsoft.com/office/drawing/2014/main" id="{74A0FF98-17C7-6C4B-8D07-D0480804733F}"/>
-              </a:ext>
-            </a:extLst>
-          </p:cNvPr>
-          <p:cNvSpPr>
-            <a:spLocks noGrp="1"/>
-          </p:cNvSpPr>
-          <p:nvPr>
-            <p:ph type="title"/>
-          </p:nvPr>
-        </p:nvSpPr>
-        <p:spPr/>
-        <p:txBody>
-          <a:bodyPr/>
-          <a:lstStyle/>
-          <a:p>
-            <a:r>
-              <a:rPr lang="en-US" dirty="0"/>
-              <a:t>Model Update</a:t>
-            </a:r>
-          </a:p>
-        </p:txBody>
-      </p:sp>
-      <p:sp>
-        <p:nvSpPr>
-          <p:cNvPr id="3" name="Content Placeholder 2">
-            <a:extLst>
-              <a:ext uri="{FF2B5EF4-FFF2-40B4-BE49-F238E27FC236}">
-                <a16:creationId xmlns:a16="http://schemas.microsoft.com/office/drawing/2014/main" id="{6CD35A43-7EB7-7642-89DD-4E6666715446}"/>
-              </a:ext>
-            </a:extLst>
-          </p:cNvPr>
-          <p:cNvSpPr>
-            <a:spLocks noGrp="1"/>
-          </p:cNvSpPr>
-          <p:nvPr>
-            <p:ph idx="1"/>
-          </p:nvPr>
-        </p:nvSpPr>
-        <p:spPr/>
-        <p:txBody>
-          <a:bodyPr/>
-          <a:lstStyle/>
-          <a:p>
-            <a:r>
-              <a:rPr lang="en-US" dirty="0"/>
-              <a:t>[please update on what models the team is using or planning to use to support the decision. Make sure to be ready to articulate on the reasoning behind your choice]</a:t>
-            </a:r>
-          </a:p>
-        </p:txBody>
-      </p:sp>
-      <p:pic>
-        <p:nvPicPr>
-          <p:cNvPr id="5" name="Picture 4" descr="Text&#10;&#10;Description automatically generated">
-            <a:extLst>
-              <a:ext uri="{FF2B5EF4-FFF2-40B4-BE49-F238E27FC236}">
-                <a16:creationId xmlns:a16="http://schemas.microsoft.com/office/drawing/2014/main" id="{BE519A98-C651-4AAD-B727-8FC4EE303921}"/>
-              </a:ext>
-            </a:extLst>
-          </p:cNvPr>
-          <p:cNvPicPr>
-            <a:picLocks noChangeAspect="1"/>
-          </p:cNvPicPr>
-          <p:nvPr/>
-        </p:nvPicPr>
-        <p:blipFill>
-          <a:blip r:embed="rId2"/>
-          <a:stretch>
-            <a:fillRect/>
-          </a:stretch>
-        </p:blipFill>
-        <p:spPr>
-          <a:xfrm>
-            <a:off x="1848852" y="4248016"/>
-            <a:ext cx="7950609" cy="2609984"/>
-          </a:xfrm>
-          <a:prstGeom prst="rect">
-            <a:avLst/>
-          </a:prstGeom>
-        </p:spPr>
-      </p:pic>
-    </p:spTree>
-    <p:extLst>
-      <p:ext uri="{BB962C8B-B14F-4D97-AF65-F5344CB8AC3E}">
-        <p14:creationId xmlns:p14="http://schemas.microsoft.com/office/powerpoint/2010/main" val="1400181660"/>
-      </p:ext>
-    </p:extLst>
-  </p:cSld>
-  <p:clrMapOvr>
-    <a:masterClrMapping/>
-  </p:clrMapOvr>
-</p:sld>
-</file>
-
-<file path=ppt/slides/slide14.xml><?xml version="1.0" encoding="utf-8"?>
-<p:sld xmlns:a="http://schemas.openxmlformats.org/drawingml/2006/main" xmlns:r="http://schemas.openxmlformats.org/officeDocument/2006/relationships" xmlns:p="http://schemas.openxmlformats.org/presentationml/2006/main">
-  <p:cSld>
-    <p:spTree>
-      <p:nvGrpSpPr>
-        <p:cNvPr id="1" name=""/>
-        <p:cNvGrpSpPr/>
-        <p:nvPr/>
-      </p:nvGrpSpPr>
-      <p:grpSpPr>
-        <a:xfrm>
-          <a:off x="0" y="0"/>
-          <a:ext cx="0" cy="0"/>
-          <a:chOff x="0" y="0"/>
-          <a:chExt cx="0" cy="0"/>
-        </a:xfrm>
-      </p:grpSpPr>
-      <p:pic>
-        <p:nvPicPr>
-          <p:cNvPr id="5" name="Content Placeholder 4" descr="A picture containing timeline&#10;&#10;Description automatically generated">
-            <a:extLst>
-              <a:ext uri="{FF2B5EF4-FFF2-40B4-BE49-F238E27FC236}">
-                <a16:creationId xmlns:a16="http://schemas.microsoft.com/office/drawing/2014/main" id="{059EF947-07C3-4C96-8D93-1E0BABDB9887}"/>
-              </a:ext>
-            </a:extLst>
-          </p:cNvPr>
-          <p:cNvPicPr>
-            <a:picLocks noGrp="1" noChangeAspect="1"/>
-          </p:cNvPicPr>
-          <p:nvPr>
-            <p:ph idx="1"/>
-          </p:nvPr>
-        </p:nvPicPr>
-        <p:blipFill>
-          <a:blip r:embed="rId2"/>
-          <a:stretch>
-            <a:fillRect/>
-          </a:stretch>
-        </p:blipFill>
-        <p:spPr>
-          <a:xfrm>
-            <a:off x="3110911" y="497706"/>
-            <a:ext cx="5583910" cy="5862588"/>
-          </a:xfrm>
-        </p:spPr>
-      </p:pic>
-    </p:spTree>
-    <p:extLst>
-      <p:ext uri="{BB962C8B-B14F-4D97-AF65-F5344CB8AC3E}">
-        <p14:creationId xmlns:p14="http://schemas.microsoft.com/office/powerpoint/2010/main" val="1849063214"/>
-      </p:ext>
-    </p:extLst>
-  </p:cSld>
-  <p:clrMapOvr>
-    <a:masterClrMapping/>
-  </p:clrMapOvr>
-</p:sld>
-</file>
-
 <file path=ppt/slides/slide15.xml><?xml version="1.0" encoding="utf-8"?>
 <p:sld xmlns:a="http://schemas.openxmlformats.org/drawingml/2006/main" xmlns:r="http://schemas.openxmlformats.org/officeDocument/2006/relationships" xmlns:p="http://schemas.openxmlformats.org/presentationml/2006/main">
   <p:cSld>
@@ -3962,7 +3946,7 @@
           <p:cNvPr id="2" name="Title 1">
             <a:extLst>
               <a:ext uri="{FF2B5EF4-FFF2-40B4-BE49-F238E27FC236}">
-                <a16:creationId xmlns:a16="http://schemas.microsoft.com/office/drawing/2014/main" id="{5F77124F-9940-644A-8C89-FBD0344EBC30}"/>
+                <a16:creationId xmlns:a16="http://schemas.microsoft.com/office/drawing/2014/main" xmlns="" id="{5F77124F-9940-644A-8C89-FBD0344EBC30}"/>
               </a:ext>
             </a:extLst>
           </p:cNvPr>
@@ -3990,7 +3974,7 @@
           <p:cNvPr id="3" name="Content Placeholder 2">
             <a:extLst>
               <a:ext uri="{FF2B5EF4-FFF2-40B4-BE49-F238E27FC236}">
-                <a16:creationId xmlns:a16="http://schemas.microsoft.com/office/drawing/2014/main" id="{25A09237-A4A1-F543-BBC9-FDE843B417AD}"/>
+                <a16:creationId xmlns:a16="http://schemas.microsoft.com/office/drawing/2014/main" xmlns="" id="{25A09237-A4A1-F543-BBC9-FDE843B417AD}"/>
               </a:ext>
             </a:extLst>
           </p:cNvPr>
@@ -4015,7 +3999,15 @@
             </a:pPr>
             <a:r>
               <a:rPr lang="en-US" dirty="0"/>
-              <a:t>Determine best linear mixed-effects model to predict asthma attacks</a:t>
+              <a:t>Determine best linear mixed-effects model </a:t>
+            </a:r>
+            <a:r>
+              <a:rPr lang="en-US" dirty="0" smtClean="0"/>
+              <a:t>through exhaustive search to </a:t>
+            </a:r>
+            <a:r>
+              <a:rPr lang="en-US" dirty="0"/>
+              <a:t>predict asthma attacks</a:t>
             </a:r>
           </a:p>
           <a:p>
@@ -4135,7 +4127,7 @@
           <p:cNvPr id="2" name="Title 1">
             <a:extLst>
               <a:ext uri="{FF2B5EF4-FFF2-40B4-BE49-F238E27FC236}">
-                <a16:creationId xmlns:a16="http://schemas.microsoft.com/office/drawing/2014/main" id="{4C3FC6BC-342A-4047-A04D-4F7B83D3AE91}"/>
+                <a16:creationId xmlns:a16="http://schemas.microsoft.com/office/drawing/2014/main" xmlns="" id="{4C3FC6BC-342A-4047-A04D-4F7B83D3AE91}"/>
               </a:ext>
             </a:extLst>
           </p:cNvPr>
@@ -4163,7 +4155,7 @@
           <p:cNvPr id="3" name="Content Placeholder 2">
             <a:extLst>
               <a:ext uri="{FF2B5EF4-FFF2-40B4-BE49-F238E27FC236}">
-                <a16:creationId xmlns:a16="http://schemas.microsoft.com/office/drawing/2014/main" id="{F7AB5729-20A0-CE41-90C7-E54C52E25CA4}"/>
+                <a16:creationId xmlns:a16="http://schemas.microsoft.com/office/drawing/2014/main" xmlns="" id="{F7AB5729-20A0-CE41-90C7-E54C52E25CA4}"/>
               </a:ext>
             </a:extLst>
           </p:cNvPr>
@@ -4177,7 +4169,7 @@
         <p:spPr/>
         <p:txBody>
           <a:bodyPr>
-            <a:normAutofit fontScale="92500" lnSpcReduction="20000"/>
+            <a:normAutofit/>
           </a:bodyPr>
           <a:lstStyle/>
           <a:p>
@@ -4192,7 +4184,15 @@
           <a:p>
             <a:r>
               <a:rPr lang="en-US" dirty="0"/>
-              <a:t>Decisions Impacted: - Help people with asthma become more aware of             			      having an asthma attack and if it could be severe</a:t>
+              <a:t>Decisions Impacted: </a:t>
+            </a:r>
+            <a:r>
+              <a:rPr lang="en-US" dirty="0" smtClean="0"/>
+              <a:t>Help </a:t>
+            </a:r>
+            <a:r>
+              <a:rPr lang="en-US" dirty="0"/>
+              <a:t>people with asthma become more aware of             			      having an asthma attack and if it could be severe</a:t>
             </a:r>
           </a:p>
           <a:p>
@@ -4201,29 +4201,66 @@
             </a:pPr>
             <a:r>
               <a:rPr lang="en-US" dirty="0"/>
-              <a:t>                                         - Could change the way inhalers are manufactured</a:t>
-            </a:r>
-          </a:p>
-          <a:p>
+              <a:t>                 </a:t>
+            </a:r>
+          </a:p>
+          <a:p>
+            <a:r>
+              <a:rPr lang="en-US" dirty="0"/>
+              <a:t>Business Value: </a:t>
+            </a:r>
+            <a:r>
+              <a:rPr lang="en-US" dirty="0"/>
+              <a:t>Could change the way </a:t>
+            </a:r>
+            <a:r>
+              <a:rPr lang="en-US" dirty="0" smtClean="0"/>
+              <a:t>inhalers (app) </a:t>
+            </a:r>
+            <a:r>
+              <a:rPr lang="en-US" dirty="0"/>
+              <a:t>are </a:t>
+            </a:r>
+            <a:r>
+              <a:rPr lang="en-US" dirty="0" smtClean="0"/>
+              <a:t>manufactured by accounting for </a:t>
+            </a:r>
+            <a:r>
+              <a:rPr lang="en-US" dirty="0" smtClean="0"/>
+              <a:t>the </a:t>
+            </a:r>
+            <a:r>
+              <a:rPr lang="en-US" dirty="0"/>
+              <a:t>most significant predictors and suggesting to make a </a:t>
+            </a:r>
+            <a:r>
+              <a:rPr lang="en-US" dirty="0" smtClean="0"/>
+              <a:t>change</a:t>
+            </a:r>
             <a:endParaRPr lang="en-US" dirty="0"/>
           </a:p>
           <a:p>
             <a:r>
               <a:rPr lang="en-US" dirty="0"/>
-              <a:t>Business Value: Improve severity of asthma attacks by determining the most significant predictors and suggesting to make a change</a:t>
-            </a:r>
-          </a:p>
-          <a:p>
-            <a:endParaRPr lang="en-US" dirty="0"/>
-          </a:p>
-          <a:p>
-            <a:r>
-              <a:rPr lang="en-US" dirty="0"/>
-              <a:t>Data Assets: 10 features (I think it might actually be 11 if we include location) </a:t>
-            </a:r>
-          </a:p>
-          <a:p>
-            <a:endParaRPr lang="en-US" dirty="0"/>
+              <a:t>Data Assets: </a:t>
+            </a:r>
+            <a:r>
+              <a:rPr lang="en-US" dirty="0" smtClean="0"/>
+              <a:t>11 features, complete </a:t>
+            </a:r>
+            <a:r>
+              <a:rPr lang="en-US" dirty="0" smtClean="0">
+                <a:solidFill>
+                  <a:srgbClr val="FF0000"/>
+                </a:solidFill>
+              </a:rPr>
+              <a:t>data set is from </a:t>
+            </a:r>
+            <a:endParaRPr lang="en-US" dirty="0">
+              <a:solidFill>
+                <a:srgbClr val="FF0000"/>
+              </a:solidFill>
+            </a:endParaRPr>
           </a:p>
           <a:p>
             <a:endParaRPr lang="en-US" dirty="0"/>
@@ -4274,7 +4311,7 @@
           <p:cNvPr id="2" name="Title 1">
             <a:extLst>
               <a:ext uri="{FF2B5EF4-FFF2-40B4-BE49-F238E27FC236}">
-                <a16:creationId xmlns:a16="http://schemas.microsoft.com/office/drawing/2014/main" id="{FDAB2B5E-E2BF-49CF-B0D4-3FF09CA2DD9A}"/>
+                <a16:creationId xmlns:a16="http://schemas.microsoft.com/office/drawing/2014/main" xmlns="" id="{FDAB2B5E-E2BF-49CF-B0D4-3FF09CA2DD9A}"/>
               </a:ext>
             </a:extLst>
           </p:cNvPr>
@@ -4302,7 +4339,7 @@
           <p:cNvPr id="5" name="Content Placeholder 4">
             <a:extLst>
               <a:ext uri="{FF2B5EF4-FFF2-40B4-BE49-F238E27FC236}">
-                <a16:creationId xmlns:a16="http://schemas.microsoft.com/office/drawing/2014/main" id="{62065E65-9485-451A-9668-8031404E6A46}"/>
+                <a16:creationId xmlns:a16="http://schemas.microsoft.com/office/drawing/2014/main" xmlns="" id="{62065E65-9485-451A-9668-8031404E6A46}"/>
               </a:ext>
             </a:extLst>
           </p:cNvPr>
@@ -4331,7 +4368,7 @@
           <p:cNvPr id="6" name="TextBox 5">
             <a:extLst>
               <a:ext uri="{FF2B5EF4-FFF2-40B4-BE49-F238E27FC236}">
-                <a16:creationId xmlns:a16="http://schemas.microsoft.com/office/drawing/2014/main" id="{CE7F5782-5EC5-4F14-BFE4-D7A0043355C8}"/>
+                <a16:creationId xmlns:a16="http://schemas.microsoft.com/office/drawing/2014/main" xmlns="" id="{CE7F5782-5EC5-4F14-BFE4-D7A0043355C8}"/>
               </a:ext>
             </a:extLst>
           </p:cNvPr>
@@ -4400,7 +4437,7 @@
           <p:cNvPr id="2" name="Title 1">
             <a:extLst>
               <a:ext uri="{FF2B5EF4-FFF2-40B4-BE49-F238E27FC236}">
-                <a16:creationId xmlns:a16="http://schemas.microsoft.com/office/drawing/2014/main" id="{4E36FDEF-1A2E-43F8-B2F9-AE8D6BC66230}"/>
+                <a16:creationId xmlns:a16="http://schemas.microsoft.com/office/drawing/2014/main" xmlns="" id="{4E36FDEF-1A2E-43F8-B2F9-AE8D6BC66230}"/>
               </a:ext>
             </a:extLst>
           </p:cNvPr>
@@ -4428,7 +4465,7 @@
           <p:cNvPr id="5" name="Content Placeholder 4" descr="Chart, scatter chart&#10;&#10;Description automatically generated">
             <a:extLst>
               <a:ext uri="{FF2B5EF4-FFF2-40B4-BE49-F238E27FC236}">
-                <a16:creationId xmlns:a16="http://schemas.microsoft.com/office/drawing/2014/main" id="{5AA06DFA-BF61-4BB6-A324-A6FD41857D1E}"/>
+                <a16:creationId xmlns:a16="http://schemas.microsoft.com/office/drawing/2014/main" xmlns="" id="{5AA06DFA-BF61-4BB6-A324-A6FD41857D1E}"/>
               </a:ext>
             </a:extLst>
           </p:cNvPr>
@@ -4487,7 +4524,7 @@
           <p:cNvPr id="2" name="Title 1">
             <a:extLst>
               <a:ext uri="{FF2B5EF4-FFF2-40B4-BE49-F238E27FC236}">
-                <a16:creationId xmlns:a16="http://schemas.microsoft.com/office/drawing/2014/main" id="{4C3FC6BC-342A-4047-A04D-4F7B83D3AE91}"/>
+                <a16:creationId xmlns:a16="http://schemas.microsoft.com/office/drawing/2014/main" xmlns="" id="{4C3FC6BC-342A-4047-A04D-4F7B83D3AE91}"/>
               </a:ext>
             </a:extLst>
           </p:cNvPr>
@@ -4510,97 +4547,30 @@
           </a:p>
         </p:txBody>
       </p:sp>
-      <p:sp>
-        <p:nvSpPr>
-          <p:cNvPr id="3" name="Content Placeholder 2">
-            <a:extLst>
-              <a:ext uri="{FF2B5EF4-FFF2-40B4-BE49-F238E27FC236}">
-                <a16:creationId xmlns:a16="http://schemas.microsoft.com/office/drawing/2014/main" id="{F7AB5729-20A0-CE41-90C7-E54C52E25CA4}"/>
-              </a:ext>
-            </a:extLst>
-          </p:cNvPr>
-          <p:cNvSpPr>
-            <a:spLocks noGrp="1"/>
-          </p:cNvSpPr>
-          <p:nvPr>
-            <p:ph idx="1"/>
-          </p:nvPr>
-        </p:nvSpPr>
-        <p:spPr/>
-        <p:txBody>
-          <a:bodyPr/>
-          <a:lstStyle/>
-          <a:p>
-            <a:r>
-              <a:rPr lang="en-US" dirty="0"/>
-              <a:t>[Summarize using graphs, summary statistics the data set.</a:t>
-            </a:r>
-          </a:p>
-          <a:p>
-            <a:endParaRPr lang="en-US" dirty="0"/>
-          </a:p>
-          <a:p>
-            <a:endParaRPr lang="en-US" dirty="0"/>
-          </a:p>
-          <a:p>
-            <a:endParaRPr lang="en-US" dirty="0"/>
-          </a:p>
-        </p:txBody>
-      </p:sp>
       <p:pic>
         <p:nvPicPr>
-          <p:cNvPr id="4" name="Picture 3"/>
+          <p:cNvPr id="6" name="Picture 5" descr="Chart, bar chart&#10;&#10;Description automatically generated">
+            <a:extLst>
+              <a:ext uri="{FF2B5EF4-FFF2-40B4-BE49-F238E27FC236}">
+                <a16:creationId xmlns:a16="http://schemas.microsoft.com/office/drawing/2014/main" xmlns="" id="{497421EB-63F7-49FA-994C-89C84C8C32B1}"/>
+              </a:ext>
+            </a:extLst>
+          </p:cNvPr>
           <p:cNvPicPr>
             <a:picLocks noChangeAspect="1"/>
           </p:cNvPicPr>
           <p:nvPr/>
         </p:nvPicPr>
         <p:blipFill>
-          <a:blip r:embed="rId2">
-            <a:extLst>
-              <a:ext uri="{28A0092B-C50C-407E-A947-70E740481C1C}">
-                <a14:useLocalDpi xmlns:a14="http://schemas.microsoft.com/office/drawing/2010/main" val="0"/>
-              </a:ext>
-            </a:extLst>
-          </a:blip>
+          <a:blip r:embed="rId2"/>
           <a:stretch>
             <a:fillRect/>
           </a:stretch>
         </p:blipFill>
         <p:spPr>
           <a:xfrm>
-            <a:off x="5364284" y="2746968"/>
-            <a:ext cx="6616700" cy="4083050"/>
-          </a:xfrm>
-          <a:prstGeom prst="rect">
-            <a:avLst/>
-          </a:prstGeom>
-        </p:spPr>
-      </p:pic>
-      <p:pic>
-        <p:nvPicPr>
-          <p:cNvPr id="6" name="Picture 5" descr="Chart, bar chart&#10;&#10;Description automatically generated">
-            <a:extLst>
-              <a:ext uri="{FF2B5EF4-FFF2-40B4-BE49-F238E27FC236}">
-                <a16:creationId xmlns:a16="http://schemas.microsoft.com/office/drawing/2014/main" id="{497421EB-63F7-49FA-994C-89C84C8C32B1}"/>
-              </a:ext>
-            </a:extLst>
-          </p:cNvPr>
-          <p:cNvPicPr>
-            <a:picLocks noChangeAspect="1"/>
-          </p:cNvPicPr>
-          <p:nvPr/>
-        </p:nvPicPr>
-        <p:blipFill>
-          <a:blip r:embed="rId3"/>
-          <a:stretch>
-            <a:fillRect/>
-          </a:stretch>
-        </p:blipFill>
-        <p:spPr>
-          <a:xfrm>
-            <a:off x="0" y="2499561"/>
-            <a:ext cx="5575300" cy="4181475"/>
+            <a:off x="2964043" y="1563366"/>
+            <a:ext cx="6263913" cy="4697935"/>
           </a:xfrm>
           <a:prstGeom prst="rect">
             <a:avLst/>
@@ -4642,7 +4612,7 @@
           <p:cNvPr id="2" name="Title 1">
             <a:extLst>
               <a:ext uri="{FF2B5EF4-FFF2-40B4-BE49-F238E27FC236}">
-                <a16:creationId xmlns:a16="http://schemas.microsoft.com/office/drawing/2014/main" id="{37E30354-D520-4520-BBC2-F3DE8F6C8636}"/>
+                <a16:creationId xmlns:a16="http://schemas.microsoft.com/office/drawing/2014/main" xmlns="" id="{37E30354-D520-4520-BBC2-F3DE8F6C8636}"/>
               </a:ext>
             </a:extLst>
           </p:cNvPr>
@@ -4670,7 +4640,7 @@
           <p:cNvPr id="3" name="Content Placeholder 2">
             <a:extLst>
               <a:ext uri="{FF2B5EF4-FFF2-40B4-BE49-F238E27FC236}">
-                <a16:creationId xmlns:a16="http://schemas.microsoft.com/office/drawing/2014/main" id="{57D77B8A-6561-447A-B31D-F0156869F57A}"/>
+                <a16:creationId xmlns:a16="http://schemas.microsoft.com/office/drawing/2014/main" xmlns="" id="{57D77B8A-6561-447A-B31D-F0156869F57A}"/>
               </a:ext>
             </a:extLst>
           </p:cNvPr>
@@ -4708,8 +4678,19 @@
           <a:p>
             <a:r>
               <a:rPr lang="en-US" dirty="0"/>
-              <a:t>First category is considered 0 and each group afterward is a binary number</a:t>
-            </a:r>
+              <a:t>First category is considered 0 and each group afterward is a binary </a:t>
+            </a:r>
+            <a:r>
+              <a:rPr lang="en-US" dirty="0" smtClean="0"/>
+              <a:t>number</a:t>
+            </a:r>
+          </a:p>
+          <a:p>
+            <a:r>
+              <a:rPr lang="en-US" dirty="0" smtClean="0"/>
+              <a:t>Important for interpreting the intercept of the regression model</a:t>
+            </a:r>
+            <a:endParaRPr lang="en-US" dirty="0"/>
           </a:p>
           <a:p>
             <a:r>
@@ -4727,7 +4708,7 @@
           <p:cNvPr id="4" name="Table 4">
             <a:extLst>
               <a:ext uri="{FF2B5EF4-FFF2-40B4-BE49-F238E27FC236}">
-                <a16:creationId xmlns:a16="http://schemas.microsoft.com/office/drawing/2014/main" id="{153666BD-1352-4735-A57F-788E38798904}"/>
+                <a16:creationId xmlns:a16="http://schemas.microsoft.com/office/drawing/2014/main" xmlns="" id="{153666BD-1352-4735-A57F-788E38798904}"/>
               </a:ext>
             </a:extLst>
           </p:cNvPr>
@@ -4737,13 +4718,13 @@
           <p:nvPr>
             <p:extLst>
               <p:ext uri="{D42A27DB-BD31-4B8C-83A1-F6EECF244321}">
-                <p14:modId xmlns:p14="http://schemas.microsoft.com/office/powerpoint/2010/main" val="3745152489"/>
+                <p14:modId xmlns:p14="http://schemas.microsoft.com/office/powerpoint/2010/main" val="4567609"/>
               </p:ext>
             </p:extLst>
           </p:nvPr>
         </p:nvGraphicFramePr>
         <p:xfrm>
-          <a:off x="1759284" y="4322763"/>
+          <a:off x="1736134" y="4828540"/>
           <a:ext cx="8128000" cy="1483360"/>
         </p:xfrm>
         <a:graphic>
@@ -4756,28 +4737,28 @@
                 <a:gridCol w="2032000">
                   <a:extLst>
                     <a:ext uri="{9D8B030D-6E8A-4147-A177-3AD203B41FA5}">
-                      <a16:colId xmlns:a16="http://schemas.microsoft.com/office/drawing/2014/main" val="2973050712"/>
+                      <a16:colId xmlns:a16="http://schemas.microsoft.com/office/drawing/2014/main" xmlns="" val="2973050712"/>
                     </a:ext>
                   </a:extLst>
                 </a:gridCol>
                 <a:gridCol w="2032000">
                   <a:extLst>
                     <a:ext uri="{9D8B030D-6E8A-4147-A177-3AD203B41FA5}">
-                      <a16:colId xmlns:a16="http://schemas.microsoft.com/office/drawing/2014/main" val="2937897425"/>
+                      <a16:colId xmlns:a16="http://schemas.microsoft.com/office/drawing/2014/main" xmlns="" val="2937897425"/>
                     </a:ext>
                   </a:extLst>
                 </a:gridCol>
                 <a:gridCol w="2032000">
                   <a:extLst>
                     <a:ext uri="{9D8B030D-6E8A-4147-A177-3AD203B41FA5}">
-                      <a16:colId xmlns:a16="http://schemas.microsoft.com/office/drawing/2014/main" val="3294600292"/>
+                      <a16:colId xmlns:a16="http://schemas.microsoft.com/office/drawing/2014/main" xmlns="" val="3294600292"/>
                     </a:ext>
                   </a:extLst>
                 </a:gridCol>
                 <a:gridCol w="2032000">
                   <a:extLst>
                     <a:ext uri="{9D8B030D-6E8A-4147-A177-3AD203B41FA5}">
-                      <a16:colId xmlns:a16="http://schemas.microsoft.com/office/drawing/2014/main" val="2698831798"/>
+                      <a16:colId xmlns:a16="http://schemas.microsoft.com/office/drawing/2014/main" xmlns="" val="2698831798"/>
                     </a:ext>
                   </a:extLst>
                 </a:gridCol>
@@ -4841,7 +4822,7 @@
                 </a:tc>
                 <a:extLst>
                   <a:ext uri="{0D108BD9-81ED-4DB2-BD59-A6C34878D82A}">
-                    <a16:rowId xmlns:a16="http://schemas.microsoft.com/office/drawing/2014/main" val="641596946"/>
+                    <a16:rowId xmlns:a16="http://schemas.microsoft.com/office/drawing/2014/main" xmlns="" val="641596946"/>
                   </a:ext>
                 </a:extLst>
               </a:tr>
@@ -4904,7 +4885,7 @@
                 </a:tc>
                 <a:extLst>
                   <a:ext uri="{0D108BD9-81ED-4DB2-BD59-A6C34878D82A}">
-                    <a16:rowId xmlns:a16="http://schemas.microsoft.com/office/drawing/2014/main" val="388982692"/>
+                    <a16:rowId xmlns:a16="http://schemas.microsoft.com/office/drawing/2014/main" xmlns="" val="388982692"/>
                   </a:ext>
                 </a:extLst>
               </a:tr>
@@ -4967,7 +4948,7 @@
                 </a:tc>
                 <a:extLst>
                   <a:ext uri="{0D108BD9-81ED-4DB2-BD59-A6C34878D82A}">
-                    <a16:rowId xmlns:a16="http://schemas.microsoft.com/office/drawing/2014/main" val="998384457"/>
+                    <a16:rowId xmlns:a16="http://schemas.microsoft.com/office/drawing/2014/main" xmlns="" val="998384457"/>
                   </a:ext>
                 </a:extLst>
               </a:tr>
@@ -5030,7 +5011,7 @@
                 </a:tc>
                 <a:extLst>
                   <a:ext uri="{0D108BD9-81ED-4DB2-BD59-A6C34878D82A}">
-                    <a16:rowId xmlns:a16="http://schemas.microsoft.com/office/drawing/2014/main" val="3353710939"/>
+                    <a16:rowId xmlns:a16="http://schemas.microsoft.com/office/drawing/2014/main" xmlns="" val="3353710939"/>
                   </a:ext>
                 </a:extLst>
               </a:tr>
@@ -5073,7 +5054,7 @@
           <p:cNvPr id="2" name="Title 1">
             <a:extLst>
               <a:ext uri="{FF2B5EF4-FFF2-40B4-BE49-F238E27FC236}">
-                <a16:creationId xmlns:a16="http://schemas.microsoft.com/office/drawing/2014/main" id="{22E3B65E-74FD-B447-945F-BFB66A76D2E9}"/>
+                <a16:creationId xmlns:a16="http://schemas.microsoft.com/office/drawing/2014/main" xmlns="" id="{22E3B65E-74FD-B447-945F-BFB66A76D2E9}"/>
               </a:ext>
             </a:extLst>
           </p:cNvPr>
@@ -5101,7 +5082,7 @@
           <p:cNvPr id="3" name="Content Placeholder 2">
             <a:extLst>
               <a:ext uri="{FF2B5EF4-FFF2-40B4-BE49-F238E27FC236}">
-                <a16:creationId xmlns:a16="http://schemas.microsoft.com/office/drawing/2014/main" id="{FA63DA9B-E511-3340-97CE-5FDE95206E81}"/>
+                <a16:creationId xmlns:a16="http://schemas.microsoft.com/office/drawing/2014/main" xmlns="" id="{FA63DA9B-E511-3340-97CE-5FDE95206E81}"/>
               </a:ext>
             </a:extLst>
           </p:cNvPr>
@@ -5118,14 +5099,12 @@
           <a:lstStyle/>
           <a:p>
             <a:r>
+              <a:rPr lang="en-US" dirty="0" smtClean="0"/>
+              <a:t>All </a:t>
+            </a:r>
+            <a:r>
               <a:rPr lang="en-US" dirty="0"/>
-              <a:t>[please elaborate on any observation that were consider outliers. Please describe method used to arrive to that conclusion]</a:t>
-            </a:r>
-          </a:p>
-          <a:p>
-            <a:r>
-              <a:rPr lang="en-US" dirty="0"/>
-              <a:t>All categorical variables box plotted against continuous variables</a:t>
+              <a:t>categorical variables box plotted against continuous variables</a:t>
             </a:r>
           </a:p>
           <a:p>
@@ -5137,7 +5116,18 @@
           <a:p>
             <a:r>
               <a:rPr lang="en-US" dirty="0"/>
-              <a:t>Values that showed up more than once deemed an outlier</a:t>
+              <a:t>Values that showed up more than once deemed an </a:t>
+            </a:r>
+            <a:r>
+              <a:rPr lang="en-US" dirty="0" smtClean="0"/>
+              <a:t>outlier</a:t>
+            </a:r>
+          </a:p>
+          <a:p>
+            <a:pPr lvl="1"/>
+            <a:r>
+              <a:rPr lang="en-US" dirty="0" smtClean="0"/>
+              <a:t>23 observations deemed as outliers</a:t>
             </a:r>
           </a:p>
         </p:txBody>
@@ -5185,7 +5175,7 @@
           <p:cNvPr id="4" name="Content Placeholder 3" descr="Chart, box and whisker chart&#10;&#10;Description automatically generated">
             <a:extLst>
               <a:ext uri="{FF2B5EF4-FFF2-40B4-BE49-F238E27FC236}">
-                <a16:creationId xmlns:a16="http://schemas.microsoft.com/office/drawing/2014/main" id="{E3D53FED-0F17-49C0-A1CB-3F069D483FAC}"/>
+                <a16:creationId xmlns:a16="http://schemas.microsoft.com/office/drawing/2014/main" xmlns="" id="{E3D53FED-0F17-49C0-A1CB-3F069D483FAC}"/>
               </a:ext>
             </a:extLst>
           </p:cNvPr>
@@ -5253,7 +5243,7 @@
           <p:cNvPr id="2" name="Title 1">
             <a:extLst>
               <a:ext uri="{FF2B5EF4-FFF2-40B4-BE49-F238E27FC236}">
-                <a16:creationId xmlns:a16="http://schemas.microsoft.com/office/drawing/2014/main" id="{81ACD202-4D2E-44B9-9A24-5176F8CBE354}"/>
+                <a16:creationId xmlns:a16="http://schemas.microsoft.com/office/drawing/2014/main" xmlns="" id="{81ACD202-4D2E-44B9-9A24-5176F8CBE354}"/>
               </a:ext>
             </a:extLst>
           </p:cNvPr>
@@ -5281,7 +5271,7 @@
           <p:cNvPr id="3" name="Content Placeholder 2">
             <a:extLst>
               <a:ext uri="{FF2B5EF4-FFF2-40B4-BE49-F238E27FC236}">
-                <a16:creationId xmlns:a16="http://schemas.microsoft.com/office/drawing/2014/main" id="{AF67E41A-86F0-4171-AF59-B8112F710DA5}"/>
+                <a16:creationId xmlns:a16="http://schemas.microsoft.com/office/drawing/2014/main" xmlns="" id="{AF67E41A-86F0-4171-AF59-B8112F710DA5}"/>
               </a:ext>
             </a:extLst>
           </p:cNvPr>
@@ -5305,8 +5295,27 @@
           <a:p>
             <a:r>
               <a:rPr lang="en-US" dirty="0"/>
-              <a:t>Only for continuous variables</a:t>
-            </a:r>
+              <a:t>Only for continuous </a:t>
+            </a:r>
+            <a:r>
+              <a:rPr lang="en-US" dirty="0" smtClean="0"/>
+              <a:t>variables</a:t>
+            </a:r>
+          </a:p>
+          <a:p>
+            <a:r>
+              <a:rPr lang="en-US" dirty="0" smtClean="0"/>
+              <a:t>Needed in order to be in form that is </a:t>
+            </a:r>
+            <a:r>
+              <a:rPr lang="en-US" dirty="0" err="1" smtClean="0"/>
+              <a:t>interpable</a:t>
+            </a:r>
+            <a:r>
+              <a:rPr lang="en-US" dirty="0" smtClean="0"/>
+              <a:t> for a linear regression model</a:t>
+            </a:r>
+            <a:endParaRPr lang="en-US" dirty="0"/>
           </a:p>
           <a:p>
             <a:endParaRPr lang="en-US" dirty="0"/>

--- a/Mid_Semester_Pres.pptx
+++ b/Mid_Semester_Pres.pptx
@@ -148,7 +148,7 @@
           <p:cNvPr id="2" name="Title 1">
             <a:extLst>
               <a:ext uri="{FF2B5EF4-FFF2-40B4-BE49-F238E27FC236}">
-                <a16:creationId xmlns:a16="http://schemas.microsoft.com/office/drawing/2014/main" xmlns="" id="{24813C38-6780-394D-B0D7-5CB9333C04B7}"/>
+                <a16:creationId xmlns="" xmlns:a16="http://schemas.microsoft.com/office/drawing/2014/main" id="{24813C38-6780-394D-B0D7-5CB9333C04B7}"/>
               </a:ext>
             </a:extLst>
           </p:cNvPr>
@@ -185,7 +185,7 @@
           <p:cNvPr id="3" name="Subtitle 2">
             <a:extLst>
               <a:ext uri="{FF2B5EF4-FFF2-40B4-BE49-F238E27FC236}">
-                <a16:creationId xmlns:a16="http://schemas.microsoft.com/office/drawing/2014/main" xmlns="" id="{028DAFC7-6381-B94E-9C1D-B4086C7FDC27}"/>
+                <a16:creationId xmlns="" xmlns:a16="http://schemas.microsoft.com/office/drawing/2014/main" id="{028DAFC7-6381-B94E-9C1D-B4086C7FDC27}"/>
               </a:ext>
             </a:extLst>
           </p:cNvPr>
@@ -255,7 +255,7 @@
           <p:cNvPr id="4" name="Date Placeholder 3">
             <a:extLst>
               <a:ext uri="{FF2B5EF4-FFF2-40B4-BE49-F238E27FC236}">
-                <a16:creationId xmlns:a16="http://schemas.microsoft.com/office/drawing/2014/main" xmlns="" id="{0C794904-F6A9-4B40-A5B4-AE1F825AB3CA}"/>
+                <a16:creationId xmlns="" xmlns:a16="http://schemas.microsoft.com/office/drawing/2014/main" id="{0C794904-F6A9-4B40-A5B4-AE1F825AB3CA}"/>
               </a:ext>
             </a:extLst>
           </p:cNvPr>
@@ -273,7 +273,7 @@
           <a:p>
             <a:fld id="{45F5DF8E-F4B8-D441-8FFB-59F600C03B7F}" type="datetimeFigureOut">
               <a:rPr lang="en-US" smtClean="0"/>
-              <a:t>3/20/22</a:t>
+              <a:t>3/21/22</a:t>
             </a:fld>
             <a:endParaRPr lang="en-US"/>
           </a:p>
@@ -284,7 +284,7 @@
           <p:cNvPr id="5" name="Footer Placeholder 4">
             <a:extLst>
               <a:ext uri="{FF2B5EF4-FFF2-40B4-BE49-F238E27FC236}">
-                <a16:creationId xmlns:a16="http://schemas.microsoft.com/office/drawing/2014/main" xmlns="" id="{D7F3CEBD-6753-7F45-89AF-483FD194E40E}"/>
+                <a16:creationId xmlns="" xmlns:a16="http://schemas.microsoft.com/office/drawing/2014/main" id="{D7F3CEBD-6753-7F45-89AF-483FD194E40E}"/>
               </a:ext>
             </a:extLst>
           </p:cNvPr>
@@ -309,7 +309,7 @@
           <p:cNvPr id="6" name="Slide Number Placeholder 5">
             <a:extLst>
               <a:ext uri="{FF2B5EF4-FFF2-40B4-BE49-F238E27FC236}">
-                <a16:creationId xmlns:a16="http://schemas.microsoft.com/office/drawing/2014/main" xmlns="" id="{D314E6EC-E184-8F49-83B3-9A67246F7571}"/>
+                <a16:creationId xmlns="" xmlns:a16="http://schemas.microsoft.com/office/drawing/2014/main" id="{D314E6EC-E184-8F49-83B3-9A67246F7571}"/>
               </a:ext>
             </a:extLst>
           </p:cNvPr>
@@ -368,7 +368,7 @@
           <p:cNvPr id="2" name="Title 1">
             <a:extLst>
               <a:ext uri="{FF2B5EF4-FFF2-40B4-BE49-F238E27FC236}">
-                <a16:creationId xmlns:a16="http://schemas.microsoft.com/office/drawing/2014/main" xmlns="" id="{39036396-E03F-3940-871A-6EECAAAD69F1}"/>
+                <a16:creationId xmlns="" xmlns:a16="http://schemas.microsoft.com/office/drawing/2014/main" id="{39036396-E03F-3940-871A-6EECAAAD69F1}"/>
               </a:ext>
             </a:extLst>
           </p:cNvPr>
@@ -396,7 +396,7 @@
           <p:cNvPr id="3" name="Vertical Text Placeholder 2">
             <a:extLst>
               <a:ext uri="{FF2B5EF4-FFF2-40B4-BE49-F238E27FC236}">
-                <a16:creationId xmlns:a16="http://schemas.microsoft.com/office/drawing/2014/main" xmlns="" id="{6F748323-3EE6-844E-96CE-76F8C28254E1}"/>
+                <a16:creationId xmlns="" xmlns:a16="http://schemas.microsoft.com/office/drawing/2014/main" id="{6F748323-3EE6-844E-96CE-76F8C28254E1}"/>
               </a:ext>
             </a:extLst>
           </p:cNvPr>
@@ -453,7 +453,7 @@
           <p:cNvPr id="4" name="Date Placeholder 3">
             <a:extLst>
               <a:ext uri="{FF2B5EF4-FFF2-40B4-BE49-F238E27FC236}">
-                <a16:creationId xmlns:a16="http://schemas.microsoft.com/office/drawing/2014/main" xmlns="" id="{3B80DCBD-874F-F742-9556-D2090DE03C00}"/>
+                <a16:creationId xmlns="" xmlns:a16="http://schemas.microsoft.com/office/drawing/2014/main" id="{3B80DCBD-874F-F742-9556-D2090DE03C00}"/>
               </a:ext>
             </a:extLst>
           </p:cNvPr>
@@ -471,7 +471,7 @@
           <a:p>
             <a:fld id="{45F5DF8E-F4B8-D441-8FFB-59F600C03B7F}" type="datetimeFigureOut">
               <a:rPr lang="en-US" smtClean="0"/>
-              <a:t>3/20/22</a:t>
+              <a:t>3/21/22</a:t>
             </a:fld>
             <a:endParaRPr lang="en-US"/>
           </a:p>
@@ -482,7 +482,7 @@
           <p:cNvPr id="5" name="Footer Placeholder 4">
             <a:extLst>
               <a:ext uri="{FF2B5EF4-FFF2-40B4-BE49-F238E27FC236}">
-                <a16:creationId xmlns:a16="http://schemas.microsoft.com/office/drawing/2014/main" xmlns="" id="{0B9534DF-45B0-4941-BE80-F3023F8BA678}"/>
+                <a16:creationId xmlns="" xmlns:a16="http://schemas.microsoft.com/office/drawing/2014/main" id="{0B9534DF-45B0-4941-BE80-F3023F8BA678}"/>
               </a:ext>
             </a:extLst>
           </p:cNvPr>
@@ -507,7 +507,7 @@
           <p:cNvPr id="6" name="Slide Number Placeholder 5">
             <a:extLst>
               <a:ext uri="{FF2B5EF4-FFF2-40B4-BE49-F238E27FC236}">
-                <a16:creationId xmlns:a16="http://schemas.microsoft.com/office/drawing/2014/main" xmlns="" id="{FB6A1C1B-C76C-AF45-9B24-86FBBE5A242D}"/>
+                <a16:creationId xmlns="" xmlns:a16="http://schemas.microsoft.com/office/drawing/2014/main" id="{FB6A1C1B-C76C-AF45-9B24-86FBBE5A242D}"/>
               </a:ext>
             </a:extLst>
           </p:cNvPr>
@@ -566,7 +566,7 @@
           <p:cNvPr id="2" name="Vertical Title 1">
             <a:extLst>
               <a:ext uri="{FF2B5EF4-FFF2-40B4-BE49-F238E27FC236}">
-                <a16:creationId xmlns:a16="http://schemas.microsoft.com/office/drawing/2014/main" xmlns="" id="{8846BBD8-61E8-2B4C-BEEF-9C26733211BC}"/>
+                <a16:creationId xmlns="" xmlns:a16="http://schemas.microsoft.com/office/drawing/2014/main" id="{8846BBD8-61E8-2B4C-BEEF-9C26733211BC}"/>
               </a:ext>
             </a:extLst>
           </p:cNvPr>
@@ -599,7 +599,7 @@
           <p:cNvPr id="3" name="Vertical Text Placeholder 2">
             <a:extLst>
               <a:ext uri="{FF2B5EF4-FFF2-40B4-BE49-F238E27FC236}">
-                <a16:creationId xmlns:a16="http://schemas.microsoft.com/office/drawing/2014/main" xmlns="" id="{2C80CFEE-74DE-694F-846D-3D5E66967662}"/>
+                <a16:creationId xmlns="" xmlns:a16="http://schemas.microsoft.com/office/drawing/2014/main" id="{2C80CFEE-74DE-694F-846D-3D5E66967662}"/>
               </a:ext>
             </a:extLst>
           </p:cNvPr>
@@ -661,7 +661,7 @@
           <p:cNvPr id="4" name="Date Placeholder 3">
             <a:extLst>
               <a:ext uri="{FF2B5EF4-FFF2-40B4-BE49-F238E27FC236}">
-                <a16:creationId xmlns:a16="http://schemas.microsoft.com/office/drawing/2014/main" xmlns="" id="{DFCEC5A0-E549-A846-BA27-582B5B438227}"/>
+                <a16:creationId xmlns="" xmlns:a16="http://schemas.microsoft.com/office/drawing/2014/main" id="{DFCEC5A0-E549-A846-BA27-582B5B438227}"/>
               </a:ext>
             </a:extLst>
           </p:cNvPr>
@@ -679,7 +679,7 @@
           <a:p>
             <a:fld id="{45F5DF8E-F4B8-D441-8FFB-59F600C03B7F}" type="datetimeFigureOut">
               <a:rPr lang="en-US" smtClean="0"/>
-              <a:t>3/20/22</a:t>
+              <a:t>3/21/22</a:t>
             </a:fld>
             <a:endParaRPr lang="en-US"/>
           </a:p>
@@ -690,7 +690,7 @@
           <p:cNvPr id="5" name="Footer Placeholder 4">
             <a:extLst>
               <a:ext uri="{FF2B5EF4-FFF2-40B4-BE49-F238E27FC236}">
-                <a16:creationId xmlns:a16="http://schemas.microsoft.com/office/drawing/2014/main" xmlns="" id="{F2759457-716A-274D-8259-60A9685ECC74}"/>
+                <a16:creationId xmlns="" xmlns:a16="http://schemas.microsoft.com/office/drawing/2014/main" id="{F2759457-716A-274D-8259-60A9685ECC74}"/>
               </a:ext>
             </a:extLst>
           </p:cNvPr>
@@ -715,7 +715,7 @@
           <p:cNvPr id="6" name="Slide Number Placeholder 5">
             <a:extLst>
               <a:ext uri="{FF2B5EF4-FFF2-40B4-BE49-F238E27FC236}">
-                <a16:creationId xmlns:a16="http://schemas.microsoft.com/office/drawing/2014/main" xmlns="" id="{4DA1D426-3F87-B746-A1B7-D86C89BEEF2F}"/>
+                <a16:creationId xmlns="" xmlns:a16="http://schemas.microsoft.com/office/drawing/2014/main" id="{4DA1D426-3F87-B746-A1B7-D86C89BEEF2F}"/>
               </a:ext>
             </a:extLst>
           </p:cNvPr>
@@ -774,7 +774,7 @@
           <p:cNvPr id="2" name="Title 1">
             <a:extLst>
               <a:ext uri="{FF2B5EF4-FFF2-40B4-BE49-F238E27FC236}">
-                <a16:creationId xmlns:a16="http://schemas.microsoft.com/office/drawing/2014/main" xmlns="" id="{58A18CFA-D9FE-B24B-9769-996B3E98496E}"/>
+                <a16:creationId xmlns="" xmlns:a16="http://schemas.microsoft.com/office/drawing/2014/main" id="{58A18CFA-D9FE-B24B-9769-996B3E98496E}"/>
               </a:ext>
             </a:extLst>
           </p:cNvPr>
@@ -802,7 +802,7 @@
           <p:cNvPr id="3" name="Content Placeholder 2">
             <a:extLst>
               <a:ext uri="{FF2B5EF4-FFF2-40B4-BE49-F238E27FC236}">
-                <a16:creationId xmlns:a16="http://schemas.microsoft.com/office/drawing/2014/main" xmlns="" id="{081FB8E3-1516-BC47-BD18-FC17BC338D83}"/>
+                <a16:creationId xmlns="" xmlns:a16="http://schemas.microsoft.com/office/drawing/2014/main" id="{081FB8E3-1516-BC47-BD18-FC17BC338D83}"/>
               </a:ext>
             </a:extLst>
           </p:cNvPr>
@@ -859,7 +859,7 @@
           <p:cNvPr id="4" name="Date Placeholder 3">
             <a:extLst>
               <a:ext uri="{FF2B5EF4-FFF2-40B4-BE49-F238E27FC236}">
-                <a16:creationId xmlns:a16="http://schemas.microsoft.com/office/drawing/2014/main" xmlns="" id="{7A5745AE-806B-334C-A2F8-71DD63CA7495}"/>
+                <a16:creationId xmlns="" xmlns:a16="http://schemas.microsoft.com/office/drawing/2014/main" id="{7A5745AE-806B-334C-A2F8-71DD63CA7495}"/>
               </a:ext>
             </a:extLst>
           </p:cNvPr>
@@ -877,7 +877,7 @@
           <a:p>
             <a:fld id="{45F5DF8E-F4B8-D441-8FFB-59F600C03B7F}" type="datetimeFigureOut">
               <a:rPr lang="en-US" smtClean="0"/>
-              <a:t>3/20/22</a:t>
+              <a:t>3/21/22</a:t>
             </a:fld>
             <a:endParaRPr lang="en-US"/>
           </a:p>
@@ -888,7 +888,7 @@
           <p:cNvPr id="5" name="Footer Placeholder 4">
             <a:extLst>
               <a:ext uri="{FF2B5EF4-FFF2-40B4-BE49-F238E27FC236}">
-                <a16:creationId xmlns:a16="http://schemas.microsoft.com/office/drawing/2014/main" xmlns="" id="{BA483F14-3D01-6941-972A-7F7ABC43B009}"/>
+                <a16:creationId xmlns="" xmlns:a16="http://schemas.microsoft.com/office/drawing/2014/main" id="{BA483F14-3D01-6941-972A-7F7ABC43B009}"/>
               </a:ext>
             </a:extLst>
           </p:cNvPr>
@@ -913,7 +913,7 @@
           <p:cNvPr id="6" name="Slide Number Placeholder 5">
             <a:extLst>
               <a:ext uri="{FF2B5EF4-FFF2-40B4-BE49-F238E27FC236}">
-                <a16:creationId xmlns:a16="http://schemas.microsoft.com/office/drawing/2014/main" xmlns="" id="{75624641-F809-E043-9D83-49E001FD45C5}"/>
+                <a16:creationId xmlns="" xmlns:a16="http://schemas.microsoft.com/office/drawing/2014/main" id="{75624641-F809-E043-9D83-49E001FD45C5}"/>
               </a:ext>
             </a:extLst>
           </p:cNvPr>
@@ -972,7 +972,7 @@
           <p:cNvPr id="2" name="Title 1">
             <a:extLst>
               <a:ext uri="{FF2B5EF4-FFF2-40B4-BE49-F238E27FC236}">
-                <a16:creationId xmlns:a16="http://schemas.microsoft.com/office/drawing/2014/main" xmlns="" id="{C0E98CF8-EB42-1A4E-B34A-BC2C37DB5654}"/>
+                <a16:creationId xmlns="" xmlns:a16="http://schemas.microsoft.com/office/drawing/2014/main" id="{C0E98CF8-EB42-1A4E-B34A-BC2C37DB5654}"/>
               </a:ext>
             </a:extLst>
           </p:cNvPr>
@@ -1009,7 +1009,7 @@
           <p:cNvPr id="3" name="Text Placeholder 2">
             <a:extLst>
               <a:ext uri="{FF2B5EF4-FFF2-40B4-BE49-F238E27FC236}">
-                <a16:creationId xmlns:a16="http://schemas.microsoft.com/office/drawing/2014/main" xmlns="" id="{0755F6C4-4B3C-C64A-A0E8-422A7C1ACABB}"/>
+                <a16:creationId xmlns="" xmlns:a16="http://schemas.microsoft.com/office/drawing/2014/main" id="{0755F6C4-4B3C-C64A-A0E8-422A7C1ACABB}"/>
               </a:ext>
             </a:extLst>
           </p:cNvPr>
@@ -1134,7 +1134,7 @@
           <p:cNvPr id="4" name="Date Placeholder 3">
             <a:extLst>
               <a:ext uri="{FF2B5EF4-FFF2-40B4-BE49-F238E27FC236}">
-                <a16:creationId xmlns:a16="http://schemas.microsoft.com/office/drawing/2014/main" xmlns="" id="{A6B6158D-EA13-F74F-AC4D-80E2B453A5A8}"/>
+                <a16:creationId xmlns="" xmlns:a16="http://schemas.microsoft.com/office/drawing/2014/main" id="{A6B6158D-EA13-F74F-AC4D-80E2B453A5A8}"/>
               </a:ext>
             </a:extLst>
           </p:cNvPr>
@@ -1152,7 +1152,7 @@
           <a:p>
             <a:fld id="{45F5DF8E-F4B8-D441-8FFB-59F600C03B7F}" type="datetimeFigureOut">
               <a:rPr lang="en-US" smtClean="0"/>
-              <a:t>3/20/22</a:t>
+              <a:t>3/21/22</a:t>
             </a:fld>
             <a:endParaRPr lang="en-US"/>
           </a:p>
@@ -1163,7 +1163,7 @@
           <p:cNvPr id="5" name="Footer Placeholder 4">
             <a:extLst>
               <a:ext uri="{FF2B5EF4-FFF2-40B4-BE49-F238E27FC236}">
-                <a16:creationId xmlns:a16="http://schemas.microsoft.com/office/drawing/2014/main" xmlns="" id="{0DD3B44F-D53E-6540-8DB3-C188A7A5C9CF}"/>
+                <a16:creationId xmlns="" xmlns:a16="http://schemas.microsoft.com/office/drawing/2014/main" id="{0DD3B44F-D53E-6540-8DB3-C188A7A5C9CF}"/>
               </a:ext>
             </a:extLst>
           </p:cNvPr>
@@ -1188,7 +1188,7 @@
           <p:cNvPr id="6" name="Slide Number Placeholder 5">
             <a:extLst>
               <a:ext uri="{FF2B5EF4-FFF2-40B4-BE49-F238E27FC236}">
-                <a16:creationId xmlns:a16="http://schemas.microsoft.com/office/drawing/2014/main" xmlns="" id="{F171FF0F-EB0C-764C-B053-ADD23560B8AB}"/>
+                <a16:creationId xmlns="" xmlns:a16="http://schemas.microsoft.com/office/drawing/2014/main" id="{F171FF0F-EB0C-764C-B053-ADD23560B8AB}"/>
               </a:ext>
             </a:extLst>
           </p:cNvPr>
@@ -1247,7 +1247,7 @@
           <p:cNvPr id="2" name="Title 1">
             <a:extLst>
               <a:ext uri="{FF2B5EF4-FFF2-40B4-BE49-F238E27FC236}">
-                <a16:creationId xmlns:a16="http://schemas.microsoft.com/office/drawing/2014/main" xmlns="" id="{04EE9806-24A1-0A46-9AB1-E51314677AFF}"/>
+                <a16:creationId xmlns="" xmlns:a16="http://schemas.microsoft.com/office/drawing/2014/main" id="{04EE9806-24A1-0A46-9AB1-E51314677AFF}"/>
               </a:ext>
             </a:extLst>
           </p:cNvPr>
@@ -1275,7 +1275,7 @@
           <p:cNvPr id="3" name="Content Placeholder 2">
             <a:extLst>
               <a:ext uri="{FF2B5EF4-FFF2-40B4-BE49-F238E27FC236}">
-                <a16:creationId xmlns:a16="http://schemas.microsoft.com/office/drawing/2014/main" xmlns="" id="{D09A5A07-85D4-6143-A71A-D0C19F741A11}"/>
+                <a16:creationId xmlns="" xmlns:a16="http://schemas.microsoft.com/office/drawing/2014/main" id="{D09A5A07-85D4-6143-A71A-D0C19F741A11}"/>
               </a:ext>
             </a:extLst>
           </p:cNvPr>
@@ -1337,7 +1337,7 @@
           <p:cNvPr id="4" name="Content Placeholder 3">
             <a:extLst>
               <a:ext uri="{FF2B5EF4-FFF2-40B4-BE49-F238E27FC236}">
-                <a16:creationId xmlns:a16="http://schemas.microsoft.com/office/drawing/2014/main" xmlns="" id="{9A3B2696-E398-8841-9DC1-1E0061A59CF9}"/>
+                <a16:creationId xmlns="" xmlns:a16="http://schemas.microsoft.com/office/drawing/2014/main" id="{9A3B2696-E398-8841-9DC1-1E0061A59CF9}"/>
               </a:ext>
             </a:extLst>
           </p:cNvPr>
@@ -1399,7 +1399,7 @@
           <p:cNvPr id="5" name="Date Placeholder 4">
             <a:extLst>
               <a:ext uri="{FF2B5EF4-FFF2-40B4-BE49-F238E27FC236}">
-                <a16:creationId xmlns:a16="http://schemas.microsoft.com/office/drawing/2014/main" xmlns="" id="{E52BC04B-AE70-D04D-B870-4DDA7352D97B}"/>
+                <a16:creationId xmlns="" xmlns:a16="http://schemas.microsoft.com/office/drawing/2014/main" id="{E52BC04B-AE70-D04D-B870-4DDA7352D97B}"/>
               </a:ext>
             </a:extLst>
           </p:cNvPr>
@@ -1417,7 +1417,7 @@
           <a:p>
             <a:fld id="{45F5DF8E-F4B8-D441-8FFB-59F600C03B7F}" type="datetimeFigureOut">
               <a:rPr lang="en-US" smtClean="0"/>
-              <a:t>3/20/22</a:t>
+              <a:t>3/21/22</a:t>
             </a:fld>
             <a:endParaRPr lang="en-US"/>
           </a:p>
@@ -1428,7 +1428,7 @@
           <p:cNvPr id="6" name="Footer Placeholder 5">
             <a:extLst>
               <a:ext uri="{FF2B5EF4-FFF2-40B4-BE49-F238E27FC236}">
-                <a16:creationId xmlns:a16="http://schemas.microsoft.com/office/drawing/2014/main" xmlns="" id="{45C5A8D9-5C2F-3644-81A8-4090ABF469B1}"/>
+                <a16:creationId xmlns="" xmlns:a16="http://schemas.microsoft.com/office/drawing/2014/main" id="{45C5A8D9-5C2F-3644-81A8-4090ABF469B1}"/>
               </a:ext>
             </a:extLst>
           </p:cNvPr>
@@ -1453,7 +1453,7 @@
           <p:cNvPr id="7" name="Slide Number Placeholder 6">
             <a:extLst>
               <a:ext uri="{FF2B5EF4-FFF2-40B4-BE49-F238E27FC236}">
-                <a16:creationId xmlns:a16="http://schemas.microsoft.com/office/drawing/2014/main" xmlns="" id="{028C3890-FDF5-044B-91D0-5B5E035BB575}"/>
+                <a16:creationId xmlns="" xmlns:a16="http://schemas.microsoft.com/office/drawing/2014/main" id="{028C3890-FDF5-044B-91D0-5B5E035BB575}"/>
               </a:ext>
             </a:extLst>
           </p:cNvPr>
@@ -1512,7 +1512,7 @@
           <p:cNvPr id="2" name="Title 1">
             <a:extLst>
               <a:ext uri="{FF2B5EF4-FFF2-40B4-BE49-F238E27FC236}">
-                <a16:creationId xmlns:a16="http://schemas.microsoft.com/office/drawing/2014/main" xmlns="" id="{4A55EB84-E70A-F048-8C65-BC0791EFB15C}"/>
+                <a16:creationId xmlns="" xmlns:a16="http://schemas.microsoft.com/office/drawing/2014/main" id="{4A55EB84-E70A-F048-8C65-BC0791EFB15C}"/>
               </a:ext>
             </a:extLst>
           </p:cNvPr>
@@ -1545,7 +1545,7 @@
           <p:cNvPr id="3" name="Text Placeholder 2">
             <a:extLst>
               <a:ext uri="{FF2B5EF4-FFF2-40B4-BE49-F238E27FC236}">
-                <a16:creationId xmlns:a16="http://schemas.microsoft.com/office/drawing/2014/main" xmlns="" id="{CB77977E-5D6C-D44C-B75C-8D6FB486C383}"/>
+                <a16:creationId xmlns="" xmlns:a16="http://schemas.microsoft.com/office/drawing/2014/main" id="{CB77977E-5D6C-D44C-B75C-8D6FB486C383}"/>
               </a:ext>
             </a:extLst>
           </p:cNvPr>
@@ -1616,7 +1616,7 @@
           <p:cNvPr id="4" name="Content Placeholder 3">
             <a:extLst>
               <a:ext uri="{FF2B5EF4-FFF2-40B4-BE49-F238E27FC236}">
-                <a16:creationId xmlns:a16="http://schemas.microsoft.com/office/drawing/2014/main" xmlns="" id="{B224A687-E2B1-584C-9030-F1D87142C127}"/>
+                <a16:creationId xmlns="" xmlns:a16="http://schemas.microsoft.com/office/drawing/2014/main" id="{B224A687-E2B1-584C-9030-F1D87142C127}"/>
               </a:ext>
             </a:extLst>
           </p:cNvPr>
@@ -1678,7 +1678,7 @@
           <p:cNvPr id="5" name="Text Placeholder 4">
             <a:extLst>
               <a:ext uri="{FF2B5EF4-FFF2-40B4-BE49-F238E27FC236}">
-                <a16:creationId xmlns:a16="http://schemas.microsoft.com/office/drawing/2014/main" xmlns="" id="{AE116A7A-9148-254A-A879-06C9498BF6A5}"/>
+                <a16:creationId xmlns="" xmlns:a16="http://schemas.microsoft.com/office/drawing/2014/main" id="{AE116A7A-9148-254A-A879-06C9498BF6A5}"/>
               </a:ext>
             </a:extLst>
           </p:cNvPr>
@@ -1749,7 +1749,7 @@
           <p:cNvPr id="6" name="Content Placeholder 5">
             <a:extLst>
               <a:ext uri="{FF2B5EF4-FFF2-40B4-BE49-F238E27FC236}">
-                <a16:creationId xmlns:a16="http://schemas.microsoft.com/office/drawing/2014/main" xmlns="" id="{E5F23523-7946-3740-8E42-6D6FA2C1A5CC}"/>
+                <a16:creationId xmlns="" xmlns:a16="http://schemas.microsoft.com/office/drawing/2014/main" id="{E5F23523-7946-3740-8E42-6D6FA2C1A5CC}"/>
               </a:ext>
             </a:extLst>
           </p:cNvPr>
@@ -1811,7 +1811,7 @@
           <p:cNvPr id="7" name="Date Placeholder 6">
             <a:extLst>
               <a:ext uri="{FF2B5EF4-FFF2-40B4-BE49-F238E27FC236}">
-                <a16:creationId xmlns:a16="http://schemas.microsoft.com/office/drawing/2014/main" xmlns="" id="{D86AA804-7678-5F4B-828F-80C3433F9759}"/>
+                <a16:creationId xmlns="" xmlns:a16="http://schemas.microsoft.com/office/drawing/2014/main" id="{D86AA804-7678-5F4B-828F-80C3433F9759}"/>
               </a:ext>
             </a:extLst>
           </p:cNvPr>
@@ -1829,7 +1829,7 @@
           <a:p>
             <a:fld id="{45F5DF8E-F4B8-D441-8FFB-59F600C03B7F}" type="datetimeFigureOut">
               <a:rPr lang="en-US" smtClean="0"/>
-              <a:t>3/20/22</a:t>
+              <a:t>3/21/22</a:t>
             </a:fld>
             <a:endParaRPr lang="en-US"/>
           </a:p>
@@ -1840,7 +1840,7 @@
           <p:cNvPr id="8" name="Footer Placeholder 7">
             <a:extLst>
               <a:ext uri="{FF2B5EF4-FFF2-40B4-BE49-F238E27FC236}">
-                <a16:creationId xmlns:a16="http://schemas.microsoft.com/office/drawing/2014/main" xmlns="" id="{916065C0-E562-5946-BE3A-62C5FC622031}"/>
+                <a16:creationId xmlns="" xmlns:a16="http://schemas.microsoft.com/office/drawing/2014/main" id="{916065C0-E562-5946-BE3A-62C5FC622031}"/>
               </a:ext>
             </a:extLst>
           </p:cNvPr>
@@ -1865,7 +1865,7 @@
           <p:cNvPr id="9" name="Slide Number Placeholder 8">
             <a:extLst>
               <a:ext uri="{FF2B5EF4-FFF2-40B4-BE49-F238E27FC236}">
-                <a16:creationId xmlns:a16="http://schemas.microsoft.com/office/drawing/2014/main" xmlns="" id="{7D46EC52-AC19-3B40-AF6A-23FDA4949A1D}"/>
+                <a16:creationId xmlns="" xmlns:a16="http://schemas.microsoft.com/office/drawing/2014/main" id="{7D46EC52-AC19-3B40-AF6A-23FDA4949A1D}"/>
               </a:ext>
             </a:extLst>
           </p:cNvPr>
@@ -1924,7 +1924,7 @@
           <p:cNvPr id="2" name="Title 1">
             <a:extLst>
               <a:ext uri="{FF2B5EF4-FFF2-40B4-BE49-F238E27FC236}">
-                <a16:creationId xmlns:a16="http://schemas.microsoft.com/office/drawing/2014/main" xmlns="" id="{69F19683-B245-5242-A0F0-39F46C4AB29A}"/>
+                <a16:creationId xmlns="" xmlns:a16="http://schemas.microsoft.com/office/drawing/2014/main" id="{69F19683-B245-5242-A0F0-39F46C4AB29A}"/>
               </a:ext>
             </a:extLst>
           </p:cNvPr>
@@ -1952,7 +1952,7 @@
           <p:cNvPr id="3" name="Date Placeholder 2">
             <a:extLst>
               <a:ext uri="{FF2B5EF4-FFF2-40B4-BE49-F238E27FC236}">
-                <a16:creationId xmlns:a16="http://schemas.microsoft.com/office/drawing/2014/main" xmlns="" id="{E39F037B-F4BB-7A49-9A72-7D58BEDA0DE3}"/>
+                <a16:creationId xmlns="" xmlns:a16="http://schemas.microsoft.com/office/drawing/2014/main" id="{E39F037B-F4BB-7A49-9A72-7D58BEDA0DE3}"/>
               </a:ext>
             </a:extLst>
           </p:cNvPr>
@@ -1970,7 +1970,7 @@
           <a:p>
             <a:fld id="{45F5DF8E-F4B8-D441-8FFB-59F600C03B7F}" type="datetimeFigureOut">
               <a:rPr lang="en-US" smtClean="0"/>
-              <a:t>3/20/22</a:t>
+              <a:t>3/21/22</a:t>
             </a:fld>
             <a:endParaRPr lang="en-US"/>
           </a:p>
@@ -1981,7 +1981,7 @@
           <p:cNvPr id="4" name="Footer Placeholder 3">
             <a:extLst>
               <a:ext uri="{FF2B5EF4-FFF2-40B4-BE49-F238E27FC236}">
-                <a16:creationId xmlns:a16="http://schemas.microsoft.com/office/drawing/2014/main" xmlns="" id="{1843F474-92FD-214F-8A7A-20E8FD0DD51A}"/>
+                <a16:creationId xmlns="" xmlns:a16="http://schemas.microsoft.com/office/drawing/2014/main" id="{1843F474-92FD-214F-8A7A-20E8FD0DD51A}"/>
               </a:ext>
             </a:extLst>
           </p:cNvPr>
@@ -2006,7 +2006,7 @@
           <p:cNvPr id="5" name="Slide Number Placeholder 4">
             <a:extLst>
               <a:ext uri="{FF2B5EF4-FFF2-40B4-BE49-F238E27FC236}">
-                <a16:creationId xmlns:a16="http://schemas.microsoft.com/office/drawing/2014/main" xmlns="" id="{3087DCDA-892D-7A4E-B4E5-ED391B306AD1}"/>
+                <a16:creationId xmlns="" xmlns:a16="http://schemas.microsoft.com/office/drawing/2014/main" id="{3087DCDA-892D-7A4E-B4E5-ED391B306AD1}"/>
               </a:ext>
             </a:extLst>
           </p:cNvPr>
@@ -2065,7 +2065,7 @@
           <p:cNvPr id="2" name="Date Placeholder 1">
             <a:extLst>
               <a:ext uri="{FF2B5EF4-FFF2-40B4-BE49-F238E27FC236}">
-                <a16:creationId xmlns:a16="http://schemas.microsoft.com/office/drawing/2014/main" xmlns="" id="{E18A62BF-0A06-2146-A8F0-8207AAD5287F}"/>
+                <a16:creationId xmlns="" xmlns:a16="http://schemas.microsoft.com/office/drawing/2014/main" id="{E18A62BF-0A06-2146-A8F0-8207AAD5287F}"/>
               </a:ext>
             </a:extLst>
           </p:cNvPr>
@@ -2083,7 +2083,7 @@
           <a:p>
             <a:fld id="{45F5DF8E-F4B8-D441-8FFB-59F600C03B7F}" type="datetimeFigureOut">
               <a:rPr lang="en-US" smtClean="0"/>
-              <a:t>3/20/22</a:t>
+              <a:t>3/21/22</a:t>
             </a:fld>
             <a:endParaRPr lang="en-US"/>
           </a:p>
@@ -2094,7 +2094,7 @@
           <p:cNvPr id="3" name="Footer Placeholder 2">
             <a:extLst>
               <a:ext uri="{FF2B5EF4-FFF2-40B4-BE49-F238E27FC236}">
-                <a16:creationId xmlns:a16="http://schemas.microsoft.com/office/drawing/2014/main" xmlns="" id="{20326B3C-B7F1-5F47-AB9E-7C22940053D3}"/>
+                <a16:creationId xmlns="" xmlns:a16="http://schemas.microsoft.com/office/drawing/2014/main" id="{20326B3C-B7F1-5F47-AB9E-7C22940053D3}"/>
               </a:ext>
             </a:extLst>
           </p:cNvPr>
@@ -2119,7 +2119,7 @@
           <p:cNvPr id="4" name="Slide Number Placeholder 3">
             <a:extLst>
               <a:ext uri="{FF2B5EF4-FFF2-40B4-BE49-F238E27FC236}">
-                <a16:creationId xmlns:a16="http://schemas.microsoft.com/office/drawing/2014/main" xmlns="" id="{6FE49100-8816-6E45-A59F-AD03A0C15E56}"/>
+                <a16:creationId xmlns="" xmlns:a16="http://schemas.microsoft.com/office/drawing/2014/main" id="{6FE49100-8816-6E45-A59F-AD03A0C15E56}"/>
               </a:ext>
             </a:extLst>
           </p:cNvPr>
@@ -2178,7 +2178,7 @@
           <p:cNvPr id="2" name="Title 1">
             <a:extLst>
               <a:ext uri="{FF2B5EF4-FFF2-40B4-BE49-F238E27FC236}">
-                <a16:creationId xmlns:a16="http://schemas.microsoft.com/office/drawing/2014/main" xmlns="" id="{DA4BA1A8-7A5D-6840-A61C-09B6883BC9F8}"/>
+                <a16:creationId xmlns="" xmlns:a16="http://schemas.microsoft.com/office/drawing/2014/main" id="{DA4BA1A8-7A5D-6840-A61C-09B6883BC9F8}"/>
               </a:ext>
             </a:extLst>
           </p:cNvPr>
@@ -2215,7 +2215,7 @@
           <p:cNvPr id="3" name="Content Placeholder 2">
             <a:extLst>
               <a:ext uri="{FF2B5EF4-FFF2-40B4-BE49-F238E27FC236}">
-                <a16:creationId xmlns:a16="http://schemas.microsoft.com/office/drawing/2014/main" xmlns="" id="{CDDF3BE9-0F54-EC49-9F1D-77CCAE5A6302}"/>
+                <a16:creationId xmlns="" xmlns:a16="http://schemas.microsoft.com/office/drawing/2014/main" id="{CDDF3BE9-0F54-EC49-9F1D-77CCAE5A6302}"/>
               </a:ext>
             </a:extLst>
           </p:cNvPr>
@@ -2305,7 +2305,7 @@
           <p:cNvPr id="4" name="Text Placeholder 3">
             <a:extLst>
               <a:ext uri="{FF2B5EF4-FFF2-40B4-BE49-F238E27FC236}">
-                <a16:creationId xmlns:a16="http://schemas.microsoft.com/office/drawing/2014/main" xmlns="" id="{6AFEA4A9-8161-F149-817C-1605402389B3}"/>
+                <a16:creationId xmlns="" xmlns:a16="http://schemas.microsoft.com/office/drawing/2014/main" id="{6AFEA4A9-8161-F149-817C-1605402389B3}"/>
               </a:ext>
             </a:extLst>
           </p:cNvPr>
@@ -2376,7 +2376,7 @@
           <p:cNvPr id="5" name="Date Placeholder 4">
             <a:extLst>
               <a:ext uri="{FF2B5EF4-FFF2-40B4-BE49-F238E27FC236}">
-                <a16:creationId xmlns:a16="http://schemas.microsoft.com/office/drawing/2014/main" xmlns="" id="{4E71F57D-5164-814B-A8B6-DBBFE365A595}"/>
+                <a16:creationId xmlns="" xmlns:a16="http://schemas.microsoft.com/office/drawing/2014/main" id="{4E71F57D-5164-814B-A8B6-DBBFE365A595}"/>
               </a:ext>
             </a:extLst>
           </p:cNvPr>
@@ -2394,7 +2394,7 @@
           <a:p>
             <a:fld id="{45F5DF8E-F4B8-D441-8FFB-59F600C03B7F}" type="datetimeFigureOut">
               <a:rPr lang="en-US" smtClean="0"/>
-              <a:t>3/20/22</a:t>
+              <a:t>3/21/22</a:t>
             </a:fld>
             <a:endParaRPr lang="en-US"/>
           </a:p>
@@ -2405,7 +2405,7 @@
           <p:cNvPr id="6" name="Footer Placeholder 5">
             <a:extLst>
               <a:ext uri="{FF2B5EF4-FFF2-40B4-BE49-F238E27FC236}">
-                <a16:creationId xmlns:a16="http://schemas.microsoft.com/office/drawing/2014/main" xmlns="" id="{B6ACB92B-39AA-164E-8476-62AB994548D9}"/>
+                <a16:creationId xmlns="" xmlns:a16="http://schemas.microsoft.com/office/drawing/2014/main" id="{B6ACB92B-39AA-164E-8476-62AB994548D9}"/>
               </a:ext>
             </a:extLst>
           </p:cNvPr>
@@ -2430,7 +2430,7 @@
           <p:cNvPr id="7" name="Slide Number Placeholder 6">
             <a:extLst>
               <a:ext uri="{FF2B5EF4-FFF2-40B4-BE49-F238E27FC236}">
-                <a16:creationId xmlns:a16="http://schemas.microsoft.com/office/drawing/2014/main" xmlns="" id="{E22138CA-7F86-9541-AA58-513E3C7B93B7}"/>
+                <a16:creationId xmlns="" xmlns:a16="http://schemas.microsoft.com/office/drawing/2014/main" id="{E22138CA-7F86-9541-AA58-513E3C7B93B7}"/>
               </a:ext>
             </a:extLst>
           </p:cNvPr>
@@ -2489,7 +2489,7 @@
           <p:cNvPr id="2" name="Title 1">
             <a:extLst>
               <a:ext uri="{FF2B5EF4-FFF2-40B4-BE49-F238E27FC236}">
-                <a16:creationId xmlns:a16="http://schemas.microsoft.com/office/drawing/2014/main" xmlns="" id="{ADB0CFDB-AE56-FE47-AB72-7EF0FE091F67}"/>
+                <a16:creationId xmlns="" xmlns:a16="http://schemas.microsoft.com/office/drawing/2014/main" id="{ADB0CFDB-AE56-FE47-AB72-7EF0FE091F67}"/>
               </a:ext>
             </a:extLst>
           </p:cNvPr>
@@ -2526,7 +2526,7 @@
           <p:cNvPr id="3" name="Picture Placeholder 2">
             <a:extLst>
               <a:ext uri="{FF2B5EF4-FFF2-40B4-BE49-F238E27FC236}">
-                <a16:creationId xmlns:a16="http://schemas.microsoft.com/office/drawing/2014/main" xmlns="" id="{483F1CE3-76C5-7344-B4F9-32DB190BBAA3}"/>
+                <a16:creationId xmlns="" xmlns:a16="http://schemas.microsoft.com/office/drawing/2014/main" id="{483F1CE3-76C5-7344-B4F9-32DB190BBAA3}"/>
               </a:ext>
             </a:extLst>
           </p:cNvPr>
@@ -2593,7 +2593,7 @@
           <p:cNvPr id="4" name="Text Placeholder 3">
             <a:extLst>
               <a:ext uri="{FF2B5EF4-FFF2-40B4-BE49-F238E27FC236}">
-                <a16:creationId xmlns:a16="http://schemas.microsoft.com/office/drawing/2014/main" xmlns="" id="{BE5C8602-0AB8-D64D-8B14-5837E003A5CE}"/>
+                <a16:creationId xmlns="" xmlns:a16="http://schemas.microsoft.com/office/drawing/2014/main" id="{BE5C8602-0AB8-D64D-8B14-5837E003A5CE}"/>
               </a:ext>
             </a:extLst>
           </p:cNvPr>
@@ -2664,7 +2664,7 @@
           <p:cNvPr id="5" name="Date Placeholder 4">
             <a:extLst>
               <a:ext uri="{FF2B5EF4-FFF2-40B4-BE49-F238E27FC236}">
-                <a16:creationId xmlns:a16="http://schemas.microsoft.com/office/drawing/2014/main" xmlns="" id="{3FF89696-D288-E544-8E48-A9DB0669CD35}"/>
+                <a16:creationId xmlns="" xmlns:a16="http://schemas.microsoft.com/office/drawing/2014/main" id="{3FF89696-D288-E544-8E48-A9DB0669CD35}"/>
               </a:ext>
             </a:extLst>
           </p:cNvPr>
@@ -2682,7 +2682,7 @@
           <a:p>
             <a:fld id="{45F5DF8E-F4B8-D441-8FFB-59F600C03B7F}" type="datetimeFigureOut">
               <a:rPr lang="en-US" smtClean="0"/>
-              <a:t>3/20/22</a:t>
+              <a:t>3/21/22</a:t>
             </a:fld>
             <a:endParaRPr lang="en-US"/>
           </a:p>
@@ -2693,7 +2693,7 @@
           <p:cNvPr id="6" name="Footer Placeholder 5">
             <a:extLst>
               <a:ext uri="{FF2B5EF4-FFF2-40B4-BE49-F238E27FC236}">
-                <a16:creationId xmlns:a16="http://schemas.microsoft.com/office/drawing/2014/main" xmlns="" id="{BB82B9AD-3A8D-8548-A9F6-3D5839CA39F3}"/>
+                <a16:creationId xmlns="" xmlns:a16="http://schemas.microsoft.com/office/drawing/2014/main" id="{BB82B9AD-3A8D-8548-A9F6-3D5839CA39F3}"/>
               </a:ext>
             </a:extLst>
           </p:cNvPr>
@@ -2718,7 +2718,7 @@
           <p:cNvPr id="7" name="Slide Number Placeholder 6">
             <a:extLst>
               <a:ext uri="{FF2B5EF4-FFF2-40B4-BE49-F238E27FC236}">
-                <a16:creationId xmlns:a16="http://schemas.microsoft.com/office/drawing/2014/main" xmlns="" id="{6BE2544D-F3A7-7E44-8D23-8BA5D3B116EC}"/>
+                <a16:creationId xmlns="" xmlns:a16="http://schemas.microsoft.com/office/drawing/2014/main" id="{6BE2544D-F3A7-7E44-8D23-8BA5D3B116EC}"/>
               </a:ext>
             </a:extLst>
           </p:cNvPr>
@@ -2782,7 +2782,7 @@
           <p:cNvPr id="2" name="Title Placeholder 1">
             <a:extLst>
               <a:ext uri="{FF2B5EF4-FFF2-40B4-BE49-F238E27FC236}">
-                <a16:creationId xmlns:a16="http://schemas.microsoft.com/office/drawing/2014/main" xmlns="" id="{39F6D3DA-C70C-D04A-9E79-CD0D66FB9A65}"/>
+                <a16:creationId xmlns="" xmlns:a16="http://schemas.microsoft.com/office/drawing/2014/main" id="{39F6D3DA-C70C-D04A-9E79-CD0D66FB9A65}"/>
               </a:ext>
             </a:extLst>
           </p:cNvPr>
@@ -2820,7 +2820,7 @@
           <p:cNvPr id="3" name="Text Placeholder 2">
             <a:extLst>
               <a:ext uri="{FF2B5EF4-FFF2-40B4-BE49-F238E27FC236}">
-                <a16:creationId xmlns:a16="http://schemas.microsoft.com/office/drawing/2014/main" xmlns="" id="{5E1A3DA7-FEA5-7C4F-B82F-D9485C3C391C}"/>
+                <a16:creationId xmlns="" xmlns:a16="http://schemas.microsoft.com/office/drawing/2014/main" id="{5E1A3DA7-FEA5-7C4F-B82F-D9485C3C391C}"/>
               </a:ext>
             </a:extLst>
           </p:cNvPr>
@@ -2887,7 +2887,7 @@
           <p:cNvPr id="4" name="Date Placeholder 3">
             <a:extLst>
               <a:ext uri="{FF2B5EF4-FFF2-40B4-BE49-F238E27FC236}">
-                <a16:creationId xmlns:a16="http://schemas.microsoft.com/office/drawing/2014/main" xmlns="" id="{D5FFA7A0-A5B9-4B40-89B5-A8F202E4A52D}"/>
+                <a16:creationId xmlns="" xmlns:a16="http://schemas.microsoft.com/office/drawing/2014/main" id="{D5FFA7A0-A5B9-4B40-89B5-A8F202E4A52D}"/>
               </a:ext>
             </a:extLst>
           </p:cNvPr>
@@ -2923,7 +2923,7 @@
           <a:p>
             <a:fld id="{45F5DF8E-F4B8-D441-8FFB-59F600C03B7F}" type="datetimeFigureOut">
               <a:rPr lang="en-US" smtClean="0"/>
-              <a:t>3/20/22</a:t>
+              <a:t>3/21/22</a:t>
             </a:fld>
             <a:endParaRPr lang="en-US"/>
           </a:p>
@@ -2934,7 +2934,7 @@
           <p:cNvPr id="5" name="Footer Placeholder 4">
             <a:extLst>
               <a:ext uri="{FF2B5EF4-FFF2-40B4-BE49-F238E27FC236}">
-                <a16:creationId xmlns:a16="http://schemas.microsoft.com/office/drawing/2014/main" xmlns="" id="{8F8C4C0F-DD02-D144-8E45-25656FAFC813}"/>
+                <a16:creationId xmlns="" xmlns:a16="http://schemas.microsoft.com/office/drawing/2014/main" id="{8F8C4C0F-DD02-D144-8E45-25656FAFC813}"/>
               </a:ext>
             </a:extLst>
           </p:cNvPr>
@@ -2977,7 +2977,7 @@
           <p:cNvPr id="6" name="Slide Number Placeholder 5">
             <a:extLst>
               <a:ext uri="{FF2B5EF4-FFF2-40B4-BE49-F238E27FC236}">
-                <a16:creationId xmlns:a16="http://schemas.microsoft.com/office/drawing/2014/main" xmlns="" id="{CA0EC7DB-28A5-C24E-AED8-AF1773264F75}"/>
+                <a16:creationId xmlns="" xmlns:a16="http://schemas.microsoft.com/office/drawing/2014/main" id="{CA0EC7DB-28A5-C24E-AED8-AF1773264F75}"/>
               </a:ext>
             </a:extLst>
           </p:cNvPr>
@@ -3345,7 +3345,7 @@
           <p:cNvPr id="2" name="Title 1">
             <a:extLst>
               <a:ext uri="{FF2B5EF4-FFF2-40B4-BE49-F238E27FC236}">
-                <a16:creationId xmlns:a16="http://schemas.microsoft.com/office/drawing/2014/main" xmlns="" id="{63E6769D-0AAE-2044-8EA3-8380823F5ECE}"/>
+                <a16:creationId xmlns="" xmlns:a16="http://schemas.microsoft.com/office/drawing/2014/main" id="{63E6769D-0AAE-2044-8EA3-8380823F5ECE}"/>
               </a:ext>
             </a:extLst>
           </p:cNvPr>
@@ -3373,7 +3373,7 @@
           <p:cNvPr id="3" name="Subtitle 2">
             <a:extLst>
               <a:ext uri="{FF2B5EF4-FFF2-40B4-BE49-F238E27FC236}">
-                <a16:creationId xmlns:a16="http://schemas.microsoft.com/office/drawing/2014/main" xmlns="" id="{EF5A5664-23DD-0541-BF33-69F8800D2195}"/>
+                <a16:creationId xmlns="" xmlns:a16="http://schemas.microsoft.com/office/drawing/2014/main" id="{EF5A5664-23DD-0541-BF33-69F8800D2195}"/>
               </a:ext>
             </a:extLst>
           </p:cNvPr>
@@ -3437,7 +3437,7 @@
           <p:cNvPr id="2" name="Title 1">
             <a:extLst>
               <a:ext uri="{FF2B5EF4-FFF2-40B4-BE49-F238E27FC236}">
-                <a16:creationId xmlns:a16="http://schemas.microsoft.com/office/drawing/2014/main" xmlns="" id="{6AB1D754-572F-49F6-9871-E20F6DF95248}"/>
+                <a16:creationId xmlns="" xmlns:a16="http://schemas.microsoft.com/office/drawing/2014/main" id="{6AB1D754-572F-49F6-9871-E20F6DF95248}"/>
               </a:ext>
             </a:extLst>
           </p:cNvPr>
@@ -3465,7 +3465,7 @@
           <p:cNvPr id="3" name="Content Placeholder 2">
             <a:extLst>
               <a:ext uri="{FF2B5EF4-FFF2-40B4-BE49-F238E27FC236}">
-                <a16:creationId xmlns:a16="http://schemas.microsoft.com/office/drawing/2014/main" xmlns="" id="{9F068461-C235-42A4-8A94-B1C432F7E55A}"/>
+                <a16:creationId xmlns="" xmlns:a16="http://schemas.microsoft.com/office/drawing/2014/main" id="{9F068461-C235-42A4-8A94-B1C432F7E55A}"/>
               </a:ext>
             </a:extLst>
           </p:cNvPr>
@@ -3478,7 +3478,7 @@
         </p:nvSpPr>
         <p:spPr/>
         <p:txBody>
-          <a:bodyPr/>
+          <a:bodyPr anchor="ctr"/>
           <a:lstStyle/>
           <a:p>
             <a:r>
@@ -3491,35 +3491,42 @@
             </a:r>
           </a:p>
           <a:p>
+            <a:endParaRPr lang="en-US" dirty="0" smtClean="0"/>
+          </a:p>
+          <a:p>
             <a:pPr lvl="1"/>
             <a:r>
               <a:rPr lang="en-US" dirty="0" smtClean="0"/>
-              <a:t>For use outside of the study, more confidence that the model can accurately predict the severity of an attack for individuals that were not monitored for this study</a:t>
+              <a:t>For use </a:t>
+            </a:r>
+            <a:r>
+              <a:rPr lang="en-US" dirty="0" smtClean="0"/>
+              <a:t>beyond the study</a:t>
+            </a:r>
+          </a:p>
+          <a:p>
+            <a:pPr lvl="1"/>
+            <a:endParaRPr lang="en-US" dirty="0" smtClean="0"/>
+          </a:p>
+          <a:p>
+            <a:pPr lvl="1"/>
+            <a:r>
+              <a:rPr lang="en-US" dirty="0"/>
+              <a:t>M</a:t>
+            </a:r>
+            <a:r>
+              <a:rPr lang="en-US" dirty="0" smtClean="0"/>
+              <a:t>ore </a:t>
+            </a:r>
+            <a:r>
+              <a:rPr lang="en-US" dirty="0" smtClean="0"/>
+              <a:t>confidence that the model can accurately predict the severity of an attack for individuals that were not monitored for this </a:t>
+            </a:r>
+            <a:r>
+              <a:rPr lang="en-US" dirty="0" smtClean="0"/>
+              <a:t>study</a:t>
             </a:r>
             <a:endParaRPr lang="en-US" dirty="0"/>
-          </a:p>
-          <a:p>
-            <a:r>
-              <a:rPr lang="en-US" dirty="0"/>
-              <a:t>K-fold cross </a:t>
-            </a:r>
-            <a:r>
-              <a:rPr lang="en-US" dirty="0" smtClean="0"/>
-              <a:t>validation </a:t>
-            </a:r>
-            <a:r>
-              <a:rPr lang="en-US" dirty="0" smtClean="0">
-                <a:solidFill>
-                  <a:srgbClr val="FF0000"/>
-                </a:solidFill>
-              </a:rPr>
-              <a:t>LOOK MORE INTO</a:t>
-            </a:r>
-            <a:endParaRPr lang="en-US" dirty="0">
-              <a:solidFill>
-                <a:srgbClr val="FF0000"/>
-              </a:solidFill>
-            </a:endParaRPr>
           </a:p>
         </p:txBody>
       </p:sp>
@@ -3558,7 +3565,7 @@
           <p:cNvPr id="7" name="Title 1">
             <a:extLst>
               <a:ext uri="{FF2B5EF4-FFF2-40B4-BE49-F238E27FC236}">
-                <a16:creationId xmlns:a16="http://schemas.microsoft.com/office/drawing/2014/main" xmlns="" id="{CDE84C0E-DAEF-4A24-A855-E44CB6979107}"/>
+                <a16:creationId xmlns="" xmlns:a16="http://schemas.microsoft.com/office/drawing/2014/main" id="{CDE84C0E-DAEF-4A24-A855-E44CB6979107}"/>
               </a:ext>
             </a:extLst>
           </p:cNvPr>
@@ -3596,7 +3603,7 @@
           <p:cNvPr id="8" name="Content Placeholder 2">
             <a:extLst>
               <a:ext uri="{FF2B5EF4-FFF2-40B4-BE49-F238E27FC236}">
-                <a16:creationId xmlns:a16="http://schemas.microsoft.com/office/drawing/2014/main" xmlns="" id="{01B999D5-EE4D-4AEB-9A9F-A415CCD7D823}"/>
+                <a16:creationId xmlns="" xmlns:a16="http://schemas.microsoft.com/office/drawing/2014/main" id="{01B999D5-EE4D-4AEB-9A9F-A415CCD7D823}"/>
               </a:ext>
             </a:extLst>
           </p:cNvPr>
@@ -3712,7 +3719,7 @@
           <p:cNvPr id="2" name="Title 1">
             <a:extLst>
               <a:ext uri="{FF2B5EF4-FFF2-40B4-BE49-F238E27FC236}">
-                <a16:creationId xmlns:a16="http://schemas.microsoft.com/office/drawing/2014/main" xmlns="" id="{74A0FF98-17C7-6C4B-8D07-D0480804733F}"/>
+                <a16:creationId xmlns="" xmlns:a16="http://schemas.microsoft.com/office/drawing/2014/main" id="{74A0FF98-17C7-6C4B-8D07-D0480804733F}"/>
               </a:ext>
             </a:extLst>
           </p:cNvPr>
@@ -3740,7 +3747,7 @@
           <p:cNvPr id="5" name="Picture 4" descr="Text&#10;&#10;Description automatically generated">
             <a:extLst>
               <a:ext uri="{FF2B5EF4-FFF2-40B4-BE49-F238E27FC236}">
-                <a16:creationId xmlns:a16="http://schemas.microsoft.com/office/drawing/2014/main" xmlns="" id="{BE519A98-C651-4AAD-B727-8FC4EE303921}"/>
+                <a16:creationId xmlns="" xmlns:a16="http://schemas.microsoft.com/office/drawing/2014/main" id="{BE519A98-C651-4AAD-B727-8FC4EE303921}"/>
               </a:ext>
             </a:extLst>
           </p:cNvPr>
@@ -3800,7 +3807,7 @@
           <p:cNvPr id="5" name="Content Placeholder 4" descr="A picture containing timeline&#10;&#10;Description automatically generated">
             <a:extLst>
               <a:ext uri="{FF2B5EF4-FFF2-40B4-BE49-F238E27FC236}">
-                <a16:creationId xmlns:a16="http://schemas.microsoft.com/office/drawing/2014/main" xmlns="" id="{059EF947-07C3-4C96-8D93-1E0BABDB9887}"/>
+                <a16:creationId xmlns="" xmlns:a16="http://schemas.microsoft.com/office/drawing/2014/main" id="{059EF947-07C3-4C96-8D93-1E0BABDB9887}"/>
               </a:ext>
             </a:extLst>
           </p:cNvPr>
@@ -3859,7 +3866,7 @@
           <p:cNvPr id="2" name="Title 1">
             <a:extLst>
               <a:ext uri="{FF2B5EF4-FFF2-40B4-BE49-F238E27FC236}">
-                <a16:creationId xmlns:a16="http://schemas.microsoft.com/office/drawing/2014/main" xmlns="" id="{107D85B4-979C-443D-8ED3-FA60060EFEAB}"/>
+                <a16:creationId xmlns="" xmlns:a16="http://schemas.microsoft.com/office/drawing/2014/main" id="{107D85B4-979C-443D-8ED3-FA60060EFEAB}"/>
               </a:ext>
             </a:extLst>
           </p:cNvPr>
@@ -3887,7 +3894,7 @@
           <p:cNvPr id="5" name="Content Placeholder 4" descr="Diagram&#10;&#10;Description automatically generated with medium confidence">
             <a:extLst>
               <a:ext uri="{FF2B5EF4-FFF2-40B4-BE49-F238E27FC236}">
-                <a16:creationId xmlns:a16="http://schemas.microsoft.com/office/drawing/2014/main" xmlns="" id="{79A1F322-01B0-4CC2-B472-89F8F76DEE93}"/>
+                <a16:creationId xmlns="" xmlns:a16="http://schemas.microsoft.com/office/drawing/2014/main" id="{79A1F322-01B0-4CC2-B472-89F8F76DEE93}"/>
               </a:ext>
             </a:extLst>
           </p:cNvPr>
@@ -3946,7 +3953,7 @@
           <p:cNvPr id="2" name="Title 1">
             <a:extLst>
               <a:ext uri="{FF2B5EF4-FFF2-40B4-BE49-F238E27FC236}">
-                <a16:creationId xmlns:a16="http://schemas.microsoft.com/office/drawing/2014/main" xmlns="" id="{5F77124F-9940-644A-8C89-FBD0344EBC30}"/>
+                <a16:creationId xmlns="" xmlns:a16="http://schemas.microsoft.com/office/drawing/2014/main" id="{5F77124F-9940-644A-8C89-FBD0344EBC30}"/>
               </a:ext>
             </a:extLst>
           </p:cNvPr>
@@ -3974,7 +3981,7 @@
           <p:cNvPr id="3" name="Content Placeholder 2">
             <a:extLst>
               <a:ext uri="{FF2B5EF4-FFF2-40B4-BE49-F238E27FC236}">
-                <a16:creationId xmlns:a16="http://schemas.microsoft.com/office/drawing/2014/main" xmlns="" id="{25A09237-A4A1-F543-BBC9-FDE843B417AD}"/>
+                <a16:creationId xmlns="" xmlns:a16="http://schemas.microsoft.com/office/drawing/2014/main" id="{25A09237-A4A1-F543-BBC9-FDE843B417AD}"/>
               </a:ext>
             </a:extLst>
           </p:cNvPr>
@@ -4127,7 +4134,7 @@
           <p:cNvPr id="2" name="Title 1">
             <a:extLst>
               <a:ext uri="{FF2B5EF4-FFF2-40B4-BE49-F238E27FC236}">
-                <a16:creationId xmlns:a16="http://schemas.microsoft.com/office/drawing/2014/main" xmlns="" id="{4C3FC6BC-342A-4047-A04D-4F7B83D3AE91}"/>
+                <a16:creationId xmlns="" xmlns:a16="http://schemas.microsoft.com/office/drawing/2014/main" id="{4C3FC6BC-342A-4047-A04D-4F7B83D3AE91}"/>
               </a:ext>
             </a:extLst>
           </p:cNvPr>
@@ -4155,7 +4162,7 @@
           <p:cNvPr id="3" name="Content Placeholder 2">
             <a:extLst>
               <a:ext uri="{FF2B5EF4-FFF2-40B4-BE49-F238E27FC236}">
-                <a16:creationId xmlns:a16="http://schemas.microsoft.com/office/drawing/2014/main" xmlns="" id="{F7AB5729-20A0-CE41-90C7-E54C52E25CA4}"/>
+                <a16:creationId xmlns="" xmlns:a16="http://schemas.microsoft.com/office/drawing/2014/main" id="{F7AB5729-20A0-CE41-90C7-E54C52E25CA4}"/>
               </a:ext>
             </a:extLst>
           </p:cNvPr>
@@ -4169,13 +4176,21 @@
         <p:spPr/>
         <p:txBody>
           <a:bodyPr>
-            <a:normAutofit/>
+            <a:normAutofit lnSpcReduction="10000"/>
           </a:bodyPr>
           <a:lstStyle/>
           <a:p>
             <a:r>
               <a:rPr lang="en-US" dirty="0"/>
-              <a:t>Analytic Objective(s): To predict the severity of an asthma attack</a:t>
+              <a:t>Analytic </a:t>
+            </a:r>
+            <a:r>
+              <a:rPr lang="en-US" dirty="0" smtClean="0"/>
+              <a:t>Objective: </a:t>
+            </a:r>
+            <a:r>
+              <a:rPr lang="en-US" dirty="0"/>
+              <a:t>To predict the severity of an asthma attack</a:t>
             </a:r>
           </a:p>
           <a:p>
@@ -4207,15 +4222,11 @@
           <a:p>
             <a:r>
               <a:rPr lang="en-US" dirty="0"/>
-              <a:t>Business Value: </a:t>
-            </a:r>
-            <a:r>
-              <a:rPr lang="en-US" dirty="0"/>
-              <a:t>Could change the way </a:t>
+              <a:t>Business Value: Could change the way </a:t>
             </a:r>
             <a:r>
               <a:rPr lang="en-US" dirty="0" smtClean="0"/>
-              <a:t>inhalers (app) </a:t>
+              <a:t>inhalers </a:t>
             </a:r>
             <a:r>
               <a:rPr lang="en-US" dirty="0"/>
@@ -4223,44 +4234,59 @@
             </a:r>
             <a:r>
               <a:rPr lang="en-US" dirty="0" smtClean="0"/>
-              <a:t>manufactured by accounting for </a:t>
+              <a:t>manufactured </a:t>
             </a:r>
             <a:r>
               <a:rPr lang="en-US" dirty="0" smtClean="0"/>
-              <a:t>the </a:t>
+              <a:t>or 			         creation of an app that accounts </a:t>
+            </a:r>
+            <a:r>
+              <a:rPr lang="en-US" dirty="0" smtClean="0"/>
+              <a:t>for the </a:t>
             </a:r>
             <a:r>
               <a:rPr lang="en-US" dirty="0"/>
-              <a:t>most significant predictors and suggesting to make a </a:t>
+              <a:t>most </a:t>
             </a:r>
             <a:r>
               <a:rPr lang="en-US" dirty="0" smtClean="0"/>
-              <a:t>change</a:t>
+              <a:t>			         significant </a:t>
+            </a:r>
+            <a:r>
+              <a:rPr lang="en-US" dirty="0"/>
+              <a:t>predictors </a:t>
+            </a:r>
+            <a:endParaRPr lang="en-US" dirty="0" smtClean="0"/>
+          </a:p>
+          <a:p>
+            <a:endParaRPr lang="en-US" dirty="0" smtClean="0"/>
+          </a:p>
+          <a:p>
+            <a:r>
+              <a:rPr lang="en-US" dirty="0" smtClean="0"/>
+              <a:t>Data </a:t>
+            </a:r>
+            <a:r>
+              <a:rPr lang="en-US" dirty="0"/>
+              <a:t>Assets: </a:t>
+            </a:r>
+            <a:r>
+              <a:rPr lang="en-US" dirty="0" smtClean="0"/>
+              <a:t>11 features, complete data set is from </a:t>
+            </a:r>
+            <a:r>
+              <a:rPr lang="en-US" dirty="0" err="1"/>
+              <a:t>Radiah</a:t>
+            </a:r>
+            <a:r>
+              <a:rPr lang="en-US" dirty="0"/>
+              <a:t> </a:t>
+            </a:r>
+            <a:r>
+              <a:rPr lang="en-US" dirty="0" err="1"/>
+              <a:t>Haque</a:t>
             </a:r>
             <a:endParaRPr lang="en-US" dirty="0"/>
-          </a:p>
-          <a:p>
-            <a:r>
-              <a:rPr lang="en-US" dirty="0"/>
-              <a:t>Data Assets: </a:t>
-            </a:r>
-            <a:r>
-              <a:rPr lang="en-US" dirty="0" smtClean="0"/>
-              <a:t>11 features, complete </a:t>
-            </a:r>
-            <a:r>
-              <a:rPr lang="en-US" dirty="0" smtClean="0">
-                <a:solidFill>
-                  <a:srgbClr val="FF0000"/>
-                </a:solidFill>
-              </a:rPr>
-              <a:t>data set is from </a:t>
-            </a:r>
-            <a:endParaRPr lang="en-US" dirty="0">
-              <a:solidFill>
-                <a:srgbClr val="FF0000"/>
-              </a:solidFill>
-            </a:endParaRPr>
           </a:p>
           <a:p>
             <a:endParaRPr lang="en-US" dirty="0"/>
@@ -4311,7 +4337,7 @@
           <p:cNvPr id="2" name="Title 1">
             <a:extLst>
               <a:ext uri="{FF2B5EF4-FFF2-40B4-BE49-F238E27FC236}">
-                <a16:creationId xmlns:a16="http://schemas.microsoft.com/office/drawing/2014/main" xmlns="" id="{FDAB2B5E-E2BF-49CF-B0D4-3FF09CA2DD9A}"/>
+                <a16:creationId xmlns="" xmlns:a16="http://schemas.microsoft.com/office/drawing/2014/main" id="{FDAB2B5E-E2BF-49CF-B0D4-3FF09CA2DD9A}"/>
               </a:ext>
             </a:extLst>
           </p:cNvPr>
@@ -4339,7 +4365,7 @@
           <p:cNvPr id="5" name="Content Placeholder 4">
             <a:extLst>
               <a:ext uri="{FF2B5EF4-FFF2-40B4-BE49-F238E27FC236}">
-                <a16:creationId xmlns:a16="http://schemas.microsoft.com/office/drawing/2014/main" xmlns="" id="{62065E65-9485-451A-9668-8031404E6A46}"/>
+                <a16:creationId xmlns="" xmlns:a16="http://schemas.microsoft.com/office/drawing/2014/main" id="{62065E65-9485-451A-9668-8031404E6A46}"/>
               </a:ext>
             </a:extLst>
           </p:cNvPr>
@@ -4368,7 +4394,7 @@
           <p:cNvPr id="6" name="TextBox 5">
             <a:extLst>
               <a:ext uri="{FF2B5EF4-FFF2-40B4-BE49-F238E27FC236}">
-                <a16:creationId xmlns:a16="http://schemas.microsoft.com/office/drawing/2014/main" xmlns="" id="{CE7F5782-5EC5-4F14-BFE4-D7A0043355C8}"/>
+                <a16:creationId xmlns="" xmlns:a16="http://schemas.microsoft.com/office/drawing/2014/main" id="{CE7F5782-5EC5-4F14-BFE4-D7A0043355C8}"/>
               </a:ext>
             </a:extLst>
           </p:cNvPr>
@@ -4437,7 +4463,7 @@
           <p:cNvPr id="2" name="Title 1">
             <a:extLst>
               <a:ext uri="{FF2B5EF4-FFF2-40B4-BE49-F238E27FC236}">
-                <a16:creationId xmlns:a16="http://schemas.microsoft.com/office/drawing/2014/main" xmlns="" id="{4E36FDEF-1A2E-43F8-B2F9-AE8D6BC66230}"/>
+                <a16:creationId xmlns="" xmlns:a16="http://schemas.microsoft.com/office/drawing/2014/main" id="{4E36FDEF-1A2E-43F8-B2F9-AE8D6BC66230}"/>
               </a:ext>
             </a:extLst>
           </p:cNvPr>
@@ -4465,7 +4491,7 @@
           <p:cNvPr id="5" name="Content Placeholder 4" descr="Chart, scatter chart&#10;&#10;Description automatically generated">
             <a:extLst>
               <a:ext uri="{FF2B5EF4-FFF2-40B4-BE49-F238E27FC236}">
-                <a16:creationId xmlns:a16="http://schemas.microsoft.com/office/drawing/2014/main" xmlns="" id="{5AA06DFA-BF61-4BB6-A324-A6FD41857D1E}"/>
+                <a16:creationId xmlns="" xmlns:a16="http://schemas.microsoft.com/office/drawing/2014/main" id="{5AA06DFA-BF61-4BB6-A324-A6FD41857D1E}"/>
               </a:ext>
             </a:extLst>
           </p:cNvPr>
@@ -4476,16 +4502,15 @@
             <p:ph idx="1"/>
           </p:nvPr>
         </p:nvPicPr>
-        <p:blipFill>
+        <p:blipFill rotWithShape="1">
           <a:blip r:embed="rId2"/>
-          <a:stretch>
-            <a:fillRect/>
-          </a:stretch>
+          <a:srcRect t="1295"/>
+          <a:stretch/>
         </p:blipFill>
         <p:spPr>
           <a:xfrm>
-            <a:off x="2127533" y="1267521"/>
-            <a:ext cx="7936933" cy="4909443"/>
+            <a:off x="2127533" y="1331089"/>
+            <a:ext cx="7936933" cy="4845875"/>
           </a:xfrm>
         </p:spPr>
       </p:pic>
@@ -4524,7 +4549,7 @@
           <p:cNvPr id="2" name="Title 1">
             <a:extLst>
               <a:ext uri="{FF2B5EF4-FFF2-40B4-BE49-F238E27FC236}">
-                <a16:creationId xmlns:a16="http://schemas.microsoft.com/office/drawing/2014/main" xmlns="" id="{4C3FC6BC-342A-4047-A04D-4F7B83D3AE91}"/>
+                <a16:creationId xmlns="" xmlns:a16="http://schemas.microsoft.com/office/drawing/2014/main" id="{4C3FC6BC-342A-4047-A04D-4F7B83D3AE91}"/>
               </a:ext>
             </a:extLst>
           </p:cNvPr>
@@ -4552,7 +4577,7 @@
           <p:cNvPr id="6" name="Picture 5" descr="Chart, bar chart&#10;&#10;Description automatically generated">
             <a:extLst>
               <a:ext uri="{FF2B5EF4-FFF2-40B4-BE49-F238E27FC236}">
-                <a16:creationId xmlns:a16="http://schemas.microsoft.com/office/drawing/2014/main" xmlns="" id="{497421EB-63F7-49FA-994C-89C84C8C32B1}"/>
+                <a16:creationId xmlns="" xmlns:a16="http://schemas.microsoft.com/office/drawing/2014/main" id="{497421EB-63F7-49FA-994C-89C84C8C32B1}"/>
               </a:ext>
             </a:extLst>
           </p:cNvPr>
@@ -4612,7 +4637,7 @@
           <p:cNvPr id="2" name="Title 1">
             <a:extLst>
               <a:ext uri="{FF2B5EF4-FFF2-40B4-BE49-F238E27FC236}">
-                <a16:creationId xmlns:a16="http://schemas.microsoft.com/office/drawing/2014/main" xmlns="" id="{37E30354-D520-4520-BBC2-F3DE8F6C8636}"/>
+                <a16:creationId xmlns="" xmlns:a16="http://schemas.microsoft.com/office/drawing/2014/main" id="{37E30354-D520-4520-BBC2-F3DE8F6C8636}"/>
               </a:ext>
             </a:extLst>
           </p:cNvPr>
@@ -4640,7 +4665,7 @@
           <p:cNvPr id="3" name="Content Placeholder 2">
             <a:extLst>
               <a:ext uri="{FF2B5EF4-FFF2-40B4-BE49-F238E27FC236}">
-                <a16:creationId xmlns:a16="http://schemas.microsoft.com/office/drawing/2014/main" xmlns="" id="{57D77B8A-6561-447A-B31D-F0156869F57A}"/>
+                <a16:creationId xmlns="" xmlns:a16="http://schemas.microsoft.com/office/drawing/2014/main" id="{57D77B8A-6561-447A-B31D-F0156869F57A}"/>
               </a:ext>
             </a:extLst>
           </p:cNvPr>
@@ -4708,7 +4733,7 @@
           <p:cNvPr id="4" name="Table 4">
             <a:extLst>
               <a:ext uri="{FF2B5EF4-FFF2-40B4-BE49-F238E27FC236}">
-                <a16:creationId xmlns:a16="http://schemas.microsoft.com/office/drawing/2014/main" xmlns="" id="{153666BD-1352-4735-A57F-788E38798904}"/>
+                <a16:creationId xmlns="" xmlns:a16="http://schemas.microsoft.com/office/drawing/2014/main" id="{153666BD-1352-4735-A57F-788E38798904}"/>
               </a:ext>
             </a:extLst>
           </p:cNvPr>
@@ -4737,28 +4762,28 @@
                 <a:gridCol w="2032000">
                   <a:extLst>
                     <a:ext uri="{9D8B030D-6E8A-4147-A177-3AD203B41FA5}">
-                      <a16:colId xmlns:a16="http://schemas.microsoft.com/office/drawing/2014/main" xmlns="" val="2973050712"/>
+                      <a16:colId xmlns="" xmlns:a16="http://schemas.microsoft.com/office/drawing/2014/main" val="2973050712"/>
                     </a:ext>
                   </a:extLst>
                 </a:gridCol>
                 <a:gridCol w="2032000">
                   <a:extLst>
                     <a:ext uri="{9D8B030D-6E8A-4147-A177-3AD203B41FA5}">
-                      <a16:colId xmlns:a16="http://schemas.microsoft.com/office/drawing/2014/main" xmlns="" val="2937897425"/>
+                      <a16:colId xmlns="" xmlns:a16="http://schemas.microsoft.com/office/drawing/2014/main" val="2937897425"/>
                     </a:ext>
                   </a:extLst>
                 </a:gridCol>
                 <a:gridCol w="2032000">
                   <a:extLst>
                     <a:ext uri="{9D8B030D-6E8A-4147-A177-3AD203B41FA5}">
-                      <a16:colId xmlns:a16="http://schemas.microsoft.com/office/drawing/2014/main" xmlns="" val="3294600292"/>
+                      <a16:colId xmlns="" xmlns:a16="http://schemas.microsoft.com/office/drawing/2014/main" val="3294600292"/>
                     </a:ext>
                   </a:extLst>
                 </a:gridCol>
                 <a:gridCol w="2032000">
                   <a:extLst>
                     <a:ext uri="{9D8B030D-6E8A-4147-A177-3AD203B41FA5}">
-                      <a16:colId xmlns:a16="http://schemas.microsoft.com/office/drawing/2014/main" xmlns="" val="2698831798"/>
+                      <a16:colId xmlns="" xmlns:a16="http://schemas.microsoft.com/office/drawing/2014/main" val="2698831798"/>
                     </a:ext>
                   </a:extLst>
                 </a:gridCol>
@@ -4822,7 +4847,7 @@
                 </a:tc>
                 <a:extLst>
                   <a:ext uri="{0D108BD9-81ED-4DB2-BD59-A6C34878D82A}">
-                    <a16:rowId xmlns:a16="http://schemas.microsoft.com/office/drawing/2014/main" xmlns="" val="641596946"/>
+                    <a16:rowId xmlns="" xmlns:a16="http://schemas.microsoft.com/office/drawing/2014/main" val="641596946"/>
                   </a:ext>
                 </a:extLst>
               </a:tr>
@@ -4885,7 +4910,7 @@
                 </a:tc>
                 <a:extLst>
                   <a:ext uri="{0D108BD9-81ED-4DB2-BD59-A6C34878D82A}">
-                    <a16:rowId xmlns:a16="http://schemas.microsoft.com/office/drawing/2014/main" xmlns="" val="388982692"/>
+                    <a16:rowId xmlns="" xmlns:a16="http://schemas.microsoft.com/office/drawing/2014/main" val="388982692"/>
                   </a:ext>
                 </a:extLst>
               </a:tr>
@@ -4948,7 +4973,7 @@
                 </a:tc>
                 <a:extLst>
                   <a:ext uri="{0D108BD9-81ED-4DB2-BD59-A6C34878D82A}">
-                    <a16:rowId xmlns:a16="http://schemas.microsoft.com/office/drawing/2014/main" xmlns="" val="998384457"/>
+                    <a16:rowId xmlns="" xmlns:a16="http://schemas.microsoft.com/office/drawing/2014/main" val="998384457"/>
                   </a:ext>
                 </a:extLst>
               </a:tr>
@@ -5011,7 +5036,7 @@
                 </a:tc>
                 <a:extLst>
                   <a:ext uri="{0D108BD9-81ED-4DB2-BD59-A6C34878D82A}">
-                    <a16:rowId xmlns:a16="http://schemas.microsoft.com/office/drawing/2014/main" xmlns="" val="3353710939"/>
+                    <a16:rowId xmlns="" xmlns:a16="http://schemas.microsoft.com/office/drawing/2014/main" val="3353710939"/>
                   </a:ext>
                 </a:extLst>
               </a:tr>
@@ -5054,7 +5079,7 @@
           <p:cNvPr id="2" name="Title 1">
             <a:extLst>
               <a:ext uri="{FF2B5EF4-FFF2-40B4-BE49-F238E27FC236}">
-                <a16:creationId xmlns:a16="http://schemas.microsoft.com/office/drawing/2014/main" xmlns="" id="{22E3B65E-74FD-B447-945F-BFB66A76D2E9}"/>
+                <a16:creationId xmlns="" xmlns:a16="http://schemas.microsoft.com/office/drawing/2014/main" id="{22E3B65E-74FD-B447-945F-BFB66A76D2E9}"/>
               </a:ext>
             </a:extLst>
           </p:cNvPr>
@@ -5082,7 +5107,7 @@
           <p:cNvPr id="3" name="Content Placeholder 2">
             <a:extLst>
               <a:ext uri="{FF2B5EF4-FFF2-40B4-BE49-F238E27FC236}">
-                <a16:creationId xmlns:a16="http://schemas.microsoft.com/office/drawing/2014/main" xmlns="" id="{FA63DA9B-E511-3340-97CE-5FDE95206E81}"/>
+                <a16:creationId xmlns="" xmlns:a16="http://schemas.microsoft.com/office/drawing/2014/main" id="{FA63DA9B-E511-3340-97CE-5FDE95206E81}"/>
               </a:ext>
             </a:extLst>
           </p:cNvPr>
@@ -5095,9 +5120,14 @@
         </p:nvSpPr>
         <p:spPr/>
         <p:txBody>
-          <a:bodyPr/>
-          <a:lstStyle/>
-          <a:p>
+          <a:bodyPr anchor="ctr"/>
+          <a:lstStyle/>
+          <a:p>
+            <a:pPr>
+              <a:lnSpc>
+                <a:spcPct val="200000"/>
+              </a:lnSpc>
+            </a:pPr>
             <a:r>
               <a:rPr lang="en-US" dirty="0" smtClean="0"/>
               <a:t>All </a:t>
@@ -5108,12 +5138,22 @@
             </a:r>
           </a:p>
           <a:p>
+            <a:pPr>
+              <a:lnSpc>
+                <a:spcPct val="200000"/>
+              </a:lnSpc>
+            </a:pPr>
             <a:r>
               <a:rPr lang="en-US" dirty="0"/>
               <a:t>Any value outside of 1.5*IQR</a:t>
             </a:r>
           </a:p>
           <a:p>
+            <a:pPr>
+              <a:lnSpc>
+                <a:spcPct val="200000"/>
+              </a:lnSpc>
+            </a:pPr>
             <a:r>
               <a:rPr lang="en-US" dirty="0"/>
               <a:t>Values that showed up more than once deemed an </a:t>
@@ -5175,7 +5215,7 @@
           <p:cNvPr id="4" name="Content Placeholder 3" descr="Chart, box and whisker chart&#10;&#10;Description automatically generated">
             <a:extLst>
               <a:ext uri="{FF2B5EF4-FFF2-40B4-BE49-F238E27FC236}">
-                <a16:creationId xmlns:a16="http://schemas.microsoft.com/office/drawing/2014/main" xmlns="" id="{E3D53FED-0F17-49C0-A1CB-3F069D483FAC}"/>
+                <a16:creationId xmlns="" xmlns:a16="http://schemas.microsoft.com/office/drawing/2014/main" id="{E3D53FED-0F17-49C0-A1CB-3F069D483FAC}"/>
               </a:ext>
             </a:extLst>
           </p:cNvPr>
@@ -5243,7 +5283,7 @@
           <p:cNvPr id="2" name="Title 1">
             <a:extLst>
               <a:ext uri="{FF2B5EF4-FFF2-40B4-BE49-F238E27FC236}">
-                <a16:creationId xmlns:a16="http://schemas.microsoft.com/office/drawing/2014/main" xmlns="" id="{81ACD202-4D2E-44B9-9A24-5176F8CBE354}"/>
+                <a16:creationId xmlns="" xmlns:a16="http://schemas.microsoft.com/office/drawing/2014/main" id="{81ACD202-4D2E-44B9-9A24-5176F8CBE354}"/>
               </a:ext>
             </a:extLst>
           </p:cNvPr>
@@ -5271,7 +5311,7 @@
           <p:cNvPr id="3" name="Content Placeholder 2">
             <a:extLst>
               <a:ext uri="{FF2B5EF4-FFF2-40B4-BE49-F238E27FC236}">
-                <a16:creationId xmlns:a16="http://schemas.microsoft.com/office/drawing/2014/main" xmlns="" id="{AF67E41A-86F0-4171-AF59-B8112F710DA5}"/>
+                <a16:creationId xmlns="" xmlns:a16="http://schemas.microsoft.com/office/drawing/2014/main" id="{AF67E41A-86F0-4171-AF59-B8112F710DA5}"/>
               </a:ext>
             </a:extLst>
           </p:cNvPr>
@@ -5284,15 +5324,37 @@
         </p:nvSpPr>
         <p:spPr/>
         <p:txBody>
-          <a:bodyPr/>
-          <a:lstStyle/>
-          <a:p>
+          <a:bodyPr anchor="ctr"/>
+          <a:lstStyle/>
+          <a:p>
+            <a:pPr>
+              <a:lnSpc>
+                <a:spcPct val="100000"/>
+              </a:lnSpc>
+            </a:pPr>
             <a:r>
               <a:rPr lang="en-US" dirty="0"/>
-              <a:t>Standard Normal ~N(0,1)</a:t>
-            </a:r>
-          </a:p>
-          <a:p>
+              <a:t>Standard Normal </a:t>
+            </a:r>
+            <a:r>
+              <a:rPr lang="en-US" dirty="0" smtClean="0"/>
+              <a:t>~ N(0,1)</a:t>
+            </a:r>
+          </a:p>
+          <a:p>
+            <a:pPr>
+              <a:lnSpc>
+                <a:spcPct val="100000"/>
+              </a:lnSpc>
+            </a:pPr>
+            <a:endParaRPr lang="en-US" dirty="0"/>
+          </a:p>
+          <a:p>
+            <a:pPr>
+              <a:lnSpc>
+                <a:spcPct val="100000"/>
+              </a:lnSpc>
+            </a:pPr>
             <a:r>
               <a:rPr lang="en-US" dirty="0"/>
               <a:t>Only for continuous </a:t>
@@ -5303,21 +5365,35 @@
             </a:r>
           </a:p>
           <a:p>
+            <a:pPr>
+              <a:lnSpc>
+                <a:spcPct val="100000"/>
+              </a:lnSpc>
+            </a:pPr>
+            <a:endParaRPr lang="en-US" dirty="0" smtClean="0"/>
+          </a:p>
+          <a:p>
+            <a:pPr>
+              <a:lnSpc>
+                <a:spcPct val="100000"/>
+              </a:lnSpc>
+            </a:pPr>
             <a:r>
               <a:rPr lang="en-US" dirty="0" smtClean="0"/>
               <a:t>Needed in order to be in form that is </a:t>
             </a:r>
             <a:r>
-              <a:rPr lang="en-US" dirty="0" err="1" smtClean="0"/>
-              <a:t>interpable</a:t>
-            </a:r>
-            <a:r>
               <a:rPr lang="en-US" dirty="0" smtClean="0"/>
-              <a:t> for a linear regression model</a:t>
-            </a:r>
-            <a:endParaRPr lang="en-US" dirty="0"/>
-          </a:p>
-          <a:p>
+              <a:t>interpretable </a:t>
+            </a:r>
+            <a:r>
+              <a:rPr lang="en-US" dirty="0" smtClean="0"/>
+              <a:t>for a </a:t>
+            </a:r>
+            <a:r>
+              <a:rPr lang="en-US" dirty="0" smtClean="0"/>
+              <a:t>regression model</a:t>
+            </a:r>
             <a:endParaRPr lang="en-US" dirty="0"/>
           </a:p>
         </p:txBody>

--- a/Mid_Semester_Pres.pptx
+++ b/Mid_Semester_Pres.pptx
@@ -148,7 +148,7 @@
           <p:cNvPr id="2" name="Title 1">
             <a:extLst>
               <a:ext uri="{FF2B5EF4-FFF2-40B4-BE49-F238E27FC236}">
-                <a16:creationId xmlns:a16="http://schemas.microsoft.com/office/drawing/2014/main" xmlns="" id="{24813C38-6780-394D-B0D7-5CB9333C04B7}"/>
+                <a16:creationId xmlns:a16="http://schemas.microsoft.com/office/drawing/2014/main" id="{24813C38-6780-394D-B0D7-5CB9333C04B7}"/>
               </a:ext>
             </a:extLst>
           </p:cNvPr>
@@ -185,7 +185,7 @@
           <p:cNvPr id="3" name="Subtitle 2">
             <a:extLst>
               <a:ext uri="{FF2B5EF4-FFF2-40B4-BE49-F238E27FC236}">
-                <a16:creationId xmlns:a16="http://schemas.microsoft.com/office/drawing/2014/main" xmlns="" id="{028DAFC7-6381-B94E-9C1D-B4086C7FDC27}"/>
+                <a16:creationId xmlns:a16="http://schemas.microsoft.com/office/drawing/2014/main" id="{028DAFC7-6381-B94E-9C1D-B4086C7FDC27}"/>
               </a:ext>
             </a:extLst>
           </p:cNvPr>
@@ -255,7 +255,7 @@
           <p:cNvPr id="4" name="Date Placeholder 3">
             <a:extLst>
               <a:ext uri="{FF2B5EF4-FFF2-40B4-BE49-F238E27FC236}">
-                <a16:creationId xmlns:a16="http://schemas.microsoft.com/office/drawing/2014/main" xmlns="" id="{0C794904-F6A9-4B40-A5B4-AE1F825AB3CA}"/>
+                <a16:creationId xmlns:a16="http://schemas.microsoft.com/office/drawing/2014/main" id="{0C794904-F6A9-4B40-A5B4-AE1F825AB3CA}"/>
               </a:ext>
             </a:extLst>
           </p:cNvPr>
@@ -273,7 +273,7 @@
           <a:p>
             <a:fld id="{45F5DF8E-F4B8-D441-8FFB-59F600C03B7F}" type="datetimeFigureOut">
               <a:rPr lang="en-US" smtClean="0"/>
-              <a:t>3/20/22</a:t>
+              <a:t>3/21/2022</a:t>
             </a:fld>
             <a:endParaRPr lang="en-US"/>
           </a:p>
@@ -284,7 +284,7 @@
           <p:cNvPr id="5" name="Footer Placeholder 4">
             <a:extLst>
               <a:ext uri="{FF2B5EF4-FFF2-40B4-BE49-F238E27FC236}">
-                <a16:creationId xmlns:a16="http://schemas.microsoft.com/office/drawing/2014/main" xmlns="" id="{D7F3CEBD-6753-7F45-89AF-483FD194E40E}"/>
+                <a16:creationId xmlns:a16="http://schemas.microsoft.com/office/drawing/2014/main" id="{D7F3CEBD-6753-7F45-89AF-483FD194E40E}"/>
               </a:ext>
             </a:extLst>
           </p:cNvPr>
@@ -309,7 +309,7 @@
           <p:cNvPr id="6" name="Slide Number Placeholder 5">
             <a:extLst>
               <a:ext uri="{FF2B5EF4-FFF2-40B4-BE49-F238E27FC236}">
-                <a16:creationId xmlns:a16="http://schemas.microsoft.com/office/drawing/2014/main" xmlns="" id="{D314E6EC-E184-8F49-83B3-9A67246F7571}"/>
+                <a16:creationId xmlns:a16="http://schemas.microsoft.com/office/drawing/2014/main" id="{D314E6EC-E184-8F49-83B3-9A67246F7571}"/>
               </a:ext>
             </a:extLst>
           </p:cNvPr>
@@ -368,7 +368,7 @@
           <p:cNvPr id="2" name="Title 1">
             <a:extLst>
               <a:ext uri="{FF2B5EF4-FFF2-40B4-BE49-F238E27FC236}">
-                <a16:creationId xmlns:a16="http://schemas.microsoft.com/office/drawing/2014/main" xmlns="" id="{39036396-E03F-3940-871A-6EECAAAD69F1}"/>
+                <a16:creationId xmlns:a16="http://schemas.microsoft.com/office/drawing/2014/main" id="{39036396-E03F-3940-871A-6EECAAAD69F1}"/>
               </a:ext>
             </a:extLst>
           </p:cNvPr>
@@ -396,7 +396,7 @@
           <p:cNvPr id="3" name="Vertical Text Placeholder 2">
             <a:extLst>
               <a:ext uri="{FF2B5EF4-FFF2-40B4-BE49-F238E27FC236}">
-                <a16:creationId xmlns:a16="http://schemas.microsoft.com/office/drawing/2014/main" xmlns="" id="{6F748323-3EE6-844E-96CE-76F8C28254E1}"/>
+                <a16:creationId xmlns:a16="http://schemas.microsoft.com/office/drawing/2014/main" id="{6F748323-3EE6-844E-96CE-76F8C28254E1}"/>
               </a:ext>
             </a:extLst>
           </p:cNvPr>
@@ -453,7 +453,7 @@
           <p:cNvPr id="4" name="Date Placeholder 3">
             <a:extLst>
               <a:ext uri="{FF2B5EF4-FFF2-40B4-BE49-F238E27FC236}">
-                <a16:creationId xmlns:a16="http://schemas.microsoft.com/office/drawing/2014/main" xmlns="" id="{3B80DCBD-874F-F742-9556-D2090DE03C00}"/>
+                <a16:creationId xmlns:a16="http://schemas.microsoft.com/office/drawing/2014/main" id="{3B80DCBD-874F-F742-9556-D2090DE03C00}"/>
               </a:ext>
             </a:extLst>
           </p:cNvPr>
@@ -471,7 +471,7 @@
           <a:p>
             <a:fld id="{45F5DF8E-F4B8-D441-8FFB-59F600C03B7F}" type="datetimeFigureOut">
               <a:rPr lang="en-US" smtClean="0"/>
-              <a:t>3/20/22</a:t>
+              <a:t>3/21/2022</a:t>
             </a:fld>
             <a:endParaRPr lang="en-US"/>
           </a:p>
@@ -482,7 +482,7 @@
           <p:cNvPr id="5" name="Footer Placeholder 4">
             <a:extLst>
               <a:ext uri="{FF2B5EF4-FFF2-40B4-BE49-F238E27FC236}">
-                <a16:creationId xmlns:a16="http://schemas.microsoft.com/office/drawing/2014/main" xmlns="" id="{0B9534DF-45B0-4941-BE80-F3023F8BA678}"/>
+                <a16:creationId xmlns:a16="http://schemas.microsoft.com/office/drawing/2014/main" id="{0B9534DF-45B0-4941-BE80-F3023F8BA678}"/>
               </a:ext>
             </a:extLst>
           </p:cNvPr>
@@ -507,7 +507,7 @@
           <p:cNvPr id="6" name="Slide Number Placeholder 5">
             <a:extLst>
               <a:ext uri="{FF2B5EF4-FFF2-40B4-BE49-F238E27FC236}">
-                <a16:creationId xmlns:a16="http://schemas.microsoft.com/office/drawing/2014/main" xmlns="" id="{FB6A1C1B-C76C-AF45-9B24-86FBBE5A242D}"/>
+                <a16:creationId xmlns:a16="http://schemas.microsoft.com/office/drawing/2014/main" id="{FB6A1C1B-C76C-AF45-9B24-86FBBE5A242D}"/>
               </a:ext>
             </a:extLst>
           </p:cNvPr>
@@ -566,7 +566,7 @@
           <p:cNvPr id="2" name="Vertical Title 1">
             <a:extLst>
               <a:ext uri="{FF2B5EF4-FFF2-40B4-BE49-F238E27FC236}">
-                <a16:creationId xmlns:a16="http://schemas.microsoft.com/office/drawing/2014/main" xmlns="" id="{8846BBD8-61E8-2B4C-BEEF-9C26733211BC}"/>
+                <a16:creationId xmlns:a16="http://schemas.microsoft.com/office/drawing/2014/main" id="{8846BBD8-61E8-2B4C-BEEF-9C26733211BC}"/>
               </a:ext>
             </a:extLst>
           </p:cNvPr>
@@ -599,7 +599,7 @@
           <p:cNvPr id="3" name="Vertical Text Placeholder 2">
             <a:extLst>
               <a:ext uri="{FF2B5EF4-FFF2-40B4-BE49-F238E27FC236}">
-                <a16:creationId xmlns:a16="http://schemas.microsoft.com/office/drawing/2014/main" xmlns="" id="{2C80CFEE-74DE-694F-846D-3D5E66967662}"/>
+                <a16:creationId xmlns:a16="http://schemas.microsoft.com/office/drawing/2014/main" id="{2C80CFEE-74DE-694F-846D-3D5E66967662}"/>
               </a:ext>
             </a:extLst>
           </p:cNvPr>
@@ -661,7 +661,7 @@
           <p:cNvPr id="4" name="Date Placeholder 3">
             <a:extLst>
               <a:ext uri="{FF2B5EF4-FFF2-40B4-BE49-F238E27FC236}">
-                <a16:creationId xmlns:a16="http://schemas.microsoft.com/office/drawing/2014/main" xmlns="" id="{DFCEC5A0-E549-A846-BA27-582B5B438227}"/>
+                <a16:creationId xmlns:a16="http://schemas.microsoft.com/office/drawing/2014/main" id="{DFCEC5A0-E549-A846-BA27-582B5B438227}"/>
               </a:ext>
             </a:extLst>
           </p:cNvPr>
@@ -679,7 +679,7 @@
           <a:p>
             <a:fld id="{45F5DF8E-F4B8-D441-8FFB-59F600C03B7F}" type="datetimeFigureOut">
               <a:rPr lang="en-US" smtClean="0"/>
-              <a:t>3/20/22</a:t>
+              <a:t>3/21/2022</a:t>
             </a:fld>
             <a:endParaRPr lang="en-US"/>
           </a:p>
@@ -690,7 +690,7 @@
           <p:cNvPr id="5" name="Footer Placeholder 4">
             <a:extLst>
               <a:ext uri="{FF2B5EF4-FFF2-40B4-BE49-F238E27FC236}">
-                <a16:creationId xmlns:a16="http://schemas.microsoft.com/office/drawing/2014/main" xmlns="" id="{F2759457-716A-274D-8259-60A9685ECC74}"/>
+                <a16:creationId xmlns:a16="http://schemas.microsoft.com/office/drawing/2014/main" id="{F2759457-716A-274D-8259-60A9685ECC74}"/>
               </a:ext>
             </a:extLst>
           </p:cNvPr>
@@ -715,7 +715,7 @@
           <p:cNvPr id="6" name="Slide Number Placeholder 5">
             <a:extLst>
               <a:ext uri="{FF2B5EF4-FFF2-40B4-BE49-F238E27FC236}">
-                <a16:creationId xmlns:a16="http://schemas.microsoft.com/office/drawing/2014/main" xmlns="" id="{4DA1D426-3F87-B746-A1B7-D86C89BEEF2F}"/>
+                <a16:creationId xmlns:a16="http://schemas.microsoft.com/office/drawing/2014/main" id="{4DA1D426-3F87-B746-A1B7-D86C89BEEF2F}"/>
               </a:ext>
             </a:extLst>
           </p:cNvPr>
@@ -774,7 +774,7 @@
           <p:cNvPr id="2" name="Title 1">
             <a:extLst>
               <a:ext uri="{FF2B5EF4-FFF2-40B4-BE49-F238E27FC236}">
-                <a16:creationId xmlns:a16="http://schemas.microsoft.com/office/drawing/2014/main" xmlns="" id="{58A18CFA-D9FE-B24B-9769-996B3E98496E}"/>
+                <a16:creationId xmlns:a16="http://schemas.microsoft.com/office/drawing/2014/main" id="{58A18CFA-D9FE-B24B-9769-996B3E98496E}"/>
               </a:ext>
             </a:extLst>
           </p:cNvPr>
@@ -802,7 +802,7 @@
           <p:cNvPr id="3" name="Content Placeholder 2">
             <a:extLst>
               <a:ext uri="{FF2B5EF4-FFF2-40B4-BE49-F238E27FC236}">
-                <a16:creationId xmlns:a16="http://schemas.microsoft.com/office/drawing/2014/main" xmlns="" id="{081FB8E3-1516-BC47-BD18-FC17BC338D83}"/>
+                <a16:creationId xmlns:a16="http://schemas.microsoft.com/office/drawing/2014/main" id="{081FB8E3-1516-BC47-BD18-FC17BC338D83}"/>
               </a:ext>
             </a:extLst>
           </p:cNvPr>
@@ -859,7 +859,7 @@
           <p:cNvPr id="4" name="Date Placeholder 3">
             <a:extLst>
               <a:ext uri="{FF2B5EF4-FFF2-40B4-BE49-F238E27FC236}">
-                <a16:creationId xmlns:a16="http://schemas.microsoft.com/office/drawing/2014/main" xmlns="" id="{7A5745AE-806B-334C-A2F8-71DD63CA7495}"/>
+                <a16:creationId xmlns:a16="http://schemas.microsoft.com/office/drawing/2014/main" id="{7A5745AE-806B-334C-A2F8-71DD63CA7495}"/>
               </a:ext>
             </a:extLst>
           </p:cNvPr>
@@ -877,7 +877,7 @@
           <a:p>
             <a:fld id="{45F5DF8E-F4B8-D441-8FFB-59F600C03B7F}" type="datetimeFigureOut">
               <a:rPr lang="en-US" smtClean="0"/>
-              <a:t>3/20/22</a:t>
+              <a:t>3/21/2022</a:t>
             </a:fld>
             <a:endParaRPr lang="en-US"/>
           </a:p>
@@ -888,7 +888,7 @@
           <p:cNvPr id="5" name="Footer Placeholder 4">
             <a:extLst>
               <a:ext uri="{FF2B5EF4-FFF2-40B4-BE49-F238E27FC236}">
-                <a16:creationId xmlns:a16="http://schemas.microsoft.com/office/drawing/2014/main" xmlns="" id="{BA483F14-3D01-6941-972A-7F7ABC43B009}"/>
+                <a16:creationId xmlns:a16="http://schemas.microsoft.com/office/drawing/2014/main" id="{BA483F14-3D01-6941-972A-7F7ABC43B009}"/>
               </a:ext>
             </a:extLst>
           </p:cNvPr>
@@ -913,7 +913,7 @@
           <p:cNvPr id="6" name="Slide Number Placeholder 5">
             <a:extLst>
               <a:ext uri="{FF2B5EF4-FFF2-40B4-BE49-F238E27FC236}">
-                <a16:creationId xmlns:a16="http://schemas.microsoft.com/office/drawing/2014/main" xmlns="" id="{75624641-F809-E043-9D83-49E001FD45C5}"/>
+                <a16:creationId xmlns:a16="http://schemas.microsoft.com/office/drawing/2014/main" id="{75624641-F809-E043-9D83-49E001FD45C5}"/>
               </a:ext>
             </a:extLst>
           </p:cNvPr>
@@ -972,7 +972,7 @@
           <p:cNvPr id="2" name="Title 1">
             <a:extLst>
               <a:ext uri="{FF2B5EF4-FFF2-40B4-BE49-F238E27FC236}">
-                <a16:creationId xmlns:a16="http://schemas.microsoft.com/office/drawing/2014/main" xmlns="" id="{C0E98CF8-EB42-1A4E-B34A-BC2C37DB5654}"/>
+                <a16:creationId xmlns:a16="http://schemas.microsoft.com/office/drawing/2014/main" id="{C0E98CF8-EB42-1A4E-B34A-BC2C37DB5654}"/>
               </a:ext>
             </a:extLst>
           </p:cNvPr>
@@ -1009,7 +1009,7 @@
           <p:cNvPr id="3" name="Text Placeholder 2">
             <a:extLst>
               <a:ext uri="{FF2B5EF4-FFF2-40B4-BE49-F238E27FC236}">
-                <a16:creationId xmlns:a16="http://schemas.microsoft.com/office/drawing/2014/main" xmlns="" id="{0755F6C4-4B3C-C64A-A0E8-422A7C1ACABB}"/>
+                <a16:creationId xmlns:a16="http://schemas.microsoft.com/office/drawing/2014/main" id="{0755F6C4-4B3C-C64A-A0E8-422A7C1ACABB}"/>
               </a:ext>
             </a:extLst>
           </p:cNvPr>
@@ -1134,7 +1134,7 @@
           <p:cNvPr id="4" name="Date Placeholder 3">
             <a:extLst>
               <a:ext uri="{FF2B5EF4-FFF2-40B4-BE49-F238E27FC236}">
-                <a16:creationId xmlns:a16="http://schemas.microsoft.com/office/drawing/2014/main" xmlns="" id="{A6B6158D-EA13-F74F-AC4D-80E2B453A5A8}"/>
+                <a16:creationId xmlns:a16="http://schemas.microsoft.com/office/drawing/2014/main" id="{A6B6158D-EA13-F74F-AC4D-80E2B453A5A8}"/>
               </a:ext>
             </a:extLst>
           </p:cNvPr>
@@ -1152,7 +1152,7 @@
           <a:p>
             <a:fld id="{45F5DF8E-F4B8-D441-8FFB-59F600C03B7F}" type="datetimeFigureOut">
               <a:rPr lang="en-US" smtClean="0"/>
-              <a:t>3/20/22</a:t>
+              <a:t>3/21/2022</a:t>
             </a:fld>
             <a:endParaRPr lang="en-US"/>
           </a:p>
@@ -1163,7 +1163,7 @@
           <p:cNvPr id="5" name="Footer Placeholder 4">
             <a:extLst>
               <a:ext uri="{FF2B5EF4-FFF2-40B4-BE49-F238E27FC236}">
-                <a16:creationId xmlns:a16="http://schemas.microsoft.com/office/drawing/2014/main" xmlns="" id="{0DD3B44F-D53E-6540-8DB3-C188A7A5C9CF}"/>
+                <a16:creationId xmlns:a16="http://schemas.microsoft.com/office/drawing/2014/main" id="{0DD3B44F-D53E-6540-8DB3-C188A7A5C9CF}"/>
               </a:ext>
             </a:extLst>
           </p:cNvPr>
@@ -1188,7 +1188,7 @@
           <p:cNvPr id="6" name="Slide Number Placeholder 5">
             <a:extLst>
               <a:ext uri="{FF2B5EF4-FFF2-40B4-BE49-F238E27FC236}">
-                <a16:creationId xmlns:a16="http://schemas.microsoft.com/office/drawing/2014/main" xmlns="" id="{F171FF0F-EB0C-764C-B053-ADD23560B8AB}"/>
+                <a16:creationId xmlns:a16="http://schemas.microsoft.com/office/drawing/2014/main" id="{F171FF0F-EB0C-764C-B053-ADD23560B8AB}"/>
               </a:ext>
             </a:extLst>
           </p:cNvPr>
@@ -1247,7 +1247,7 @@
           <p:cNvPr id="2" name="Title 1">
             <a:extLst>
               <a:ext uri="{FF2B5EF4-FFF2-40B4-BE49-F238E27FC236}">
-                <a16:creationId xmlns:a16="http://schemas.microsoft.com/office/drawing/2014/main" xmlns="" id="{04EE9806-24A1-0A46-9AB1-E51314677AFF}"/>
+                <a16:creationId xmlns:a16="http://schemas.microsoft.com/office/drawing/2014/main" id="{04EE9806-24A1-0A46-9AB1-E51314677AFF}"/>
               </a:ext>
             </a:extLst>
           </p:cNvPr>
@@ -1275,7 +1275,7 @@
           <p:cNvPr id="3" name="Content Placeholder 2">
             <a:extLst>
               <a:ext uri="{FF2B5EF4-FFF2-40B4-BE49-F238E27FC236}">
-                <a16:creationId xmlns:a16="http://schemas.microsoft.com/office/drawing/2014/main" xmlns="" id="{D09A5A07-85D4-6143-A71A-D0C19F741A11}"/>
+                <a16:creationId xmlns:a16="http://schemas.microsoft.com/office/drawing/2014/main" id="{D09A5A07-85D4-6143-A71A-D0C19F741A11}"/>
               </a:ext>
             </a:extLst>
           </p:cNvPr>
@@ -1337,7 +1337,7 @@
           <p:cNvPr id="4" name="Content Placeholder 3">
             <a:extLst>
               <a:ext uri="{FF2B5EF4-FFF2-40B4-BE49-F238E27FC236}">
-                <a16:creationId xmlns:a16="http://schemas.microsoft.com/office/drawing/2014/main" xmlns="" id="{9A3B2696-E398-8841-9DC1-1E0061A59CF9}"/>
+                <a16:creationId xmlns:a16="http://schemas.microsoft.com/office/drawing/2014/main" id="{9A3B2696-E398-8841-9DC1-1E0061A59CF9}"/>
               </a:ext>
             </a:extLst>
           </p:cNvPr>
@@ -1399,7 +1399,7 @@
           <p:cNvPr id="5" name="Date Placeholder 4">
             <a:extLst>
               <a:ext uri="{FF2B5EF4-FFF2-40B4-BE49-F238E27FC236}">
-                <a16:creationId xmlns:a16="http://schemas.microsoft.com/office/drawing/2014/main" xmlns="" id="{E52BC04B-AE70-D04D-B870-4DDA7352D97B}"/>
+                <a16:creationId xmlns:a16="http://schemas.microsoft.com/office/drawing/2014/main" id="{E52BC04B-AE70-D04D-B870-4DDA7352D97B}"/>
               </a:ext>
             </a:extLst>
           </p:cNvPr>
@@ -1417,7 +1417,7 @@
           <a:p>
             <a:fld id="{45F5DF8E-F4B8-D441-8FFB-59F600C03B7F}" type="datetimeFigureOut">
               <a:rPr lang="en-US" smtClean="0"/>
-              <a:t>3/20/22</a:t>
+              <a:t>3/21/2022</a:t>
             </a:fld>
             <a:endParaRPr lang="en-US"/>
           </a:p>
@@ -1428,7 +1428,7 @@
           <p:cNvPr id="6" name="Footer Placeholder 5">
             <a:extLst>
               <a:ext uri="{FF2B5EF4-FFF2-40B4-BE49-F238E27FC236}">
-                <a16:creationId xmlns:a16="http://schemas.microsoft.com/office/drawing/2014/main" xmlns="" id="{45C5A8D9-5C2F-3644-81A8-4090ABF469B1}"/>
+                <a16:creationId xmlns:a16="http://schemas.microsoft.com/office/drawing/2014/main" id="{45C5A8D9-5C2F-3644-81A8-4090ABF469B1}"/>
               </a:ext>
             </a:extLst>
           </p:cNvPr>
@@ -1453,7 +1453,7 @@
           <p:cNvPr id="7" name="Slide Number Placeholder 6">
             <a:extLst>
               <a:ext uri="{FF2B5EF4-FFF2-40B4-BE49-F238E27FC236}">
-                <a16:creationId xmlns:a16="http://schemas.microsoft.com/office/drawing/2014/main" xmlns="" id="{028C3890-FDF5-044B-91D0-5B5E035BB575}"/>
+                <a16:creationId xmlns:a16="http://schemas.microsoft.com/office/drawing/2014/main" id="{028C3890-FDF5-044B-91D0-5B5E035BB575}"/>
               </a:ext>
             </a:extLst>
           </p:cNvPr>
@@ -1512,7 +1512,7 @@
           <p:cNvPr id="2" name="Title 1">
             <a:extLst>
               <a:ext uri="{FF2B5EF4-FFF2-40B4-BE49-F238E27FC236}">
-                <a16:creationId xmlns:a16="http://schemas.microsoft.com/office/drawing/2014/main" xmlns="" id="{4A55EB84-E70A-F048-8C65-BC0791EFB15C}"/>
+                <a16:creationId xmlns:a16="http://schemas.microsoft.com/office/drawing/2014/main" id="{4A55EB84-E70A-F048-8C65-BC0791EFB15C}"/>
               </a:ext>
             </a:extLst>
           </p:cNvPr>
@@ -1545,7 +1545,7 @@
           <p:cNvPr id="3" name="Text Placeholder 2">
             <a:extLst>
               <a:ext uri="{FF2B5EF4-FFF2-40B4-BE49-F238E27FC236}">
-                <a16:creationId xmlns:a16="http://schemas.microsoft.com/office/drawing/2014/main" xmlns="" id="{CB77977E-5D6C-D44C-B75C-8D6FB486C383}"/>
+                <a16:creationId xmlns:a16="http://schemas.microsoft.com/office/drawing/2014/main" id="{CB77977E-5D6C-D44C-B75C-8D6FB486C383}"/>
               </a:ext>
             </a:extLst>
           </p:cNvPr>
@@ -1616,7 +1616,7 @@
           <p:cNvPr id="4" name="Content Placeholder 3">
             <a:extLst>
               <a:ext uri="{FF2B5EF4-FFF2-40B4-BE49-F238E27FC236}">
-                <a16:creationId xmlns:a16="http://schemas.microsoft.com/office/drawing/2014/main" xmlns="" id="{B224A687-E2B1-584C-9030-F1D87142C127}"/>
+                <a16:creationId xmlns:a16="http://schemas.microsoft.com/office/drawing/2014/main" id="{B224A687-E2B1-584C-9030-F1D87142C127}"/>
               </a:ext>
             </a:extLst>
           </p:cNvPr>
@@ -1678,7 +1678,7 @@
           <p:cNvPr id="5" name="Text Placeholder 4">
             <a:extLst>
               <a:ext uri="{FF2B5EF4-FFF2-40B4-BE49-F238E27FC236}">
-                <a16:creationId xmlns:a16="http://schemas.microsoft.com/office/drawing/2014/main" xmlns="" id="{AE116A7A-9148-254A-A879-06C9498BF6A5}"/>
+                <a16:creationId xmlns:a16="http://schemas.microsoft.com/office/drawing/2014/main" id="{AE116A7A-9148-254A-A879-06C9498BF6A5}"/>
               </a:ext>
             </a:extLst>
           </p:cNvPr>
@@ -1749,7 +1749,7 @@
           <p:cNvPr id="6" name="Content Placeholder 5">
             <a:extLst>
               <a:ext uri="{FF2B5EF4-FFF2-40B4-BE49-F238E27FC236}">
-                <a16:creationId xmlns:a16="http://schemas.microsoft.com/office/drawing/2014/main" xmlns="" id="{E5F23523-7946-3740-8E42-6D6FA2C1A5CC}"/>
+                <a16:creationId xmlns:a16="http://schemas.microsoft.com/office/drawing/2014/main" id="{E5F23523-7946-3740-8E42-6D6FA2C1A5CC}"/>
               </a:ext>
             </a:extLst>
           </p:cNvPr>
@@ -1811,7 +1811,7 @@
           <p:cNvPr id="7" name="Date Placeholder 6">
             <a:extLst>
               <a:ext uri="{FF2B5EF4-FFF2-40B4-BE49-F238E27FC236}">
-                <a16:creationId xmlns:a16="http://schemas.microsoft.com/office/drawing/2014/main" xmlns="" id="{D86AA804-7678-5F4B-828F-80C3433F9759}"/>
+                <a16:creationId xmlns:a16="http://schemas.microsoft.com/office/drawing/2014/main" id="{D86AA804-7678-5F4B-828F-80C3433F9759}"/>
               </a:ext>
             </a:extLst>
           </p:cNvPr>
@@ -1829,7 +1829,7 @@
           <a:p>
             <a:fld id="{45F5DF8E-F4B8-D441-8FFB-59F600C03B7F}" type="datetimeFigureOut">
               <a:rPr lang="en-US" smtClean="0"/>
-              <a:t>3/20/22</a:t>
+              <a:t>3/21/2022</a:t>
             </a:fld>
             <a:endParaRPr lang="en-US"/>
           </a:p>
@@ -1840,7 +1840,7 @@
           <p:cNvPr id="8" name="Footer Placeholder 7">
             <a:extLst>
               <a:ext uri="{FF2B5EF4-FFF2-40B4-BE49-F238E27FC236}">
-                <a16:creationId xmlns:a16="http://schemas.microsoft.com/office/drawing/2014/main" xmlns="" id="{916065C0-E562-5946-BE3A-62C5FC622031}"/>
+                <a16:creationId xmlns:a16="http://schemas.microsoft.com/office/drawing/2014/main" id="{916065C0-E562-5946-BE3A-62C5FC622031}"/>
               </a:ext>
             </a:extLst>
           </p:cNvPr>
@@ -1865,7 +1865,7 @@
           <p:cNvPr id="9" name="Slide Number Placeholder 8">
             <a:extLst>
               <a:ext uri="{FF2B5EF4-FFF2-40B4-BE49-F238E27FC236}">
-                <a16:creationId xmlns:a16="http://schemas.microsoft.com/office/drawing/2014/main" xmlns="" id="{7D46EC52-AC19-3B40-AF6A-23FDA4949A1D}"/>
+                <a16:creationId xmlns:a16="http://schemas.microsoft.com/office/drawing/2014/main" id="{7D46EC52-AC19-3B40-AF6A-23FDA4949A1D}"/>
               </a:ext>
             </a:extLst>
           </p:cNvPr>
@@ -1924,7 +1924,7 @@
           <p:cNvPr id="2" name="Title 1">
             <a:extLst>
               <a:ext uri="{FF2B5EF4-FFF2-40B4-BE49-F238E27FC236}">
-                <a16:creationId xmlns:a16="http://schemas.microsoft.com/office/drawing/2014/main" xmlns="" id="{69F19683-B245-5242-A0F0-39F46C4AB29A}"/>
+                <a16:creationId xmlns:a16="http://schemas.microsoft.com/office/drawing/2014/main" id="{69F19683-B245-5242-A0F0-39F46C4AB29A}"/>
               </a:ext>
             </a:extLst>
           </p:cNvPr>
@@ -1952,7 +1952,7 @@
           <p:cNvPr id="3" name="Date Placeholder 2">
             <a:extLst>
               <a:ext uri="{FF2B5EF4-FFF2-40B4-BE49-F238E27FC236}">
-                <a16:creationId xmlns:a16="http://schemas.microsoft.com/office/drawing/2014/main" xmlns="" id="{E39F037B-F4BB-7A49-9A72-7D58BEDA0DE3}"/>
+                <a16:creationId xmlns:a16="http://schemas.microsoft.com/office/drawing/2014/main" id="{E39F037B-F4BB-7A49-9A72-7D58BEDA0DE3}"/>
               </a:ext>
             </a:extLst>
           </p:cNvPr>
@@ -1970,7 +1970,7 @@
           <a:p>
             <a:fld id="{45F5DF8E-F4B8-D441-8FFB-59F600C03B7F}" type="datetimeFigureOut">
               <a:rPr lang="en-US" smtClean="0"/>
-              <a:t>3/20/22</a:t>
+              <a:t>3/21/2022</a:t>
             </a:fld>
             <a:endParaRPr lang="en-US"/>
           </a:p>
@@ -1981,7 +1981,7 @@
           <p:cNvPr id="4" name="Footer Placeholder 3">
             <a:extLst>
               <a:ext uri="{FF2B5EF4-FFF2-40B4-BE49-F238E27FC236}">
-                <a16:creationId xmlns:a16="http://schemas.microsoft.com/office/drawing/2014/main" xmlns="" id="{1843F474-92FD-214F-8A7A-20E8FD0DD51A}"/>
+                <a16:creationId xmlns:a16="http://schemas.microsoft.com/office/drawing/2014/main" id="{1843F474-92FD-214F-8A7A-20E8FD0DD51A}"/>
               </a:ext>
             </a:extLst>
           </p:cNvPr>
@@ -2006,7 +2006,7 @@
           <p:cNvPr id="5" name="Slide Number Placeholder 4">
             <a:extLst>
               <a:ext uri="{FF2B5EF4-FFF2-40B4-BE49-F238E27FC236}">
-                <a16:creationId xmlns:a16="http://schemas.microsoft.com/office/drawing/2014/main" xmlns="" id="{3087DCDA-892D-7A4E-B4E5-ED391B306AD1}"/>
+                <a16:creationId xmlns:a16="http://schemas.microsoft.com/office/drawing/2014/main" id="{3087DCDA-892D-7A4E-B4E5-ED391B306AD1}"/>
               </a:ext>
             </a:extLst>
           </p:cNvPr>
@@ -2065,7 +2065,7 @@
           <p:cNvPr id="2" name="Date Placeholder 1">
             <a:extLst>
               <a:ext uri="{FF2B5EF4-FFF2-40B4-BE49-F238E27FC236}">
-                <a16:creationId xmlns:a16="http://schemas.microsoft.com/office/drawing/2014/main" xmlns="" id="{E18A62BF-0A06-2146-A8F0-8207AAD5287F}"/>
+                <a16:creationId xmlns:a16="http://schemas.microsoft.com/office/drawing/2014/main" id="{E18A62BF-0A06-2146-A8F0-8207AAD5287F}"/>
               </a:ext>
             </a:extLst>
           </p:cNvPr>
@@ -2083,7 +2083,7 @@
           <a:p>
             <a:fld id="{45F5DF8E-F4B8-D441-8FFB-59F600C03B7F}" type="datetimeFigureOut">
               <a:rPr lang="en-US" smtClean="0"/>
-              <a:t>3/20/22</a:t>
+              <a:t>3/21/2022</a:t>
             </a:fld>
             <a:endParaRPr lang="en-US"/>
           </a:p>
@@ -2094,7 +2094,7 @@
           <p:cNvPr id="3" name="Footer Placeholder 2">
             <a:extLst>
               <a:ext uri="{FF2B5EF4-FFF2-40B4-BE49-F238E27FC236}">
-                <a16:creationId xmlns:a16="http://schemas.microsoft.com/office/drawing/2014/main" xmlns="" id="{20326B3C-B7F1-5F47-AB9E-7C22940053D3}"/>
+                <a16:creationId xmlns:a16="http://schemas.microsoft.com/office/drawing/2014/main" id="{20326B3C-B7F1-5F47-AB9E-7C22940053D3}"/>
               </a:ext>
             </a:extLst>
           </p:cNvPr>
@@ -2119,7 +2119,7 @@
           <p:cNvPr id="4" name="Slide Number Placeholder 3">
             <a:extLst>
               <a:ext uri="{FF2B5EF4-FFF2-40B4-BE49-F238E27FC236}">
-                <a16:creationId xmlns:a16="http://schemas.microsoft.com/office/drawing/2014/main" xmlns="" id="{6FE49100-8816-6E45-A59F-AD03A0C15E56}"/>
+                <a16:creationId xmlns:a16="http://schemas.microsoft.com/office/drawing/2014/main" id="{6FE49100-8816-6E45-A59F-AD03A0C15E56}"/>
               </a:ext>
             </a:extLst>
           </p:cNvPr>
@@ -2178,7 +2178,7 @@
           <p:cNvPr id="2" name="Title 1">
             <a:extLst>
               <a:ext uri="{FF2B5EF4-FFF2-40B4-BE49-F238E27FC236}">
-                <a16:creationId xmlns:a16="http://schemas.microsoft.com/office/drawing/2014/main" xmlns="" id="{DA4BA1A8-7A5D-6840-A61C-09B6883BC9F8}"/>
+                <a16:creationId xmlns:a16="http://schemas.microsoft.com/office/drawing/2014/main" id="{DA4BA1A8-7A5D-6840-A61C-09B6883BC9F8}"/>
               </a:ext>
             </a:extLst>
           </p:cNvPr>
@@ -2215,7 +2215,7 @@
           <p:cNvPr id="3" name="Content Placeholder 2">
             <a:extLst>
               <a:ext uri="{FF2B5EF4-FFF2-40B4-BE49-F238E27FC236}">
-                <a16:creationId xmlns:a16="http://schemas.microsoft.com/office/drawing/2014/main" xmlns="" id="{CDDF3BE9-0F54-EC49-9F1D-77CCAE5A6302}"/>
+                <a16:creationId xmlns:a16="http://schemas.microsoft.com/office/drawing/2014/main" id="{CDDF3BE9-0F54-EC49-9F1D-77CCAE5A6302}"/>
               </a:ext>
             </a:extLst>
           </p:cNvPr>
@@ -2305,7 +2305,7 @@
           <p:cNvPr id="4" name="Text Placeholder 3">
             <a:extLst>
               <a:ext uri="{FF2B5EF4-FFF2-40B4-BE49-F238E27FC236}">
-                <a16:creationId xmlns:a16="http://schemas.microsoft.com/office/drawing/2014/main" xmlns="" id="{6AFEA4A9-8161-F149-817C-1605402389B3}"/>
+                <a16:creationId xmlns:a16="http://schemas.microsoft.com/office/drawing/2014/main" id="{6AFEA4A9-8161-F149-817C-1605402389B3}"/>
               </a:ext>
             </a:extLst>
           </p:cNvPr>
@@ -2376,7 +2376,7 @@
           <p:cNvPr id="5" name="Date Placeholder 4">
             <a:extLst>
               <a:ext uri="{FF2B5EF4-FFF2-40B4-BE49-F238E27FC236}">
-                <a16:creationId xmlns:a16="http://schemas.microsoft.com/office/drawing/2014/main" xmlns="" id="{4E71F57D-5164-814B-A8B6-DBBFE365A595}"/>
+                <a16:creationId xmlns:a16="http://schemas.microsoft.com/office/drawing/2014/main" id="{4E71F57D-5164-814B-A8B6-DBBFE365A595}"/>
               </a:ext>
             </a:extLst>
           </p:cNvPr>
@@ -2394,7 +2394,7 @@
           <a:p>
             <a:fld id="{45F5DF8E-F4B8-D441-8FFB-59F600C03B7F}" type="datetimeFigureOut">
               <a:rPr lang="en-US" smtClean="0"/>
-              <a:t>3/20/22</a:t>
+              <a:t>3/21/2022</a:t>
             </a:fld>
             <a:endParaRPr lang="en-US"/>
           </a:p>
@@ -2405,7 +2405,7 @@
           <p:cNvPr id="6" name="Footer Placeholder 5">
             <a:extLst>
               <a:ext uri="{FF2B5EF4-FFF2-40B4-BE49-F238E27FC236}">
-                <a16:creationId xmlns:a16="http://schemas.microsoft.com/office/drawing/2014/main" xmlns="" id="{B6ACB92B-39AA-164E-8476-62AB994548D9}"/>
+                <a16:creationId xmlns:a16="http://schemas.microsoft.com/office/drawing/2014/main" id="{B6ACB92B-39AA-164E-8476-62AB994548D9}"/>
               </a:ext>
             </a:extLst>
           </p:cNvPr>
@@ -2430,7 +2430,7 @@
           <p:cNvPr id="7" name="Slide Number Placeholder 6">
             <a:extLst>
               <a:ext uri="{FF2B5EF4-FFF2-40B4-BE49-F238E27FC236}">
-                <a16:creationId xmlns:a16="http://schemas.microsoft.com/office/drawing/2014/main" xmlns="" id="{E22138CA-7F86-9541-AA58-513E3C7B93B7}"/>
+                <a16:creationId xmlns:a16="http://schemas.microsoft.com/office/drawing/2014/main" id="{E22138CA-7F86-9541-AA58-513E3C7B93B7}"/>
               </a:ext>
             </a:extLst>
           </p:cNvPr>
@@ -2489,7 +2489,7 @@
           <p:cNvPr id="2" name="Title 1">
             <a:extLst>
               <a:ext uri="{FF2B5EF4-FFF2-40B4-BE49-F238E27FC236}">
-                <a16:creationId xmlns:a16="http://schemas.microsoft.com/office/drawing/2014/main" xmlns="" id="{ADB0CFDB-AE56-FE47-AB72-7EF0FE091F67}"/>
+                <a16:creationId xmlns:a16="http://schemas.microsoft.com/office/drawing/2014/main" id="{ADB0CFDB-AE56-FE47-AB72-7EF0FE091F67}"/>
               </a:ext>
             </a:extLst>
           </p:cNvPr>
@@ -2526,7 +2526,7 @@
           <p:cNvPr id="3" name="Picture Placeholder 2">
             <a:extLst>
               <a:ext uri="{FF2B5EF4-FFF2-40B4-BE49-F238E27FC236}">
-                <a16:creationId xmlns:a16="http://schemas.microsoft.com/office/drawing/2014/main" xmlns="" id="{483F1CE3-76C5-7344-B4F9-32DB190BBAA3}"/>
+                <a16:creationId xmlns:a16="http://schemas.microsoft.com/office/drawing/2014/main" id="{483F1CE3-76C5-7344-B4F9-32DB190BBAA3}"/>
               </a:ext>
             </a:extLst>
           </p:cNvPr>
@@ -2593,7 +2593,7 @@
           <p:cNvPr id="4" name="Text Placeholder 3">
             <a:extLst>
               <a:ext uri="{FF2B5EF4-FFF2-40B4-BE49-F238E27FC236}">
-                <a16:creationId xmlns:a16="http://schemas.microsoft.com/office/drawing/2014/main" xmlns="" id="{BE5C8602-0AB8-D64D-8B14-5837E003A5CE}"/>
+                <a16:creationId xmlns:a16="http://schemas.microsoft.com/office/drawing/2014/main" id="{BE5C8602-0AB8-D64D-8B14-5837E003A5CE}"/>
               </a:ext>
             </a:extLst>
           </p:cNvPr>
@@ -2664,7 +2664,7 @@
           <p:cNvPr id="5" name="Date Placeholder 4">
             <a:extLst>
               <a:ext uri="{FF2B5EF4-FFF2-40B4-BE49-F238E27FC236}">
-                <a16:creationId xmlns:a16="http://schemas.microsoft.com/office/drawing/2014/main" xmlns="" id="{3FF89696-D288-E544-8E48-A9DB0669CD35}"/>
+                <a16:creationId xmlns:a16="http://schemas.microsoft.com/office/drawing/2014/main" id="{3FF89696-D288-E544-8E48-A9DB0669CD35}"/>
               </a:ext>
             </a:extLst>
           </p:cNvPr>
@@ -2682,7 +2682,7 @@
           <a:p>
             <a:fld id="{45F5DF8E-F4B8-D441-8FFB-59F600C03B7F}" type="datetimeFigureOut">
               <a:rPr lang="en-US" smtClean="0"/>
-              <a:t>3/20/22</a:t>
+              <a:t>3/21/2022</a:t>
             </a:fld>
             <a:endParaRPr lang="en-US"/>
           </a:p>
@@ -2693,7 +2693,7 @@
           <p:cNvPr id="6" name="Footer Placeholder 5">
             <a:extLst>
               <a:ext uri="{FF2B5EF4-FFF2-40B4-BE49-F238E27FC236}">
-                <a16:creationId xmlns:a16="http://schemas.microsoft.com/office/drawing/2014/main" xmlns="" id="{BB82B9AD-3A8D-8548-A9F6-3D5839CA39F3}"/>
+                <a16:creationId xmlns:a16="http://schemas.microsoft.com/office/drawing/2014/main" id="{BB82B9AD-3A8D-8548-A9F6-3D5839CA39F3}"/>
               </a:ext>
             </a:extLst>
           </p:cNvPr>
@@ -2718,7 +2718,7 @@
           <p:cNvPr id="7" name="Slide Number Placeholder 6">
             <a:extLst>
               <a:ext uri="{FF2B5EF4-FFF2-40B4-BE49-F238E27FC236}">
-                <a16:creationId xmlns:a16="http://schemas.microsoft.com/office/drawing/2014/main" xmlns="" id="{6BE2544D-F3A7-7E44-8D23-8BA5D3B116EC}"/>
+                <a16:creationId xmlns:a16="http://schemas.microsoft.com/office/drawing/2014/main" id="{6BE2544D-F3A7-7E44-8D23-8BA5D3B116EC}"/>
               </a:ext>
             </a:extLst>
           </p:cNvPr>
@@ -2782,7 +2782,7 @@
           <p:cNvPr id="2" name="Title Placeholder 1">
             <a:extLst>
               <a:ext uri="{FF2B5EF4-FFF2-40B4-BE49-F238E27FC236}">
-                <a16:creationId xmlns:a16="http://schemas.microsoft.com/office/drawing/2014/main" xmlns="" id="{39F6D3DA-C70C-D04A-9E79-CD0D66FB9A65}"/>
+                <a16:creationId xmlns:a16="http://schemas.microsoft.com/office/drawing/2014/main" id="{39F6D3DA-C70C-D04A-9E79-CD0D66FB9A65}"/>
               </a:ext>
             </a:extLst>
           </p:cNvPr>
@@ -2820,7 +2820,7 @@
           <p:cNvPr id="3" name="Text Placeholder 2">
             <a:extLst>
               <a:ext uri="{FF2B5EF4-FFF2-40B4-BE49-F238E27FC236}">
-                <a16:creationId xmlns:a16="http://schemas.microsoft.com/office/drawing/2014/main" xmlns="" id="{5E1A3DA7-FEA5-7C4F-B82F-D9485C3C391C}"/>
+                <a16:creationId xmlns:a16="http://schemas.microsoft.com/office/drawing/2014/main" id="{5E1A3DA7-FEA5-7C4F-B82F-D9485C3C391C}"/>
               </a:ext>
             </a:extLst>
           </p:cNvPr>
@@ -2887,7 +2887,7 @@
           <p:cNvPr id="4" name="Date Placeholder 3">
             <a:extLst>
               <a:ext uri="{FF2B5EF4-FFF2-40B4-BE49-F238E27FC236}">
-                <a16:creationId xmlns:a16="http://schemas.microsoft.com/office/drawing/2014/main" xmlns="" id="{D5FFA7A0-A5B9-4B40-89B5-A8F202E4A52D}"/>
+                <a16:creationId xmlns:a16="http://schemas.microsoft.com/office/drawing/2014/main" id="{D5FFA7A0-A5B9-4B40-89B5-A8F202E4A52D}"/>
               </a:ext>
             </a:extLst>
           </p:cNvPr>
@@ -2923,7 +2923,7 @@
           <a:p>
             <a:fld id="{45F5DF8E-F4B8-D441-8FFB-59F600C03B7F}" type="datetimeFigureOut">
               <a:rPr lang="en-US" smtClean="0"/>
-              <a:t>3/20/22</a:t>
+              <a:t>3/21/2022</a:t>
             </a:fld>
             <a:endParaRPr lang="en-US"/>
           </a:p>
@@ -2934,7 +2934,7 @@
           <p:cNvPr id="5" name="Footer Placeholder 4">
             <a:extLst>
               <a:ext uri="{FF2B5EF4-FFF2-40B4-BE49-F238E27FC236}">
-                <a16:creationId xmlns:a16="http://schemas.microsoft.com/office/drawing/2014/main" xmlns="" id="{8F8C4C0F-DD02-D144-8E45-25656FAFC813}"/>
+                <a16:creationId xmlns:a16="http://schemas.microsoft.com/office/drawing/2014/main" id="{8F8C4C0F-DD02-D144-8E45-25656FAFC813}"/>
               </a:ext>
             </a:extLst>
           </p:cNvPr>
@@ -2977,7 +2977,7 @@
           <p:cNvPr id="6" name="Slide Number Placeholder 5">
             <a:extLst>
               <a:ext uri="{FF2B5EF4-FFF2-40B4-BE49-F238E27FC236}">
-                <a16:creationId xmlns:a16="http://schemas.microsoft.com/office/drawing/2014/main" xmlns="" id="{CA0EC7DB-28A5-C24E-AED8-AF1773264F75}"/>
+                <a16:creationId xmlns:a16="http://schemas.microsoft.com/office/drawing/2014/main" id="{CA0EC7DB-28A5-C24E-AED8-AF1773264F75}"/>
               </a:ext>
             </a:extLst>
           </p:cNvPr>
@@ -3345,7 +3345,7 @@
           <p:cNvPr id="2" name="Title 1">
             <a:extLst>
               <a:ext uri="{FF2B5EF4-FFF2-40B4-BE49-F238E27FC236}">
-                <a16:creationId xmlns:a16="http://schemas.microsoft.com/office/drawing/2014/main" xmlns="" id="{63E6769D-0AAE-2044-8EA3-8380823F5ECE}"/>
+                <a16:creationId xmlns:a16="http://schemas.microsoft.com/office/drawing/2014/main" id="{63E6769D-0AAE-2044-8EA3-8380823F5ECE}"/>
               </a:ext>
             </a:extLst>
           </p:cNvPr>
@@ -3373,7 +3373,7 @@
           <p:cNvPr id="3" name="Subtitle 2">
             <a:extLst>
               <a:ext uri="{FF2B5EF4-FFF2-40B4-BE49-F238E27FC236}">
-                <a16:creationId xmlns:a16="http://schemas.microsoft.com/office/drawing/2014/main" xmlns="" id="{EF5A5664-23DD-0541-BF33-69F8800D2195}"/>
+                <a16:creationId xmlns:a16="http://schemas.microsoft.com/office/drawing/2014/main" id="{EF5A5664-23DD-0541-BF33-69F8800D2195}"/>
               </a:ext>
             </a:extLst>
           </p:cNvPr>
@@ -3437,7 +3437,7 @@
           <p:cNvPr id="2" name="Title 1">
             <a:extLst>
               <a:ext uri="{FF2B5EF4-FFF2-40B4-BE49-F238E27FC236}">
-                <a16:creationId xmlns:a16="http://schemas.microsoft.com/office/drawing/2014/main" xmlns="" id="{6AB1D754-572F-49F6-9871-E20F6DF95248}"/>
+                <a16:creationId xmlns:a16="http://schemas.microsoft.com/office/drawing/2014/main" id="{6AB1D754-572F-49F6-9871-E20F6DF95248}"/>
               </a:ext>
             </a:extLst>
           </p:cNvPr>
@@ -3465,7 +3465,7 @@
           <p:cNvPr id="3" name="Content Placeholder 2">
             <a:extLst>
               <a:ext uri="{FF2B5EF4-FFF2-40B4-BE49-F238E27FC236}">
-                <a16:creationId xmlns:a16="http://schemas.microsoft.com/office/drawing/2014/main" xmlns="" id="{9F068461-C235-42A4-8A94-B1C432F7E55A}"/>
+                <a16:creationId xmlns:a16="http://schemas.microsoft.com/office/drawing/2014/main" id="{9F068461-C235-42A4-8A94-B1C432F7E55A}"/>
               </a:ext>
             </a:extLst>
           </p:cNvPr>
@@ -3483,43 +3483,15 @@
           <a:p>
             <a:r>
               <a:rPr lang="en-US" dirty="0"/>
-              <a:t>Kept 3 subjects </a:t>
-            </a:r>
-            <a:r>
-              <a:rPr lang="en-US" dirty="0" smtClean="0"/>
-              <a:t>out</a:t>
+              <a:t>Kept 3 subjects out</a:t>
             </a:r>
           </a:p>
           <a:p>
             <a:pPr lvl="1"/>
             <a:r>
-              <a:rPr lang="en-US" dirty="0" smtClean="0"/>
+              <a:rPr lang="en-US" dirty="0"/>
               <a:t>For use outside of the study, more confidence that the model can accurately predict the severity of an attack for individuals that were not monitored for this study</a:t>
             </a:r>
-            <a:endParaRPr lang="en-US" dirty="0"/>
-          </a:p>
-          <a:p>
-            <a:r>
-              <a:rPr lang="en-US" dirty="0"/>
-              <a:t>K-fold cross </a:t>
-            </a:r>
-            <a:r>
-              <a:rPr lang="en-US" dirty="0" smtClean="0"/>
-              <a:t>validation </a:t>
-            </a:r>
-            <a:r>
-              <a:rPr lang="en-US" dirty="0" smtClean="0">
-                <a:solidFill>
-                  <a:srgbClr val="FF0000"/>
-                </a:solidFill>
-              </a:rPr>
-              <a:t>LOOK MORE INTO</a:t>
-            </a:r>
-            <a:endParaRPr lang="en-US" dirty="0">
-              <a:solidFill>
-                <a:srgbClr val="FF0000"/>
-              </a:solidFill>
-            </a:endParaRPr>
           </a:p>
         </p:txBody>
       </p:sp>
@@ -3558,7 +3530,7 @@
           <p:cNvPr id="7" name="Title 1">
             <a:extLst>
               <a:ext uri="{FF2B5EF4-FFF2-40B4-BE49-F238E27FC236}">
-                <a16:creationId xmlns:a16="http://schemas.microsoft.com/office/drawing/2014/main" xmlns="" id="{CDE84C0E-DAEF-4A24-A855-E44CB6979107}"/>
+                <a16:creationId xmlns:a16="http://schemas.microsoft.com/office/drawing/2014/main" id="{CDE84C0E-DAEF-4A24-A855-E44CB6979107}"/>
               </a:ext>
             </a:extLst>
           </p:cNvPr>
@@ -3581,102 +3553,356 @@
           <a:p>
             <a:r>
               <a:rPr lang="en-US" dirty="0"/>
-              <a:t>Model </a:t>
-            </a:r>
-            <a:r>
-              <a:rPr lang="en-US" dirty="0" smtClean="0"/>
-              <a:t>Update – Mixed Effects Model</a:t>
-            </a:r>
-            <a:endParaRPr lang="en-US" dirty="0"/>
-          </a:p>
-        </p:txBody>
-      </p:sp>
-      <p:sp>
-        <p:nvSpPr>
-          <p:cNvPr id="8" name="Content Placeholder 2">
-            <a:extLst>
-              <a:ext uri="{FF2B5EF4-FFF2-40B4-BE49-F238E27FC236}">
-                <a16:creationId xmlns:a16="http://schemas.microsoft.com/office/drawing/2014/main" xmlns="" id="{01B999D5-EE4D-4AEB-9A9F-A415CCD7D823}"/>
-              </a:ext>
-            </a:extLst>
-          </p:cNvPr>
-          <p:cNvSpPr>
-            <a:spLocks noGrp="1"/>
-          </p:cNvSpPr>
-          <p:nvPr>
-            <p:ph idx="1"/>
-          </p:nvPr>
-        </p:nvSpPr>
-        <p:spPr>
-          <a:xfrm>
-            <a:off x="838200" y="1825625"/>
-            <a:ext cx="10515600" cy="4351338"/>
-          </a:xfrm>
-        </p:spPr>
-        <p:txBody>
-          <a:bodyPr/>
-          <a:lstStyle/>
-          <a:p>
-            <a:r>
-              <a:rPr lang="en-US" dirty="0" smtClean="0"/>
-              <a:t>Easy </a:t>
-            </a:r>
-            <a:r>
-              <a:rPr lang="en-US" dirty="0"/>
-              <a:t>to interpret</a:t>
-            </a:r>
-          </a:p>
-          <a:p>
-            <a:r>
-              <a:rPr lang="en-US" dirty="0" smtClean="0"/>
-              <a:t>Mixture Models: Incorporates </a:t>
-            </a:r>
-            <a:r>
-              <a:rPr lang="en-US" dirty="0"/>
-              <a:t>random effects from each subject</a:t>
-            </a:r>
-          </a:p>
-          <a:p>
-            <a:endParaRPr lang="en-US" dirty="0"/>
-          </a:p>
-          <a:p>
-            <a:r>
-              <a:rPr lang="en-US" dirty="0"/>
-              <a:t>Model: y = beta*X + b*x + epsilon  </a:t>
-            </a:r>
-            <a:r>
-              <a:rPr lang="en-US" dirty="0">
-                <a:sym typeface="Wingdings" panose="05000000000000000000" pitchFamily="2" charset="2"/>
-              </a:rPr>
-              <a:t> </a:t>
-            </a:r>
-            <a:r>
-              <a:rPr lang="en-US" dirty="0">
-                <a:solidFill>
-                  <a:srgbClr val="FF0000"/>
-                </a:solidFill>
-                <a:sym typeface="Wingdings" panose="05000000000000000000" pitchFamily="2" charset="2"/>
-              </a:rPr>
-              <a:t>need to write this as equation</a:t>
-            </a:r>
-            <a:endParaRPr lang="en-US" dirty="0">
-              <a:solidFill>
-                <a:srgbClr val="FF0000"/>
-              </a:solidFill>
-            </a:endParaRPr>
-          </a:p>
-          <a:p>
-            <a:r>
-              <a:rPr lang="en-US" dirty="0">
-                <a:solidFill>
-                  <a:srgbClr val="FF0000"/>
-                </a:solidFill>
-              </a:rPr>
-              <a:t>Discuss beta and b and epsilon and give mean and variance for the normal distribution.</a:t>
-            </a:r>
-          </a:p>
-        </p:txBody>
-      </p:sp>
+              <a:t>Model Update – Mixed Effects Model</a:t>
+            </a:r>
+          </a:p>
+        </p:txBody>
+      </p:sp>
+      <mc:AlternateContent xmlns:mc="http://schemas.openxmlformats.org/markup-compatibility/2006">
+        <mc:Choice xmlns:a14="http://schemas.microsoft.com/office/drawing/2010/main" Requires="a14">
+          <p:sp>
+            <p:nvSpPr>
+              <p:cNvPr id="8" name="Content Placeholder 2">
+                <a:extLst>
+                  <a:ext uri="{FF2B5EF4-FFF2-40B4-BE49-F238E27FC236}">
+                    <a16:creationId xmlns:a16="http://schemas.microsoft.com/office/drawing/2014/main" id="{01B999D5-EE4D-4AEB-9A9F-A415CCD7D823}"/>
+                  </a:ext>
+                </a:extLst>
+              </p:cNvPr>
+              <p:cNvSpPr>
+                <a:spLocks noGrp="1"/>
+              </p:cNvSpPr>
+              <p:nvPr>
+                <p:ph idx="1"/>
+              </p:nvPr>
+            </p:nvSpPr>
+            <p:spPr>
+              <a:xfrm>
+                <a:off x="838200" y="1825625"/>
+                <a:ext cx="10515600" cy="4667250"/>
+              </a:xfrm>
+            </p:spPr>
+            <p:txBody>
+              <a:bodyPr>
+                <a:normAutofit fontScale="92500" lnSpcReduction="10000"/>
+              </a:bodyPr>
+              <a:lstStyle/>
+              <a:p>
+                <a:r>
+                  <a:rPr lang="en-US" dirty="0"/>
+                  <a:t>Easy to interpret</a:t>
+                </a:r>
+              </a:p>
+              <a:p>
+                <a:r>
+                  <a:rPr lang="en-US" dirty="0"/>
+                  <a:t>Mixture Models: Incorporates random effects from each subject</a:t>
+                </a:r>
+              </a:p>
+              <a:p>
+                <a:endParaRPr lang="en-US" dirty="0"/>
+              </a:p>
+              <a:p>
+                <a:r>
+                  <a:rPr lang="en-US" dirty="0"/>
+                  <a:t>Model: </a:t>
+                </a:r>
+                <a14:m>
+                  <m:oMath xmlns:m="http://schemas.openxmlformats.org/officeDocument/2006/math">
+                    <m:r>
+                      <a:rPr lang="en-US" b="1" i="1" smtClean="0">
+                        <a:latin typeface="Cambria Math" panose="02040503050406030204" pitchFamily="18" charset="0"/>
+                      </a:rPr>
+                      <m:t>𝒀</m:t>
+                    </m:r>
+                    <m:r>
+                      <a:rPr lang="en-US" b="0" i="1" smtClean="0">
+                        <a:latin typeface="Cambria Math" panose="02040503050406030204" pitchFamily="18" charset="0"/>
+                      </a:rPr>
+                      <m:t>=</m:t>
+                    </m:r>
+                    <m:r>
+                      <a:rPr lang="en-US" b="1" i="1" smtClean="0">
+                        <a:latin typeface="Cambria Math" panose="02040503050406030204" pitchFamily="18" charset="0"/>
+                      </a:rPr>
+                      <m:t>𝑿</m:t>
+                    </m:r>
+                    <m:r>
+                      <a:rPr lang="en-US" b="0" i="1" smtClean="0">
+                        <a:latin typeface="Cambria Math" panose="02040503050406030204" pitchFamily="18" charset="0"/>
+                      </a:rPr>
+                      <m:t>𝞫</m:t>
+                    </m:r>
+                    <m:r>
+                      <a:rPr lang="en-US" b="0" i="1" smtClean="0">
+                        <a:latin typeface="Cambria Math" panose="02040503050406030204" pitchFamily="18" charset="0"/>
+                      </a:rPr>
+                      <m:t>+</m:t>
+                    </m:r>
+                    <m:r>
+                      <a:rPr lang="en-US" b="1" i="1" smtClean="0">
+                        <a:latin typeface="Cambria Math" panose="02040503050406030204" pitchFamily="18" charset="0"/>
+                      </a:rPr>
+                      <m:t>𝒁𝒖</m:t>
+                    </m:r>
+                    <m:r>
+                      <a:rPr lang="en-US" b="0" i="1" smtClean="0">
+                        <a:latin typeface="Cambria Math" panose="02040503050406030204" pitchFamily="18" charset="0"/>
+                      </a:rPr>
+                      <m:t>+ </m:t>
+                    </m:r>
+                    <m:r>
+                      <a:rPr lang="en-US" b="0" i="1" smtClean="0">
+                        <a:latin typeface="Cambria Math" panose="02040503050406030204" pitchFamily="18" charset="0"/>
+                      </a:rPr>
+                      <m:t>𝞮</m:t>
+                    </m:r>
+                    <m:r>
+                      <a:rPr lang="en-US" b="0" i="1" smtClean="0">
+                        <a:latin typeface="Cambria Math" panose="02040503050406030204" pitchFamily="18" charset="0"/>
+                      </a:rPr>
+                      <m:t> </m:t>
+                    </m:r>
+                  </m:oMath>
+                </a14:m>
+                <a:endParaRPr lang="en-US" b="0" dirty="0"/>
+              </a:p>
+              <a:p>
+                <a14:m>
+                  <m:oMath xmlns:m="http://schemas.openxmlformats.org/officeDocument/2006/math">
+                    <m:r>
+                      <a:rPr lang="en-US" b="1" i="1" smtClean="0">
+                        <a:latin typeface="Cambria Math" panose="02040503050406030204" pitchFamily="18" charset="0"/>
+                      </a:rPr>
+                      <m:t>𝒀</m:t>
+                    </m:r>
+                  </m:oMath>
+                </a14:m>
+                <a:r>
+                  <a:rPr lang="en-US" dirty="0"/>
+                  <a:t> </a:t>
+                </a:r>
+                <a:r>
+                  <a:rPr lang="en-US" dirty="0">
+                    <a:sym typeface="Wingdings" panose="05000000000000000000" pitchFamily="2" charset="2"/>
+                  </a:rPr>
+                  <a:t> Outcome </a:t>
+                </a:r>
+                <a:endParaRPr lang="en-US" dirty="0"/>
+              </a:p>
+              <a:p>
+                <a14:m>
+                  <m:oMath xmlns:m="http://schemas.openxmlformats.org/officeDocument/2006/math">
+                    <m:r>
+                      <a:rPr lang="en-US" b="1" i="1" smtClean="0">
+                        <a:solidFill>
+                          <a:schemeClr val="tx1"/>
+                        </a:solidFill>
+                        <a:latin typeface="Cambria Math" panose="02040503050406030204" pitchFamily="18" charset="0"/>
+                      </a:rPr>
+                      <m:t>𝑿</m:t>
+                    </m:r>
+                  </m:oMath>
+                </a14:m>
+                <a:r>
+                  <a:rPr lang="en-US" dirty="0">
+                    <a:solidFill>
+                      <a:schemeClr val="tx1"/>
+                    </a:solidFill>
+                  </a:rPr>
+                  <a:t> </a:t>
+                </a:r>
+                <a:r>
+                  <a:rPr lang="en-US" dirty="0">
+                    <a:solidFill>
+                      <a:schemeClr val="tx1"/>
+                    </a:solidFill>
+                    <a:sym typeface="Wingdings" panose="05000000000000000000" pitchFamily="2" charset="2"/>
+                  </a:rPr>
+                  <a:t> Predictor variables</a:t>
+                </a:r>
+              </a:p>
+              <a:p>
+                <a14:m>
+                  <m:oMath xmlns:m="http://schemas.openxmlformats.org/officeDocument/2006/math">
+                    <m:r>
+                      <a:rPr lang="en-US" b="0" i="1" smtClean="0">
+                        <a:solidFill>
+                          <a:schemeClr val="tx1"/>
+                        </a:solidFill>
+                        <a:latin typeface="Cambria Math" panose="02040503050406030204" pitchFamily="18" charset="0"/>
+                      </a:rPr>
+                      <m:t>𝞫</m:t>
+                    </m:r>
+                  </m:oMath>
+                </a14:m>
+                <a:r>
+                  <a:rPr lang="en-US" dirty="0">
+                    <a:solidFill>
+                      <a:schemeClr val="tx1"/>
+                    </a:solidFill>
+                  </a:rPr>
+                  <a:t> </a:t>
+                </a:r>
+                <a:r>
+                  <a:rPr lang="en-US" dirty="0">
+                    <a:solidFill>
+                      <a:schemeClr val="tx1"/>
+                    </a:solidFill>
+                    <a:sym typeface="Wingdings" panose="05000000000000000000" pitchFamily="2" charset="2"/>
+                  </a:rPr>
+                  <a:t> Fixed effects regression coefficients</a:t>
+                </a:r>
+              </a:p>
+              <a:p>
+                <a14:m>
+                  <m:oMath xmlns:m="http://schemas.openxmlformats.org/officeDocument/2006/math">
+                    <m:r>
+                      <a:rPr lang="en-US" b="1" i="1" smtClean="0">
+                        <a:solidFill>
+                          <a:schemeClr val="tx1"/>
+                        </a:solidFill>
+                        <a:latin typeface="Cambria Math" panose="02040503050406030204" pitchFamily="18" charset="0"/>
+                      </a:rPr>
+                      <m:t>𝒁</m:t>
+                    </m:r>
+                    <m:r>
+                      <a:rPr lang="en-US" b="1" i="1" smtClean="0">
+                        <a:solidFill>
+                          <a:schemeClr val="tx1"/>
+                        </a:solidFill>
+                        <a:latin typeface="Cambria Math" panose="02040503050406030204" pitchFamily="18" charset="0"/>
+                      </a:rPr>
+                      <m:t> </m:t>
+                    </m:r>
+                  </m:oMath>
+                </a14:m>
+                <a:r>
+                  <a:rPr lang="en-US" dirty="0">
+                    <a:solidFill>
+                      <a:schemeClr val="tx1"/>
+                    </a:solidFill>
+                    <a:sym typeface="Wingdings" panose="05000000000000000000" pitchFamily="2" charset="2"/>
+                  </a:rPr>
+                  <a:t> Random effects from each patient</a:t>
+                </a:r>
+              </a:p>
+              <a:p>
+                <a14:m>
+                  <m:oMath xmlns:m="http://schemas.openxmlformats.org/officeDocument/2006/math">
+                    <m:r>
+                      <a:rPr lang="en-US" b="1" i="1" smtClean="0">
+                        <a:solidFill>
+                          <a:schemeClr val="tx1"/>
+                        </a:solidFill>
+                        <a:latin typeface="Cambria Math" panose="02040503050406030204" pitchFamily="18" charset="0"/>
+                      </a:rPr>
+                      <m:t>𝒖</m:t>
+                    </m:r>
+                  </m:oMath>
+                </a14:m>
+                <a:r>
+                  <a:rPr lang="en-US" dirty="0">
+                    <a:solidFill>
+                      <a:schemeClr val="tx1"/>
+                    </a:solidFill>
+                  </a:rPr>
+                  <a:t> </a:t>
+                </a:r>
+                <a:r>
+                  <a:rPr lang="en-US" dirty="0">
+                    <a:solidFill>
+                      <a:schemeClr val="tx1"/>
+                    </a:solidFill>
+                    <a:sym typeface="Wingdings" panose="05000000000000000000" pitchFamily="2" charset="2"/>
+                  </a:rPr>
+                  <a:t> Random effects coefficients</a:t>
+                </a:r>
+              </a:p>
+              <a:p>
+                <a14:m>
+                  <m:oMath xmlns:m="http://schemas.openxmlformats.org/officeDocument/2006/math">
+                    <m:r>
+                      <a:rPr lang="en-US" b="0" i="1" smtClean="0">
+                        <a:solidFill>
+                          <a:schemeClr val="tx1"/>
+                        </a:solidFill>
+                        <a:latin typeface="Cambria Math" panose="02040503050406030204" pitchFamily="18" charset="0"/>
+                      </a:rPr>
+                      <m:t>𝞮</m:t>
+                    </m:r>
+                  </m:oMath>
+                </a14:m>
+                <a:r>
+                  <a:rPr lang="en-US" dirty="0">
+                    <a:solidFill>
+                      <a:schemeClr val="tx1"/>
+                    </a:solidFill>
+                  </a:rPr>
+                  <a:t> </a:t>
+                </a:r>
+                <a:r>
+                  <a:rPr lang="en-US" dirty="0">
+                    <a:solidFill>
+                      <a:schemeClr val="tx1"/>
+                    </a:solidFill>
+                    <a:sym typeface="Wingdings" panose="05000000000000000000" pitchFamily="2" charset="2"/>
+                  </a:rPr>
+                  <a:t> noise</a:t>
+                </a:r>
+                <a:endParaRPr lang="en-US" dirty="0">
+                  <a:solidFill>
+                    <a:schemeClr val="tx1"/>
+                  </a:solidFill>
+                </a:endParaRPr>
+              </a:p>
+            </p:txBody>
+          </p:sp>
+        </mc:Choice>
+        <mc:Fallback>
+          <p:sp>
+            <p:nvSpPr>
+              <p:cNvPr id="8" name="Content Placeholder 2">
+                <a:extLst>
+                  <a:ext uri="{FF2B5EF4-FFF2-40B4-BE49-F238E27FC236}">
+                    <a16:creationId xmlns:a16="http://schemas.microsoft.com/office/drawing/2014/main" id="{01B999D5-EE4D-4AEB-9A9F-A415CCD7D823}"/>
+                  </a:ext>
+                </a:extLst>
+              </p:cNvPr>
+              <p:cNvSpPr>
+                <a:spLocks noGrp="1" noRot="1" noChangeAspect="1" noMove="1" noResize="1" noEditPoints="1" noAdjustHandles="1" noChangeArrowheads="1" noChangeShapeType="1" noTextEdit="1"/>
+              </p:cNvSpPr>
+              <p:nvPr>
+                <p:ph idx="1"/>
+              </p:nvPr>
+            </p:nvSpPr>
+            <p:spPr>
+              <a:xfrm>
+                <a:off x="838200" y="1825625"/>
+                <a:ext cx="10515600" cy="4667250"/>
+              </a:xfrm>
+              <a:blipFill>
+                <a:blip r:embed="rId2"/>
+                <a:stretch>
+                  <a:fillRect l="-928" t="-2611"/>
+                </a:stretch>
+              </a:blipFill>
+            </p:spPr>
+            <p:txBody>
+              <a:bodyPr/>
+              <a:lstStyle/>
+              <a:p>
+                <a:r>
+                  <a:rPr lang="en-US">
+                    <a:noFill/>
+                  </a:rPr>
+                  <a:t> </a:t>
+                </a:r>
+              </a:p>
+            </p:txBody>
+          </p:sp>
+        </mc:Fallback>
+      </mc:AlternateContent>
     </p:spTree>
     <p:extLst>
       <p:ext uri="{BB962C8B-B14F-4D97-AF65-F5344CB8AC3E}">
@@ -3712,7 +3938,7 @@
           <p:cNvPr id="2" name="Title 1">
             <a:extLst>
               <a:ext uri="{FF2B5EF4-FFF2-40B4-BE49-F238E27FC236}">
-                <a16:creationId xmlns:a16="http://schemas.microsoft.com/office/drawing/2014/main" xmlns="" id="{74A0FF98-17C7-6C4B-8D07-D0480804733F}"/>
+                <a16:creationId xmlns:a16="http://schemas.microsoft.com/office/drawing/2014/main" id="{74A0FF98-17C7-6C4B-8D07-D0480804733F}"/>
               </a:ext>
             </a:extLst>
           </p:cNvPr>
@@ -3740,7 +3966,7 @@
           <p:cNvPr id="5" name="Picture 4" descr="Text&#10;&#10;Description automatically generated">
             <a:extLst>
               <a:ext uri="{FF2B5EF4-FFF2-40B4-BE49-F238E27FC236}">
-                <a16:creationId xmlns:a16="http://schemas.microsoft.com/office/drawing/2014/main" xmlns="" id="{BE519A98-C651-4AAD-B727-8FC4EE303921}"/>
+                <a16:creationId xmlns:a16="http://schemas.microsoft.com/office/drawing/2014/main" id="{BE519A98-C651-4AAD-B727-8FC4EE303921}"/>
               </a:ext>
             </a:extLst>
           </p:cNvPr>
@@ -3800,7 +4026,7 @@
           <p:cNvPr id="5" name="Content Placeholder 4" descr="A picture containing timeline&#10;&#10;Description automatically generated">
             <a:extLst>
               <a:ext uri="{FF2B5EF4-FFF2-40B4-BE49-F238E27FC236}">
-                <a16:creationId xmlns:a16="http://schemas.microsoft.com/office/drawing/2014/main" xmlns="" id="{059EF947-07C3-4C96-8D93-1E0BABDB9887}"/>
+                <a16:creationId xmlns:a16="http://schemas.microsoft.com/office/drawing/2014/main" id="{059EF947-07C3-4C96-8D93-1E0BABDB9887}"/>
               </a:ext>
             </a:extLst>
           </p:cNvPr>
@@ -3859,7 +4085,7 @@
           <p:cNvPr id="2" name="Title 1">
             <a:extLst>
               <a:ext uri="{FF2B5EF4-FFF2-40B4-BE49-F238E27FC236}">
-                <a16:creationId xmlns:a16="http://schemas.microsoft.com/office/drawing/2014/main" xmlns="" id="{107D85B4-979C-443D-8ED3-FA60060EFEAB}"/>
+                <a16:creationId xmlns:a16="http://schemas.microsoft.com/office/drawing/2014/main" id="{107D85B4-979C-443D-8ED3-FA60060EFEAB}"/>
               </a:ext>
             </a:extLst>
           </p:cNvPr>
@@ -3887,7 +4113,7 @@
           <p:cNvPr id="5" name="Content Placeholder 4" descr="Diagram&#10;&#10;Description automatically generated with medium confidence">
             <a:extLst>
               <a:ext uri="{FF2B5EF4-FFF2-40B4-BE49-F238E27FC236}">
-                <a16:creationId xmlns:a16="http://schemas.microsoft.com/office/drawing/2014/main" xmlns="" id="{79A1F322-01B0-4CC2-B472-89F8F76DEE93}"/>
+                <a16:creationId xmlns:a16="http://schemas.microsoft.com/office/drawing/2014/main" id="{79A1F322-01B0-4CC2-B472-89F8F76DEE93}"/>
               </a:ext>
             </a:extLst>
           </p:cNvPr>
@@ -3946,7 +4172,7 @@
           <p:cNvPr id="2" name="Title 1">
             <a:extLst>
               <a:ext uri="{FF2B5EF4-FFF2-40B4-BE49-F238E27FC236}">
-                <a16:creationId xmlns:a16="http://schemas.microsoft.com/office/drawing/2014/main" xmlns="" id="{5F77124F-9940-644A-8C89-FBD0344EBC30}"/>
+                <a16:creationId xmlns:a16="http://schemas.microsoft.com/office/drawing/2014/main" id="{5F77124F-9940-644A-8C89-FBD0344EBC30}"/>
               </a:ext>
             </a:extLst>
           </p:cNvPr>
@@ -3974,7 +4200,7 @@
           <p:cNvPr id="3" name="Content Placeholder 2">
             <a:extLst>
               <a:ext uri="{FF2B5EF4-FFF2-40B4-BE49-F238E27FC236}">
-                <a16:creationId xmlns:a16="http://schemas.microsoft.com/office/drawing/2014/main" xmlns="" id="{25A09237-A4A1-F543-BBC9-FDE843B417AD}"/>
+                <a16:creationId xmlns:a16="http://schemas.microsoft.com/office/drawing/2014/main" id="{25A09237-A4A1-F543-BBC9-FDE843B417AD}"/>
               </a:ext>
             </a:extLst>
           </p:cNvPr>
@@ -3985,10 +4211,15 @@
             <p:ph idx="1"/>
           </p:nvPr>
         </p:nvSpPr>
-        <p:spPr/>
+        <p:spPr>
+          <a:xfrm>
+            <a:off x="838200" y="1412240"/>
+            <a:ext cx="10515600" cy="5445759"/>
+          </a:xfrm>
+        </p:spPr>
         <p:txBody>
           <a:bodyPr>
-            <a:normAutofit fontScale="70000" lnSpcReduction="20000"/>
+            <a:normAutofit fontScale="62500" lnSpcReduction="20000"/>
           </a:bodyPr>
           <a:lstStyle/>
           <a:p>
@@ -3999,15 +4230,7 @@
             </a:pPr>
             <a:r>
               <a:rPr lang="en-US" dirty="0"/>
-              <a:t>Determine best linear mixed-effects model </a:t>
-            </a:r>
-            <a:r>
-              <a:rPr lang="en-US" dirty="0" smtClean="0"/>
-              <a:t>through exhaustive search to </a:t>
-            </a:r>
-            <a:r>
-              <a:rPr lang="en-US" dirty="0"/>
-              <a:t>predict asthma attacks</a:t>
+              <a:t>Determine best linear mixed-effects model through exhaustive search to predict asthma attacks</a:t>
             </a:r>
           </a:p>
           <a:p>
@@ -4045,19 +4268,18 @@
             </a:pPr>
             <a:r>
               <a:rPr lang="en-US" dirty="0"/>
-              <a:t>Compare best linear mixed-effects model to a model with l1norm in it (</a:t>
-            </a:r>
-            <a:r>
-              <a:rPr lang="en-US" dirty="0">
-                <a:solidFill>
-                  <a:srgbClr val="FF0000"/>
-                </a:solidFill>
-              </a:rPr>
-              <a:t>NEED TO REWRITE</a:t>
-            </a:r>
+              <a:t>Compare best linear mixed-effects model to a model that uses lasso regression with the linear mixed model</a:t>
+            </a:r>
+          </a:p>
+          <a:p>
+            <a:pPr>
+              <a:lnSpc>
+                <a:spcPct val="300000"/>
+              </a:lnSpc>
+            </a:pPr>
             <a:r>
               <a:rPr lang="en-US" dirty="0"/>
-              <a:t>)</a:t>
+              <a:t>Look into K-fold cross validation </a:t>
             </a:r>
           </a:p>
           <a:p>
@@ -4127,7 +4349,7 @@
           <p:cNvPr id="2" name="Title 1">
             <a:extLst>
               <a:ext uri="{FF2B5EF4-FFF2-40B4-BE49-F238E27FC236}">
-                <a16:creationId xmlns:a16="http://schemas.microsoft.com/office/drawing/2014/main" xmlns="" id="{4C3FC6BC-342A-4047-A04D-4F7B83D3AE91}"/>
+                <a16:creationId xmlns:a16="http://schemas.microsoft.com/office/drawing/2014/main" id="{4C3FC6BC-342A-4047-A04D-4F7B83D3AE91}"/>
               </a:ext>
             </a:extLst>
           </p:cNvPr>
@@ -4155,7 +4377,7 @@
           <p:cNvPr id="3" name="Content Placeholder 2">
             <a:extLst>
               <a:ext uri="{FF2B5EF4-FFF2-40B4-BE49-F238E27FC236}">
-                <a16:creationId xmlns:a16="http://schemas.microsoft.com/office/drawing/2014/main" xmlns="" id="{F7AB5729-20A0-CE41-90C7-E54C52E25CA4}"/>
+                <a16:creationId xmlns:a16="http://schemas.microsoft.com/office/drawing/2014/main" id="{F7AB5729-20A0-CE41-90C7-E54C52E25CA4}"/>
               </a:ext>
             </a:extLst>
           </p:cNvPr>
@@ -4169,7 +4391,7 @@
         <p:spPr/>
         <p:txBody>
           <a:bodyPr>
-            <a:normAutofit/>
+            <a:normAutofit lnSpcReduction="10000"/>
           </a:bodyPr>
           <a:lstStyle/>
           <a:p>
@@ -4184,15 +4406,7 @@
           <a:p>
             <a:r>
               <a:rPr lang="en-US" dirty="0"/>
-              <a:t>Decisions Impacted: </a:t>
-            </a:r>
-            <a:r>
-              <a:rPr lang="en-US" dirty="0" smtClean="0"/>
-              <a:t>Help </a:t>
-            </a:r>
-            <a:r>
-              <a:rPr lang="en-US" dirty="0"/>
-              <a:t>people with asthma become more aware of             			      having an asthma attack and if it could be severe</a:t>
+              <a:t>Decisions Impacted: Help people with asthma become more aware of             			      having an asthma attack and if it could be severe</a:t>
             </a:r>
           </a:p>
           <a:p>
@@ -4207,60 +4421,20 @@
           <a:p>
             <a:r>
               <a:rPr lang="en-US" dirty="0"/>
-              <a:t>Business Value: </a:t>
-            </a:r>
+              <a:t>Business Value: Could change the way inhalers (app) are manufactured by accounting for the most significant predictors and suggesting to make a change</a:t>
+            </a:r>
+          </a:p>
+          <a:p>
             <a:r>
               <a:rPr lang="en-US" dirty="0"/>
-              <a:t>Could change the way </a:t>
-            </a:r>
-            <a:r>
-              <a:rPr lang="en-US" dirty="0" smtClean="0"/>
-              <a:t>inhalers (app) </a:t>
-            </a:r>
+              <a:t>Data Assets: 11 features, and a grouping variable(subjects)</a:t>
+            </a:r>
+          </a:p>
+          <a:p>
             <a:r>
               <a:rPr lang="en-US" dirty="0"/>
-              <a:t>are </a:t>
-            </a:r>
-            <a:r>
-              <a:rPr lang="en-US" dirty="0" smtClean="0"/>
-              <a:t>manufactured by accounting for </a:t>
-            </a:r>
-            <a:r>
-              <a:rPr lang="en-US" dirty="0" smtClean="0"/>
-              <a:t>the </a:t>
-            </a:r>
-            <a:r>
-              <a:rPr lang="en-US" dirty="0"/>
-              <a:t>most significant predictors and suggesting to make a </a:t>
-            </a:r>
-            <a:r>
-              <a:rPr lang="en-US" dirty="0" smtClean="0"/>
-              <a:t>change</a:t>
-            </a:r>
-            <a:endParaRPr lang="en-US" dirty="0"/>
-          </a:p>
-          <a:p>
-            <a:r>
-              <a:rPr lang="en-US" dirty="0"/>
-              <a:t>Data Assets: </a:t>
-            </a:r>
-            <a:r>
-              <a:rPr lang="en-US" dirty="0" smtClean="0"/>
-              <a:t>11 features, complete </a:t>
-            </a:r>
-            <a:r>
-              <a:rPr lang="en-US" dirty="0" smtClean="0">
-                <a:solidFill>
-                  <a:srgbClr val="FF0000"/>
-                </a:solidFill>
-              </a:rPr>
-              <a:t>data set is from </a:t>
-            </a:r>
-            <a:endParaRPr lang="en-US" dirty="0">
-              <a:solidFill>
-                <a:srgbClr val="FF0000"/>
-              </a:solidFill>
-            </a:endParaRPr>
+              <a:t>Data is from a study for predicting asthma attacks</a:t>
+            </a:r>
           </a:p>
           <a:p>
             <a:endParaRPr lang="en-US" dirty="0"/>
@@ -4311,7 +4485,7 @@
           <p:cNvPr id="2" name="Title 1">
             <a:extLst>
               <a:ext uri="{FF2B5EF4-FFF2-40B4-BE49-F238E27FC236}">
-                <a16:creationId xmlns:a16="http://schemas.microsoft.com/office/drawing/2014/main" xmlns="" id="{FDAB2B5E-E2BF-49CF-B0D4-3FF09CA2DD9A}"/>
+                <a16:creationId xmlns:a16="http://schemas.microsoft.com/office/drawing/2014/main" id="{FDAB2B5E-E2BF-49CF-B0D4-3FF09CA2DD9A}"/>
               </a:ext>
             </a:extLst>
           </p:cNvPr>
@@ -4339,7 +4513,7 @@
           <p:cNvPr id="5" name="Content Placeholder 4">
             <a:extLst>
               <a:ext uri="{FF2B5EF4-FFF2-40B4-BE49-F238E27FC236}">
-                <a16:creationId xmlns:a16="http://schemas.microsoft.com/office/drawing/2014/main" xmlns="" id="{62065E65-9485-451A-9668-8031404E6A46}"/>
+                <a16:creationId xmlns:a16="http://schemas.microsoft.com/office/drawing/2014/main" id="{62065E65-9485-451A-9668-8031404E6A46}"/>
               </a:ext>
             </a:extLst>
           </p:cNvPr>
@@ -4368,7 +4542,7 @@
           <p:cNvPr id="6" name="TextBox 5">
             <a:extLst>
               <a:ext uri="{FF2B5EF4-FFF2-40B4-BE49-F238E27FC236}">
-                <a16:creationId xmlns:a16="http://schemas.microsoft.com/office/drawing/2014/main" xmlns="" id="{CE7F5782-5EC5-4F14-BFE4-D7A0043355C8}"/>
+                <a16:creationId xmlns:a16="http://schemas.microsoft.com/office/drawing/2014/main" id="{CE7F5782-5EC5-4F14-BFE4-D7A0043355C8}"/>
               </a:ext>
             </a:extLst>
           </p:cNvPr>
@@ -4437,7 +4611,7 @@
           <p:cNvPr id="2" name="Title 1">
             <a:extLst>
               <a:ext uri="{FF2B5EF4-FFF2-40B4-BE49-F238E27FC236}">
-                <a16:creationId xmlns:a16="http://schemas.microsoft.com/office/drawing/2014/main" xmlns="" id="{4E36FDEF-1A2E-43F8-B2F9-AE8D6BC66230}"/>
+                <a16:creationId xmlns:a16="http://schemas.microsoft.com/office/drawing/2014/main" id="{4E36FDEF-1A2E-43F8-B2F9-AE8D6BC66230}"/>
               </a:ext>
             </a:extLst>
           </p:cNvPr>
@@ -4465,7 +4639,7 @@
           <p:cNvPr id="5" name="Content Placeholder 4" descr="Chart, scatter chart&#10;&#10;Description automatically generated">
             <a:extLst>
               <a:ext uri="{FF2B5EF4-FFF2-40B4-BE49-F238E27FC236}">
-                <a16:creationId xmlns:a16="http://schemas.microsoft.com/office/drawing/2014/main" xmlns="" id="{5AA06DFA-BF61-4BB6-A324-A6FD41857D1E}"/>
+                <a16:creationId xmlns:a16="http://schemas.microsoft.com/office/drawing/2014/main" id="{5AA06DFA-BF61-4BB6-A324-A6FD41857D1E}"/>
               </a:ext>
             </a:extLst>
           </p:cNvPr>
@@ -4524,7 +4698,7 @@
           <p:cNvPr id="2" name="Title 1">
             <a:extLst>
               <a:ext uri="{FF2B5EF4-FFF2-40B4-BE49-F238E27FC236}">
-                <a16:creationId xmlns:a16="http://schemas.microsoft.com/office/drawing/2014/main" xmlns="" id="{4C3FC6BC-342A-4047-A04D-4F7B83D3AE91}"/>
+                <a16:creationId xmlns:a16="http://schemas.microsoft.com/office/drawing/2014/main" id="{4C3FC6BC-342A-4047-A04D-4F7B83D3AE91}"/>
               </a:ext>
             </a:extLst>
           </p:cNvPr>
@@ -4552,7 +4726,7 @@
           <p:cNvPr id="6" name="Picture 5" descr="Chart, bar chart&#10;&#10;Description automatically generated">
             <a:extLst>
               <a:ext uri="{FF2B5EF4-FFF2-40B4-BE49-F238E27FC236}">
-                <a16:creationId xmlns:a16="http://schemas.microsoft.com/office/drawing/2014/main" xmlns="" id="{497421EB-63F7-49FA-994C-89C84C8C32B1}"/>
+                <a16:creationId xmlns:a16="http://schemas.microsoft.com/office/drawing/2014/main" id="{497421EB-63F7-49FA-994C-89C84C8C32B1}"/>
               </a:ext>
             </a:extLst>
           </p:cNvPr>
@@ -4612,7 +4786,7 @@
           <p:cNvPr id="2" name="Title 1">
             <a:extLst>
               <a:ext uri="{FF2B5EF4-FFF2-40B4-BE49-F238E27FC236}">
-                <a16:creationId xmlns:a16="http://schemas.microsoft.com/office/drawing/2014/main" xmlns="" id="{37E30354-D520-4520-BBC2-F3DE8F6C8636}"/>
+                <a16:creationId xmlns:a16="http://schemas.microsoft.com/office/drawing/2014/main" id="{37E30354-D520-4520-BBC2-F3DE8F6C8636}"/>
               </a:ext>
             </a:extLst>
           </p:cNvPr>
@@ -4640,7 +4814,7 @@
           <p:cNvPr id="3" name="Content Placeholder 2">
             <a:extLst>
               <a:ext uri="{FF2B5EF4-FFF2-40B4-BE49-F238E27FC236}">
-                <a16:creationId xmlns:a16="http://schemas.microsoft.com/office/drawing/2014/main" xmlns="" id="{57D77B8A-6561-447A-B31D-F0156869F57A}"/>
+                <a16:creationId xmlns:a16="http://schemas.microsoft.com/office/drawing/2014/main" id="{57D77B8A-6561-447A-B31D-F0156869F57A}"/>
               </a:ext>
             </a:extLst>
           </p:cNvPr>
@@ -4678,19 +4852,14 @@
           <a:p>
             <a:r>
               <a:rPr lang="en-US" dirty="0"/>
-              <a:t>First category is considered 0 and each group afterward is a binary </a:t>
-            </a:r>
-            <a:r>
-              <a:rPr lang="en-US" dirty="0" smtClean="0"/>
-              <a:t>number</a:t>
-            </a:r>
-          </a:p>
-          <a:p>
-            <a:r>
-              <a:rPr lang="en-US" dirty="0" smtClean="0"/>
+              <a:t>First category is considered 0 and each group afterward is a binary number</a:t>
+            </a:r>
+          </a:p>
+          <a:p>
+            <a:r>
+              <a:rPr lang="en-US" dirty="0"/>
               <a:t>Important for interpreting the intercept of the regression model</a:t>
             </a:r>
-            <a:endParaRPr lang="en-US" dirty="0"/>
           </a:p>
           <a:p>
             <a:r>
@@ -4708,7 +4877,7 @@
           <p:cNvPr id="4" name="Table 4">
             <a:extLst>
               <a:ext uri="{FF2B5EF4-FFF2-40B4-BE49-F238E27FC236}">
-                <a16:creationId xmlns:a16="http://schemas.microsoft.com/office/drawing/2014/main" xmlns="" id="{153666BD-1352-4735-A57F-788E38798904}"/>
+                <a16:creationId xmlns:a16="http://schemas.microsoft.com/office/drawing/2014/main" id="{153666BD-1352-4735-A57F-788E38798904}"/>
               </a:ext>
             </a:extLst>
           </p:cNvPr>
@@ -4737,28 +4906,28 @@
                 <a:gridCol w="2032000">
                   <a:extLst>
                     <a:ext uri="{9D8B030D-6E8A-4147-A177-3AD203B41FA5}">
-                      <a16:colId xmlns:a16="http://schemas.microsoft.com/office/drawing/2014/main" xmlns="" val="2973050712"/>
+                      <a16:colId xmlns:a16="http://schemas.microsoft.com/office/drawing/2014/main" val="2973050712"/>
                     </a:ext>
                   </a:extLst>
                 </a:gridCol>
                 <a:gridCol w="2032000">
                   <a:extLst>
                     <a:ext uri="{9D8B030D-6E8A-4147-A177-3AD203B41FA5}">
-                      <a16:colId xmlns:a16="http://schemas.microsoft.com/office/drawing/2014/main" xmlns="" val="2937897425"/>
+                      <a16:colId xmlns:a16="http://schemas.microsoft.com/office/drawing/2014/main" val="2937897425"/>
                     </a:ext>
                   </a:extLst>
                 </a:gridCol>
                 <a:gridCol w="2032000">
                   <a:extLst>
                     <a:ext uri="{9D8B030D-6E8A-4147-A177-3AD203B41FA5}">
-                      <a16:colId xmlns:a16="http://schemas.microsoft.com/office/drawing/2014/main" xmlns="" val="3294600292"/>
+                      <a16:colId xmlns:a16="http://schemas.microsoft.com/office/drawing/2014/main" val="3294600292"/>
                     </a:ext>
                   </a:extLst>
                 </a:gridCol>
                 <a:gridCol w="2032000">
                   <a:extLst>
                     <a:ext uri="{9D8B030D-6E8A-4147-A177-3AD203B41FA5}">
-                      <a16:colId xmlns:a16="http://schemas.microsoft.com/office/drawing/2014/main" xmlns="" val="2698831798"/>
+                      <a16:colId xmlns:a16="http://schemas.microsoft.com/office/drawing/2014/main" val="2698831798"/>
                     </a:ext>
                   </a:extLst>
                 </a:gridCol>
@@ -4822,7 +4991,7 @@
                 </a:tc>
                 <a:extLst>
                   <a:ext uri="{0D108BD9-81ED-4DB2-BD59-A6C34878D82A}">
-                    <a16:rowId xmlns:a16="http://schemas.microsoft.com/office/drawing/2014/main" xmlns="" val="641596946"/>
+                    <a16:rowId xmlns:a16="http://schemas.microsoft.com/office/drawing/2014/main" val="641596946"/>
                   </a:ext>
                 </a:extLst>
               </a:tr>
@@ -4885,7 +5054,7 @@
                 </a:tc>
                 <a:extLst>
                   <a:ext uri="{0D108BD9-81ED-4DB2-BD59-A6C34878D82A}">
-                    <a16:rowId xmlns:a16="http://schemas.microsoft.com/office/drawing/2014/main" xmlns="" val="388982692"/>
+                    <a16:rowId xmlns:a16="http://schemas.microsoft.com/office/drawing/2014/main" val="388982692"/>
                   </a:ext>
                 </a:extLst>
               </a:tr>
@@ -4948,7 +5117,7 @@
                 </a:tc>
                 <a:extLst>
                   <a:ext uri="{0D108BD9-81ED-4DB2-BD59-A6C34878D82A}">
-                    <a16:rowId xmlns:a16="http://schemas.microsoft.com/office/drawing/2014/main" xmlns="" val="998384457"/>
+                    <a16:rowId xmlns:a16="http://schemas.microsoft.com/office/drawing/2014/main" val="998384457"/>
                   </a:ext>
                 </a:extLst>
               </a:tr>
@@ -5011,7 +5180,7 @@
                 </a:tc>
                 <a:extLst>
                   <a:ext uri="{0D108BD9-81ED-4DB2-BD59-A6C34878D82A}">
-                    <a16:rowId xmlns:a16="http://schemas.microsoft.com/office/drawing/2014/main" xmlns="" val="3353710939"/>
+                    <a16:rowId xmlns:a16="http://schemas.microsoft.com/office/drawing/2014/main" val="3353710939"/>
                   </a:ext>
                 </a:extLst>
               </a:tr>
@@ -5054,7 +5223,7 @@
           <p:cNvPr id="2" name="Title 1">
             <a:extLst>
               <a:ext uri="{FF2B5EF4-FFF2-40B4-BE49-F238E27FC236}">
-                <a16:creationId xmlns:a16="http://schemas.microsoft.com/office/drawing/2014/main" xmlns="" id="{22E3B65E-74FD-B447-945F-BFB66A76D2E9}"/>
+                <a16:creationId xmlns:a16="http://schemas.microsoft.com/office/drawing/2014/main" id="{22E3B65E-74FD-B447-945F-BFB66A76D2E9}"/>
               </a:ext>
             </a:extLst>
           </p:cNvPr>
@@ -5082,7 +5251,7 @@
           <p:cNvPr id="3" name="Content Placeholder 2">
             <a:extLst>
               <a:ext uri="{FF2B5EF4-FFF2-40B4-BE49-F238E27FC236}">
-                <a16:creationId xmlns:a16="http://schemas.microsoft.com/office/drawing/2014/main" xmlns="" id="{FA63DA9B-E511-3340-97CE-5FDE95206E81}"/>
+                <a16:creationId xmlns:a16="http://schemas.microsoft.com/office/drawing/2014/main" id="{FA63DA9B-E511-3340-97CE-5FDE95206E81}"/>
               </a:ext>
             </a:extLst>
           </p:cNvPr>
@@ -5099,12 +5268,8 @@
           <a:lstStyle/>
           <a:p>
             <a:r>
-              <a:rPr lang="en-US" dirty="0" smtClean="0"/>
-              <a:t>All </a:t>
-            </a:r>
-            <a:r>
               <a:rPr lang="en-US" dirty="0"/>
-              <a:t>categorical variables box plotted against continuous variables</a:t>
+              <a:t>All categorical variables box plotted against continuous variables</a:t>
             </a:r>
           </a:p>
           <a:p>
@@ -5116,17 +5281,13 @@
           <a:p>
             <a:r>
               <a:rPr lang="en-US" dirty="0"/>
-              <a:t>Values that showed up more than once deemed an </a:t>
-            </a:r>
-            <a:r>
-              <a:rPr lang="en-US" dirty="0" smtClean="0"/>
-              <a:t>outlier</a:t>
+              <a:t>Values that showed up more than once deemed an outlier</a:t>
             </a:r>
           </a:p>
           <a:p>
             <a:pPr lvl="1"/>
             <a:r>
-              <a:rPr lang="en-US" dirty="0" smtClean="0"/>
+              <a:rPr lang="en-US" dirty="0"/>
               <a:t>23 observations deemed as outliers</a:t>
             </a:r>
           </a:p>
@@ -5175,7 +5336,7 @@
           <p:cNvPr id="4" name="Content Placeholder 3" descr="Chart, box and whisker chart&#10;&#10;Description automatically generated">
             <a:extLst>
               <a:ext uri="{FF2B5EF4-FFF2-40B4-BE49-F238E27FC236}">
-                <a16:creationId xmlns:a16="http://schemas.microsoft.com/office/drawing/2014/main" xmlns="" id="{E3D53FED-0F17-49C0-A1CB-3F069D483FAC}"/>
+                <a16:creationId xmlns:a16="http://schemas.microsoft.com/office/drawing/2014/main" id="{E3D53FED-0F17-49C0-A1CB-3F069D483FAC}"/>
               </a:ext>
             </a:extLst>
           </p:cNvPr>
@@ -5243,7 +5404,7 @@
           <p:cNvPr id="2" name="Title 1">
             <a:extLst>
               <a:ext uri="{FF2B5EF4-FFF2-40B4-BE49-F238E27FC236}">
-                <a16:creationId xmlns:a16="http://schemas.microsoft.com/office/drawing/2014/main" xmlns="" id="{81ACD202-4D2E-44B9-9A24-5176F8CBE354}"/>
+                <a16:creationId xmlns:a16="http://schemas.microsoft.com/office/drawing/2014/main" id="{81ACD202-4D2E-44B9-9A24-5176F8CBE354}"/>
               </a:ext>
             </a:extLst>
           </p:cNvPr>
@@ -5271,7 +5432,7 @@
           <p:cNvPr id="3" name="Content Placeholder 2">
             <a:extLst>
               <a:ext uri="{FF2B5EF4-FFF2-40B4-BE49-F238E27FC236}">
-                <a16:creationId xmlns:a16="http://schemas.microsoft.com/office/drawing/2014/main" xmlns="" id="{AF67E41A-86F0-4171-AF59-B8112F710DA5}"/>
+                <a16:creationId xmlns:a16="http://schemas.microsoft.com/office/drawing/2014/main" id="{AF67E41A-86F0-4171-AF59-B8112F710DA5}"/>
               </a:ext>
             </a:extLst>
           </p:cNvPr>
@@ -5295,27 +5456,14 @@
           <a:p>
             <a:r>
               <a:rPr lang="en-US" dirty="0"/>
-              <a:t>Only for continuous </a:t>
-            </a:r>
-            <a:r>
-              <a:rPr lang="en-US" dirty="0" smtClean="0"/>
-              <a:t>variables</a:t>
-            </a:r>
-          </a:p>
-          <a:p>
-            <a:r>
-              <a:rPr lang="en-US" dirty="0" smtClean="0"/>
-              <a:t>Needed in order to be in form that is </a:t>
-            </a:r>
-            <a:r>
-              <a:rPr lang="en-US" dirty="0" err="1" smtClean="0"/>
-              <a:t>interpable</a:t>
-            </a:r>
-            <a:r>
-              <a:rPr lang="en-US" dirty="0" smtClean="0"/>
-              <a:t> for a linear regression model</a:t>
-            </a:r>
-            <a:endParaRPr lang="en-US" dirty="0"/>
+              <a:t>Only for continuous variables</a:t>
+            </a:r>
+          </a:p>
+          <a:p>
+            <a:r>
+              <a:rPr lang="en-US" dirty="0"/>
+              <a:t>Needed in order to be in form that is interpretable for a linear regression model</a:t>
+            </a:r>
           </a:p>
           <a:p>
             <a:endParaRPr lang="en-US" dirty="0"/>

--- a/Mid_Semester_Pres.pptx
+++ b/Mid_Semester_Pres.pptx
@@ -148,7 +148,7 @@
           <p:cNvPr id="2" name="Title 1">
             <a:extLst>
               <a:ext uri="{FF2B5EF4-FFF2-40B4-BE49-F238E27FC236}">
-                <a16:creationId xmlns:a16="http://schemas.microsoft.com/office/drawing/2014/main" id="{24813C38-6780-394D-B0D7-5CB9333C04B7}"/>
+                <a16:creationId xmlns:a16="http://schemas.microsoft.com/office/drawing/2014/main" xmlns="" id="{24813C38-6780-394D-B0D7-5CB9333C04B7}"/>
               </a:ext>
             </a:extLst>
           </p:cNvPr>
@@ -185,7 +185,7 @@
           <p:cNvPr id="3" name="Subtitle 2">
             <a:extLst>
               <a:ext uri="{FF2B5EF4-FFF2-40B4-BE49-F238E27FC236}">
-                <a16:creationId xmlns:a16="http://schemas.microsoft.com/office/drawing/2014/main" id="{028DAFC7-6381-B94E-9C1D-B4086C7FDC27}"/>
+                <a16:creationId xmlns:a16="http://schemas.microsoft.com/office/drawing/2014/main" xmlns="" id="{028DAFC7-6381-B94E-9C1D-B4086C7FDC27}"/>
               </a:ext>
             </a:extLst>
           </p:cNvPr>
@@ -255,7 +255,7 @@
           <p:cNvPr id="4" name="Date Placeholder 3">
             <a:extLst>
               <a:ext uri="{FF2B5EF4-FFF2-40B4-BE49-F238E27FC236}">
-                <a16:creationId xmlns:a16="http://schemas.microsoft.com/office/drawing/2014/main" id="{0C794904-F6A9-4B40-A5B4-AE1F825AB3CA}"/>
+                <a16:creationId xmlns:a16="http://schemas.microsoft.com/office/drawing/2014/main" xmlns="" id="{0C794904-F6A9-4B40-A5B4-AE1F825AB3CA}"/>
               </a:ext>
             </a:extLst>
           </p:cNvPr>
@@ -273,7 +273,7 @@
           <a:p>
             <a:fld id="{45F5DF8E-F4B8-D441-8FFB-59F600C03B7F}" type="datetimeFigureOut">
               <a:rPr lang="en-US" smtClean="0"/>
-              <a:t>3/21/2022</a:t>
+              <a:t>3/21/22</a:t>
             </a:fld>
             <a:endParaRPr lang="en-US"/>
           </a:p>
@@ -284,7 +284,7 @@
           <p:cNvPr id="5" name="Footer Placeholder 4">
             <a:extLst>
               <a:ext uri="{FF2B5EF4-FFF2-40B4-BE49-F238E27FC236}">
-                <a16:creationId xmlns:a16="http://schemas.microsoft.com/office/drawing/2014/main" id="{D7F3CEBD-6753-7F45-89AF-483FD194E40E}"/>
+                <a16:creationId xmlns:a16="http://schemas.microsoft.com/office/drawing/2014/main" xmlns="" id="{D7F3CEBD-6753-7F45-89AF-483FD194E40E}"/>
               </a:ext>
             </a:extLst>
           </p:cNvPr>
@@ -309,7 +309,7 @@
           <p:cNvPr id="6" name="Slide Number Placeholder 5">
             <a:extLst>
               <a:ext uri="{FF2B5EF4-FFF2-40B4-BE49-F238E27FC236}">
-                <a16:creationId xmlns:a16="http://schemas.microsoft.com/office/drawing/2014/main" id="{D314E6EC-E184-8F49-83B3-9A67246F7571}"/>
+                <a16:creationId xmlns:a16="http://schemas.microsoft.com/office/drawing/2014/main" xmlns="" id="{D314E6EC-E184-8F49-83B3-9A67246F7571}"/>
               </a:ext>
             </a:extLst>
           </p:cNvPr>
@@ -368,7 +368,7 @@
           <p:cNvPr id="2" name="Title 1">
             <a:extLst>
               <a:ext uri="{FF2B5EF4-FFF2-40B4-BE49-F238E27FC236}">
-                <a16:creationId xmlns:a16="http://schemas.microsoft.com/office/drawing/2014/main" id="{39036396-E03F-3940-871A-6EECAAAD69F1}"/>
+                <a16:creationId xmlns:a16="http://schemas.microsoft.com/office/drawing/2014/main" xmlns="" id="{39036396-E03F-3940-871A-6EECAAAD69F1}"/>
               </a:ext>
             </a:extLst>
           </p:cNvPr>
@@ -396,7 +396,7 @@
           <p:cNvPr id="3" name="Vertical Text Placeholder 2">
             <a:extLst>
               <a:ext uri="{FF2B5EF4-FFF2-40B4-BE49-F238E27FC236}">
-                <a16:creationId xmlns:a16="http://schemas.microsoft.com/office/drawing/2014/main" id="{6F748323-3EE6-844E-96CE-76F8C28254E1}"/>
+                <a16:creationId xmlns:a16="http://schemas.microsoft.com/office/drawing/2014/main" xmlns="" id="{6F748323-3EE6-844E-96CE-76F8C28254E1}"/>
               </a:ext>
             </a:extLst>
           </p:cNvPr>
@@ -453,7 +453,7 @@
           <p:cNvPr id="4" name="Date Placeholder 3">
             <a:extLst>
               <a:ext uri="{FF2B5EF4-FFF2-40B4-BE49-F238E27FC236}">
-                <a16:creationId xmlns:a16="http://schemas.microsoft.com/office/drawing/2014/main" id="{3B80DCBD-874F-F742-9556-D2090DE03C00}"/>
+                <a16:creationId xmlns:a16="http://schemas.microsoft.com/office/drawing/2014/main" xmlns="" id="{3B80DCBD-874F-F742-9556-D2090DE03C00}"/>
               </a:ext>
             </a:extLst>
           </p:cNvPr>
@@ -471,7 +471,7 @@
           <a:p>
             <a:fld id="{45F5DF8E-F4B8-D441-8FFB-59F600C03B7F}" type="datetimeFigureOut">
               <a:rPr lang="en-US" smtClean="0"/>
-              <a:t>3/21/2022</a:t>
+              <a:t>3/21/22</a:t>
             </a:fld>
             <a:endParaRPr lang="en-US"/>
           </a:p>
@@ -482,7 +482,7 @@
           <p:cNvPr id="5" name="Footer Placeholder 4">
             <a:extLst>
               <a:ext uri="{FF2B5EF4-FFF2-40B4-BE49-F238E27FC236}">
-                <a16:creationId xmlns:a16="http://schemas.microsoft.com/office/drawing/2014/main" id="{0B9534DF-45B0-4941-BE80-F3023F8BA678}"/>
+                <a16:creationId xmlns:a16="http://schemas.microsoft.com/office/drawing/2014/main" xmlns="" id="{0B9534DF-45B0-4941-BE80-F3023F8BA678}"/>
               </a:ext>
             </a:extLst>
           </p:cNvPr>
@@ -507,7 +507,7 @@
           <p:cNvPr id="6" name="Slide Number Placeholder 5">
             <a:extLst>
               <a:ext uri="{FF2B5EF4-FFF2-40B4-BE49-F238E27FC236}">
-                <a16:creationId xmlns:a16="http://schemas.microsoft.com/office/drawing/2014/main" id="{FB6A1C1B-C76C-AF45-9B24-86FBBE5A242D}"/>
+                <a16:creationId xmlns:a16="http://schemas.microsoft.com/office/drawing/2014/main" xmlns="" id="{FB6A1C1B-C76C-AF45-9B24-86FBBE5A242D}"/>
               </a:ext>
             </a:extLst>
           </p:cNvPr>
@@ -566,7 +566,7 @@
           <p:cNvPr id="2" name="Vertical Title 1">
             <a:extLst>
               <a:ext uri="{FF2B5EF4-FFF2-40B4-BE49-F238E27FC236}">
-                <a16:creationId xmlns:a16="http://schemas.microsoft.com/office/drawing/2014/main" id="{8846BBD8-61E8-2B4C-BEEF-9C26733211BC}"/>
+                <a16:creationId xmlns:a16="http://schemas.microsoft.com/office/drawing/2014/main" xmlns="" id="{8846BBD8-61E8-2B4C-BEEF-9C26733211BC}"/>
               </a:ext>
             </a:extLst>
           </p:cNvPr>
@@ -599,7 +599,7 @@
           <p:cNvPr id="3" name="Vertical Text Placeholder 2">
             <a:extLst>
               <a:ext uri="{FF2B5EF4-FFF2-40B4-BE49-F238E27FC236}">
-                <a16:creationId xmlns:a16="http://schemas.microsoft.com/office/drawing/2014/main" id="{2C80CFEE-74DE-694F-846D-3D5E66967662}"/>
+                <a16:creationId xmlns:a16="http://schemas.microsoft.com/office/drawing/2014/main" xmlns="" id="{2C80CFEE-74DE-694F-846D-3D5E66967662}"/>
               </a:ext>
             </a:extLst>
           </p:cNvPr>
@@ -661,7 +661,7 @@
           <p:cNvPr id="4" name="Date Placeholder 3">
             <a:extLst>
               <a:ext uri="{FF2B5EF4-FFF2-40B4-BE49-F238E27FC236}">
-                <a16:creationId xmlns:a16="http://schemas.microsoft.com/office/drawing/2014/main" id="{DFCEC5A0-E549-A846-BA27-582B5B438227}"/>
+                <a16:creationId xmlns:a16="http://schemas.microsoft.com/office/drawing/2014/main" xmlns="" id="{DFCEC5A0-E549-A846-BA27-582B5B438227}"/>
               </a:ext>
             </a:extLst>
           </p:cNvPr>
@@ -679,7 +679,7 @@
           <a:p>
             <a:fld id="{45F5DF8E-F4B8-D441-8FFB-59F600C03B7F}" type="datetimeFigureOut">
               <a:rPr lang="en-US" smtClean="0"/>
-              <a:t>3/21/2022</a:t>
+              <a:t>3/21/22</a:t>
             </a:fld>
             <a:endParaRPr lang="en-US"/>
           </a:p>
@@ -690,7 +690,7 @@
           <p:cNvPr id="5" name="Footer Placeholder 4">
             <a:extLst>
               <a:ext uri="{FF2B5EF4-FFF2-40B4-BE49-F238E27FC236}">
-                <a16:creationId xmlns:a16="http://schemas.microsoft.com/office/drawing/2014/main" id="{F2759457-716A-274D-8259-60A9685ECC74}"/>
+                <a16:creationId xmlns:a16="http://schemas.microsoft.com/office/drawing/2014/main" xmlns="" id="{F2759457-716A-274D-8259-60A9685ECC74}"/>
               </a:ext>
             </a:extLst>
           </p:cNvPr>
@@ -715,7 +715,7 @@
           <p:cNvPr id="6" name="Slide Number Placeholder 5">
             <a:extLst>
               <a:ext uri="{FF2B5EF4-FFF2-40B4-BE49-F238E27FC236}">
-                <a16:creationId xmlns:a16="http://schemas.microsoft.com/office/drawing/2014/main" id="{4DA1D426-3F87-B746-A1B7-D86C89BEEF2F}"/>
+                <a16:creationId xmlns:a16="http://schemas.microsoft.com/office/drawing/2014/main" xmlns="" id="{4DA1D426-3F87-B746-A1B7-D86C89BEEF2F}"/>
               </a:ext>
             </a:extLst>
           </p:cNvPr>
@@ -774,7 +774,7 @@
           <p:cNvPr id="2" name="Title 1">
             <a:extLst>
               <a:ext uri="{FF2B5EF4-FFF2-40B4-BE49-F238E27FC236}">
-                <a16:creationId xmlns:a16="http://schemas.microsoft.com/office/drawing/2014/main" id="{58A18CFA-D9FE-B24B-9769-996B3E98496E}"/>
+                <a16:creationId xmlns:a16="http://schemas.microsoft.com/office/drawing/2014/main" xmlns="" id="{58A18CFA-D9FE-B24B-9769-996B3E98496E}"/>
               </a:ext>
             </a:extLst>
           </p:cNvPr>
@@ -802,7 +802,7 @@
           <p:cNvPr id="3" name="Content Placeholder 2">
             <a:extLst>
               <a:ext uri="{FF2B5EF4-FFF2-40B4-BE49-F238E27FC236}">
-                <a16:creationId xmlns:a16="http://schemas.microsoft.com/office/drawing/2014/main" id="{081FB8E3-1516-BC47-BD18-FC17BC338D83}"/>
+                <a16:creationId xmlns:a16="http://schemas.microsoft.com/office/drawing/2014/main" xmlns="" id="{081FB8E3-1516-BC47-BD18-FC17BC338D83}"/>
               </a:ext>
             </a:extLst>
           </p:cNvPr>
@@ -859,7 +859,7 @@
           <p:cNvPr id="4" name="Date Placeholder 3">
             <a:extLst>
               <a:ext uri="{FF2B5EF4-FFF2-40B4-BE49-F238E27FC236}">
-                <a16:creationId xmlns:a16="http://schemas.microsoft.com/office/drawing/2014/main" id="{7A5745AE-806B-334C-A2F8-71DD63CA7495}"/>
+                <a16:creationId xmlns:a16="http://schemas.microsoft.com/office/drawing/2014/main" xmlns="" id="{7A5745AE-806B-334C-A2F8-71DD63CA7495}"/>
               </a:ext>
             </a:extLst>
           </p:cNvPr>
@@ -877,7 +877,7 @@
           <a:p>
             <a:fld id="{45F5DF8E-F4B8-D441-8FFB-59F600C03B7F}" type="datetimeFigureOut">
               <a:rPr lang="en-US" smtClean="0"/>
-              <a:t>3/21/2022</a:t>
+              <a:t>3/21/22</a:t>
             </a:fld>
             <a:endParaRPr lang="en-US"/>
           </a:p>
@@ -888,7 +888,7 @@
           <p:cNvPr id="5" name="Footer Placeholder 4">
             <a:extLst>
               <a:ext uri="{FF2B5EF4-FFF2-40B4-BE49-F238E27FC236}">
-                <a16:creationId xmlns:a16="http://schemas.microsoft.com/office/drawing/2014/main" id="{BA483F14-3D01-6941-972A-7F7ABC43B009}"/>
+                <a16:creationId xmlns:a16="http://schemas.microsoft.com/office/drawing/2014/main" xmlns="" id="{BA483F14-3D01-6941-972A-7F7ABC43B009}"/>
               </a:ext>
             </a:extLst>
           </p:cNvPr>
@@ -913,7 +913,7 @@
           <p:cNvPr id="6" name="Slide Number Placeholder 5">
             <a:extLst>
               <a:ext uri="{FF2B5EF4-FFF2-40B4-BE49-F238E27FC236}">
-                <a16:creationId xmlns:a16="http://schemas.microsoft.com/office/drawing/2014/main" id="{75624641-F809-E043-9D83-49E001FD45C5}"/>
+                <a16:creationId xmlns:a16="http://schemas.microsoft.com/office/drawing/2014/main" xmlns="" id="{75624641-F809-E043-9D83-49E001FD45C5}"/>
               </a:ext>
             </a:extLst>
           </p:cNvPr>
@@ -972,7 +972,7 @@
           <p:cNvPr id="2" name="Title 1">
             <a:extLst>
               <a:ext uri="{FF2B5EF4-FFF2-40B4-BE49-F238E27FC236}">
-                <a16:creationId xmlns:a16="http://schemas.microsoft.com/office/drawing/2014/main" id="{C0E98CF8-EB42-1A4E-B34A-BC2C37DB5654}"/>
+                <a16:creationId xmlns:a16="http://schemas.microsoft.com/office/drawing/2014/main" xmlns="" id="{C0E98CF8-EB42-1A4E-B34A-BC2C37DB5654}"/>
               </a:ext>
             </a:extLst>
           </p:cNvPr>
@@ -1009,7 +1009,7 @@
           <p:cNvPr id="3" name="Text Placeholder 2">
             <a:extLst>
               <a:ext uri="{FF2B5EF4-FFF2-40B4-BE49-F238E27FC236}">
-                <a16:creationId xmlns:a16="http://schemas.microsoft.com/office/drawing/2014/main" id="{0755F6C4-4B3C-C64A-A0E8-422A7C1ACABB}"/>
+                <a16:creationId xmlns:a16="http://schemas.microsoft.com/office/drawing/2014/main" xmlns="" id="{0755F6C4-4B3C-C64A-A0E8-422A7C1ACABB}"/>
               </a:ext>
             </a:extLst>
           </p:cNvPr>
@@ -1134,7 +1134,7 @@
           <p:cNvPr id="4" name="Date Placeholder 3">
             <a:extLst>
               <a:ext uri="{FF2B5EF4-FFF2-40B4-BE49-F238E27FC236}">
-                <a16:creationId xmlns:a16="http://schemas.microsoft.com/office/drawing/2014/main" id="{A6B6158D-EA13-F74F-AC4D-80E2B453A5A8}"/>
+                <a16:creationId xmlns:a16="http://schemas.microsoft.com/office/drawing/2014/main" xmlns="" id="{A6B6158D-EA13-F74F-AC4D-80E2B453A5A8}"/>
               </a:ext>
             </a:extLst>
           </p:cNvPr>
@@ -1152,7 +1152,7 @@
           <a:p>
             <a:fld id="{45F5DF8E-F4B8-D441-8FFB-59F600C03B7F}" type="datetimeFigureOut">
               <a:rPr lang="en-US" smtClean="0"/>
-              <a:t>3/21/2022</a:t>
+              <a:t>3/21/22</a:t>
             </a:fld>
             <a:endParaRPr lang="en-US"/>
           </a:p>
@@ -1163,7 +1163,7 @@
           <p:cNvPr id="5" name="Footer Placeholder 4">
             <a:extLst>
               <a:ext uri="{FF2B5EF4-FFF2-40B4-BE49-F238E27FC236}">
-                <a16:creationId xmlns:a16="http://schemas.microsoft.com/office/drawing/2014/main" id="{0DD3B44F-D53E-6540-8DB3-C188A7A5C9CF}"/>
+                <a16:creationId xmlns:a16="http://schemas.microsoft.com/office/drawing/2014/main" xmlns="" id="{0DD3B44F-D53E-6540-8DB3-C188A7A5C9CF}"/>
               </a:ext>
             </a:extLst>
           </p:cNvPr>
@@ -1188,7 +1188,7 @@
           <p:cNvPr id="6" name="Slide Number Placeholder 5">
             <a:extLst>
               <a:ext uri="{FF2B5EF4-FFF2-40B4-BE49-F238E27FC236}">
-                <a16:creationId xmlns:a16="http://schemas.microsoft.com/office/drawing/2014/main" id="{F171FF0F-EB0C-764C-B053-ADD23560B8AB}"/>
+                <a16:creationId xmlns:a16="http://schemas.microsoft.com/office/drawing/2014/main" xmlns="" id="{F171FF0F-EB0C-764C-B053-ADD23560B8AB}"/>
               </a:ext>
             </a:extLst>
           </p:cNvPr>
@@ -1247,7 +1247,7 @@
           <p:cNvPr id="2" name="Title 1">
             <a:extLst>
               <a:ext uri="{FF2B5EF4-FFF2-40B4-BE49-F238E27FC236}">
-                <a16:creationId xmlns:a16="http://schemas.microsoft.com/office/drawing/2014/main" id="{04EE9806-24A1-0A46-9AB1-E51314677AFF}"/>
+                <a16:creationId xmlns:a16="http://schemas.microsoft.com/office/drawing/2014/main" xmlns="" id="{04EE9806-24A1-0A46-9AB1-E51314677AFF}"/>
               </a:ext>
             </a:extLst>
           </p:cNvPr>
@@ -1275,7 +1275,7 @@
           <p:cNvPr id="3" name="Content Placeholder 2">
             <a:extLst>
               <a:ext uri="{FF2B5EF4-FFF2-40B4-BE49-F238E27FC236}">
-                <a16:creationId xmlns:a16="http://schemas.microsoft.com/office/drawing/2014/main" id="{D09A5A07-85D4-6143-A71A-D0C19F741A11}"/>
+                <a16:creationId xmlns:a16="http://schemas.microsoft.com/office/drawing/2014/main" xmlns="" id="{D09A5A07-85D4-6143-A71A-D0C19F741A11}"/>
               </a:ext>
             </a:extLst>
           </p:cNvPr>
@@ -1337,7 +1337,7 @@
           <p:cNvPr id="4" name="Content Placeholder 3">
             <a:extLst>
               <a:ext uri="{FF2B5EF4-FFF2-40B4-BE49-F238E27FC236}">
-                <a16:creationId xmlns:a16="http://schemas.microsoft.com/office/drawing/2014/main" id="{9A3B2696-E398-8841-9DC1-1E0061A59CF9}"/>
+                <a16:creationId xmlns:a16="http://schemas.microsoft.com/office/drawing/2014/main" xmlns="" id="{9A3B2696-E398-8841-9DC1-1E0061A59CF9}"/>
               </a:ext>
             </a:extLst>
           </p:cNvPr>
@@ -1399,7 +1399,7 @@
           <p:cNvPr id="5" name="Date Placeholder 4">
             <a:extLst>
               <a:ext uri="{FF2B5EF4-FFF2-40B4-BE49-F238E27FC236}">
-                <a16:creationId xmlns:a16="http://schemas.microsoft.com/office/drawing/2014/main" id="{E52BC04B-AE70-D04D-B870-4DDA7352D97B}"/>
+                <a16:creationId xmlns:a16="http://schemas.microsoft.com/office/drawing/2014/main" xmlns="" id="{E52BC04B-AE70-D04D-B870-4DDA7352D97B}"/>
               </a:ext>
             </a:extLst>
           </p:cNvPr>
@@ -1417,7 +1417,7 @@
           <a:p>
             <a:fld id="{45F5DF8E-F4B8-D441-8FFB-59F600C03B7F}" type="datetimeFigureOut">
               <a:rPr lang="en-US" smtClean="0"/>
-              <a:t>3/21/2022</a:t>
+              <a:t>3/21/22</a:t>
             </a:fld>
             <a:endParaRPr lang="en-US"/>
           </a:p>
@@ -1428,7 +1428,7 @@
           <p:cNvPr id="6" name="Footer Placeholder 5">
             <a:extLst>
               <a:ext uri="{FF2B5EF4-FFF2-40B4-BE49-F238E27FC236}">
-                <a16:creationId xmlns:a16="http://schemas.microsoft.com/office/drawing/2014/main" id="{45C5A8D9-5C2F-3644-81A8-4090ABF469B1}"/>
+                <a16:creationId xmlns:a16="http://schemas.microsoft.com/office/drawing/2014/main" xmlns="" id="{45C5A8D9-5C2F-3644-81A8-4090ABF469B1}"/>
               </a:ext>
             </a:extLst>
           </p:cNvPr>
@@ -1453,7 +1453,7 @@
           <p:cNvPr id="7" name="Slide Number Placeholder 6">
             <a:extLst>
               <a:ext uri="{FF2B5EF4-FFF2-40B4-BE49-F238E27FC236}">
-                <a16:creationId xmlns:a16="http://schemas.microsoft.com/office/drawing/2014/main" id="{028C3890-FDF5-044B-91D0-5B5E035BB575}"/>
+                <a16:creationId xmlns:a16="http://schemas.microsoft.com/office/drawing/2014/main" xmlns="" id="{028C3890-FDF5-044B-91D0-5B5E035BB575}"/>
               </a:ext>
             </a:extLst>
           </p:cNvPr>
@@ -1512,7 +1512,7 @@
           <p:cNvPr id="2" name="Title 1">
             <a:extLst>
               <a:ext uri="{FF2B5EF4-FFF2-40B4-BE49-F238E27FC236}">
-                <a16:creationId xmlns:a16="http://schemas.microsoft.com/office/drawing/2014/main" id="{4A55EB84-E70A-F048-8C65-BC0791EFB15C}"/>
+                <a16:creationId xmlns:a16="http://schemas.microsoft.com/office/drawing/2014/main" xmlns="" id="{4A55EB84-E70A-F048-8C65-BC0791EFB15C}"/>
               </a:ext>
             </a:extLst>
           </p:cNvPr>
@@ -1545,7 +1545,7 @@
           <p:cNvPr id="3" name="Text Placeholder 2">
             <a:extLst>
               <a:ext uri="{FF2B5EF4-FFF2-40B4-BE49-F238E27FC236}">
-                <a16:creationId xmlns:a16="http://schemas.microsoft.com/office/drawing/2014/main" id="{CB77977E-5D6C-D44C-B75C-8D6FB486C383}"/>
+                <a16:creationId xmlns:a16="http://schemas.microsoft.com/office/drawing/2014/main" xmlns="" id="{CB77977E-5D6C-D44C-B75C-8D6FB486C383}"/>
               </a:ext>
             </a:extLst>
           </p:cNvPr>
@@ -1616,7 +1616,7 @@
           <p:cNvPr id="4" name="Content Placeholder 3">
             <a:extLst>
               <a:ext uri="{FF2B5EF4-FFF2-40B4-BE49-F238E27FC236}">
-                <a16:creationId xmlns:a16="http://schemas.microsoft.com/office/drawing/2014/main" id="{B224A687-E2B1-584C-9030-F1D87142C127}"/>
+                <a16:creationId xmlns:a16="http://schemas.microsoft.com/office/drawing/2014/main" xmlns="" id="{B224A687-E2B1-584C-9030-F1D87142C127}"/>
               </a:ext>
             </a:extLst>
           </p:cNvPr>
@@ -1678,7 +1678,7 @@
           <p:cNvPr id="5" name="Text Placeholder 4">
             <a:extLst>
               <a:ext uri="{FF2B5EF4-FFF2-40B4-BE49-F238E27FC236}">
-                <a16:creationId xmlns:a16="http://schemas.microsoft.com/office/drawing/2014/main" id="{AE116A7A-9148-254A-A879-06C9498BF6A5}"/>
+                <a16:creationId xmlns:a16="http://schemas.microsoft.com/office/drawing/2014/main" xmlns="" id="{AE116A7A-9148-254A-A879-06C9498BF6A5}"/>
               </a:ext>
             </a:extLst>
           </p:cNvPr>
@@ -1749,7 +1749,7 @@
           <p:cNvPr id="6" name="Content Placeholder 5">
             <a:extLst>
               <a:ext uri="{FF2B5EF4-FFF2-40B4-BE49-F238E27FC236}">
-                <a16:creationId xmlns:a16="http://schemas.microsoft.com/office/drawing/2014/main" id="{E5F23523-7946-3740-8E42-6D6FA2C1A5CC}"/>
+                <a16:creationId xmlns:a16="http://schemas.microsoft.com/office/drawing/2014/main" xmlns="" id="{E5F23523-7946-3740-8E42-6D6FA2C1A5CC}"/>
               </a:ext>
             </a:extLst>
           </p:cNvPr>
@@ -1811,7 +1811,7 @@
           <p:cNvPr id="7" name="Date Placeholder 6">
             <a:extLst>
               <a:ext uri="{FF2B5EF4-FFF2-40B4-BE49-F238E27FC236}">
-                <a16:creationId xmlns:a16="http://schemas.microsoft.com/office/drawing/2014/main" id="{D86AA804-7678-5F4B-828F-80C3433F9759}"/>
+                <a16:creationId xmlns:a16="http://schemas.microsoft.com/office/drawing/2014/main" xmlns="" id="{D86AA804-7678-5F4B-828F-80C3433F9759}"/>
               </a:ext>
             </a:extLst>
           </p:cNvPr>
@@ -1829,7 +1829,7 @@
           <a:p>
             <a:fld id="{45F5DF8E-F4B8-D441-8FFB-59F600C03B7F}" type="datetimeFigureOut">
               <a:rPr lang="en-US" smtClean="0"/>
-              <a:t>3/21/2022</a:t>
+              <a:t>3/21/22</a:t>
             </a:fld>
             <a:endParaRPr lang="en-US"/>
           </a:p>
@@ -1840,7 +1840,7 @@
           <p:cNvPr id="8" name="Footer Placeholder 7">
             <a:extLst>
               <a:ext uri="{FF2B5EF4-FFF2-40B4-BE49-F238E27FC236}">
-                <a16:creationId xmlns:a16="http://schemas.microsoft.com/office/drawing/2014/main" id="{916065C0-E562-5946-BE3A-62C5FC622031}"/>
+                <a16:creationId xmlns:a16="http://schemas.microsoft.com/office/drawing/2014/main" xmlns="" id="{916065C0-E562-5946-BE3A-62C5FC622031}"/>
               </a:ext>
             </a:extLst>
           </p:cNvPr>
@@ -1865,7 +1865,7 @@
           <p:cNvPr id="9" name="Slide Number Placeholder 8">
             <a:extLst>
               <a:ext uri="{FF2B5EF4-FFF2-40B4-BE49-F238E27FC236}">
-                <a16:creationId xmlns:a16="http://schemas.microsoft.com/office/drawing/2014/main" id="{7D46EC52-AC19-3B40-AF6A-23FDA4949A1D}"/>
+                <a16:creationId xmlns:a16="http://schemas.microsoft.com/office/drawing/2014/main" xmlns="" id="{7D46EC52-AC19-3B40-AF6A-23FDA4949A1D}"/>
               </a:ext>
             </a:extLst>
           </p:cNvPr>
@@ -1924,7 +1924,7 @@
           <p:cNvPr id="2" name="Title 1">
             <a:extLst>
               <a:ext uri="{FF2B5EF4-FFF2-40B4-BE49-F238E27FC236}">
-                <a16:creationId xmlns:a16="http://schemas.microsoft.com/office/drawing/2014/main" id="{69F19683-B245-5242-A0F0-39F46C4AB29A}"/>
+                <a16:creationId xmlns:a16="http://schemas.microsoft.com/office/drawing/2014/main" xmlns="" id="{69F19683-B245-5242-A0F0-39F46C4AB29A}"/>
               </a:ext>
             </a:extLst>
           </p:cNvPr>
@@ -1952,7 +1952,7 @@
           <p:cNvPr id="3" name="Date Placeholder 2">
             <a:extLst>
               <a:ext uri="{FF2B5EF4-FFF2-40B4-BE49-F238E27FC236}">
-                <a16:creationId xmlns:a16="http://schemas.microsoft.com/office/drawing/2014/main" id="{E39F037B-F4BB-7A49-9A72-7D58BEDA0DE3}"/>
+                <a16:creationId xmlns:a16="http://schemas.microsoft.com/office/drawing/2014/main" xmlns="" id="{E39F037B-F4BB-7A49-9A72-7D58BEDA0DE3}"/>
               </a:ext>
             </a:extLst>
           </p:cNvPr>
@@ -1970,7 +1970,7 @@
           <a:p>
             <a:fld id="{45F5DF8E-F4B8-D441-8FFB-59F600C03B7F}" type="datetimeFigureOut">
               <a:rPr lang="en-US" smtClean="0"/>
-              <a:t>3/21/2022</a:t>
+              <a:t>3/21/22</a:t>
             </a:fld>
             <a:endParaRPr lang="en-US"/>
           </a:p>
@@ -1981,7 +1981,7 @@
           <p:cNvPr id="4" name="Footer Placeholder 3">
             <a:extLst>
               <a:ext uri="{FF2B5EF4-FFF2-40B4-BE49-F238E27FC236}">
-                <a16:creationId xmlns:a16="http://schemas.microsoft.com/office/drawing/2014/main" id="{1843F474-92FD-214F-8A7A-20E8FD0DD51A}"/>
+                <a16:creationId xmlns:a16="http://schemas.microsoft.com/office/drawing/2014/main" xmlns="" id="{1843F474-92FD-214F-8A7A-20E8FD0DD51A}"/>
               </a:ext>
             </a:extLst>
           </p:cNvPr>
@@ -2006,7 +2006,7 @@
           <p:cNvPr id="5" name="Slide Number Placeholder 4">
             <a:extLst>
               <a:ext uri="{FF2B5EF4-FFF2-40B4-BE49-F238E27FC236}">
-                <a16:creationId xmlns:a16="http://schemas.microsoft.com/office/drawing/2014/main" id="{3087DCDA-892D-7A4E-B4E5-ED391B306AD1}"/>
+                <a16:creationId xmlns:a16="http://schemas.microsoft.com/office/drawing/2014/main" xmlns="" id="{3087DCDA-892D-7A4E-B4E5-ED391B306AD1}"/>
               </a:ext>
             </a:extLst>
           </p:cNvPr>
@@ -2065,7 +2065,7 @@
           <p:cNvPr id="2" name="Date Placeholder 1">
             <a:extLst>
               <a:ext uri="{FF2B5EF4-FFF2-40B4-BE49-F238E27FC236}">
-                <a16:creationId xmlns:a16="http://schemas.microsoft.com/office/drawing/2014/main" id="{E18A62BF-0A06-2146-A8F0-8207AAD5287F}"/>
+                <a16:creationId xmlns:a16="http://schemas.microsoft.com/office/drawing/2014/main" xmlns="" id="{E18A62BF-0A06-2146-A8F0-8207AAD5287F}"/>
               </a:ext>
             </a:extLst>
           </p:cNvPr>
@@ -2083,7 +2083,7 @@
           <a:p>
             <a:fld id="{45F5DF8E-F4B8-D441-8FFB-59F600C03B7F}" type="datetimeFigureOut">
               <a:rPr lang="en-US" smtClean="0"/>
-              <a:t>3/21/2022</a:t>
+              <a:t>3/21/22</a:t>
             </a:fld>
             <a:endParaRPr lang="en-US"/>
           </a:p>
@@ -2094,7 +2094,7 @@
           <p:cNvPr id="3" name="Footer Placeholder 2">
             <a:extLst>
               <a:ext uri="{FF2B5EF4-FFF2-40B4-BE49-F238E27FC236}">
-                <a16:creationId xmlns:a16="http://schemas.microsoft.com/office/drawing/2014/main" id="{20326B3C-B7F1-5F47-AB9E-7C22940053D3}"/>
+                <a16:creationId xmlns:a16="http://schemas.microsoft.com/office/drawing/2014/main" xmlns="" id="{20326B3C-B7F1-5F47-AB9E-7C22940053D3}"/>
               </a:ext>
             </a:extLst>
           </p:cNvPr>
@@ -2119,7 +2119,7 @@
           <p:cNvPr id="4" name="Slide Number Placeholder 3">
             <a:extLst>
               <a:ext uri="{FF2B5EF4-FFF2-40B4-BE49-F238E27FC236}">
-                <a16:creationId xmlns:a16="http://schemas.microsoft.com/office/drawing/2014/main" id="{6FE49100-8816-6E45-A59F-AD03A0C15E56}"/>
+                <a16:creationId xmlns:a16="http://schemas.microsoft.com/office/drawing/2014/main" xmlns="" id="{6FE49100-8816-6E45-A59F-AD03A0C15E56}"/>
               </a:ext>
             </a:extLst>
           </p:cNvPr>
@@ -2178,7 +2178,7 @@
           <p:cNvPr id="2" name="Title 1">
             <a:extLst>
               <a:ext uri="{FF2B5EF4-FFF2-40B4-BE49-F238E27FC236}">
-                <a16:creationId xmlns:a16="http://schemas.microsoft.com/office/drawing/2014/main" id="{DA4BA1A8-7A5D-6840-A61C-09B6883BC9F8}"/>
+                <a16:creationId xmlns:a16="http://schemas.microsoft.com/office/drawing/2014/main" xmlns="" id="{DA4BA1A8-7A5D-6840-A61C-09B6883BC9F8}"/>
               </a:ext>
             </a:extLst>
           </p:cNvPr>
@@ -2215,7 +2215,7 @@
           <p:cNvPr id="3" name="Content Placeholder 2">
             <a:extLst>
               <a:ext uri="{FF2B5EF4-FFF2-40B4-BE49-F238E27FC236}">
-                <a16:creationId xmlns:a16="http://schemas.microsoft.com/office/drawing/2014/main" id="{CDDF3BE9-0F54-EC49-9F1D-77CCAE5A6302}"/>
+                <a16:creationId xmlns:a16="http://schemas.microsoft.com/office/drawing/2014/main" xmlns="" id="{CDDF3BE9-0F54-EC49-9F1D-77CCAE5A6302}"/>
               </a:ext>
             </a:extLst>
           </p:cNvPr>
@@ -2305,7 +2305,7 @@
           <p:cNvPr id="4" name="Text Placeholder 3">
             <a:extLst>
               <a:ext uri="{FF2B5EF4-FFF2-40B4-BE49-F238E27FC236}">
-                <a16:creationId xmlns:a16="http://schemas.microsoft.com/office/drawing/2014/main" id="{6AFEA4A9-8161-F149-817C-1605402389B3}"/>
+                <a16:creationId xmlns:a16="http://schemas.microsoft.com/office/drawing/2014/main" xmlns="" id="{6AFEA4A9-8161-F149-817C-1605402389B3}"/>
               </a:ext>
             </a:extLst>
           </p:cNvPr>
@@ -2376,7 +2376,7 @@
           <p:cNvPr id="5" name="Date Placeholder 4">
             <a:extLst>
               <a:ext uri="{FF2B5EF4-FFF2-40B4-BE49-F238E27FC236}">
-                <a16:creationId xmlns:a16="http://schemas.microsoft.com/office/drawing/2014/main" id="{4E71F57D-5164-814B-A8B6-DBBFE365A595}"/>
+                <a16:creationId xmlns:a16="http://schemas.microsoft.com/office/drawing/2014/main" xmlns="" id="{4E71F57D-5164-814B-A8B6-DBBFE365A595}"/>
               </a:ext>
             </a:extLst>
           </p:cNvPr>
@@ -2394,7 +2394,7 @@
           <a:p>
             <a:fld id="{45F5DF8E-F4B8-D441-8FFB-59F600C03B7F}" type="datetimeFigureOut">
               <a:rPr lang="en-US" smtClean="0"/>
-              <a:t>3/21/2022</a:t>
+              <a:t>3/21/22</a:t>
             </a:fld>
             <a:endParaRPr lang="en-US"/>
           </a:p>
@@ -2405,7 +2405,7 @@
           <p:cNvPr id="6" name="Footer Placeholder 5">
             <a:extLst>
               <a:ext uri="{FF2B5EF4-FFF2-40B4-BE49-F238E27FC236}">
-                <a16:creationId xmlns:a16="http://schemas.microsoft.com/office/drawing/2014/main" id="{B6ACB92B-39AA-164E-8476-62AB994548D9}"/>
+                <a16:creationId xmlns:a16="http://schemas.microsoft.com/office/drawing/2014/main" xmlns="" id="{B6ACB92B-39AA-164E-8476-62AB994548D9}"/>
               </a:ext>
             </a:extLst>
           </p:cNvPr>
@@ -2430,7 +2430,7 @@
           <p:cNvPr id="7" name="Slide Number Placeholder 6">
             <a:extLst>
               <a:ext uri="{FF2B5EF4-FFF2-40B4-BE49-F238E27FC236}">
-                <a16:creationId xmlns:a16="http://schemas.microsoft.com/office/drawing/2014/main" id="{E22138CA-7F86-9541-AA58-513E3C7B93B7}"/>
+                <a16:creationId xmlns:a16="http://schemas.microsoft.com/office/drawing/2014/main" xmlns="" id="{E22138CA-7F86-9541-AA58-513E3C7B93B7}"/>
               </a:ext>
             </a:extLst>
           </p:cNvPr>
@@ -2489,7 +2489,7 @@
           <p:cNvPr id="2" name="Title 1">
             <a:extLst>
               <a:ext uri="{FF2B5EF4-FFF2-40B4-BE49-F238E27FC236}">
-                <a16:creationId xmlns:a16="http://schemas.microsoft.com/office/drawing/2014/main" id="{ADB0CFDB-AE56-FE47-AB72-7EF0FE091F67}"/>
+                <a16:creationId xmlns:a16="http://schemas.microsoft.com/office/drawing/2014/main" xmlns="" id="{ADB0CFDB-AE56-FE47-AB72-7EF0FE091F67}"/>
               </a:ext>
             </a:extLst>
           </p:cNvPr>
@@ -2526,7 +2526,7 @@
           <p:cNvPr id="3" name="Picture Placeholder 2">
             <a:extLst>
               <a:ext uri="{FF2B5EF4-FFF2-40B4-BE49-F238E27FC236}">
-                <a16:creationId xmlns:a16="http://schemas.microsoft.com/office/drawing/2014/main" id="{483F1CE3-76C5-7344-B4F9-32DB190BBAA3}"/>
+                <a16:creationId xmlns:a16="http://schemas.microsoft.com/office/drawing/2014/main" xmlns="" id="{483F1CE3-76C5-7344-B4F9-32DB190BBAA3}"/>
               </a:ext>
             </a:extLst>
           </p:cNvPr>
@@ -2593,7 +2593,7 @@
           <p:cNvPr id="4" name="Text Placeholder 3">
             <a:extLst>
               <a:ext uri="{FF2B5EF4-FFF2-40B4-BE49-F238E27FC236}">
-                <a16:creationId xmlns:a16="http://schemas.microsoft.com/office/drawing/2014/main" id="{BE5C8602-0AB8-D64D-8B14-5837E003A5CE}"/>
+                <a16:creationId xmlns:a16="http://schemas.microsoft.com/office/drawing/2014/main" xmlns="" id="{BE5C8602-0AB8-D64D-8B14-5837E003A5CE}"/>
               </a:ext>
             </a:extLst>
           </p:cNvPr>
@@ -2664,7 +2664,7 @@
           <p:cNvPr id="5" name="Date Placeholder 4">
             <a:extLst>
               <a:ext uri="{FF2B5EF4-FFF2-40B4-BE49-F238E27FC236}">
-                <a16:creationId xmlns:a16="http://schemas.microsoft.com/office/drawing/2014/main" id="{3FF89696-D288-E544-8E48-A9DB0669CD35}"/>
+                <a16:creationId xmlns:a16="http://schemas.microsoft.com/office/drawing/2014/main" xmlns="" id="{3FF89696-D288-E544-8E48-A9DB0669CD35}"/>
               </a:ext>
             </a:extLst>
           </p:cNvPr>
@@ -2682,7 +2682,7 @@
           <a:p>
             <a:fld id="{45F5DF8E-F4B8-D441-8FFB-59F600C03B7F}" type="datetimeFigureOut">
               <a:rPr lang="en-US" smtClean="0"/>
-              <a:t>3/21/2022</a:t>
+              <a:t>3/21/22</a:t>
             </a:fld>
             <a:endParaRPr lang="en-US"/>
           </a:p>
@@ -2693,7 +2693,7 @@
           <p:cNvPr id="6" name="Footer Placeholder 5">
             <a:extLst>
               <a:ext uri="{FF2B5EF4-FFF2-40B4-BE49-F238E27FC236}">
-                <a16:creationId xmlns:a16="http://schemas.microsoft.com/office/drawing/2014/main" id="{BB82B9AD-3A8D-8548-A9F6-3D5839CA39F3}"/>
+                <a16:creationId xmlns:a16="http://schemas.microsoft.com/office/drawing/2014/main" xmlns="" id="{BB82B9AD-3A8D-8548-A9F6-3D5839CA39F3}"/>
               </a:ext>
             </a:extLst>
           </p:cNvPr>
@@ -2718,7 +2718,7 @@
           <p:cNvPr id="7" name="Slide Number Placeholder 6">
             <a:extLst>
               <a:ext uri="{FF2B5EF4-FFF2-40B4-BE49-F238E27FC236}">
-                <a16:creationId xmlns:a16="http://schemas.microsoft.com/office/drawing/2014/main" id="{6BE2544D-F3A7-7E44-8D23-8BA5D3B116EC}"/>
+                <a16:creationId xmlns:a16="http://schemas.microsoft.com/office/drawing/2014/main" xmlns="" id="{6BE2544D-F3A7-7E44-8D23-8BA5D3B116EC}"/>
               </a:ext>
             </a:extLst>
           </p:cNvPr>
@@ -2782,7 +2782,7 @@
           <p:cNvPr id="2" name="Title Placeholder 1">
             <a:extLst>
               <a:ext uri="{FF2B5EF4-FFF2-40B4-BE49-F238E27FC236}">
-                <a16:creationId xmlns:a16="http://schemas.microsoft.com/office/drawing/2014/main" id="{39F6D3DA-C70C-D04A-9E79-CD0D66FB9A65}"/>
+                <a16:creationId xmlns:a16="http://schemas.microsoft.com/office/drawing/2014/main" xmlns="" id="{39F6D3DA-C70C-D04A-9E79-CD0D66FB9A65}"/>
               </a:ext>
             </a:extLst>
           </p:cNvPr>
@@ -2820,7 +2820,7 @@
           <p:cNvPr id="3" name="Text Placeholder 2">
             <a:extLst>
               <a:ext uri="{FF2B5EF4-FFF2-40B4-BE49-F238E27FC236}">
-                <a16:creationId xmlns:a16="http://schemas.microsoft.com/office/drawing/2014/main" id="{5E1A3DA7-FEA5-7C4F-B82F-D9485C3C391C}"/>
+                <a16:creationId xmlns:a16="http://schemas.microsoft.com/office/drawing/2014/main" xmlns="" id="{5E1A3DA7-FEA5-7C4F-B82F-D9485C3C391C}"/>
               </a:ext>
             </a:extLst>
           </p:cNvPr>
@@ -2887,7 +2887,7 @@
           <p:cNvPr id="4" name="Date Placeholder 3">
             <a:extLst>
               <a:ext uri="{FF2B5EF4-FFF2-40B4-BE49-F238E27FC236}">
-                <a16:creationId xmlns:a16="http://schemas.microsoft.com/office/drawing/2014/main" id="{D5FFA7A0-A5B9-4B40-89B5-A8F202E4A52D}"/>
+                <a16:creationId xmlns:a16="http://schemas.microsoft.com/office/drawing/2014/main" xmlns="" id="{D5FFA7A0-A5B9-4B40-89B5-A8F202E4A52D}"/>
               </a:ext>
             </a:extLst>
           </p:cNvPr>
@@ -2923,7 +2923,7 @@
           <a:p>
             <a:fld id="{45F5DF8E-F4B8-D441-8FFB-59F600C03B7F}" type="datetimeFigureOut">
               <a:rPr lang="en-US" smtClean="0"/>
-              <a:t>3/21/2022</a:t>
+              <a:t>3/21/22</a:t>
             </a:fld>
             <a:endParaRPr lang="en-US"/>
           </a:p>
@@ -2934,7 +2934,7 @@
           <p:cNvPr id="5" name="Footer Placeholder 4">
             <a:extLst>
               <a:ext uri="{FF2B5EF4-FFF2-40B4-BE49-F238E27FC236}">
-                <a16:creationId xmlns:a16="http://schemas.microsoft.com/office/drawing/2014/main" id="{8F8C4C0F-DD02-D144-8E45-25656FAFC813}"/>
+                <a16:creationId xmlns:a16="http://schemas.microsoft.com/office/drawing/2014/main" xmlns="" id="{8F8C4C0F-DD02-D144-8E45-25656FAFC813}"/>
               </a:ext>
             </a:extLst>
           </p:cNvPr>
@@ -2977,7 +2977,7 @@
           <p:cNvPr id="6" name="Slide Number Placeholder 5">
             <a:extLst>
               <a:ext uri="{FF2B5EF4-FFF2-40B4-BE49-F238E27FC236}">
-                <a16:creationId xmlns:a16="http://schemas.microsoft.com/office/drawing/2014/main" id="{CA0EC7DB-28A5-C24E-AED8-AF1773264F75}"/>
+                <a16:creationId xmlns:a16="http://schemas.microsoft.com/office/drawing/2014/main" xmlns="" id="{CA0EC7DB-28A5-C24E-AED8-AF1773264F75}"/>
               </a:ext>
             </a:extLst>
           </p:cNvPr>
@@ -3345,7 +3345,7 @@
           <p:cNvPr id="2" name="Title 1">
             <a:extLst>
               <a:ext uri="{FF2B5EF4-FFF2-40B4-BE49-F238E27FC236}">
-                <a16:creationId xmlns:a16="http://schemas.microsoft.com/office/drawing/2014/main" id="{63E6769D-0AAE-2044-8EA3-8380823F5ECE}"/>
+                <a16:creationId xmlns:a16="http://schemas.microsoft.com/office/drawing/2014/main" xmlns="" id="{63E6769D-0AAE-2044-8EA3-8380823F5ECE}"/>
               </a:ext>
             </a:extLst>
           </p:cNvPr>
@@ -3373,7 +3373,7 @@
           <p:cNvPr id="3" name="Subtitle 2">
             <a:extLst>
               <a:ext uri="{FF2B5EF4-FFF2-40B4-BE49-F238E27FC236}">
-                <a16:creationId xmlns:a16="http://schemas.microsoft.com/office/drawing/2014/main" id="{EF5A5664-23DD-0541-BF33-69F8800D2195}"/>
+                <a16:creationId xmlns:a16="http://schemas.microsoft.com/office/drawing/2014/main" xmlns="" id="{EF5A5664-23DD-0541-BF33-69F8800D2195}"/>
               </a:ext>
             </a:extLst>
           </p:cNvPr>
@@ -3437,7 +3437,7 @@
           <p:cNvPr id="2" name="Title 1">
             <a:extLst>
               <a:ext uri="{FF2B5EF4-FFF2-40B4-BE49-F238E27FC236}">
-                <a16:creationId xmlns:a16="http://schemas.microsoft.com/office/drawing/2014/main" id="{6AB1D754-572F-49F6-9871-E20F6DF95248}"/>
+                <a16:creationId xmlns:a16="http://schemas.microsoft.com/office/drawing/2014/main" xmlns="" id="{6AB1D754-572F-49F6-9871-E20F6DF95248}"/>
               </a:ext>
             </a:extLst>
           </p:cNvPr>
@@ -3465,7 +3465,7 @@
           <p:cNvPr id="3" name="Content Placeholder 2">
             <a:extLst>
               <a:ext uri="{FF2B5EF4-FFF2-40B4-BE49-F238E27FC236}">
-                <a16:creationId xmlns:a16="http://schemas.microsoft.com/office/drawing/2014/main" id="{9F068461-C235-42A4-8A94-B1C432F7E55A}"/>
+                <a16:creationId xmlns:a16="http://schemas.microsoft.com/office/drawing/2014/main" xmlns="" id="{9F068461-C235-42A4-8A94-B1C432F7E55A}"/>
               </a:ext>
             </a:extLst>
           </p:cNvPr>
@@ -3478,25 +3478,46 @@
         </p:nvSpPr>
         <p:spPr/>
         <p:txBody>
-          <a:bodyPr/>
+          <a:bodyPr anchor="ctr"/>
           <a:lstStyle/>
           <a:p>
             <a:r>
               <a:rPr lang="en-US" dirty="0"/>
-              <a:t>Kept 3 subjects out</a:t>
-            </a:r>
+              <a:t>Kept 3 subjects </a:t>
+            </a:r>
+            <a:r>
+              <a:rPr lang="en-US" dirty="0" smtClean="0"/>
+              <a:t>out</a:t>
+            </a:r>
+          </a:p>
+          <a:p>
+            <a:endParaRPr lang="en-US" dirty="0"/>
           </a:p>
           <a:p>
             <a:r>
               <a:rPr lang="en-US" dirty="0"/>
-              <a:t>Less chance of bias when evaluating performance of test set</a:t>
-            </a:r>
+              <a:t>Less chance of bias when evaluating performance of test </a:t>
+            </a:r>
+            <a:r>
+              <a:rPr lang="en-US" dirty="0" smtClean="0"/>
+              <a:t>set</a:t>
+            </a:r>
+          </a:p>
+          <a:p>
+            <a:endParaRPr lang="en-US" dirty="0"/>
           </a:p>
           <a:p>
             <a:r>
               <a:rPr lang="en-US" dirty="0"/>
-              <a:t>Captures ruggedness</a:t>
-            </a:r>
+              <a:t>Captures </a:t>
+            </a:r>
+            <a:r>
+              <a:rPr lang="en-US" dirty="0" smtClean="0"/>
+              <a:t>ruggedness</a:t>
+            </a:r>
+          </a:p>
+          <a:p>
+            <a:endParaRPr lang="en-US" dirty="0"/>
           </a:p>
           <a:p>
             <a:r>
@@ -3541,7 +3562,7 @@
           <p:cNvPr id="7" name="Title 1">
             <a:extLst>
               <a:ext uri="{FF2B5EF4-FFF2-40B4-BE49-F238E27FC236}">
-                <a16:creationId xmlns:a16="http://schemas.microsoft.com/office/drawing/2014/main" id="{CDE84C0E-DAEF-4A24-A855-E44CB6979107}"/>
+                <a16:creationId xmlns:a16="http://schemas.microsoft.com/office/drawing/2014/main" xmlns="" id="{CDE84C0E-DAEF-4A24-A855-E44CB6979107}"/>
               </a:ext>
             </a:extLst>
           </p:cNvPr>
@@ -3569,14 +3590,14 @@
           </a:p>
         </p:txBody>
       </p:sp>
-      <mc:AlternateContent xmlns:mc="http://schemas.openxmlformats.org/markup-compatibility/2006">
-        <mc:Choice xmlns:a14="http://schemas.microsoft.com/office/drawing/2010/main" Requires="a14">
+      <mc:AlternateContent xmlns:mc="http://schemas.openxmlformats.org/markup-compatibility/2006" xmlns:a14="http://schemas.microsoft.com/office/drawing/2010/main">
+        <mc:Choice Requires="a14">
           <p:sp>
             <p:nvSpPr>
               <p:cNvPr id="8" name="Content Placeholder 2">
                 <a:extLst>
                   <a:ext uri="{FF2B5EF4-FFF2-40B4-BE49-F238E27FC236}">
-                    <a16:creationId xmlns:a16="http://schemas.microsoft.com/office/drawing/2014/main" id="{01B999D5-EE4D-4AEB-9A9F-A415CCD7D823}"/>
+                    <a16:creationId xmlns:a16="http://schemas.microsoft.com/office/drawing/2014/main" xmlns="" id="{01B999D5-EE4D-4AEB-9A9F-A415CCD7D823}"/>
                   </a:ext>
                 </a:extLst>
               </p:cNvPr>
@@ -3805,7 +3826,7 @@
             </p:txBody>
           </p:sp>
         </mc:Choice>
-        <mc:Fallback>
+        <mc:Fallback xmlns="">
           <p:sp>
             <p:nvSpPr>
               <p:cNvPr id="8" name="Content Placeholder 2">
@@ -3849,14 +3870,14 @@
           </p:sp>
         </mc:Fallback>
       </mc:AlternateContent>
-      <mc:AlternateContent xmlns:mc="http://schemas.openxmlformats.org/markup-compatibility/2006">
-        <mc:Choice xmlns:a14="http://schemas.microsoft.com/office/drawing/2010/main" Requires="a14">
+      <mc:AlternateContent xmlns:mc="http://schemas.openxmlformats.org/markup-compatibility/2006" xmlns:a14="http://schemas.microsoft.com/office/drawing/2010/main">
+        <mc:Choice Requires="a14">
           <p:sp>
             <p:nvSpPr>
               <p:cNvPr id="2" name="TextBox 1">
                 <a:extLst>
                   <a:ext uri="{FF2B5EF4-FFF2-40B4-BE49-F238E27FC236}">
-                    <a16:creationId xmlns:a16="http://schemas.microsoft.com/office/drawing/2014/main" id="{8A77F9D0-39EB-4B7F-8E56-775374954390}"/>
+                    <a16:creationId xmlns:a16="http://schemas.microsoft.com/office/drawing/2014/main" xmlns="" id="{8A77F9D0-39EB-4B7F-8E56-775374954390}"/>
                   </a:ext>
                 </a:extLst>
               </p:cNvPr>
@@ -3946,7 +3967,7 @@
             </p:txBody>
           </p:sp>
         </mc:Choice>
-        <mc:Fallback>
+        <mc:Fallback xmlns="">
           <p:sp>
             <p:nvSpPr>
               <p:cNvPr id="2" name="TextBox 1">
@@ -4026,7 +4047,7 @@
           <p:cNvPr id="2" name="Title 1">
             <a:extLst>
               <a:ext uri="{FF2B5EF4-FFF2-40B4-BE49-F238E27FC236}">
-                <a16:creationId xmlns:a16="http://schemas.microsoft.com/office/drawing/2014/main" id="{74A0FF98-17C7-6C4B-8D07-D0480804733F}"/>
+                <a16:creationId xmlns:a16="http://schemas.microsoft.com/office/drawing/2014/main" xmlns="" id="{74A0FF98-17C7-6C4B-8D07-D0480804733F}"/>
               </a:ext>
             </a:extLst>
           </p:cNvPr>
@@ -4054,7 +4075,7 @@
           <p:cNvPr id="5" name="Picture 4" descr="Text&#10;&#10;Description automatically generated">
             <a:extLst>
               <a:ext uri="{FF2B5EF4-FFF2-40B4-BE49-F238E27FC236}">
-                <a16:creationId xmlns:a16="http://schemas.microsoft.com/office/drawing/2014/main" id="{BE519A98-C651-4AAD-B727-8FC4EE303921}"/>
+                <a16:creationId xmlns:a16="http://schemas.microsoft.com/office/drawing/2014/main" xmlns="" id="{BE519A98-C651-4AAD-B727-8FC4EE303921}"/>
               </a:ext>
             </a:extLst>
           </p:cNvPr>
@@ -4114,7 +4135,7 @@
           <p:cNvPr id="5" name="Content Placeholder 4" descr="A picture containing timeline&#10;&#10;Description automatically generated">
             <a:extLst>
               <a:ext uri="{FF2B5EF4-FFF2-40B4-BE49-F238E27FC236}">
-                <a16:creationId xmlns:a16="http://schemas.microsoft.com/office/drawing/2014/main" id="{059EF947-07C3-4C96-8D93-1E0BABDB9887}"/>
+                <a16:creationId xmlns:a16="http://schemas.microsoft.com/office/drawing/2014/main" xmlns="" id="{059EF947-07C3-4C96-8D93-1E0BABDB9887}"/>
               </a:ext>
             </a:extLst>
           </p:cNvPr>
@@ -4173,7 +4194,7 @@
           <p:cNvPr id="2" name="Title 1">
             <a:extLst>
               <a:ext uri="{FF2B5EF4-FFF2-40B4-BE49-F238E27FC236}">
-                <a16:creationId xmlns:a16="http://schemas.microsoft.com/office/drawing/2014/main" id="{107D85B4-979C-443D-8ED3-FA60060EFEAB}"/>
+                <a16:creationId xmlns:a16="http://schemas.microsoft.com/office/drawing/2014/main" xmlns="" id="{107D85B4-979C-443D-8ED3-FA60060EFEAB}"/>
               </a:ext>
             </a:extLst>
           </p:cNvPr>
@@ -4201,7 +4222,7 @@
           <p:cNvPr id="5" name="Content Placeholder 4" descr="Diagram&#10;&#10;Description automatically generated with medium confidence">
             <a:extLst>
               <a:ext uri="{FF2B5EF4-FFF2-40B4-BE49-F238E27FC236}">
-                <a16:creationId xmlns:a16="http://schemas.microsoft.com/office/drawing/2014/main" id="{79A1F322-01B0-4CC2-B472-89F8F76DEE93}"/>
+                <a16:creationId xmlns:a16="http://schemas.microsoft.com/office/drawing/2014/main" xmlns="" id="{79A1F322-01B0-4CC2-B472-89F8F76DEE93}"/>
               </a:ext>
             </a:extLst>
           </p:cNvPr>
@@ -4260,7 +4281,7 @@
           <p:cNvPr id="2" name="Title 1">
             <a:extLst>
               <a:ext uri="{FF2B5EF4-FFF2-40B4-BE49-F238E27FC236}">
-                <a16:creationId xmlns:a16="http://schemas.microsoft.com/office/drawing/2014/main" id="{5F77124F-9940-644A-8C89-FBD0344EBC30}"/>
+                <a16:creationId xmlns:a16="http://schemas.microsoft.com/office/drawing/2014/main" xmlns="" id="{5F77124F-9940-644A-8C89-FBD0344EBC30}"/>
               </a:ext>
             </a:extLst>
           </p:cNvPr>
@@ -4288,7 +4309,7 @@
           <p:cNvPr id="3" name="Content Placeholder 2">
             <a:extLst>
               <a:ext uri="{FF2B5EF4-FFF2-40B4-BE49-F238E27FC236}">
-                <a16:creationId xmlns:a16="http://schemas.microsoft.com/office/drawing/2014/main" id="{25A09237-A4A1-F543-BBC9-FDE843B417AD}"/>
+                <a16:creationId xmlns:a16="http://schemas.microsoft.com/office/drawing/2014/main" xmlns="" id="{25A09237-A4A1-F543-BBC9-FDE843B417AD}"/>
               </a:ext>
             </a:extLst>
           </p:cNvPr>
@@ -4301,102 +4322,151 @@
         </p:nvSpPr>
         <p:spPr>
           <a:xfrm>
-            <a:off x="838200" y="1412240"/>
-            <a:ext cx="10515600" cy="5445759"/>
+            <a:off x="838200" y="1412241"/>
+            <a:ext cx="10515600" cy="4791790"/>
           </a:xfrm>
         </p:spPr>
         <p:txBody>
           <a:bodyPr>
-            <a:normAutofit fontScale="62500" lnSpcReduction="20000"/>
+            <a:noAutofit/>
           </a:bodyPr>
           <a:lstStyle/>
           <a:p>
             <a:pPr>
               <a:lnSpc>
-                <a:spcPct val="160000"/>
+                <a:spcPct val="100000"/>
               </a:lnSpc>
             </a:pPr>
             <a:r>
-              <a:rPr lang="en-US" dirty="0"/>
+              <a:rPr lang="en-US" sz="2400" dirty="0"/>
               <a:t>Determine best linear mixed-effects model through exhaustive search to predict asthma attacks</a:t>
             </a:r>
           </a:p>
           <a:p>
             <a:pPr lvl="1">
               <a:lnSpc>
-                <a:spcPct val="160000"/>
+                <a:spcPct val="100000"/>
               </a:lnSpc>
             </a:pPr>
             <a:r>
-              <a:rPr lang="en-US" dirty="0"/>
+              <a:rPr lang="en-US" sz="1800" dirty="0"/>
               <a:t>Based on R</a:t>
             </a:r>
             <a:r>
-              <a:rPr lang="en-US" baseline="30000" dirty="0"/>
+              <a:rPr lang="en-US" sz="1800" baseline="30000" dirty="0"/>
               <a:t>2</a:t>
             </a:r>
             <a:r>
-              <a:rPr lang="en-US" dirty="0"/>
+              <a:rPr lang="en-US" sz="1800" dirty="0"/>
               <a:t> and </a:t>
             </a:r>
             <a:r>
-              <a:rPr lang="en-US" dirty="0" err="1"/>
+              <a:rPr lang="en-US" sz="1800" dirty="0" err="1"/>
               <a:t>Akaike</a:t>
             </a:r>
             <a:r>
-              <a:rPr lang="en-US" dirty="0"/>
-              <a:t> Information Criterion (AIC)</a:t>
-            </a:r>
+              <a:rPr lang="en-US" sz="1800" dirty="0"/>
+              <a:t> Information Criterion (AIC</a:t>
+            </a:r>
+            <a:r>
+              <a:rPr lang="en-US" sz="1800" dirty="0" smtClean="0"/>
+              <a:t>)</a:t>
+            </a:r>
+          </a:p>
+          <a:p>
+            <a:pPr lvl="1">
+              <a:lnSpc>
+                <a:spcPct val="100000"/>
+              </a:lnSpc>
+            </a:pPr>
+            <a:endParaRPr lang="en-US" sz="1800" dirty="0"/>
           </a:p>
           <a:p>
             <a:pPr>
               <a:lnSpc>
-                <a:spcPct val="300000"/>
+                <a:spcPct val="100000"/>
               </a:lnSpc>
             </a:pPr>
             <a:r>
-              <a:rPr lang="en-US" dirty="0"/>
-              <a:t>Compare best linear mixed-effects model to a model that uses lasso regression with the linear mixed model</a:t>
-            </a:r>
+              <a:rPr lang="en-US" sz="2400" dirty="0"/>
+              <a:t>Compare best linear mixed-effects model to a model that uses lasso regression with the linear mixed </a:t>
+            </a:r>
+            <a:r>
+              <a:rPr lang="en-US" sz="2400" dirty="0" smtClean="0"/>
+              <a:t>model</a:t>
+            </a:r>
+          </a:p>
+          <a:p>
+            <a:pPr lvl="1">
+              <a:lnSpc>
+                <a:spcPct val="100000"/>
+              </a:lnSpc>
+            </a:pPr>
+            <a:endParaRPr lang="en-US" sz="2000" dirty="0" smtClean="0"/>
           </a:p>
           <a:p>
             <a:pPr>
               <a:lnSpc>
-                <a:spcPct val="300000"/>
+                <a:spcPct val="100000"/>
               </a:lnSpc>
             </a:pPr>
             <a:r>
-              <a:rPr lang="en-US" dirty="0"/>
-              <a:t>Look into K-fold cross validation </a:t>
-            </a:r>
+              <a:rPr lang="en-US" sz="2400" dirty="0" smtClean="0"/>
+              <a:t>Look </a:t>
+            </a:r>
+            <a:r>
+              <a:rPr lang="en-US" sz="2400" dirty="0"/>
+              <a:t>into K-fold cross validation </a:t>
+            </a:r>
+            <a:endParaRPr lang="en-US" sz="2400" dirty="0" smtClean="0"/>
+          </a:p>
+          <a:p>
+            <a:pPr lvl="1">
+              <a:lnSpc>
+                <a:spcPct val="100000"/>
+              </a:lnSpc>
+            </a:pPr>
+            <a:endParaRPr lang="en-US" sz="2000" dirty="0"/>
           </a:p>
           <a:p>
             <a:pPr>
               <a:lnSpc>
-                <a:spcPct val="300000"/>
+                <a:spcPct val="100000"/>
               </a:lnSpc>
             </a:pPr>
             <a:r>
-              <a:rPr lang="en-US" dirty="0"/>
+              <a:rPr lang="en-US" sz="2400" dirty="0"/>
               <a:t>Build </a:t>
             </a:r>
             <a:r>
-              <a:rPr lang="en-US" dirty="0" err="1"/>
+              <a:rPr lang="en-US" sz="2400" dirty="0" err="1"/>
               <a:t>Rshiny</a:t>
             </a:r>
             <a:r>
-              <a:rPr lang="en-US" dirty="0"/>
-              <a:t> feature</a:t>
-            </a:r>
+              <a:rPr lang="en-US" sz="2400" dirty="0"/>
+              <a:t> </a:t>
+            </a:r>
+            <a:r>
+              <a:rPr lang="en-US" sz="2400" dirty="0" smtClean="0"/>
+              <a:t>feature</a:t>
+            </a:r>
+          </a:p>
+          <a:p>
+            <a:pPr lvl="1">
+              <a:lnSpc>
+                <a:spcPct val="100000"/>
+              </a:lnSpc>
+            </a:pPr>
+            <a:endParaRPr lang="en-US" sz="2000" dirty="0"/>
           </a:p>
           <a:p>
             <a:pPr>
               <a:lnSpc>
-                <a:spcPct val="300000"/>
+                <a:spcPct val="100000"/>
               </a:lnSpc>
             </a:pPr>
             <a:r>
-              <a:rPr lang="en-US" dirty="0"/>
+              <a:rPr lang="en-US" sz="2400" dirty="0"/>
               <a:t>Research previous studies done using weather features</a:t>
             </a:r>
           </a:p>
@@ -4437,7 +4507,7 @@
           <p:cNvPr id="2" name="Title 1">
             <a:extLst>
               <a:ext uri="{FF2B5EF4-FFF2-40B4-BE49-F238E27FC236}">
-                <a16:creationId xmlns:a16="http://schemas.microsoft.com/office/drawing/2014/main" id="{4C3FC6BC-342A-4047-A04D-4F7B83D3AE91}"/>
+                <a16:creationId xmlns:a16="http://schemas.microsoft.com/office/drawing/2014/main" xmlns="" id="{4C3FC6BC-342A-4047-A04D-4F7B83D3AE91}"/>
               </a:ext>
             </a:extLst>
           </p:cNvPr>
@@ -4465,7 +4535,7 @@
           <p:cNvPr id="3" name="Content Placeholder 2">
             <a:extLst>
               <a:ext uri="{FF2B5EF4-FFF2-40B4-BE49-F238E27FC236}">
-                <a16:creationId xmlns:a16="http://schemas.microsoft.com/office/drawing/2014/main" id="{F7AB5729-20A0-CE41-90C7-E54C52E25CA4}"/>
+                <a16:creationId xmlns:a16="http://schemas.microsoft.com/office/drawing/2014/main" xmlns="" id="{F7AB5729-20A0-CE41-90C7-E54C52E25CA4}"/>
               </a:ext>
             </a:extLst>
           </p:cNvPr>
@@ -4476,7 +4546,12 @@
             <p:ph idx="1"/>
           </p:nvPr>
         </p:nvSpPr>
-        <p:spPr/>
+        <p:spPr>
+          <a:xfrm>
+            <a:off x="838199" y="1825625"/>
+            <a:ext cx="11002701" cy="4563600"/>
+          </a:xfrm>
+        </p:spPr>
         <p:txBody>
           <a:bodyPr>
             <a:normAutofit lnSpcReduction="10000"/>
@@ -4485,46 +4560,114 @@
           <a:p>
             <a:r>
               <a:rPr lang="en-US" dirty="0"/>
-              <a:t>Analytic Objective(s): To predict the severity of an asthma attack</a:t>
-            </a:r>
-          </a:p>
-          <a:p>
+              <a:t>Analytic </a:t>
+            </a:r>
+            <a:r>
+              <a:rPr lang="en-US" dirty="0" smtClean="0"/>
+              <a:t>Objective: 	To </a:t>
+            </a:r>
+            <a:r>
+              <a:rPr lang="en-US" dirty="0"/>
+              <a:t>predict the severity of an asthma </a:t>
+            </a:r>
+            <a:r>
+              <a:rPr lang="en-US" dirty="0" smtClean="0"/>
+              <a:t>attack</a:t>
+            </a:r>
+          </a:p>
+          <a:p>
+            <a:pPr lvl="1"/>
             <a:endParaRPr lang="en-US" dirty="0"/>
           </a:p>
           <a:p>
             <a:r>
               <a:rPr lang="en-US" dirty="0"/>
-              <a:t>Decisions Impacted: Help people with asthma become more aware of             			      having an asthma attack and if it could be severe</a:t>
-            </a:r>
-          </a:p>
-          <a:p>
-            <a:pPr marL="0" indent="0">
-              <a:buNone/>
-            </a:pPr>
+              <a:t>Decisions Impacted: </a:t>
+            </a:r>
+            <a:r>
+              <a:rPr lang="en-US" dirty="0" smtClean="0"/>
+              <a:t>	Help </a:t>
+            </a:r>
             <a:r>
               <a:rPr lang="en-US" dirty="0"/>
-              <a:t>                 </a:t>
-            </a:r>
-          </a:p>
-          <a:p>
+              <a:t>people with asthma become more aware </a:t>
+            </a:r>
+            <a:r>
+              <a:rPr lang="en-US" dirty="0" smtClean="0"/>
+              <a:t>				of having </a:t>
+            </a:r>
             <a:r>
               <a:rPr lang="en-US" dirty="0"/>
-              <a:t>Business Value: Could change the way inhalers (app) are manufactured by accounting for the most significant predictors and suggesting to make a change</a:t>
-            </a:r>
+              <a:t>an asthma attack and if it could be </a:t>
+            </a:r>
+            <a:r>
+              <a:rPr lang="en-US" dirty="0" smtClean="0"/>
+              <a:t>				severe</a:t>
+            </a:r>
+          </a:p>
+          <a:p>
+            <a:pPr lvl="1"/>
+            <a:endParaRPr lang="en-US" dirty="0"/>
           </a:p>
           <a:p>
             <a:r>
               <a:rPr lang="en-US" dirty="0"/>
-              <a:t>Data Assets: 11 features, and a grouping variable(subjects)</a:t>
-            </a:r>
-          </a:p>
-          <a:p>
+              <a:t>Business Value: </a:t>
+            </a:r>
+            <a:r>
+              <a:rPr lang="en-US" dirty="0" smtClean="0"/>
+              <a:t>		Could </a:t>
+            </a:r>
             <a:r>
               <a:rPr lang="en-US" dirty="0"/>
-              <a:t>Data is from a study for predicting asthma attacks</a:t>
-            </a:r>
-          </a:p>
-          <a:p>
+              <a:t>change the way inhalers </a:t>
+            </a:r>
+            <a:r>
+              <a:rPr lang="en-US" dirty="0" smtClean="0"/>
+              <a:t>are 						manufactured  and create an app that 					accounts </a:t>
+            </a:r>
+            <a:r>
+              <a:rPr lang="en-US" dirty="0"/>
+              <a:t>for the most significant </a:t>
+            </a:r>
+            <a:r>
+              <a:rPr lang="en-US" dirty="0" smtClean="0"/>
+              <a:t>predictors </a:t>
+            </a:r>
+          </a:p>
+          <a:p>
+            <a:pPr lvl="1"/>
+            <a:endParaRPr lang="en-US" dirty="0" smtClean="0"/>
+          </a:p>
+          <a:p>
+            <a:r>
+              <a:rPr lang="en-US" dirty="0" smtClean="0"/>
+              <a:t>Data </a:t>
+            </a:r>
+            <a:r>
+              <a:rPr lang="en-US" dirty="0"/>
+              <a:t>Assets: </a:t>
+            </a:r>
+            <a:r>
+              <a:rPr lang="en-US" dirty="0" smtClean="0"/>
+              <a:t>		11 features</a:t>
+            </a:r>
+            <a:r>
+              <a:rPr lang="en-US" dirty="0" smtClean="0"/>
+              <a:t>, from a study done by </a:t>
+            </a:r>
+            <a:r>
+              <a:rPr lang="en-US" dirty="0" err="1" smtClean="0"/>
+              <a:t>Radiah</a:t>
+            </a:r>
+            <a:r>
+              <a:rPr lang="en-US" dirty="0" smtClean="0"/>
+              <a:t> </a:t>
+            </a:r>
+            <a:r>
+              <a:rPr lang="en-US" dirty="0" err="1" smtClean="0"/>
+              <a:t>Haque</a:t>
+            </a:r>
             <a:endParaRPr lang="en-US" dirty="0"/>
           </a:p>
           <a:p>
@@ -4573,7 +4716,7 @@
           <p:cNvPr id="2" name="Title 1">
             <a:extLst>
               <a:ext uri="{FF2B5EF4-FFF2-40B4-BE49-F238E27FC236}">
-                <a16:creationId xmlns:a16="http://schemas.microsoft.com/office/drawing/2014/main" id="{FDAB2B5E-E2BF-49CF-B0D4-3FF09CA2DD9A}"/>
+                <a16:creationId xmlns:a16="http://schemas.microsoft.com/office/drawing/2014/main" xmlns="" id="{FDAB2B5E-E2BF-49CF-B0D4-3FF09CA2DD9A}"/>
               </a:ext>
             </a:extLst>
           </p:cNvPr>
@@ -4601,7 +4744,7 @@
           <p:cNvPr id="5" name="Content Placeholder 4">
             <a:extLst>
               <a:ext uri="{FF2B5EF4-FFF2-40B4-BE49-F238E27FC236}">
-                <a16:creationId xmlns:a16="http://schemas.microsoft.com/office/drawing/2014/main" id="{62065E65-9485-451A-9668-8031404E6A46}"/>
+                <a16:creationId xmlns:a16="http://schemas.microsoft.com/office/drawing/2014/main" xmlns="" id="{62065E65-9485-451A-9668-8031404E6A46}"/>
               </a:ext>
             </a:extLst>
           </p:cNvPr>
@@ -4630,7 +4773,7 @@
           <p:cNvPr id="6" name="TextBox 5">
             <a:extLst>
               <a:ext uri="{FF2B5EF4-FFF2-40B4-BE49-F238E27FC236}">
-                <a16:creationId xmlns:a16="http://schemas.microsoft.com/office/drawing/2014/main" id="{CE7F5782-5EC5-4F14-BFE4-D7A0043355C8}"/>
+                <a16:creationId xmlns:a16="http://schemas.microsoft.com/office/drawing/2014/main" xmlns="" id="{CE7F5782-5EC5-4F14-BFE4-D7A0043355C8}"/>
               </a:ext>
             </a:extLst>
           </p:cNvPr>
@@ -4699,7 +4842,7 @@
           <p:cNvPr id="2" name="Title 1">
             <a:extLst>
               <a:ext uri="{FF2B5EF4-FFF2-40B4-BE49-F238E27FC236}">
-                <a16:creationId xmlns:a16="http://schemas.microsoft.com/office/drawing/2014/main" id="{4E36FDEF-1A2E-43F8-B2F9-AE8D6BC66230}"/>
+                <a16:creationId xmlns:a16="http://schemas.microsoft.com/office/drawing/2014/main" xmlns="" id="{4E36FDEF-1A2E-43F8-B2F9-AE8D6BC66230}"/>
               </a:ext>
             </a:extLst>
           </p:cNvPr>
@@ -4727,7 +4870,7 @@
           <p:cNvPr id="5" name="Content Placeholder 4" descr="Chart, scatter chart&#10;&#10;Description automatically generated">
             <a:extLst>
               <a:ext uri="{FF2B5EF4-FFF2-40B4-BE49-F238E27FC236}">
-                <a16:creationId xmlns:a16="http://schemas.microsoft.com/office/drawing/2014/main" id="{5AA06DFA-BF61-4BB6-A324-A6FD41857D1E}"/>
+                <a16:creationId xmlns:a16="http://schemas.microsoft.com/office/drawing/2014/main" xmlns="" id="{5AA06DFA-BF61-4BB6-A324-A6FD41857D1E}"/>
               </a:ext>
             </a:extLst>
           </p:cNvPr>
@@ -4786,7 +4929,7 @@
           <p:cNvPr id="2" name="Title 1">
             <a:extLst>
               <a:ext uri="{FF2B5EF4-FFF2-40B4-BE49-F238E27FC236}">
-                <a16:creationId xmlns:a16="http://schemas.microsoft.com/office/drawing/2014/main" id="{4C3FC6BC-342A-4047-A04D-4F7B83D3AE91}"/>
+                <a16:creationId xmlns:a16="http://schemas.microsoft.com/office/drawing/2014/main" xmlns="" id="{4C3FC6BC-342A-4047-A04D-4F7B83D3AE91}"/>
               </a:ext>
             </a:extLst>
           </p:cNvPr>
@@ -4814,7 +4957,7 @@
           <p:cNvPr id="6" name="Picture 5" descr="Chart, bar chart&#10;&#10;Description automatically generated">
             <a:extLst>
               <a:ext uri="{FF2B5EF4-FFF2-40B4-BE49-F238E27FC236}">
-                <a16:creationId xmlns:a16="http://schemas.microsoft.com/office/drawing/2014/main" id="{497421EB-63F7-49FA-994C-89C84C8C32B1}"/>
+                <a16:creationId xmlns:a16="http://schemas.microsoft.com/office/drawing/2014/main" xmlns="" id="{497421EB-63F7-49FA-994C-89C84C8C32B1}"/>
               </a:ext>
             </a:extLst>
           </p:cNvPr>
@@ -4874,7 +5017,7 @@
           <p:cNvPr id="2" name="Title 1">
             <a:extLst>
               <a:ext uri="{FF2B5EF4-FFF2-40B4-BE49-F238E27FC236}">
-                <a16:creationId xmlns:a16="http://schemas.microsoft.com/office/drawing/2014/main" id="{37E30354-D520-4520-BBC2-F3DE8F6C8636}"/>
+                <a16:creationId xmlns:a16="http://schemas.microsoft.com/office/drawing/2014/main" xmlns="" id="{37E30354-D520-4520-BBC2-F3DE8F6C8636}"/>
               </a:ext>
             </a:extLst>
           </p:cNvPr>
@@ -4902,7 +5045,7 @@
           <p:cNvPr id="3" name="Content Placeholder 2">
             <a:extLst>
               <a:ext uri="{FF2B5EF4-FFF2-40B4-BE49-F238E27FC236}">
-                <a16:creationId xmlns:a16="http://schemas.microsoft.com/office/drawing/2014/main" id="{57D77B8A-6561-447A-B31D-F0156869F57A}"/>
+                <a16:creationId xmlns:a16="http://schemas.microsoft.com/office/drawing/2014/main" xmlns="" id="{57D77B8A-6561-447A-B31D-F0156869F57A}"/>
               </a:ext>
             </a:extLst>
           </p:cNvPr>
@@ -4965,7 +5108,7 @@
           <p:cNvPr id="4" name="Table 4">
             <a:extLst>
               <a:ext uri="{FF2B5EF4-FFF2-40B4-BE49-F238E27FC236}">
-                <a16:creationId xmlns:a16="http://schemas.microsoft.com/office/drawing/2014/main" id="{153666BD-1352-4735-A57F-788E38798904}"/>
+                <a16:creationId xmlns:a16="http://schemas.microsoft.com/office/drawing/2014/main" xmlns="" id="{153666BD-1352-4735-A57F-788E38798904}"/>
               </a:ext>
             </a:extLst>
           </p:cNvPr>
@@ -4994,28 +5137,28 @@
                 <a:gridCol w="2032000">
                   <a:extLst>
                     <a:ext uri="{9D8B030D-6E8A-4147-A177-3AD203B41FA5}">
-                      <a16:colId xmlns:a16="http://schemas.microsoft.com/office/drawing/2014/main" val="2973050712"/>
+                      <a16:colId xmlns:a16="http://schemas.microsoft.com/office/drawing/2014/main" xmlns="" val="2973050712"/>
                     </a:ext>
                   </a:extLst>
                 </a:gridCol>
                 <a:gridCol w="2032000">
                   <a:extLst>
                     <a:ext uri="{9D8B030D-6E8A-4147-A177-3AD203B41FA5}">
-                      <a16:colId xmlns:a16="http://schemas.microsoft.com/office/drawing/2014/main" val="2937897425"/>
+                      <a16:colId xmlns:a16="http://schemas.microsoft.com/office/drawing/2014/main" xmlns="" val="2937897425"/>
                     </a:ext>
                   </a:extLst>
                 </a:gridCol>
                 <a:gridCol w="2032000">
                   <a:extLst>
                     <a:ext uri="{9D8B030D-6E8A-4147-A177-3AD203B41FA5}">
-                      <a16:colId xmlns:a16="http://schemas.microsoft.com/office/drawing/2014/main" val="3294600292"/>
+                      <a16:colId xmlns:a16="http://schemas.microsoft.com/office/drawing/2014/main" xmlns="" val="3294600292"/>
                     </a:ext>
                   </a:extLst>
                 </a:gridCol>
                 <a:gridCol w="2032000">
                   <a:extLst>
                     <a:ext uri="{9D8B030D-6E8A-4147-A177-3AD203B41FA5}">
-                      <a16:colId xmlns:a16="http://schemas.microsoft.com/office/drawing/2014/main" val="2698831798"/>
+                      <a16:colId xmlns:a16="http://schemas.microsoft.com/office/drawing/2014/main" xmlns="" val="2698831798"/>
                     </a:ext>
                   </a:extLst>
                 </a:gridCol>
@@ -5079,7 +5222,7 @@
                 </a:tc>
                 <a:extLst>
                   <a:ext uri="{0D108BD9-81ED-4DB2-BD59-A6C34878D82A}">
-                    <a16:rowId xmlns:a16="http://schemas.microsoft.com/office/drawing/2014/main" val="641596946"/>
+                    <a16:rowId xmlns:a16="http://schemas.microsoft.com/office/drawing/2014/main" xmlns="" val="641596946"/>
                   </a:ext>
                 </a:extLst>
               </a:tr>
@@ -5142,7 +5285,7 @@
                 </a:tc>
                 <a:extLst>
                   <a:ext uri="{0D108BD9-81ED-4DB2-BD59-A6C34878D82A}">
-                    <a16:rowId xmlns:a16="http://schemas.microsoft.com/office/drawing/2014/main" val="388982692"/>
+                    <a16:rowId xmlns:a16="http://schemas.microsoft.com/office/drawing/2014/main" xmlns="" val="388982692"/>
                   </a:ext>
                 </a:extLst>
               </a:tr>
@@ -5205,7 +5348,7 @@
                 </a:tc>
                 <a:extLst>
                   <a:ext uri="{0D108BD9-81ED-4DB2-BD59-A6C34878D82A}">
-                    <a16:rowId xmlns:a16="http://schemas.microsoft.com/office/drawing/2014/main" val="998384457"/>
+                    <a16:rowId xmlns:a16="http://schemas.microsoft.com/office/drawing/2014/main" xmlns="" val="998384457"/>
                   </a:ext>
                 </a:extLst>
               </a:tr>
@@ -5268,7 +5411,7 @@
                 </a:tc>
                 <a:extLst>
                   <a:ext uri="{0D108BD9-81ED-4DB2-BD59-A6C34878D82A}">
-                    <a16:rowId xmlns:a16="http://schemas.microsoft.com/office/drawing/2014/main" val="3353710939"/>
+                    <a16:rowId xmlns:a16="http://schemas.microsoft.com/office/drawing/2014/main" xmlns="" val="3353710939"/>
                   </a:ext>
                 </a:extLst>
               </a:tr>
@@ -5311,7 +5454,7 @@
           <p:cNvPr id="2" name="Title 1">
             <a:extLst>
               <a:ext uri="{FF2B5EF4-FFF2-40B4-BE49-F238E27FC236}">
-                <a16:creationId xmlns:a16="http://schemas.microsoft.com/office/drawing/2014/main" id="{22E3B65E-74FD-B447-945F-BFB66A76D2E9}"/>
+                <a16:creationId xmlns:a16="http://schemas.microsoft.com/office/drawing/2014/main" xmlns="" id="{22E3B65E-74FD-B447-945F-BFB66A76D2E9}"/>
               </a:ext>
             </a:extLst>
           </p:cNvPr>
@@ -5339,7 +5482,7 @@
           <p:cNvPr id="3" name="Content Placeholder 2">
             <a:extLst>
               <a:ext uri="{FF2B5EF4-FFF2-40B4-BE49-F238E27FC236}">
-                <a16:creationId xmlns:a16="http://schemas.microsoft.com/office/drawing/2014/main" id="{FA63DA9B-E511-3340-97CE-5FDE95206E81}"/>
+                <a16:creationId xmlns:a16="http://schemas.microsoft.com/office/drawing/2014/main" xmlns="" id="{FA63DA9B-E511-3340-97CE-5FDE95206E81}"/>
               </a:ext>
             </a:extLst>
           </p:cNvPr>
@@ -5352,19 +5495,33 @@
         </p:nvSpPr>
         <p:spPr/>
         <p:txBody>
-          <a:bodyPr/>
+          <a:bodyPr anchor="ctr"/>
           <a:lstStyle/>
           <a:p>
             <a:r>
               <a:rPr lang="en-US" dirty="0"/>
-              <a:t>All categorical variables box plotted against continuous variables</a:t>
-            </a:r>
+              <a:t>All categorical variables box plotted against continuous </a:t>
+            </a:r>
+            <a:r>
+              <a:rPr lang="en-US" dirty="0" smtClean="0"/>
+              <a:t>variables</a:t>
+            </a:r>
+          </a:p>
+          <a:p>
+            <a:endParaRPr lang="en-US" dirty="0"/>
           </a:p>
           <a:p>
             <a:r>
               <a:rPr lang="en-US" dirty="0"/>
-              <a:t>Any value outside of 1.5*IQR</a:t>
-            </a:r>
+              <a:t>Any value outside of </a:t>
+            </a:r>
+            <a:r>
+              <a:rPr lang="en-US" dirty="0" smtClean="0"/>
+              <a:t>1.5*IQR</a:t>
+            </a:r>
+          </a:p>
+          <a:p>
+            <a:endParaRPr lang="en-US" dirty="0"/>
           </a:p>
           <a:p>
             <a:r>
@@ -5424,7 +5581,7 @@
           <p:cNvPr id="4" name="Content Placeholder 3" descr="Chart, box and whisker chart&#10;&#10;Description automatically generated">
             <a:extLst>
               <a:ext uri="{FF2B5EF4-FFF2-40B4-BE49-F238E27FC236}">
-                <a16:creationId xmlns:a16="http://schemas.microsoft.com/office/drawing/2014/main" id="{E3D53FED-0F17-49C0-A1CB-3F069D483FAC}"/>
+                <a16:creationId xmlns:a16="http://schemas.microsoft.com/office/drawing/2014/main" xmlns="" id="{E3D53FED-0F17-49C0-A1CB-3F069D483FAC}"/>
               </a:ext>
             </a:extLst>
           </p:cNvPr>
@@ -5492,7 +5649,7 @@
           <p:cNvPr id="2" name="Title 1">
             <a:extLst>
               <a:ext uri="{FF2B5EF4-FFF2-40B4-BE49-F238E27FC236}">
-                <a16:creationId xmlns:a16="http://schemas.microsoft.com/office/drawing/2014/main" id="{81ACD202-4D2E-44B9-9A24-5176F8CBE354}"/>
+                <a16:creationId xmlns:a16="http://schemas.microsoft.com/office/drawing/2014/main" xmlns="" id="{81ACD202-4D2E-44B9-9A24-5176F8CBE354}"/>
               </a:ext>
             </a:extLst>
           </p:cNvPr>
@@ -5520,7 +5677,7 @@
           <p:cNvPr id="3" name="Content Placeholder 2">
             <a:extLst>
               <a:ext uri="{FF2B5EF4-FFF2-40B4-BE49-F238E27FC236}">
-                <a16:creationId xmlns:a16="http://schemas.microsoft.com/office/drawing/2014/main" id="{AF67E41A-86F0-4171-AF59-B8112F710DA5}"/>
+                <a16:creationId xmlns:a16="http://schemas.microsoft.com/office/drawing/2014/main" xmlns="" id="{AF67E41A-86F0-4171-AF59-B8112F710DA5}"/>
               </a:ext>
             </a:extLst>
           </p:cNvPr>
@@ -5533,19 +5690,33 @@
         </p:nvSpPr>
         <p:spPr/>
         <p:txBody>
-          <a:bodyPr/>
+          <a:bodyPr anchor="ctr"/>
           <a:lstStyle/>
           <a:p>
             <a:r>
               <a:rPr lang="en-US" dirty="0"/>
-              <a:t>Standard Normal ~N(0,1)</a:t>
-            </a:r>
+              <a:t>Standard Normal </a:t>
+            </a:r>
+            <a:r>
+              <a:rPr lang="en-US" dirty="0" smtClean="0"/>
+              <a:t>~ N(0,1)</a:t>
+            </a:r>
+          </a:p>
+          <a:p>
+            <a:endParaRPr lang="en-US" dirty="0"/>
           </a:p>
           <a:p>
             <a:r>
               <a:rPr lang="en-US" dirty="0"/>
-              <a:t>Only for continuous variables</a:t>
-            </a:r>
+              <a:t>Only for continuous </a:t>
+            </a:r>
+            <a:r>
+              <a:rPr lang="en-US" dirty="0" smtClean="0"/>
+              <a:t>variables</a:t>
+            </a:r>
+          </a:p>
+          <a:p>
+            <a:endParaRPr lang="en-US" dirty="0"/>
           </a:p>
           <a:p>
             <a:r>
